--- a/Machine Learning on Edge Devices.pptx
+++ b/Machine Learning on Edge Devices.pptx
@@ -1068,7 +1068,7 @@
         <a:lstStyle/>
         <a:p>
           <a:r>
-            <a:rPr lang="en-US" dirty="0"/>
+            <a:rPr lang="en-US" b="1" dirty="0"/>
             <a:t>Survey</a:t>
           </a:r>
         </a:p>
@@ -1104,7 +1104,7 @@
         <a:lstStyle/>
         <a:p>
           <a:r>
-            <a:rPr lang="en-US" dirty="0"/>
+            <a:rPr lang="en-US" b="1" dirty="0"/>
             <a:t>Model Development</a:t>
           </a:r>
         </a:p>
@@ -1140,7 +1140,7 @@
         <a:lstStyle/>
         <a:p>
           <a:r>
-            <a:rPr lang="en-US" dirty="0"/>
+            <a:rPr lang="en-US" b="1" dirty="0"/>
             <a:t>Frameworks</a:t>
           </a:r>
         </a:p>
@@ -1176,7 +1176,7 @@
         <a:lstStyle/>
         <a:p>
           <a:r>
-            <a:rPr lang="en-US" dirty="0"/>
+            <a:rPr lang="en-US" b="1" dirty="0"/>
             <a:t>Background</a:t>
           </a:r>
         </a:p>
@@ -1212,7 +1212,7 @@
         <a:lstStyle/>
         <a:p>
           <a:r>
-            <a:rPr lang="en-US" dirty="0"/>
+            <a:rPr lang="en-US" b="1" dirty="0"/>
             <a:t>Resource Management</a:t>
           </a:r>
         </a:p>
@@ -1248,7 +1248,7 @@
         <a:lstStyle/>
         <a:p>
           <a:r>
-            <a:rPr lang="en-US" dirty="0"/>
+            <a:rPr lang="en-US" b="1" dirty="0"/>
             <a:t>Hardware</a:t>
           </a:r>
         </a:p>
@@ -1284,7 +1284,7 @@
         <a:lstStyle/>
         <a:p>
           <a:r>
-            <a:rPr lang="en-US" dirty="0"/>
+            <a:rPr lang="en-US" b="1" dirty="0"/>
             <a:t>Compression Methods</a:t>
           </a:r>
         </a:p>
@@ -1320,7 +1320,7 @@
         <a:lstStyle/>
         <a:p>
           <a:r>
-            <a:rPr lang="en-US" dirty="0"/>
+            <a:rPr lang="en-US" b="1" dirty="0"/>
             <a:t>Pre-Runtime</a:t>
           </a:r>
         </a:p>
@@ -1356,7 +1356,7 @@
         <a:lstStyle/>
         <a:p>
           <a:r>
-            <a:rPr lang="en-US" dirty="0"/>
+            <a:rPr lang="en-US" b="1" dirty="0"/>
             <a:t>Runtime</a:t>
           </a:r>
         </a:p>
@@ -1392,7 +1392,7 @@
         <a:lstStyle/>
         <a:p>
           <a:r>
-            <a:rPr lang="en-US" dirty="0"/>
+            <a:rPr lang="en-US" b="1" dirty="0"/>
             <a:t>Inference</a:t>
           </a:r>
         </a:p>
@@ -1428,7 +1428,7 @@
         <a:lstStyle/>
         <a:p>
           <a:r>
-            <a:rPr lang="en-US" dirty="0"/>
+            <a:rPr lang="en-US" b="1" dirty="0"/>
             <a:t>Training</a:t>
           </a:r>
         </a:p>
@@ -1464,7 +1464,7 @@
         <a:lstStyle/>
         <a:p>
           <a:r>
-            <a:rPr lang="en-US" dirty="0"/>
+            <a:rPr lang="en-US" b="1" dirty="0"/>
             <a:t>Empirical Energy Analysis</a:t>
           </a:r>
         </a:p>
@@ -1482,6 +1482,186 @@
       </dgm:t>
     </dgm:pt>
     <dgm:pt modelId="{4CC09960-DC9D-457A-B250-918CA2D28478}" type="sibTrans" cxnId="{ECA6A312-C609-4F06-A836-7D2D9A14C9EE}">
+      <dgm:prSet/>
+      <dgm:spPr/>
+      <dgm:t>
+        <a:bodyPr/>
+        <a:lstStyle/>
+        <a:p>
+          <a:endParaRPr lang="en-US"/>
+        </a:p>
+      </dgm:t>
+    </dgm:pt>
+    <dgm:pt modelId="{B2A53137-4402-4AC6-902D-B7CA36E235C2}">
+      <dgm:prSet phldrT="[Text]"/>
+      <dgm:spPr/>
+      <dgm:t>
+        <a:bodyPr/>
+        <a:lstStyle/>
+        <a:p>
+          <a:r>
+            <a:rPr lang="en-US" b="0" dirty="0"/>
+            <a:t>Edge Devices</a:t>
+          </a:r>
+        </a:p>
+      </dgm:t>
+    </dgm:pt>
+    <dgm:pt modelId="{2A5472A5-13EC-428F-A304-365AE956E6DC}" type="parTrans" cxnId="{2BFDC63F-F95F-4B69-B737-9FFF9223D784}">
+      <dgm:prSet/>
+      <dgm:spPr/>
+      <dgm:t>
+        <a:bodyPr/>
+        <a:lstStyle/>
+        <a:p>
+          <a:endParaRPr lang="en-US"/>
+        </a:p>
+      </dgm:t>
+    </dgm:pt>
+    <dgm:pt modelId="{57DCAFF4-8999-48A6-9AB2-68E779ABECAF}" type="sibTrans" cxnId="{2BFDC63F-F95F-4B69-B737-9FFF9223D784}">
+      <dgm:prSet/>
+      <dgm:spPr/>
+      <dgm:t>
+        <a:bodyPr/>
+        <a:lstStyle/>
+        <a:p>
+          <a:endParaRPr lang="en-US"/>
+        </a:p>
+      </dgm:t>
+    </dgm:pt>
+    <dgm:pt modelId="{977DB967-3538-4B33-85A8-DC82A0047434}">
+      <dgm:prSet phldrT="[Text]"/>
+      <dgm:spPr/>
+      <dgm:t>
+        <a:bodyPr/>
+        <a:lstStyle/>
+        <a:p>
+          <a:r>
+            <a:rPr lang="en-US" b="1" dirty="0"/>
+            <a:t>Cloud Computing Challenges</a:t>
+          </a:r>
+        </a:p>
+      </dgm:t>
+    </dgm:pt>
+    <dgm:pt modelId="{4EAF263B-1ECC-4AF3-A8B3-17CA84F2024E}" type="parTrans" cxnId="{3994E8CC-D31B-4689-9E39-75288007DEF4}">
+      <dgm:prSet/>
+      <dgm:spPr/>
+      <dgm:t>
+        <a:bodyPr/>
+        <a:lstStyle/>
+        <a:p>
+          <a:endParaRPr lang="en-US"/>
+        </a:p>
+      </dgm:t>
+    </dgm:pt>
+    <dgm:pt modelId="{10C1FD0A-CF2C-4BB0-BCCC-6FEFAA099A62}" type="sibTrans" cxnId="{3994E8CC-D31B-4689-9E39-75288007DEF4}">
+      <dgm:prSet/>
+      <dgm:spPr/>
+      <dgm:t>
+        <a:bodyPr/>
+        <a:lstStyle/>
+        <a:p>
+          <a:endParaRPr lang="en-US"/>
+        </a:p>
+      </dgm:t>
+    </dgm:pt>
+    <dgm:pt modelId="{D0E047F1-2D81-4D01-90DE-CD5A787C3361}">
+      <dgm:prSet phldrT="[Text]"/>
+      <dgm:spPr/>
+      <dgm:t>
+        <a:bodyPr/>
+        <a:lstStyle/>
+        <a:p>
+          <a:r>
+            <a:rPr lang="en-US" b="1" dirty="0"/>
+            <a:t>On-device Models</a:t>
+          </a:r>
+        </a:p>
+      </dgm:t>
+    </dgm:pt>
+    <dgm:pt modelId="{EF436078-8755-459B-8B34-EFC1FDAD2E07}" type="parTrans" cxnId="{900F96BE-7216-4A1C-806F-5CE813FE85B7}">
+      <dgm:prSet/>
+      <dgm:spPr/>
+      <dgm:t>
+        <a:bodyPr/>
+        <a:lstStyle/>
+        <a:p>
+          <a:endParaRPr lang="en-US"/>
+        </a:p>
+      </dgm:t>
+    </dgm:pt>
+    <dgm:pt modelId="{2DB58940-01C4-48F2-968F-42EADF549CFB}" type="sibTrans" cxnId="{900F96BE-7216-4A1C-806F-5CE813FE85B7}">
+      <dgm:prSet/>
+      <dgm:spPr/>
+      <dgm:t>
+        <a:bodyPr/>
+        <a:lstStyle/>
+        <a:p>
+          <a:endParaRPr lang="en-US"/>
+        </a:p>
+      </dgm:t>
+    </dgm:pt>
+    <dgm:pt modelId="{F80C3CC8-9D5F-45A3-8DCE-E278D9E7C310}">
+      <dgm:prSet phldrT="[Text]"/>
+      <dgm:spPr/>
+      <dgm:t>
+        <a:bodyPr/>
+        <a:lstStyle/>
+        <a:p>
+          <a:r>
+            <a:rPr lang="en-US" b="1" dirty="0"/>
+            <a:t>Data Gathering and Preprocessing</a:t>
+          </a:r>
+        </a:p>
+      </dgm:t>
+    </dgm:pt>
+    <dgm:pt modelId="{A8A95BF5-25BA-48BB-ABF4-4B1FB6281659}" type="parTrans" cxnId="{449050EC-3D33-4370-9E0A-BD751BA0CD88}">
+      <dgm:prSet/>
+      <dgm:spPr/>
+      <dgm:t>
+        <a:bodyPr/>
+        <a:lstStyle/>
+        <a:p>
+          <a:endParaRPr lang="en-US"/>
+        </a:p>
+      </dgm:t>
+    </dgm:pt>
+    <dgm:pt modelId="{C0304D44-2EA7-4EF8-A979-53C055AA71A1}" type="sibTrans" cxnId="{449050EC-3D33-4370-9E0A-BD751BA0CD88}">
+      <dgm:prSet/>
+      <dgm:spPr/>
+      <dgm:t>
+        <a:bodyPr/>
+        <a:lstStyle/>
+        <a:p>
+          <a:endParaRPr lang="en-US"/>
+        </a:p>
+      </dgm:t>
+    </dgm:pt>
+    <dgm:pt modelId="{F61F2E26-4C7E-4987-B483-9B7C220918E6}">
+      <dgm:prSet phldrT="[Text]"/>
+      <dgm:spPr/>
+      <dgm:t>
+        <a:bodyPr/>
+        <a:lstStyle/>
+        <a:p>
+          <a:r>
+            <a:rPr lang="en-US" b="1" dirty="0"/>
+            <a:t>Edge Applications</a:t>
+          </a:r>
+        </a:p>
+      </dgm:t>
+    </dgm:pt>
+    <dgm:pt modelId="{17BA1D3D-9355-4587-876C-E5122EC24C03}" type="parTrans" cxnId="{138B2B1D-27C9-40F1-912C-6041268AEBA8}">
+      <dgm:prSet/>
+      <dgm:spPr/>
+      <dgm:t>
+        <a:bodyPr/>
+        <a:lstStyle/>
+        <a:p>
+          <a:endParaRPr lang="en-US"/>
+        </a:p>
+      </dgm:t>
+    </dgm:pt>
+    <dgm:pt modelId="{5266E2A0-C1CF-4248-AE74-A58957A88D79}" type="sibTrans" cxnId="{138B2B1D-27C9-40F1-912C-6041268AEBA8}">
       <dgm:prSet/>
       <dgm:spPr/>
       <dgm:t>
@@ -1534,7 +1714,7 @@
       <dgm:spPr/>
     </dgm:pt>
     <dgm:pt modelId="{76F9F24D-6911-4017-8C4E-E195E4FADACE}" type="pres">
-      <dgm:prSet presAssocID="{31572ED7-D1F7-4597-8D4E-004AB6BDA364}" presName="Name37" presStyleLbl="parChTrans1D2" presStyleIdx="0" presStyleCnt="5"/>
+      <dgm:prSet presAssocID="{31572ED7-D1F7-4597-8D4E-004AB6BDA364}" presName="Name37" presStyleLbl="parChTrans1D2" presStyleIdx="0" presStyleCnt="6"/>
       <dgm:spPr/>
     </dgm:pt>
     <dgm:pt modelId="{8CABA6F1-D7F7-4B34-9645-064371C75DE3}" type="pres">
@@ -1550,7 +1730,7 @@
       <dgm:spPr/>
     </dgm:pt>
     <dgm:pt modelId="{174F7E23-EC2F-4F89-AAE4-A09221A94CC1}" type="pres">
-      <dgm:prSet presAssocID="{9D65A172-640B-44AF-B48E-E853492FB2C1}" presName="rootText" presStyleLbl="node2" presStyleIdx="0" presStyleCnt="5">
+      <dgm:prSet presAssocID="{9D65A172-640B-44AF-B48E-E853492FB2C1}" presName="rootText" presStyleLbl="node2" presStyleIdx="0" presStyleCnt="6">
         <dgm:presLayoutVars>
           <dgm:chPref val="3"/>
         </dgm:presLayoutVars>
@@ -1558,19 +1738,163 @@
       <dgm:spPr/>
     </dgm:pt>
     <dgm:pt modelId="{4F4EBD20-12B4-493A-980F-ABD0AF577168}" type="pres">
-      <dgm:prSet presAssocID="{9D65A172-640B-44AF-B48E-E853492FB2C1}" presName="rootConnector" presStyleLbl="node2" presStyleIdx="0" presStyleCnt="5"/>
+      <dgm:prSet presAssocID="{9D65A172-640B-44AF-B48E-E853492FB2C1}" presName="rootConnector" presStyleLbl="node2" presStyleIdx="0" presStyleCnt="6"/>
       <dgm:spPr/>
     </dgm:pt>
     <dgm:pt modelId="{518F782D-4809-457F-B203-40BF7203F653}" type="pres">
       <dgm:prSet presAssocID="{9D65A172-640B-44AF-B48E-E853492FB2C1}" presName="hierChild4" presStyleCnt="0"/>
       <dgm:spPr/>
     </dgm:pt>
+    <dgm:pt modelId="{C6947D4A-0A4B-4D31-B3C8-2FA7CA0F80BF}" type="pres">
+      <dgm:prSet presAssocID="{2A5472A5-13EC-428F-A304-365AE956E6DC}" presName="Name37" presStyleLbl="parChTrans1D3" presStyleIdx="0" presStyleCnt="8"/>
+      <dgm:spPr/>
+    </dgm:pt>
+    <dgm:pt modelId="{4D8BDEB8-1422-41C3-9D2A-68F4E520C04F}" type="pres">
+      <dgm:prSet presAssocID="{B2A53137-4402-4AC6-902D-B7CA36E235C2}" presName="hierRoot2" presStyleCnt="0">
+        <dgm:presLayoutVars>
+          <dgm:hierBranch val="init"/>
+        </dgm:presLayoutVars>
+      </dgm:prSet>
+      <dgm:spPr/>
+    </dgm:pt>
+    <dgm:pt modelId="{3B18646D-E9DA-409C-9C08-16825ACB0359}" type="pres">
+      <dgm:prSet presAssocID="{B2A53137-4402-4AC6-902D-B7CA36E235C2}" presName="rootComposite" presStyleCnt="0"/>
+      <dgm:spPr/>
+    </dgm:pt>
+    <dgm:pt modelId="{7D1CCAA8-A423-4676-9FCE-51595A9220D9}" type="pres">
+      <dgm:prSet presAssocID="{B2A53137-4402-4AC6-902D-B7CA36E235C2}" presName="rootText" presStyleLbl="node3" presStyleIdx="0" presStyleCnt="8">
+        <dgm:presLayoutVars>
+          <dgm:chPref val="3"/>
+        </dgm:presLayoutVars>
+      </dgm:prSet>
+      <dgm:spPr/>
+    </dgm:pt>
+    <dgm:pt modelId="{14374437-6076-4B3D-A974-984C0B5D83E1}" type="pres">
+      <dgm:prSet presAssocID="{B2A53137-4402-4AC6-902D-B7CA36E235C2}" presName="rootConnector" presStyleLbl="node3" presStyleIdx="0" presStyleCnt="8"/>
+      <dgm:spPr/>
+    </dgm:pt>
+    <dgm:pt modelId="{A677C878-1D3F-4698-832D-CD710EB59024}" type="pres">
+      <dgm:prSet presAssocID="{B2A53137-4402-4AC6-902D-B7CA36E235C2}" presName="hierChild4" presStyleCnt="0"/>
+      <dgm:spPr/>
+    </dgm:pt>
+    <dgm:pt modelId="{825F6C16-3C4B-4017-A99E-9232FE7A8E0E}" type="pres">
+      <dgm:prSet presAssocID="{B2A53137-4402-4AC6-902D-B7CA36E235C2}" presName="hierChild5" presStyleCnt="0"/>
+      <dgm:spPr/>
+    </dgm:pt>
+    <dgm:pt modelId="{898AAF22-0FBF-4A6E-BD0A-F5C2D8E0EEDC}" type="pres">
+      <dgm:prSet presAssocID="{4EAF263B-1ECC-4AF3-A8B3-17CA84F2024E}" presName="Name37" presStyleLbl="parChTrans1D3" presStyleIdx="1" presStyleCnt="8"/>
+      <dgm:spPr/>
+    </dgm:pt>
+    <dgm:pt modelId="{D1AECDC9-45C8-4B27-AF3A-181B6761FE27}" type="pres">
+      <dgm:prSet presAssocID="{977DB967-3538-4B33-85A8-DC82A0047434}" presName="hierRoot2" presStyleCnt="0">
+        <dgm:presLayoutVars>
+          <dgm:hierBranch val="init"/>
+        </dgm:presLayoutVars>
+      </dgm:prSet>
+      <dgm:spPr/>
+    </dgm:pt>
+    <dgm:pt modelId="{B073CD42-7B07-4ADB-A607-64D5416C8B7D}" type="pres">
+      <dgm:prSet presAssocID="{977DB967-3538-4B33-85A8-DC82A0047434}" presName="rootComposite" presStyleCnt="0"/>
+      <dgm:spPr/>
+    </dgm:pt>
+    <dgm:pt modelId="{BF21BA35-F24C-4674-957A-7CB6F6009CD8}" type="pres">
+      <dgm:prSet presAssocID="{977DB967-3538-4B33-85A8-DC82A0047434}" presName="rootText" presStyleLbl="node3" presStyleIdx="1" presStyleCnt="8">
+        <dgm:presLayoutVars>
+          <dgm:chPref val="3"/>
+        </dgm:presLayoutVars>
+      </dgm:prSet>
+      <dgm:spPr/>
+    </dgm:pt>
+    <dgm:pt modelId="{40201E8B-9BF4-4A58-8A03-39522D708D8C}" type="pres">
+      <dgm:prSet presAssocID="{977DB967-3538-4B33-85A8-DC82A0047434}" presName="rootConnector" presStyleLbl="node3" presStyleIdx="1" presStyleCnt="8"/>
+      <dgm:spPr/>
+    </dgm:pt>
+    <dgm:pt modelId="{7F22754D-063C-48B0-98F4-9B2420DD9D30}" type="pres">
+      <dgm:prSet presAssocID="{977DB967-3538-4B33-85A8-DC82A0047434}" presName="hierChild4" presStyleCnt="0"/>
+      <dgm:spPr/>
+    </dgm:pt>
+    <dgm:pt modelId="{AF79F453-8528-4A78-8827-BE12B7B22F54}" type="pres">
+      <dgm:prSet presAssocID="{977DB967-3538-4B33-85A8-DC82A0047434}" presName="hierChild5" presStyleCnt="0"/>
+      <dgm:spPr/>
+    </dgm:pt>
+    <dgm:pt modelId="{50F05572-80A3-4D14-90CD-6658CC53A17E}" type="pres">
+      <dgm:prSet presAssocID="{EF436078-8755-459B-8B34-EFC1FDAD2E07}" presName="Name37" presStyleLbl="parChTrans1D3" presStyleIdx="2" presStyleCnt="8"/>
+      <dgm:spPr/>
+    </dgm:pt>
+    <dgm:pt modelId="{31B248D9-6F70-4048-94C9-0F8E0272DAE1}" type="pres">
+      <dgm:prSet presAssocID="{D0E047F1-2D81-4D01-90DE-CD5A787C3361}" presName="hierRoot2" presStyleCnt="0">
+        <dgm:presLayoutVars>
+          <dgm:hierBranch val="init"/>
+        </dgm:presLayoutVars>
+      </dgm:prSet>
+      <dgm:spPr/>
+    </dgm:pt>
+    <dgm:pt modelId="{1306F2FA-AB17-4865-AC5A-3E53D1CBF36E}" type="pres">
+      <dgm:prSet presAssocID="{D0E047F1-2D81-4D01-90DE-CD5A787C3361}" presName="rootComposite" presStyleCnt="0"/>
+      <dgm:spPr/>
+    </dgm:pt>
+    <dgm:pt modelId="{B14D3147-3229-435A-AD75-31B43A278114}" type="pres">
+      <dgm:prSet presAssocID="{D0E047F1-2D81-4D01-90DE-CD5A787C3361}" presName="rootText" presStyleLbl="node3" presStyleIdx="2" presStyleCnt="8">
+        <dgm:presLayoutVars>
+          <dgm:chPref val="3"/>
+        </dgm:presLayoutVars>
+      </dgm:prSet>
+      <dgm:spPr/>
+    </dgm:pt>
+    <dgm:pt modelId="{6091C43D-BAE4-42D5-AE9D-24D3FC3FC9C3}" type="pres">
+      <dgm:prSet presAssocID="{D0E047F1-2D81-4D01-90DE-CD5A787C3361}" presName="rootConnector" presStyleLbl="node3" presStyleIdx="2" presStyleCnt="8"/>
+      <dgm:spPr/>
+    </dgm:pt>
+    <dgm:pt modelId="{A052BCF2-B4C5-485A-94A4-6327689AED63}" type="pres">
+      <dgm:prSet presAssocID="{D0E047F1-2D81-4D01-90DE-CD5A787C3361}" presName="hierChild4" presStyleCnt="0"/>
+      <dgm:spPr/>
+    </dgm:pt>
+    <dgm:pt modelId="{9F1A9655-4E47-420B-8371-13C30AA29059}" type="pres">
+      <dgm:prSet presAssocID="{D0E047F1-2D81-4D01-90DE-CD5A787C3361}" presName="hierChild5" presStyleCnt="0"/>
+      <dgm:spPr/>
+    </dgm:pt>
     <dgm:pt modelId="{DA43EEA8-EE72-4F1E-A77F-D1888BD4FEF0}" type="pres">
       <dgm:prSet presAssocID="{9D65A172-640B-44AF-B48E-E853492FB2C1}" presName="hierChild5" presStyleCnt="0"/>
       <dgm:spPr/>
     </dgm:pt>
+    <dgm:pt modelId="{566E593A-F6BD-4575-A932-BEFEB99F9F7E}" type="pres">
+      <dgm:prSet presAssocID="{17BA1D3D-9355-4587-876C-E5122EC24C03}" presName="Name37" presStyleLbl="parChTrans1D2" presStyleIdx="1" presStyleCnt="6"/>
+      <dgm:spPr/>
+    </dgm:pt>
+    <dgm:pt modelId="{504739C9-D32F-431D-838C-31A4D2BC7187}" type="pres">
+      <dgm:prSet presAssocID="{F61F2E26-4C7E-4987-B483-9B7C220918E6}" presName="hierRoot2" presStyleCnt="0">
+        <dgm:presLayoutVars>
+          <dgm:hierBranch val="init"/>
+        </dgm:presLayoutVars>
+      </dgm:prSet>
+      <dgm:spPr/>
+    </dgm:pt>
+    <dgm:pt modelId="{6999679D-4AE9-4F11-A5DC-B52BFBC7F09A}" type="pres">
+      <dgm:prSet presAssocID="{F61F2E26-4C7E-4987-B483-9B7C220918E6}" presName="rootComposite" presStyleCnt="0"/>
+      <dgm:spPr/>
+    </dgm:pt>
+    <dgm:pt modelId="{CBBAA318-DD59-4E4E-92E7-458A89BC454C}" type="pres">
+      <dgm:prSet presAssocID="{F61F2E26-4C7E-4987-B483-9B7C220918E6}" presName="rootText" presStyleLbl="node2" presStyleIdx="1" presStyleCnt="6">
+        <dgm:presLayoutVars>
+          <dgm:chPref val="3"/>
+        </dgm:presLayoutVars>
+      </dgm:prSet>
+      <dgm:spPr/>
+    </dgm:pt>
+    <dgm:pt modelId="{79E8796E-0A56-48E2-A512-2034CB83BFFC}" type="pres">
+      <dgm:prSet presAssocID="{F61F2E26-4C7E-4987-B483-9B7C220918E6}" presName="rootConnector" presStyleLbl="node2" presStyleIdx="1" presStyleCnt="6"/>
+      <dgm:spPr/>
+    </dgm:pt>
+    <dgm:pt modelId="{DBE14DE1-50E6-4175-A4D8-60E5C9095E70}" type="pres">
+      <dgm:prSet presAssocID="{F61F2E26-4C7E-4987-B483-9B7C220918E6}" presName="hierChild4" presStyleCnt="0"/>
+      <dgm:spPr/>
+    </dgm:pt>
+    <dgm:pt modelId="{A6B53CE5-AA47-4885-B8C7-5A5F656F2AEE}" type="pres">
+      <dgm:prSet presAssocID="{F61F2E26-4C7E-4987-B483-9B7C220918E6}" presName="hierChild5" presStyleCnt="0"/>
+      <dgm:spPr/>
+    </dgm:pt>
     <dgm:pt modelId="{CBA43442-57D4-4789-81ED-76A9330DF266}" type="pres">
-      <dgm:prSet presAssocID="{B1CA64C3-7154-4EB5-98DB-321314EE4C94}" presName="Name37" presStyleLbl="parChTrans1D2" presStyleIdx="1" presStyleCnt="5"/>
+      <dgm:prSet presAssocID="{B1CA64C3-7154-4EB5-98DB-321314EE4C94}" presName="Name37" presStyleLbl="parChTrans1D2" presStyleIdx="2" presStyleCnt="6"/>
       <dgm:spPr/>
     </dgm:pt>
     <dgm:pt modelId="{F9879274-9671-4D3C-97E9-E445A8AFD2D0}" type="pres">
@@ -1586,7 +1910,7 @@
       <dgm:spPr/>
     </dgm:pt>
     <dgm:pt modelId="{35E89742-BA88-4DF4-BB56-ABD629DBF74B}" type="pres">
-      <dgm:prSet presAssocID="{A016EEE6-E6C9-405F-ACF1-FFADFEABE97F}" presName="rootText" presStyleLbl="node2" presStyleIdx="1" presStyleCnt="5">
+      <dgm:prSet presAssocID="{A016EEE6-E6C9-405F-ACF1-FFADFEABE97F}" presName="rootText" presStyleLbl="node2" presStyleIdx="2" presStyleCnt="6">
         <dgm:presLayoutVars>
           <dgm:chPref val="3"/>
         </dgm:presLayoutVars>
@@ -1594,15 +1918,51 @@
       <dgm:spPr/>
     </dgm:pt>
     <dgm:pt modelId="{7CAE20F3-9851-4184-88DB-DE8D73469125}" type="pres">
-      <dgm:prSet presAssocID="{A016EEE6-E6C9-405F-ACF1-FFADFEABE97F}" presName="rootConnector" presStyleLbl="node2" presStyleIdx="1" presStyleCnt="5"/>
+      <dgm:prSet presAssocID="{A016EEE6-E6C9-405F-ACF1-FFADFEABE97F}" presName="rootConnector" presStyleLbl="node2" presStyleIdx="2" presStyleCnt="6"/>
       <dgm:spPr/>
     </dgm:pt>
     <dgm:pt modelId="{F71291DF-967A-43A2-B7FB-9D3EF8D80FED}" type="pres">
       <dgm:prSet presAssocID="{A016EEE6-E6C9-405F-ACF1-FFADFEABE97F}" presName="hierChild4" presStyleCnt="0"/>
       <dgm:spPr/>
     </dgm:pt>
+    <dgm:pt modelId="{C05AB4CA-F2E4-4789-96E5-F61D53BF4809}" type="pres">
+      <dgm:prSet presAssocID="{A8A95BF5-25BA-48BB-ABF4-4B1FB6281659}" presName="Name37" presStyleLbl="parChTrans1D3" presStyleIdx="3" presStyleCnt="8"/>
+      <dgm:spPr/>
+    </dgm:pt>
+    <dgm:pt modelId="{1EB9F392-8CB0-4B9A-B49D-0DFFCA5FA5B1}" type="pres">
+      <dgm:prSet presAssocID="{F80C3CC8-9D5F-45A3-8DCE-E278D9E7C310}" presName="hierRoot2" presStyleCnt="0">
+        <dgm:presLayoutVars>
+          <dgm:hierBranch val="init"/>
+        </dgm:presLayoutVars>
+      </dgm:prSet>
+      <dgm:spPr/>
+    </dgm:pt>
+    <dgm:pt modelId="{F15911F3-2F42-4424-9E44-016F67F95FF6}" type="pres">
+      <dgm:prSet presAssocID="{F80C3CC8-9D5F-45A3-8DCE-E278D9E7C310}" presName="rootComposite" presStyleCnt="0"/>
+      <dgm:spPr/>
+    </dgm:pt>
+    <dgm:pt modelId="{4BC5195C-979B-481B-AB97-7D858EADBA85}" type="pres">
+      <dgm:prSet presAssocID="{F80C3CC8-9D5F-45A3-8DCE-E278D9E7C310}" presName="rootText" presStyleLbl="node3" presStyleIdx="3" presStyleCnt="8">
+        <dgm:presLayoutVars>
+          <dgm:chPref val="3"/>
+        </dgm:presLayoutVars>
+      </dgm:prSet>
+      <dgm:spPr/>
+    </dgm:pt>
+    <dgm:pt modelId="{2C5DAE78-FD60-444F-BF88-A87CCE9EAF07}" type="pres">
+      <dgm:prSet presAssocID="{F80C3CC8-9D5F-45A3-8DCE-E278D9E7C310}" presName="rootConnector" presStyleLbl="node3" presStyleIdx="3" presStyleCnt="8"/>
+      <dgm:spPr/>
+    </dgm:pt>
+    <dgm:pt modelId="{A2C31856-7C0F-4B14-9372-0AC0A5CA77B0}" type="pres">
+      <dgm:prSet presAssocID="{F80C3CC8-9D5F-45A3-8DCE-E278D9E7C310}" presName="hierChild4" presStyleCnt="0"/>
+      <dgm:spPr/>
+    </dgm:pt>
+    <dgm:pt modelId="{BF4DD9BB-4DBD-448F-9122-4F244FCF8932}" type="pres">
+      <dgm:prSet presAssocID="{F80C3CC8-9D5F-45A3-8DCE-E278D9E7C310}" presName="hierChild5" presStyleCnt="0"/>
+      <dgm:spPr/>
+    </dgm:pt>
     <dgm:pt modelId="{4757C9F0-ADED-4545-BE13-507D791B2851}" type="pres">
-      <dgm:prSet presAssocID="{B30F3CBC-426C-4B43-B159-A7BAEE29C581}" presName="Name37" presStyleLbl="parChTrans1D3" presStyleIdx="0" presStyleCnt="4"/>
+      <dgm:prSet presAssocID="{B30F3CBC-426C-4B43-B159-A7BAEE29C581}" presName="Name37" presStyleLbl="parChTrans1D3" presStyleIdx="4" presStyleCnt="8"/>
       <dgm:spPr/>
     </dgm:pt>
     <dgm:pt modelId="{D8556E7D-4CB1-400B-81DD-D05A4F8BBA3E}" type="pres">
@@ -1618,7 +1978,7 @@
       <dgm:spPr/>
     </dgm:pt>
     <dgm:pt modelId="{BB36BA23-1CC4-422E-9832-E46739477823}" type="pres">
-      <dgm:prSet presAssocID="{CAFAF27C-277E-47D3-989A-D911590B02DF}" presName="rootText" presStyleLbl="node3" presStyleIdx="0" presStyleCnt="4">
+      <dgm:prSet presAssocID="{CAFAF27C-277E-47D3-989A-D911590B02DF}" presName="rootText" presStyleLbl="node3" presStyleIdx="4" presStyleCnt="8">
         <dgm:presLayoutVars>
           <dgm:chPref val="3"/>
         </dgm:presLayoutVars>
@@ -1626,7 +1986,7 @@
       <dgm:spPr/>
     </dgm:pt>
     <dgm:pt modelId="{6FDEBB40-B66F-4873-B5E1-6A2056A66F75}" type="pres">
-      <dgm:prSet presAssocID="{CAFAF27C-277E-47D3-989A-D911590B02DF}" presName="rootConnector" presStyleLbl="node3" presStyleIdx="0" presStyleCnt="4"/>
+      <dgm:prSet presAssocID="{CAFAF27C-277E-47D3-989A-D911590B02DF}" presName="rootConnector" presStyleLbl="node3" presStyleIdx="4" presStyleCnt="8"/>
       <dgm:spPr/>
     </dgm:pt>
     <dgm:pt modelId="{09F5BCEB-F822-468A-9186-D18D023B1349}" type="pres">
@@ -1638,7 +1998,7 @@
       <dgm:spPr/>
     </dgm:pt>
     <dgm:pt modelId="{4E87919C-7674-4507-8919-9FBC45110084}" type="pres">
-      <dgm:prSet presAssocID="{E107E119-58A8-4FBC-A802-701A12F0DF9E}" presName="Name37" presStyleLbl="parChTrans1D3" presStyleIdx="1" presStyleCnt="4"/>
+      <dgm:prSet presAssocID="{E107E119-58A8-4FBC-A802-701A12F0DF9E}" presName="Name37" presStyleLbl="parChTrans1D3" presStyleIdx="5" presStyleCnt="8"/>
       <dgm:spPr/>
     </dgm:pt>
     <dgm:pt modelId="{F1F2E2FC-E776-465B-A38D-138D3F07549C}" type="pres">
@@ -1654,7 +2014,7 @@
       <dgm:spPr/>
     </dgm:pt>
     <dgm:pt modelId="{0E552A6F-B68C-4E74-BE5D-70249725636B}" type="pres">
-      <dgm:prSet presAssocID="{5FF9F82F-1256-4F68-ADD5-1256E0CE9394}" presName="rootText" presStyleLbl="node3" presStyleIdx="1" presStyleCnt="4">
+      <dgm:prSet presAssocID="{5FF9F82F-1256-4F68-ADD5-1256E0CE9394}" presName="rootText" presStyleLbl="node3" presStyleIdx="5" presStyleCnt="8">
         <dgm:presLayoutVars>
           <dgm:chPref val="3"/>
         </dgm:presLayoutVars>
@@ -1662,7 +2022,7 @@
       <dgm:spPr/>
     </dgm:pt>
     <dgm:pt modelId="{3689119B-FFB9-41EA-A4DB-B162EFBA94CA}" type="pres">
-      <dgm:prSet presAssocID="{5FF9F82F-1256-4F68-ADD5-1256E0CE9394}" presName="rootConnector" presStyleLbl="node3" presStyleIdx="1" presStyleCnt="4"/>
+      <dgm:prSet presAssocID="{5FF9F82F-1256-4F68-ADD5-1256E0CE9394}" presName="rootConnector" presStyleLbl="node3" presStyleIdx="5" presStyleCnt="8"/>
       <dgm:spPr/>
     </dgm:pt>
     <dgm:pt modelId="{D9B89396-A938-4515-8EBC-04023E1AF586}" type="pres">
@@ -1750,7 +2110,7 @@
       <dgm:spPr/>
     </dgm:pt>
     <dgm:pt modelId="{F5F16A33-5074-4422-9522-4AF9DC2C0200}" type="pres">
-      <dgm:prSet presAssocID="{8C4B075C-32F7-47A3-85B6-885D7FFA9337}" presName="Name37" presStyleLbl="parChTrans1D2" presStyleIdx="2" presStyleCnt="5"/>
+      <dgm:prSet presAssocID="{8C4B075C-32F7-47A3-85B6-885D7FFA9337}" presName="Name37" presStyleLbl="parChTrans1D2" presStyleIdx="3" presStyleCnt="6"/>
       <dgm:spPr/>
     </dgm:pt>
     <dgm:pt modelId="{6EBC0642-31E0-4F0F-ABD3-AA47BA7E7327}" type="pres">
@@ -1766,7 +2126,7 @@
       <dgm:spPr/>
     </dgm:pt>
     <dgm:pt modelId="{26D9CF35-9A67-4ADF-BB7F-61BBA7B904FF}" type="pres">
-      <dgm:prSet presAssocID="{EB8AC4C4-767A-4581-ACFB-BFD94C2A2715}" presName="rootText" presStyleLbl="node2" presStyleIdx="2" presStyleCnt="5">
+      <dgm:prSet presAssocID="{EB8AC4C4-767A-4581-ACFB-BFD94C2A2715}" presName="rootText" presStyleLbl="node2" presStyleIdx="3" presStyleCnt="6">
         <dgm:presLayoutVars>
           <dgm:chPref val="3"/>
         </dgm:presLayoutVars>
@@ -1774,7 +2134,7 @@
       <dgm:spPr/>
     </dgm:pt>
     <dgm:pt modelId="{BEA1F055-D75F-4777-A38F-1F6E9E5D73E0}" type="pres">
-      <dgm:prSet presAssocID="{EB8AC4C4-767A-4581-ACFB-BFD94C2A2715}" presName="rootConnector" presStyleLbl="node2" presStyleIdx="2" presStyleCnt="5"/>
+      <dgm:prSet presAssocID="{EB8AC4C4-767A-4581-ACFB-BFD94C2A2715}" presName="rootConnector" presStyleLbl="node2" presStyleIdx="3" presStyleCnt="6"/>
       <dgm:spPr/>
     </dgm:pt>
     <dgm:pt modelId="{7AFFEB89-F003-46D2-A54E-27A510C35EEC}" type="pres">
@@ -1786,7 +2146,7 @@
       <dgm:spPr/>
     </dgm:pt>
     <dgm:pt modelId="{3BA964FF-5030-4219-8DA2-BF0FC8AD8694}" type="pres">
-      <dgm:prSet presAssocID="{A4DFD2E9-A954-482B-9FE4-82FBF2B4C609}" presName="Name37" presStyleLbl="parChTrans1D2" presStyleIdx="3" presStyleCnt="5"/>
+      <dgm:prSet presAssocID="{A4DFD2E9-A954-482B-9FE4-82FBF2B4C609}" presName="Name37" presStyleLbl="parChTrans1D2" presStyleIdx="4" presStyleCnt="6"/>
       <dgm:spPr/>
     </dgm:pt>
     <dgm:pt modelId="{B5798A9F-BE8C-4889-AD00-99EFAAE5ADF7}" type="pres">
@@ -1802,7 +2162,7 @@
       <dgm:spPr/>
     </dgm:pt>
     <dgm:pt modelId="{DF535DEB-C5B4-4D62-B2CE-4FC786F1A0EB}" type="pres">
-      <dgm:prSet presAssocID="{AD58BBB5-A9D4-4F77-B543-74EF3E70A4B4}" presName="rootText" presStyleLbl="node2" presStyleIdx="3" presStyleCnt="5">
+      <dgm:prSet presAssocID="{AD58BBB5-A9D4-4F77-B543-74EF3E70A4B4}" presName="rootText" presStyleLbl="node2" presStyleIdx="4" presStyleCnt="6">
         <dgm:presLayoutVars>
           <dgm:chPref val="3"/>
         </dgm:presLayoutVars>
@@ -1810,7 +2170,7 @@
       <dgm:spPr/>
     </dgm:pt>
     <dgm:pt modelId="{2ECAEA8B-D919-44E5-BAEA-1BCC751E732E}" type="pres">
-      <dgm:prSet presAssocID="{AD58BBB5-A9D4-4F77-B543-74EF3E70A4B4}" presName="rootConnector" presStyleLbl="node2" presStyleIdx="3" presStyleCnt="5"/>
+      <dgm:prSet presAssocID="{AD58BBB5-A9D4-4F77-B543-74EF3E70A4B4}" presName="rootConnector" presStyleLbl="node2" presStyleIdx="4" presStyleCnt="6"/>
       <dgm:spPr/>
     </dgm:pt>
     <dgm:pt modelId="{AE8BEDAE-2943-4DDC-8BAE-38DB594DAAF3}" type="pres">
@@ -1818,7 +2178,7 @@
       <dgm:spPr/>
     </dgm:pt>
     <dgm:pt modelId="{B633DA36-386E-452A-849A-D8BCF4A5F011}" type="pres">
-      <dgm:prSet presAssocID="{FE778858-31F8-405E-A315-CFD2A38C551B}" presName="Name37" presStyleLbl="parChTrans1D3" presStyleIdx="2" presStyleCnt="4"/>
+      <dgm:prSet presAssocID="{FE778858-31F8-405E-A315-CFD2A38C551B}" presName="Name37" presStyleLbl="parChTrans1D3" presStyleIdx="6" presStyleCnt="8"/>
       <dgm:spPr/>
     </dgm:pt>
     <dgm:pt modelId="{10446BB9-3F58-423A-B385-6A89D12C3ADC}" type="pres">
@@ -1834,7 +2194,7 @@
       <dgm:spPr/>
     </dgm:pt>
     <dgm:pt modelId="{1C57AF26-25E2-4566-9FA6-DE9C3099A366}" type="pres">
-      <dgm:prSet presAssocID="{5A1DEB41-8037-40C2-A6C1-8A446D2361A5}" presName="rootText" presStyleLbl="node3" presStyleIdx="2" presStyleCnt="4">
+      <dgm:prSet presAssocID="{5A1DEB41-8037-40C2-A6C1-8A446D2361A5}" presName="rootText" presStyleLbl="node3" presStyleIdx="6" presStyleCnt="8">
         <dgm:presLayoutVars>
           <dgm:chPref val="3"/>
         </dgm:presLayoutVars>
@@ -1842,7 +2202,7 @@
       <dgm:spPr/>
     </dgm:pt>
     <dgm:pt modelId="{9D039A3B-6B03-497A-A3F1-E34A1F55BD26}" type="pres">
-      <dgm:prSet presAssocID="{5A1DEB41-8037-40C2-A6C1-8A446D2361A5}" presName="rootConnector" presStyleLbl="node3" presStyleIdx="2" presStyleCnt="4"/>
+      <dgm:prSet presAssocID="{5A1DEB41-8037-40C2-A6C1-8A446D2361A5}" presName="rootConnector" presStyleLbl="node3" presStyleIdx="6" presStyleCnt="8"/>
       <dgm:spPr/>
     </dgm:pt>
     <dgm:pt modelId="{2BFE96D9-DB5A-4FD1-A73C-21EA3C9EE918}" type="pres">
@@ -1854,7 +2214,7 @@
       <dgm:spPr/>
     </dgm:pt>
     <dgm:pt modelId="{DAC986D5-8797-48B6-AF80-3424328F3F22}" type="pres">
-      <dgm:prSet presAssocID="{D9CBDD07-D9FA-4159-A661-10E52354EAD2}" presName="Name37" presStyleLbl="parChTrans1D3" presStyleIdx="3" presStyleCnt="4"/>
+      <dgm:prSet presAssocID="{D9CBDD07-D9FA-4159-A661-10E52354EAD2}" presName="Name37" presStyleLbl="parChTrans1D3" presStyleIdx="7" presStyleCnt="8"/>
       <dgm:spPr/>
     </dgm:pt>
     <dgm:pt modelId="{4191F261-6BD3-4EC9-B818-1995B8749F11}" type="pres">
@@ -1870,7 +2230,7 @@
       <dgm:spPr/>
     </dgm:pt>
     <dgm:pt modelId="{D7E37C67-2F8D-4AF8-97D1-E60E782E5660}" type="pres">
-      <dgm:prSet presAssocID="{44389E18-44F7-4609-9241-DBB71683DAB7}" presName="rootText" presStyleLbl="node3" presStyleIdx="3" presStyleCnt="4">
+      <dgm:prSet presAssocID="{44389E18-44F7-4609-9241-DBB71683DAB7}" presName="rootText" presStyleLbl="node3" presStyleIdx="7" presStyleCnt="8">
         <dgm:presLayoutVars>
           <dgm:chPref val="3"/>
         </dgm:presLayoutVars>
@@ -1878,7 +2238,7 @@
       <dgm:spPr/>
     </dgm:pt>
     <dgm:pt modelId="{BD2B80F6-F1CB-4184-896D-1DD0C0D887C4}" type="pres">
-      <dgm:prSet presAssocID="{44389E18-44F7-4609-9241-DBB71683DAB7}" presName="rootConnector" presStyleLbl="node3" presStyleIdx="3" presStyleCnt="4"/>
+      <dgm:prSet presAssocID="{44389E18-44F7-4609-9241-DBB71683DAB7}" presName="rootConnector" presStyleLbl="node3" presStyleIdx="7" presStyleCnt="8"/>
       <dgm:spPr/>
     </dgm:pt>
     <dgm:pt modelId="{D54E9CDD-DAE3-4371-8ED5-3AC4C4C688F2}" type="pres">
@@ -1894,7 +2254,7 @@
       <dgm:spPr/>
     </dgm:pt>
     <dgm:pt modelId="{C4C89C0D-EA98-4712-A36F-31A109499727}" type="pres">
-      <dgm:prSet presAssocID="{1165A799-E4B5-499C-A7BF-46D31F04C194}" presName="Name37" presStyleLbl="parChTrans1D2" presStyleIdx="4" presStyleCnt="5"/>
+      <dgm:prSet presAssocID="{1165A799-E4B5-499C-A7BF-46D31F04C194}" presName="Name37" presStyleLbl="parChTrans1D2" presStyleIdx="5" presStyleCnt="6"/>
       <dgm:spPr/>
     </dgm:pt>
     <dgm:pt modelId="{50EDAA74-6B12-41FE-897A-7331971D79C8}" type="pres">
@@ -1910,7 +2270,7 @@
       <dgm:spPr/>
     </dgm:pt>
     <dgm:pt modelId="{AD8E829E-9358-44BB-A50A-EE858B3F26B7}" type="pres">
-      <dgm:prSet presAssocID="{FD73CA8B-87E4-4F34-8F1A-D6382D347FB8}" presName="rootText" presStyleLbl="node2" presStyleIdx="4" presStyleCnt="5">
+      <dgm:prSet presAssocID="{FD73CA8B-87E4-4F34-8F1A-D6382D347FB8}" presName="rootText" presStyleLbl="node2" presStyleIdx="5" presStyleCnt="6">
         <dgm:presLayoutVars>
           <dgm:chPref val="3"/>
         </dgm:presLayoutVars>
@@ -1918,7 +2278,7 @@
       <dgm:spPr/>
     </dgm:pt>
     <dgm:pt modelId="{FAD2EDA1-8226-4B68-B76D-A7175F0676AC}" type="pres">
-      <dgm:prSet presAssocID="{FD73CA8B-87E4-4F34-8F1A-D6382D347FB8}" presName="rootConnector" presStyleLbl="node2" presStyleIdx="4" presStyleCnt="5"/>
+      <dgm:prSet presAssocID="{FD73CA8B-87E4-4F34-8F1A-D6382D347FB8}" presName="rootConnector" presStyleLbl="node2" presStyleIdx="5" presStyleCnt="6"/>
       <dgm:spPr/>
     </dgm:pt>
     <dgm:pt modelId="{97582EF0-3682-4A44-8D1A-1FBE5B10E5F1}" type="pres">
@@ -1936,53 +2296,73 @@
   </dgm:ptLst>
   <dgm:cxnLst>
     <dgm:cxn modelId="{8768D500-1676-47BA-908A-A2BEABFB6446}" type="presOf" srcId="{5A1DEB41-8037-40C2-A6C1-8A446D2361A5}" destId="{9D039A3B-6B03-497A-A3F1-E34A1F55BD26}" srcOrd="1" destOrd="0" presId="urn:microsoft.com/office/officeart/2005/8/layout/orgChart1"/>
-    <dgm:cxn modelId="{41AE4C03-6A23-49B8-85AC-7A635D31D2DA}" srcId="{A016EEE6-E6C9-405F-ACF1-FFADFEABE97F}" destId="{5FF9F82F-1256-4F68-ADD5-1256E0CE9394}" srcOrd="1" destOrd="0" parTransId="{E107E119-58A8-4FBC-A802-701A12F0DF9E}" sibTransId="{05CD37C8-584A-42A8-813A-6728529299D2}"/>
+    <dgm:cxn modelId="{41AE4C03-6A23-49B8-85AC-7A635D31D2DA}" srcId="{A016EEE6-E6C9-405F-ACF1-FFADFEABE97F}" destId="{5FF9F82F-1256-4F68-ADD5-1256E0CE9394}" srcOrd="2" destOrd="0" parTransId="{E107E119-58A8-4FBC-A802-701A12F0DF9E}" sibTransId="{05CD37C8-584A-42A8-813A-6728529299D2}"/>
     <dgm:cxn modelId="{D0083E06-758C-4B52-B667-1CC1846C221E}" type="presOf" srcId="{CA2E4504-DEF2-48AB-920B-731A2C340701}" destId="{0970F771-C56B-41F4-AE49-5A36E38C76DA}" srcOrd="0" destOrd="0" presId="urn:microsoft.com/office/officeart/2005/8/layout/orgChart1"/>
-    <dgm:cxn modelId="{ECA6A312-C609-4F06-A836-7D2D9A14C9EE}" srcId="{DF978F1E-65D3-4D88-8B43-E69A27734D6E}" destId="{FD73CA8B-87E4-4F34-8F1A-D6382D347FB8}" srcOrd="4" destOrd="0" parTransId="{1165A799-E4B5-499C-A7BF-46D31F04C194}" sibTransId="{4CC09960-DC9D-457A-B250-918CA2D28478}"/>
+    <dgm:cxn modelId="{3B6C1408-407F-44D0-845E-AEF4E867B70A}" type="presOf" srcId="{F80C3CC8-9D5F-45A3-8DCE-E278D9E7C310}" destId="{4BC5195C-979B-481B-AB97-7D858EADBA85}" srcOrd="0" destOrd="0" presId="urn:microsoft.com/office/officeart/2005/8/layout/orgChart1"/>
+    <dgm:cxn modelId="{ECA6A312-C609-4F06-A836-7D2D9A14C9EE}" srcId="{DF978F1E-65D3-4D88-8B43-E69A27734D6E}" destId="{FD73CA8B-87E4-4F34-8F1A-D6382D347FB8}" srcOrd="5" destOrd="0" parTransId="{1165A799-E4B5-499C-A7BF-46D31F04C194}" sibTransId="{4CC09960-DC9D-457A-B250-918CA2D28478}"/>
     <dgm:cxn modelId="{77AA9516-7722-421A-A4A6-3D1894DF8669}" type="presOf" srcId="{DF978F1E-65D3-4D88-8B43-E69A27734D6E}" destId="{5EAC2297-715A-46AD-97F3-8EB661E11DA2}" srcOrd="1" destOrd="0" presId="urn:microsoft.com/office/officeart/2005/8/layout/orgChart1"/>
-    <dgm:cxn modelId="{92402325-C089-4441-A3ED-21FE879314E8}" type="presOf" srcId="{E107E119-58A8-4FBC-A802-701A12F0DF9E}" destId="{4E87919C-7674-4507-8919-9FBC45110084}" srcOrd="0" destOrd="0" presId="urn:microsoft.com/office/officeart/2005/8/layout/orgChart1"/>
-    <dgm:cxn modelId="{C34A5327-A50E-453D-9408-6A7C4BF8CDCB}" srcId="{A016EEE6-E6C9-405F-ACF1-FFADFEABE97F}" destId="{CAFAF27C-277E-47D3-989A-D911590B02DF}" srcOrd="0" destOrd="0" parTransId="{B30F3CBC-426C-4B43-B159-A7BAEE29C581}" sibTransId="{6CD6900B-D5D5-414C-B5C4-7E151283D5EB}"/>
+    <dgm:cxn modelId="{7BB80F19-8D3C-4620-B39D-F3A8048900D1}" type="presOf" srcId="{A8A95BF5-25BA-48BB-ABF4-4B1FB6281659}" destId="{C05AB4CA-F2E4-4789-96E5-F61D53BF4809}" srcOrd="0" destOrd="0" presId="urn:microsoft.com/office/officeart/2005/8/layout/orgChart1"/>
+    <dgm:cxn modelId="{138B2B1D-27C9-40F1-912C-6041268AEBA8}" srcId="{DF978F1E-65D3-4D88-8B43-E69A27734D6E}" destId="{F61F2E26-4C7E-4987-B483-9B7C220918E6}" srcOrd="1" destOrd="0" parTransId="{17BA1D3D-9355-4587-876C-E5122EC24C03}" sibTransId="{5266E2A0-C1CF-4248-AE74-A58957A88D79}"/>
+    <dgm:cxn modelId="{30759F26-D36B-4CC5-B723-68A5AFDD81E1}" type="presOf" srcId="{4EAF263B-1ECC-4AF3-A8B3-17CA84F2024E}" destId="{898AAF22-0FBF-4A6E-BD0A-F5C2D8E0EEDC}" srcOrd="0" destOrd="0" presId="urn:microsoft.com/office/officeart/2005/8/layout/orgChart1"/>
+    <dgm:cxn modelId="{C34A5327-A50E-453D-9408-6A7C4BF8CDCB}" srcId="{A016EEE6-E6C9-405F-ACF1-FFADFEABE97F}" destId="{CAFAF27C-277E-47D3-989A-D911590B02DF}" srcOrd="1" destOrd="0" parTransId="{B30F3CBC-426C-4B43-B159-A7BAEE29C581}" sibTransId="{6CD6900B-D5D5-414C-B5C4-7E151283D5EB}"/>
+    <dgm:cxn modelId="{BC589029-854B-4FC1-9024-5261AD6DE65C}" type="presOf" srcId="{B2A53137-4402-4AC6-902D-B7CA36E235C2}" destId="{7D1CCAA8-A423-4676-9FCE-51595A9220D9}" srcOrd="0" destOrd="0" presId="urn:microsoft.com/office/officeart/2005/8/layout/orgChart1"/>
     <dgm:cxn modelId="{DE380F2D-3F79-4CD8-B28C-AD24D6C165C0}" type="presOf" srcId="{D9CBDD07-D9FA-4159-A661-10E52354EAD2}" destId="{DAC986D5-8797-48B6-AF80-3424328F3F22}" srcOrd="0" destOrd="0" presId="urn:microsoft.com/office/officeart/2005/8/layout/orgChart1"/>
     <dgm:cxn modelId="{B401EB30-5E2A-410B-9E9E-6DF8FB6F921F}" type="presOf" srcId="{FD73CA8B-87E4-4F34-8F1A-D6382D347FB8}" destId="{FAD2EDA1-8226-4B68-B76D-A7175F0676AC}" srcOrd="1" destOrd="0" presId="urn:microsoft.com/office/officeart/2005/8/layout/orgChart1"/>
     <dgm:cxn modelId="{00518F32-2D9C-4237-97E5-C0FEDDF6B9E3}" type="presOf" srcId="{B1CA64C3-7154-4EB5-98DB-321314EE4C94}" destId="{CBA43442-57D4-4789-81ED-76A9330DF266}" srcOrd="0" destOrd="0" presId="urn:microsoft.com/office/officeart/2005/8/layout/orgChart1"/>
     <dgm:cxn modelId="{39F2E136-32AD-4AD9-B0C4-56306B052120}" srcId="{5FF9F82F-1256-4F68-ADD5-1256E0CE9394}" destId="{A74C7021-D516-487F-A1B2-C1EEADDB1288}" srcOrd="1" destOrd="0" parTransId="{9CC08861-FD94-411E-BFC8-01DCD7AEE258}" sibTransId="{B75F118A-B581-4173-97A4-A47633D1B356}"/>
     <dgm:cxn modelId="{03A5A33D-59F6-4C9E-A809-E74F3A357ACB}" type="presOf" srcId="{9D65A172-640B-44AF-B48E-E853492FB2C1}" destId="{174F7E23-EC2F-4F89-AAE4-A09221A94CC1}" srcOrd="0" destOrd="0" presId="urn:microsoft.com/office/officeart/2005/8/layout/orgChart1"/>
+    <dgm:cxn modelId="{2BFDC63F-F95F-4B69-B737-9FFF9223D784}" srcId="{9D65A172-640B-44AF-B48E-E853492FB2C1}" destId="{B2A53137-4402-4AC6-902D-B7CA36E235C2}" srcOrd="0" destOrd="0" parTransId="{2A5472A5-13EC-428F-A304-365AE956E6DC}" sibTransId="{57DCAFF4-8999-48A6-9AB2-68E779ABECAF}"/>
+    <dgm:cxn modelId="{8B263640-7B25-47BB-AD48-1EE6E9100A19}" type="presOf" srcId="{A74C7021-D516-487F-A1B2-C1EEADDB1288}" destId="{C2E297D7-6C98-4E5A-8ED6-1F55E3BBBABB}" srcOrd="1" destOrd="0" presId="urn:microsoft.com/office/officeart/2005/8/layout/orgChart1"/>
     <dgm:cxn modelId="{1FDF9840-3652-42E5-9239-37C03C6DD938}" type="presOf" srcId="{DF978F1E-65D3-4D88-8B43-E69A27734D6E}" destId="{1E3B9135-4B23-46CD-BD55-02F3305C84DE}" srcOrd="0" destOrd="0" presId="urn:microsoft.com/office/officeart/2005/8/layout/orgChart1"/>
-    <dgm:cxn modelId="{545B1D5F-ECD5-4070-B56A-843478FBC859}" type="presOf" srcId="{CAFAF27C-277E-47D3-989A-D911590B02DF}" destId="{BB36BA23-1CC4-422E-9832-E46739477823}" srcOrd="0" destOrd="0" presId="urn:microsoft.com/office/officeart/2005/8/layout/orgChart1"/>
+    <dgm:cxn modelId="{124A7D5C-FA76-4AB2-92F0-1A8C1AABA206}" type="presOf" srcId="{977DB967-3538-4B33-85A8-DC82A0047434}" destId="{40201E8B-9BF4-4A58-8A03-39522D708D8C}" srcOrd="1" destOrd="0" presId="urn:microsoft.com/office/officeart/2005/8/layout/orgChart1"/>
+    <dgm:cxn modelId="{98BEA95D-7DFD-480F-991C-06A62A12F43C}" type="presOf" srcId="{B2A53137-4402-4AC6-902D-B7CA36E235C2}" destId="{14374437-6076-4B3D-A974-984C0B5D83E1}" srcOrd="1" destOrd="0" presId="urn:microsoft.com/office/officeart/2005/8/layout/orgChart1"/>
     <dgm:cxn modelId="{65F20441-43F0-43F9-8723-FC547F8AB037}" type="presOf" srcId="{31572ED7-D1F7-4597-8D4E-004AB6BDA364}" destId="{76F9F24D-6911-4017-8C4E-E195E4FADACE}" srcOrd="0" destOrd="0" presId="urn:microsoft.com/office/officeart/2005/8/layout/orgChart1"/>
-    <dgm:cxn modelId="{E7343F41-8EE8-4406-B753-CAD1C79E39DC}" srcId="{DF978F1E-65D3-4D88-8B43-E69A27734D6E}" destId="{EB8AC4C4-767A-4581-ACFB-BFD94C2A2715}" srcOrd="2" destOrd="0" parTransId="{8C4B075C-32F7-47A3-85B6-885D7FFA9337}" sibTransId="{0ADF5E66-ABAF-4B75-A3ED-E43D44EB632A}"/>
+    <dgm:cxn modelId="{E7343F41-8EE8-4406-B753-CAD1C79E39DC}" srcId="{DF978F1E-65D3-4D88-8B43-E69A27734D6E}" destId="{EB8AC4C4-767A-4581-ACFB-BFD94C2A2715}" srcOrd="3" destOrd="0" parTransId="{8C4B075C-32F7-47A3-85B6-885D7FFA9337}" sibTransId="{0ADF5E66-ABAF-4B75-A3ED-E43D44EB632A}"/>
     <dgm:cxn modelId="{61286E42-3100-44FD-B0BC-9549AFA0C12D}" srcId="{DF978F1E-65D3-4D88-8B43-E69A27734D6E}" destId="{9D65A172-640B-44AF-B48E-E853492FB2C1}" srcOrd="0" destOrd="0" parTransId="{31572ED7-D1F7-4597-8D4E-004AB6BDA364}" sibTransId="{E59630D1-033B-4330-86A5-68D1798A7698}"/>
-    <dgm:cxn modelId="{7AC58E62-5BB9-4DA9-A538-9F7B6A8523B5}" type="presOf" srcId="{2B240FF5-C0DB-4E65-AD32-F92B46490337}" destId="{369EE3D7-9074-4AA3-A2B7-99C738887417}" srcOrd="0" destOrd="0" presId="urn:microsoft.com/office/officeart/2005/8/layout/orgChart1"/>
     <dgm:cxn modelId="{83C0E063-8372-4A1B-90B4-C0D377835C27}" type="presOf" srcId="{A4DFD2E9-A954-482B-9FE4-82FBF2B4C609}" destId="{3BA964FF-5030-4219-8DA2-BF0FC8AD8694}" srcOrd="0" destOrd="0" presId="urn:microsoft.com/office/officeart/2005/8/layout/orgChart1"/>
+    <dgm:cxn modelId="{8F18AD64-7DC5-4D8C-BB49-BBB6ED2B77F6}" type="presOf" srcId="{EF436078-8755-459B-8B34-EFC1FDAD2E07}" destId="{50F05572-80A3-4D14-90CD-6658CC53A17E}" srcOrd="0" destOrd="0" presId="urn:microsoft.com/office/officeart/2005/8/layout/orgChart1"/>
     <dgm:cxn modelId="{67B85A67-235B-47BA-887D-05B6A426D340}" srcId="{CA2E4504-DEF2-48AB-920B-731A2C340701}" destId="{DF978F1E-65D3-4D88-8B43-E69A27734D6E}" srcOrd="0" destOrd="0" parTransId="{1ECAB84F-7A4C-40D8-B4E2-CA8125B991FB}" sibTransId="{B6BB5C6D-2058-4417-A743-145E61E7B611}"/>
+    <dgm:cxn modelId="{0E4FC06A-C83B-4E1C-B42D-B31CFCEDDE5C}" type="presOf" srcId="{F61F2E26-4C7E-4987-B483-9B7C220918E6}" destId="{CBBAA318-DD59-4E4E-92E7-458A89BC454C}" srcOrd="0" destOrd="0" presId="urn:microsoft.com/office/officeart/2005/8/layout/orgChart1"/>
+    <dgm:cxn modelId="{CF73D84A-A39C-4B32-A9D8-174E2BB268C5}" type="presOf" srcId="{D0E047F1-2D81-4D01-90DE-CD5A787C3361}" destId="{6091C43D-BAE4-42D5-AE9D-24D3FC3FC9C3}" srcOrd="1" destOrd="0" presId="urn:microsoft.com/office/officeart/2005/8/layout/orgChart1"/>
+    <dgm:cxn modelId="{6ED5C96F-D172-41A1-BDAD-1C7FB9F8A42C}" type="presOf" srcId="{17BA1D3D-9355-4587-876C-E5122EC24C03}" destId="{566E593A-F6BD-4575-A932-BEFEB99F9F7E}" srcOrd="0" destOrd="0" presId="urn:microsoft.com/office/officeart/2005/8/layout/orgChart1"/>
+    <dgm:cxn modelId="{74E5FF71-AC9D-44EA-9A0B-3E913D30066A}" type="presOf" srcId="{B30F3CBC-426C-4B43-B159-A7BAEE29C581}" destId="{4757C9F0-ADED-4545-BE13-507D791B2851}" srcOrd="0" destOrd="0" presId="urn:microsoft.com/office/officeart/2005/8/layout/orgChart1"/>
     <dgm:cxn modelId="{16C90475-CEF2-4FC4-B98B-CA5206FF224D}" type="presOf" srcId="{44389E18-44F7-4609-9241-DBB71683DAB7}" destId="{D7E37C67-2F8D-4AF8-97D1-E60E782E5660}" srcOrd="0" destOrd="0" presId="urn:microsoft.com/office/officeart/2005/8/layout/orgChart1"/>
+    <dgm:cxn modelId="{6986AF75-9659-4969-9975-770787B6EA64}" type="presOf" srcId="{CAFAF27C-277E-47D3-989A-D911590B02DF}" destId="{6FDEBB40-B66F-4873-B5E1-6A2056A66F75}" srcOrd="1" destOrd="0" presId="urn:microsoft.com/office/officeart/2005/8/layout/orgChart1"/>
     <dgm:cxn modelId="{25B9B655-953A-494D-A68D-39C9B9F2E745}" srcId="{AD58BBB5-A9D4-4F77-B543-74EF3E70A4B4}" destId="{44389E18-44F7-4609-9241-DBB71683DAB7}" srcOrd="1" destOrd="0" parTransId="{D9CBDD07-D9FA-4159-A661-10E52354EAD2}" sibTransId="{BBFFCC33-99E4-4DBB-9E25-B09312EE9462}"/>
     <dgm:cxn modelId="{C4038D56-09B9-4E38-BEBB-BB78EB89E960}" type="presOf" srcId="{1165A799-E4B5-499C-A7BF-46D31F04C194}" destId="{C4C89C0D-EA98-4712-A36F-31A109499727}" srcOrd="0" destOrd="0" presId="urn:microsoft.com/office/officeart/2005/8/layout/orgChart1"/>
-    <dgm:cxn modelId="{BD2C0E7A-68C8-4AF6-BF59-64C9765B7583}" type="presOf" srcId="{4E87B971-EA94-4343-AB3F-DA7133866202}" destId="{202DF89F-7828-47C1-A7FB-2425B9BFA994}" srcOrd="1" destOrd="0" presId="urn:microsoft.com/office/officeart/2005/8/layout/orgChart1"/>
-    <dgm:cxn modelId="{B907068A-A01A-4F1B-B4EE-4EDDC2C67570}" type="presOf" srcId="{5FF9F82F-1256-4F68-ADD5-1256E0CE9394}" destId="{3689119B-FFB9-41EA-A4DB-B162EFBA94CA}" srcOrd="1" destOrd="0" presId="urn:microsoft.com/office/officeart/2005/8/layout/orgChart1"/>
-    <dgm:cxn modelId="{AC652A8D-94F1-476D-940E-9D99C0A43E38}" srcId="{DF978F1E-65D3-4D88-8B43-E69A27734D6E}" destId="{AD58BBB5-A9D4-4F77-B543-74EF3E70A4B4}" srcOrd="3" destOrd="0" parTransId="{A4DFD2E9-A954-482B-9FE4-82FBF2B4C609}" sibTransId="{250238FF-4BB3-4977-AD49-60AE23F3EEB3}"/>
+    <dgm:cxn modelId="{89012477-8726-40FD-9AD1-4D602AFEB475}" type="presOf" srcId="{E107E119-58A8-4FBC-A802-701A12F0DF9E}" destId="{4E87919C-7674-4507-8919-9FBC45110084}" srcOrd="0" destOrd="0" presId="urn:microsoft.com/office/officeart/2005/8/layout/orgChart1"/>
+    <dgm:cxn modelId="{F2E4437D-783A-4E78-960F-F7E69967F39C}" type="presOf" srcId="{F61F2E26-4C7E-4987-B483-9B7C220918E6}" destId="{79E8796E-0A56-48E2-A512-2034CB83BFFC}" srcOrd="1" destOrd="0" presId="urn:microsoft.com/office/officeart/2005/8/layout/orgChart1"/>
+    <dgm:cxn modelId="{BE229B7E-02C1-41F0-9DAF-14130B4DDBE3}" type="presOf" srcId="{2A5472A5-13EC-428F-A304-365AE956E6DC}" destId="{C6947D4A-0A4B-4D31-B3C8-2FA7CA0F80BF}" srcOrd="0" destOrd="0" presId="urn:microsoft.com/office/officeart/2005/8/layout/orgChart1"/>
+    <dgm:cxn modelId="{AC652A8D-94F1-476D-940E-9D99C0A43E38}" srcId="{DF978F1E-65D3-4D88-8B43-E69A27734D6E}" destId="{AD58BBB5-A9D4-4F77-B543-74EF3E70A4B4}" srcOrd="4" destOrd="0" parTransId="{A4DFD2E9-A954-482B-9FE4-82FBF2B4C609}" sibTransId="{250238FF-4BB3-4977-AD49-60AE23F3EEB3}"/>
+    <dgm:cxn modelId="{533FA48E-A219-4137-B41C-B72C1CFDC51F}" type="presOf" srcId="{5FF9F82F-1256-4F68-ADD5-1256E0CE9394}" destId="{0E552A6F-B68C-4E74-BE5D-70249725636B}" srcOrd="0" destOrd="0" presId="urn:microsoft.com/office/officeart/2005/8/layout/orgChart1"/>
     <dgm:cxn modelId="{1A85AF8F-01AA-4DAD-B08C-AD5A58DEC24F}" type="presOf" srcId="{A016EEE6-E6C9-405F-ACF1-FFADFEABE97F}" destId="{7CAE20F3-9851-4184-88DB-DE8D73469125}" srcOrd="1" destOrd="0" presId="urn:microsoft.com/office/officeart/2005/8/layout/orgChart1"/>
     <dgm:cxn modelId="{6983BF92-BEDB-4BFE-ADB0-A631C04C5648}" type="presOf" srcId="{EB8AC4C4-767A-4581-ACFB-BFD94C2A2715}" destId="{BEA1F055-D75F-4777-A38F-1F6E9E5D73E0}" srcOrd="1" destOrd="0" presId="urn:microsoft.com/office/officeart/2005/8/layout/orgChart1"/>
+    <dgm:cxn modelId="{B939F692-985D-4DCA-96B0-E6FCECB72B4F}" type="presOf" srcId="{4E87B971-EA94-4343-AB3F-DA7133866202}" destId="{202DF89F-7828-47C1-A7FB-2425B9BFA994}" srcOrd="1" destOrd="0" presId="urn:microsoft.com/office/officeart/2005/8/layout/orgChart1"/>
     <dgm:cxn modelId="{D5D1A893-0F6E-4C58-989E-B396609A1EAE}" type="presOf" srcId="{9D65A172-640B-44AF-B48E-E853492FB2C1}" destId="{4F4EBD20-12B4-493A-980F-ABD0AF577168}" srcOrd="1" destOrd="0" presId="urn:microsoft.com/office/officeart/2005/8/layout/orgChart1"/>
     <dgm:cxn modelId="{72078E9E-E437-49C0-B7CD-8098A583DC8D}" srcId="{5FF9F82F-1256-4F68-ADD5-1256E0CE9394}" destId="{4E87B971-EA94-4343-AB3F-DA7133866202}" srcOrd="0" destOrd="0" parTransId="{2B240FF5-C0DB-4E65-AD32-F92B46490337}" sibTransId="{DE807CA7-5217-4C8A-977A-570C0E57F752}"/>
-    <dgm:cxn modelId="{C75325A2-6173-4F1D-9058-8797EF05B693}" type="presOf" srcId="{5FF9F82F-1256-4F68-ADD5-1256E0CE9394}" destId="{0E552A6F-B68C-4E74-BE5D-70249725636B}" srcOrd="0" destOrd="0" presId="urn:microsoft.com/office/officeart/2005/8/layout/orgChart1"/>
+    <dgm:cxn modelId="{7A72BF9F-C9FD-4C3D-9A4D-FBB9CF465FB2}" type="presOf" srcId="{4E87B971-EA94-4343-AB3F-DA7133866202}" destId="{CD85F165-19C6-42AA-B8C4-4A8A0F3BD57A}" srcOrd="0" destOrd="0" presId="urn:microsoft.com/office/officeart/2005/8/layout/orgChart1"/>
     <dgm:cxn modelId="{2BF8A2A2-A2E3-4859-8A2A-DA3A2FCC5A79}" type="presOf" srcId="{A016EEE6-E6C9-405F-ACF1-FFADFEABE97F}" destId="{35E89742-BA88-4DF4-BB56-ABD629DBF74B}" srcOrd="0" destOrd="0" presId="urn:microsoft.com/office/officeart/2005/8/layout/orgChart1"/>
     <dgm:cxn modelId="{7063BEA3-AF79-45F0-9F01-68DF9F3512A0}" srcId="{AD58BBB5-A9D4-4F77-B543-74EF3E70A4B4}" destId="{5A1DEB41-8037-40C2-A6C1-8A446D2361A5}" srcOrd="0" destOrd="0" parTransId="{FE778858-31F8-405E-A315-CFD2A38C551B}" sibTransId="{6B1E8239-B204-4327-9FE4-D66D2BCF30CC}"/>
     <dgm:cxn modelId="{C5354DA6-7DF3-4B8B-AE9A-58C509A93401}" type="presOf" srcId="{FD73CA8B-87E4-4F34-8F1A-D6382D347FB8}" destId="{AD8E829E-9358-44BB-A50A-EE858B3F26B7}" srcOrd="0" destOrd="0" presId="urn:microsoft.com/office/officeart/2005/8/layout/orgChart1"/>
-    <dgm:cxn modelId="{F4EC33B1-5422-485B-A2AA-A06B515EDD66}" type="presOf" srcId="{4E87B971-EA94-4343-AB3F-DA7133866202}" destId="{CD85F165-19C6-42AA-B8C4-4A8A0F3BD57A}" srcOrd="0" destOrd="0" presId="urn:microsoft.com/office/officeart/2005/8/layout/orgChart1"/>
-    <dgm:cxn modelId="{9F4F90B7-14EB-40C1-8EAA-432DF2B19932}" type="presOf" srcId="{CAFAF27C-277E-47D3-989A-D911590B02DF}" destId="{6FDEBB40-B66F-4873-B5E1-6A2056A66F75}" srcOrd="1" destOrd="0" presId="urn:microsoft.com/office/officeart/2005/8/layout/orgChart1"/>
+    <dgm:cxn modelId="{F814A6A6-0DBF-4524-83F4-F00D7407DE34}" type="presOf" srcId="{9CC08861-FD94-411E-BFC8-01DCD7AEE258}" destId="{4F133DBF-B8C8-414C-B8D8-E5CC6D47CDDB}" srcOrd="0" destOrd="0" presId="urn:microsoft.com/office/officeart/2005/8/layout/orgChart1"/>
+    <dgm:cxn modelId="{7BD57BB3-AC07-4370-886F-57ACE6033D93}" type="presOf" srcId="{2B240FF5-C0DB-4E65-AD32-F92B46490337}" destId="{369EE3D7-9074-4AA3-A2B7-99C738887417}" srcOrd="0" destOrd="0" presId="urn:microsoft.com/office/officeart/2005/8/layout/orgChart1"/>
+    <dgm:cxn modelId="{900F96BE-7216-4A1C-806F-5CE813FE85B7}" srcId="{9D65A172-640B-44AF-B48E-E853492FB2C1}" destId="{D0E047F1-2D81-4D01-90DE-CD5A787C3361}" srcOrd="2" destOrd="0" parTransId="{EF436078-8755-459B-8B34-EFC1FDAD2E07}" sibTransId="{2DB58940-01C4-48F2-968F-42EADF549CFB}"/>
+    <dgm:cxn modelId="{0A001CBF-2949-40DA-9E9B-C343466BFC1B}" type="presOf" srcId="{CAFAF27C-277E-47D3-989A-D911590B02DF}" destId="{BB36BA23-1CC4-422E-9832-E46739477823}" srcOrd="0" destOrd="0" presId="urn:microsoft.com/office/officeart/2005/8/layout/orgChart1"/>
     <dgm:cxn modelId="{DB5FF6C0-EE23-4BAC-BBE2-9CFF47F2DFC9}" type="presOf" srcId="{FE778858-31F8-405E-A315-CFD2A38C551B}" destId="{B633DA36-386E-452A-849A-D8BCF4A5F011}" srcOrd="0" destOrd="0" presId="urn:microsoft.com/office/officeart/2005/8/layout/orgChart1"/>
     <dgm:cxn modelId="{6E3DA8C2-301F-4A64-BF7E-EF5E20EC27BC}" type="presOf" srcId="{8C4B075C-32F7-47A3-85B6-885D7FFA9337}" destId="{F5F16A33-5074-4422-9522-4AF9DC2C0200}" srcOrd="0" destOrd="0" presId="urn:microsoft.com/office/officeart/2005/8/layout/orgChart1"/>
     <dgm:cxn modelId="{589DF4C5-DE40-4F56-B766-87859037D584}" type="presOf" srcId="{AD58BBB5-A9D4-4F77-B543-74EF3E70A4B4}" destId="{2ECAEA8B-D919-44E5-BAEA-1BCC751E732E}" srcOrd="1" destOrd="0" presId="urn:microsoft.com/office/officeart/2005/8/layout/orgChart1"/>
-    <dgm:cxn modelId="{F065A4C7-E5A7-407D-9A86-25B5940BDC75}" type="presOf" srcId="{A74C7021-D516-487F-A1B2-C1EEADDB1288}" destId="{C2E297D7-6C98-4E5A-8ED6-1F55E3BBBABB}" srcOrd="1" destOrd="0" presId="urn:microsoft.com/office/officeart/2005/8/layout/orgChart1"/>
+    <dgm:cxn modelId="{FAF1BFC6-A621-4409-B59C-4911C875E7BE}" type="presOf" srcId="{5FF9F82F-1256-4F68-ADD5-1256E0CE9394}" destId="{3689119B-FFB9-41EA-A4DB-B162EFBA94CA}" srcOrd="1" destOrd="0" presId="urn:microsoft.com/office/officeart/2005/8/layout/orgChart1"/>
+    <dgm:cxn modelId="{34C258CA-B7E4-4CC4-829A-31D097C0C924}" type="presOf" srcId="{F80C3CC8-9D5F-45A3-8DCE-E278D9E7C310}" destId="{2C5DAE78-FD60-444F-BF88-A87CCE9EAF07}" srcOrd="1" destOrd="0" presId="urn:microsoft.com/office/officeart/2005/8/layout/orgChart1"/>
+    <dgm:cxn modelId="{3994E8CC-D31B-4689-9E39-75288007DEF4}" srcId="{9D65A172-640B-44AF-B48E-E853492FB2C1}" destId="{977DB967-3538-4B33-85A8-DC82A0047434}" srcOrd="1" destOrd="0" parTransId="{4EAF263B-1ECC-4AF3-A8B3-17CA84F2024E}" sibTransId="{10C1FD0A-CF2C-4BB0-BCCC-6FEFAA099A62}"/>
     <dgm:cxn modelId="{9B3567CF-EFAF-4070-A9F1-9E537CA8D2FC}" type="presOf" srcId="{44389E18-44F7-4609-9241-DBB71683DAB7}" destId="{BD2B80F6-F1CB-4184-896D-1DD0C0D887C4}" srcOrd="1" destOrd="0" presId="urn:microsoft.com/office/officeart/2005/8/layout/orgChart1"/>
-    <dgm:cxn modelId="{67FE09D0-E23C-4DBF-A241-0357E42812E7}" type="presOf" srcId="{9CC08861-FD94-411E-BFC8-01DCD7AEE258}" destId="{4F133DBF-B8C8-414C-B8D8-E5CC6D47CDDB}" srcOrd="0" destOrd="0" presId="urn:microsoft.com/office/officeart/2005/8/layout/orgChart1"/>
-    <dgm:cxn modelId="{4DC898E4-ADC1-411D-B450-F0A1BC0D5A98}" srcId="{DF978F1E-65D3-4D88-8B43-E69A27734D6E}" destId="{A016EEE6-E6C9-405F-ACF1-FFADFEABE97F}" srcOrd="1" destOrd="0" parTransId="{B1CA64C3-7154-4EB5-98DB-321314EE4C94}" sibTransId="{22090D32-6B1D-44DC-ACDC-EF0ACA8DAFC1}"/>
+    <dgm:cxn modelId="{3BD2FFDE-4BCF-43B3-A85E-2616E2B58E5E}" type="presOf" srcId="{A74C7021-D516-487F-A1B2-C1EEADDB1288}" destId="{1AFFD95E-5A05-412F-BDAC-116037076AD3}" srcOrd="0" destOrd="0" presId="urn:microsoft.com/office/officeart/2005/8/layout/orgChart1"/>
+    <dgm:cxn modelId="{4DC898E4-ADC1-411D-B450-F0A1BC0D5A98}" srcId="{DF978F1E-65D3-4D88-8B43-E69A27734D6E}" destId="{A016EEE6-E6C9-405F-ACF1-FFADFEABE97F}" srcOrd="2" destOrd="0" parTransId="{B1CA64C3-7154-4EB5-98DB-321314EE4C94}" sibTransId="{22090D32-6B1D-44DC-ACDC-EF0ACA8DAFC1}"/>
     <dgm:cxn modelId="{A551C5E8-9305-42AF-AE65-54237F374FF7}" type="presOf" srcId="{EB8AC4C4-767A-4581-ACFB-BFD94C2A2715}" destId="{26D9CF35-9A67-4ADF-BB7F-61BBA7B904FF}" srcOrd="0" destOrd="0" presId="urn:microsoft.com/office/officeart/2005/8/layout/orgChart1"/>
     <dgm:cxn modelId="{451784EA-6FEF-4DC4-8AD1-1581B37BDCD1}" type="presOf" srcId="{AD58BBB5-A9D4-4F77-B543-74EF3E70A4B4}" destId="{DF535DEB-C5B4-4D62-B2CE-4FC786F1A0EB}" srcOrd="0" destOrd="0" presId="urn:microsoft.com/office/officeart/2005/8/layout/orgChart1"/>
+    <dgm:cxn modelId="{449050EC-3D33-4370-9E0A-BD751BA0CD88}" srcId="{A016EEE6-E6C9-405F-ACF1-FFADFEABE97F}" destId="{F80C3CC8-9D5F-45A3-8DCE-E278D9E7C310}" srcOrd="0" destOrd="0" parTransId="{A8A95BF5-25BA-48BB-ABF4-4B1FB6281659}" sibTransId="{C0304D44-2EA7-4EF8-A979-53C055AA71A1}"/>
     <dgm:cxn modelId="{A6F033F4-E6BA-42B4-91F4-01807E30A2A5}" type="presOf" srcId="{5A1DEB41-8037-40C2-A6C1-8A446D2361A5}" destId="{1C57AF26-25E2-4566-9FA6-DE9C3099A366}" srcOrd="0" destOrd="0" presId="urn:microsoft.com/office/officeart/2005/8/layout/orgChart1"/>
-    <dgm:cxn modelId="{288650FB-2C87-4A06-859C-54EC6896D34D}" type="presOf" srcId="{A74C7021-D516-487F-A1B2-C1EEADDB1288}" destId="{1AFFD95E-5A05-412F-BDAC-116037076AD3}" srcOrd="0" destOrd="0" presId="urn:microsoft.com/office/officeart/2005/8/layout/orgChart1"/>
-    <dgm:cxn modelId="{2E3684FD-7226-4522-B75D-73ED827954E8}" type="presOf" srcId="{B30F3CBC-426C-4B43-B159-A7BAEE29C581}" destId="{4757C9F0-ADED-4545-BE13-507D791B2851}" srcOrd="0" destOrd="0" presId="urn:microsoft.com/office/officeart/2005/8/layout/orgChart1"/>
+    <dgm:cxn modelId="{B4E973F7-46D9-4465-86F4-3B845E74A923}" type="presOf" srcId="{D0E047F1-2D81-4D01-90DE-CD5A787C3361}" destId="{B14D3147-3229-435A-AD75-31B43A278114}" srcOrd="0" destOrd="0" presId="urn:microsoft.com/office/officeart/2005/8/layout/orgChart1"/>
+    <dgm:cxn modelId="{4BBDB8F9-A76A-4998-9E2C-8F0B1D05C803}" type="presOf" srcId="{977DB967-3538-4B33-85A8-DC82A0047434}" destId="{BF21BA35-F24C-4674-957A-7CB6F6009CD8}" srcOrd="0" destOrd="0" presId="urn:microsoft.com/office/officeart/2005/8/layout/orgChart1"/>
     <dgm:cxn modelId="{2D7E740A-071E-4F69-9E22-92C0E7653E4F}" type="presParOf" srcId="{0970F771-C56B-41F4-AE49-5A36E38C76DA}" destId="{68A1CA20-1DF4-471D-B17D-CBAD52E7EC6F}" srcOrd="0" destOrd="0" presId="urn:microsoft.com/office/officeart/2005/8/layout/orgChart1"/>
     <dgm:cxn modelId="{5E92513A-02CE-42EE-9316-45748D172464}" type="presParOf" srcId="{68A1CA20-1DF4-471D-B17D-CBAD52E7EC6F}" destId="{64C75FFE-4E14-4F2C-934A-59C5DFE48F5E}" srcOrd="0" destOrd="0" presId="urn:microsoft.com/office/officeart/2005/8/layout/orgChart1"/>
     <dgm:cxn modelId="{8DD62DCF-5BDB-4573-8E94-37810C1F2808}" type="presParOf" srcId="{64C75FFE-4E14-4F2C-934A-59C5DFE48F5E}" destId="{1E3B9135-4B23-46CD-BD55-02F3305C84DE}" srcOrd="0" destOrd="0" presId="urn:microsoft.com/office/officeart/2005/8/layout/orgChart1"/>
@@ -1994,51 +2374,86 @@
     <dgm:cxn modelId="{D9D67B05-C80A-49FA-9BDE-F8595130F37B}" type="presParOf" srcId="{9C57872D-D8B5-47A0-B1B3-B788026E6669}" destId="{174F7E23-EC2F-4F89-AAE4-A09221A94CC1}" srcOrd="0" destOrd="0" presId="urn:microsoft.com/office/officeart/2005/8/layout/orgChart1"/>
     <dgm:cxn modelId="{202537A7-A42C-4A54-9CE2-F17259964B5F}" type="presParOf" srcId="{9C57872D-D8B5-47A0-B1B3-B788026E6669}" destId="{4F4EBD20-12B4-493A-980F-ABD0AF577168}" srcOrd="1" destOrd="0" presId="urn:microsoft.com/office/officeart/2005/8/layout/orgChart1"/>
     <dgm:cxn modelId="{8432054B-6346-4DCB-ACCE-CBB4F2DD21EE}" type="presParOf" srcId="{8CABA6F1-D7F7-4B34-9645-064371C75DE3}" destId="{518F782D-4809-457F-B203-40BF7203F653}" srcOrd="1" destOrd="0" presId="urn:microsoft.com/office/officeart/2005/8/layout/orgChart1"/>
+    <dgm:cxn modelId="{47712146-90B3-4B83-9056-A07A8B46F818}" type="presParOf" srcId="{518F782D-4809-457F-B203-40BF7203F653}" destId="{C6947D4A-0A4B-4D31-B3C8-2FA7CA0F80BF}" srcOrd="0" destOrd="0" presId="urn:microsoft.com/office/officeart/2005/8/layout/orgChart1"/>
+    <dgm:cxn modelId="{0C91B005-8DD2-47C3-B498-59A68C0CF637}" type="presParOf" srcId="{518F782D-4809-457F-B203-40BF7203F653}" destId="{4D8BDEB8-1422-41C3-9D2A-68F4E520C04F}" srcOrd="1" destOrd="0" presId="urn:microsoft.com/office/officeart/2005/8/layout/orgChart1"/>
+    <dgm:cxn modelId="{6E091761-F1D7-4EB1-A6BA-26FE69EE8F01}" type="presParOf" srcId="{4D8BDEB8-1422-41C3-9D2A-68F4E520C04F}" destId="{3B18646D-E9DA-409C-9C08-16825ACB0359}" srcOrd="0" destOrd="0" presId="urn:microsoft.com/office/officeart/2005/8/layout/orgChart1"/>
+    <dgm:cxn modelId="{4808533F-0A21-4A8C-89F7-3E404E9562C1}" type="presParOf" srcId="{3B18646D-E9DA-409C-9C08-16825ACB0359}" destId="{7D1CCAA8-A423-4676-9FCE-51595A9220D9}" srcOrd="0" destOrd="0" presId="urn:microsoft.com/office/officeart/2005/8/layout/orgChart1"/>
+    <dgm:cxn modelId="{4AD39851-3A96-4616-BF09-83757522CAC1}" type="presParOf" srcId="{3B18646D-E9DA-409C-9C08-16825ACB0359}" destId="{14374437-6076-4B3D-A974-984C0B5D83E1}" srcOrd="1" destOrd="0" presId="urn:microsoft.com/office/officeart/2005/8/layout/orgChart1"/>
+    <dgm:cxn modelId="{F3C8ED48-7008-48C7-8323-E0676A2909B5}" type="presParOf" srcId="{4D8BDEB8-1422-41C3-9D2A-68F4E520C04F}" destId="{A677C878-1D3F-4698-832D-CD710EB59024}" srcOrd="1" destOrd="0" presId="urn:microsoft.com/office/officeart/2005/8/layout/orgChart1"/>
+    <dgm:cxn modelId="{E162D22F-E807-403C-96CB-338CB8FCA8C9}" type="presParOf" srcId="{4D8BDEB8-1422-41C3-9D2A-68F4E520C04F}" destId="{825F6C16-3C4B-4017-A99E-9232FE7A8E0E}" srcOrd="2" destOrd="0" presId="urn:microsoft.com/office/officeart/2005/8/layout/orgChart1"/>
+    <dgm:cxn modelId="{A5391845-DE3C-43DD-A125-904894316BE2}" type="presParOf" srcId="{518F782D-4809-457F-B203-40BF7203F653}" destId="{898AAF22-0FBF-4A6E-BD0A-F5C2D8E0EEDC}" srcOrd="2" destOrd="0" presId="urn:microsoft.com/office/officeart/2005/8/layout/orgChart1"/>
+    <dgm:cxn modelId="{52218799-8427-43C2-9C97-286513E28E3E}" type="presParOf" srcId="{518F782D-4809-457F-B203-40BF7203F653}" destId="{D1AECDC9-45C8-4B27-AF3A-181B6761FE27}" srcOrd="3" destOrd="0" presId="urn:microsoft.com/office/officeart/2005/8/layout/orgChart1"/>
+    <dgm:cxn modelId="{940B74B4-049E-4BD7-9764-395896FA0644}" type="presParOf" srcId="{D1AECDC9-45C8-4B27-AF3A-181B6761FE27}" destId="{B073CD42-7B07-4ADB-A607-64D5416C8B7D}" srcOrd="0" destOrd="0" presId="urn:microsoft.com/office/officeart/2005/8/layout/orgChart1"/>
+    <dgm:cxn modelId="{A8631157-F22A-47FE-B5BB-7CE9F8EE4826}" type="presParOf" srcId="{B073CD42-7B07-4ADB-A607-64D5416C8B7D}" destId="{BF21BA35-F24C-4674-957A-7CB6F6009CD8}" srcOrd="0" destOrd="0" presId="urn:microsoft.com/office/officeart/2005/8/layout/orgChart1"/>
+    <dgm:cxn modelId="{37476BC1-B514-495D-A9FC-26653D33E5FC}" type="presParOf" srcId="{B073CD42-7B07-4ADB-A607-64D5416C8B7D}" destId="{40201E8B-9BF4-4A58-8A03-39522D708D8C}" srcOrd="1" destOrd="0" presId="urn:microsoft.com/office/officeart/2005/8/layout/orgChart1"/>
+    <dgm:cxn modelId="{DB1CEE34-1E5C-4A8E-A109-3B07DD768499}" type="presParOf" srcId="{D1AECDC9-45C8-4B27-AF3A-181B6761FE27}" destId="{7F22754D-063C-48B0-98F4-9B2420DD9D30}" srcOrd="1" destOrd="0" presId="urn:microsoft.com/office/officeart/2005/8/layout/orgChart1"/>
+    <dgm:cxn modelId="{FF251FED-65A9-45D2-8393-237BAE25E6E3}" type="presParOf" srcId="{D1AECDC9-45C8-4B27-AF3A-181B6761FE27}" destId="{AF79F453-8528-4A78-8827-BE12B7B22F54}" srcOrd="2" destOrd="0" presId="urn:microsoft.com/office/officeart/2005/8/layout/orgChart1"/>
+    <dgm:cxn modelId="{76403AB6-6EF4-4C56-B103-18C3529D4C6E}" type="presParOf" srcId="{518F782D-4809-457F-B203-40BF7203F653}" destId="{50F05572-80A3-4D14-90CD-6658CC53A17E}" srcOrd="4" destOrd="0" presId="urn:microsoft.com/office/officeart/2005/8/layout/orgChart1"/>
+    <dgm:cxn modelId="{00F3656D-C9BB-4416-AAC0-FBC96993C1EE}" type="presParOf" srcId="{518F782D-4809-457F-B203-40BF7203F653}" destId="{31B248D9-6F70-4048-94C9-0F8E0272DAE1}" srcOrd="5" destOrd="0" presId="urn:microsoft.com/office/officeart/2005/8/layout/orgChart1"/>
+    <dgm:cxn modelId="{07407E52-FBBA-4961-B31C-A7BACBE4A597}" type="presParOf" srcId="{31B248D9-6F70-4048-94C9-0F8E0272DAE1}" destId="{1306F2FA-AB17-4865-AC5A-3E53D1CBF36E}" srcOrd="0" destOrd="0" presId="urn:microsoft.com/office/officeart/2005/8/layout/orgChart1"/>
+    <dgm:cxn modelId="{0ACEFD58-F443-4CBE-981F-261F5FF60481}" type="presParOf" srcId="{1306F2FA-AB17-4865-AC5A-3E53D1CBF36E}" destId="{B14D3147-3229-435A-AD75-31B43A278114}" srcOrd="0" destOrd="0" presId="urn:microsoft.com/office/officeart/2005/8/layout/orgChart1"/>
+    <dgm:cxn modelId="{5C13EF95-1232-4425-926E-1B786D4E38D9}" type="presParOf" srcId="{1306F2FA-AB17-4865-AC5A-3E53D1CBF36E}" destId="{6091C43D-BAE4-42D5-AE9D-24D3FC3FC9C3}" srcOrd="1" destOrd="0" presId="urn:microsoft.com/office/officeart/2005/8/layout/orgChart1"/>
+    <dgm:cxn modelId="{213BFD87-702C-4CD1-9C08-BCB68703A07B}" type="presParOf" srcId="{31B248D9-6F70-4048-94C9-0F8E0272DAE1}" destId="{A052BCF2-B4C5-485A-94A4-6327689AED63}" srcOrd="1" destOrd="0" presId="urn:microsoft.com/office/officeart/2005/8/layout/orgChart1"/>
+    <dgm:cxn modelId="{C7377537-46FB-4A86-AAD3-B921F62C0CA0}" type="presParOf" srcId="{31B248D9-6F70-4048-94C9-0F8E0272DAE1}" destId="{9F1A9655-4E47-420B-8371-13C30AA29059}" srcOrd="2" destOrd="0" presId="urn:microsoft.com/office/officeart/2005/8/layout/orgChart1"/>
     <dgm:cxn modelId="{CC3E076D-DA8A-4EE5-9C99-E158478D2A01}" type="presParOf" srcId="{8CABA6F1-D7F7-4B34-9645-064371C75DE3}" destId="{DA43EEA8-EE72-4F1E-A77F-D1888BD4FEF0}" srcOrd="2" destOrd="0" presId="urn:microsoft.com/office/officeart/2005/8/layout/orgChart1"/>
-    <dgm:cxn modelId="{17ABCA38-8F6E-4F7C-8686-E4B0A7C26314}" type="presParOf" srcId="{A3F18C42-7DD4-4C86-8E7D-64A101685AAA}" destId="{CBA43442-57D4-4789-81ED-76A9330DF266}" srcOrd="2" destOrd="0" presId="urn:microsoft.com/office/officeart/2005/8/layout/orgChart1"/>
-    <dgm:cxn modelId="{00D57D4B-DE44-4481-A007-0DAD550CF701}" type="presParOf" srcId="{A3F18C42-7DD4-4C86-8E7D-64A101685AAA}" destId="{F9879274-9671-4D3C-97E9-E445A8AFD2D0}" srcOrd="3" destOrd="0" presId="urn:microsoft.com/office/officeart/2005/8/layout/orgChart1"/>
+    <dgm:cxn modelId="{1D6D89D1-D0F6-4529-AE29-E12D7A493D82}" type="presParOf" srcId="{A3F18C42-7DD4-4C86-8E7D-64A101685AAA}" destId="{566E593A-F6BD-4575-A932-BEFEB99F9F7E}" srcOrd="2" destOrd="0" presId="urn:microsoft.com/office/officeart/2005/8/layout/orgChart1"/>
+    <dgm:cxn modelId="{A4BE25F9-F16F-4770-8872-C5033378ACCB}" type="presParOf" srcId="{A3F18C42-7DD4-4C86-8E7D-64A101685AAA}" destId="{504739C9-D32F-431D-838C-31A4D2BC7187}" srcOrd="3" destOrd="0" presId="urn:microsoft.com/office/officeart/2005/8/layout/orgChart1"/>
+    <dgm:cxn modelId="{58F57508-0482-472C-ABBA-844442E9BEAE}" type="presParOf" srcId="{504739C9-D32F-431D-838C-31A4D2BC7187}" destId="{6999679D-4AE9-4F11-A5DC-B52BFBC7F09A}" srcOrd="0" destOrd="0" presId="urn:microsoft.com/office/officeart/2005/8/layout/orgChart1"/>
+    <dgm:cxn modelId="{B239D6D5-E54B-466E-BB0A-60576B8E93E4}" type="presParOf" srcId="{6999679D-4AE9-4F11-A5DC-B52BFBC7F09A}" destId="{CBBAA318-DD59-4E4E-92E7-458A89BC454C}" srcOrd="0" destOrd="0" presId="urn:microsoft.com/office/officeart/2005/8/layout/orgChart1"/>
+    <dgm:cxn modelId="{B6814827-8462-4250-A193-7254C81BFEA5}" type="presParOf" srcId="{6999679D-4AE9-4F11-A5DC-B52BFBC7F09A}" destId="{79E8796E-0A56-48E2-A512-2034CB83BFFC}" srcOrd="1" destOrd="0" presId="urn:microsoft.com/office/officeart/2005/8/layout/orgChart1"/>
+    <dgm:cxn modelId="{DF7ACF87-B0DD-4947-ADA6-5C80BB913E99}" type="presParOf" srcId="{504739C9-D32F-431D-838C-31A4D2BC7187}" destId="{DBE14DE1-50E6-4175-A4D8-60E5C9095E70}" srcOrd="1" destOrd="0" presId="urn:microsoft.com/office/officeart/2005/8/layout/orgChart1"/>
+    <dgm:cxn modelId="{43B86545-2AED-408D-B046-37BC991290D8}" type="presParOf" srcId="{504739C9-D32F-431D-838C-31A4D2BC7187}" destId="{A6B53CE5-AA47-4885-B8C7-5A5F656F2AEE}" srcOrd="2" destOrd="0" presId="urn:microsoft.com/office/officeart/2005/8/layout/orgChart1"/>
+    <dgm:cxn modelId="{17ABCA38-8F6E-4F7C-8686-E4B0A7C26314}" type="presParOf" srcId="{A3F18C42-7DD4-4C86-8E7D-64A101685AAA}" destId="{CBA43442-57D4-4789-81ED-76A9330DF266}" srcOrd="4" destOrd="0" presId="urn:microsoft.com/office/officeart/2005/8/layout/orgChart1"/>
+    <dgm:cxn modelId="{00D57D4B-DE44-4481-A007-0DAD550CF701}" type="presParOf" srcId="{A3F18C42-7DD4-4C86-8E7D-64A101685AAA}" destId="{F9879274-9671-4D3C-97E9-E445A8AFD2D0}" srcOrd="5" destOrd="0" presId="urn:microsoft.com/office/officeart/2005/8/layout/orgChart1"/>
     <dgm:cxn modelId="{CD8D8C62-0BBF-4110-A88D-EFDA48E6ACD9}" type="presParOf" srcId="{F9879274-9671-4D3C-97E9-E445A8AFD2D0}" destId="{2C118ADF-8542-4DFE-B8E7-93A2A91FA1D4}" srcOrd="0" destOrd="0" presId="urn:microsoft.com/office/officeart/2005/8/layout/orgChart1"/>
     <dgm:cxn modelId="{DBCE498A-4041-4407-9FF0-52A82E736216}" type="presParOf" srcId="{2C118ADF-8542-4DFE-B8E7-93A2A91FA1D4}" destId="{35E89742-BA88-4DF4-BB56-ABD629DBF74B}" srcOrd="0" destOrd="0" presId="urn:microsoft.com/office/officeart/2005/8/layout/orgChart1"/>
     <dgm:cxn modelId="{46B8D6C5-DFD8-47CE-B634-48B9692D9974}" type="presParOf" srcId="{2C118ADF-8542-4DFE-B8E7-93A2A91FA1D4}" destId="{7CAE20F3-9851-4184-88DB-DE8D73469125}" srcOrd="1" destOrd="0" presId="urn:microsoft.com/office/officeart/2005/8/layout/orgChart1"/>
     <dgm:cxn modelId="{7BE122ED-1427-43D7-BE11-BE9662F3E2BF}" type="presParOf" srcId="{F9879274-9671-4D3C-97E9-E445A8AFD2D0}" destId="{F71291DF-967A-43A2-B7FB-9D3EF8D80FED}" srcOrd="1" destOrd="0" presId="urn:microsoft.com/office/officeart/2005/8/layout/orgChart1"/>
-    <dgm:cxn modelId="{4E218180-1B32-4005-B160-56FE9D555D39}" type="presParOf" srcId="{F71291DF-967A-43A2-B7FB-9D3EF8D80FED}" destId="{4757C9F0-ADED-4545-BE13-507D791B2851}" srcOrd="0" destOrd="0" presId="urn:microsoft.com/office/officeart/2005/8/layout/orgChart1"/>
-    <dgm:cxn modelId="{55C0871C-9078-4C54-A7A6-129DF5ECCF79}" type="presParOf" srcId="{F71291DF-967A-43A2-B7FB-9D3EF8D80FED}" destId="{D8556E7D-4CB1-400B-81DD-D05A4F8BBA3E}" srcOrd="1" destOrd="0" presId="urn:microsoft.com/office/officeart/2005/8/layout/orgChart1"/>
-    <dgm:cxn modelId="{11E1D99A-896D-49D8-AD5D-914F3070C744}" type="presParOf" srcId="{D8556E7D-4CB1-400B-81DD-D05A4F8BBA3E}" destId="{70FECE5E-99AE-430C-99F1-3BBA8424D735}" srcOrd="0" destOrd="0" presId="urn:microsoft.com/office/officeart/2005/8/layout/orgChart1"/>
-    <dgm:cxn modelId="{AFA41784-7951-434D-B7E5-2863D86231E0}" type="presParOf" srcId="{70FECE5E-99AE-430C-99F1-3BBA8424D735}" destId="{BB36BA23-1CC4-422E-9832-E46739477823}" srcOrd="0" destOrd="0" presId="urn:microsoft.com/office/officeart/2005/8/layout/orgChart1"/>
-    <dgm:cxn modelId="{C642E138-13A7-4995-91B1-7FEE6AFE10C9}" type="presParOf" srcId="{70FECE5E-99AE-430C-99F1-3BBA8424D735}" destId="{6FDEBB40-B66F-4873-B5E1-6A2056A66F75}" srcOrd="1" destOrd="0" presId="urn:microsoft.com/office/officeart/2005/8/layout/orgChart1"/>
-    <dgm:cxn modelId="{A885DAE0-AEB4-486B-8CD5-9835B38B6EDC}" type="presParOf" srcId="{D8556E7D-4CB1-400B-81DD-D05A4F8BBA3E}" destId="{09F5BCEB-F822-468A-9186-D18D023B1349}" srcOrd="1" destOrd="0" presId="urn:microsoft.com/office/officeart/2005/8/layout/orgChart1"/>
-    <dgm:cxn modelId="{0CFF6664-43BD-4D26-BB4C-DB04D4CF963A}" type="presParOf" srcId="{D8556E7D-4CB1-400B-81DD-D05A4F8BBA3E}" destId="{A07C9AD1-B8EF-4F54-A363-7A2E9820873D}" srcOrd="2" destOrd="0" presId="urn:microsoft.com/office/officeart/2005/8/layout/orgChart1"/>
-    <dgm:cxn modelId="{FFB19AED-345F-4211-87ED-51A0D4C2D3CC}" type="presParOf" srcId="{F71291DF-967A-43A2-B7FB-9D3EF8D80FED}" destId="{4E87919C-7674-4507-8919-9FBC45110084}" srcOrd="2" destOrd="0" presId="urn:microsoft.com/office/officeart/2005/8/layout/orgChart1"/>
-    <dgm:cxn modelId="{3683FCB4-EA52-4BBA-A669-A9331ACD44B9}" type="presParOf" srcId="{F71291DF-967A-43A2-B7FB-9D3EF8D80FED}" destId="{F1F2E2FC-E776-465B-A38D-138D3F07549C}" srcOrd="3" destOrd="0" presId="urn:microsoft.com/office/officeart/2005/8/layout/orgChart1"/>
-    <dgm:cxn modelId="{F201FA9B-AFEA-4749-A32E-F5BBD4FD366B}" type="presParOf" srcId="{F1F2E2FC-E776-465B-A38D-138D3F07549C}" destId="{B37F639D-841F-4407-BB6D-F942C94C62E1}" srcOrd="0" destOrd="0" presId="urn:microsoft.com/office/officeart/2005/8/layout/orgChart1"/>
-    <dgm:cxn modelId="{E39D83AF-5670-4D63-A42D-E938A6AF4368}" type="presParOf" srcId="{B37F639D-841F-4407-BB6D-F942C94C62E1}" destId="{0E552A6F-B68C-4E74-BE5D-70249725636B}" srcOrd="0" destOrd="0" presId="urn:microsoft.com/office/officeart/2005/8/layout/orgChart1"/>
-    <dgm:cxn modelId="{93A67D1B-11C3-4AC5-B95C-1C3E49D0177C}" type="presParOf" srcId="{B37F639D-841F-4407-BB6D-F942C94C62E1}" destId="{3689119B-FFB9-41EA-A4DB-B162EFBA94CA}" srcOrd="1" destOrd="0" presId="urn:microsoft.com/office/officeart/2005/8/layout/orgChart1"/>
-    <dgm:cxn modelId="{12C4BA3B-0D8D-4EEF-8EE4-871C2C31FE1A}" type="presParOf" srcId="{F1F2E2FC-E776-465B-A38D-138D3F07549C}" destId="{D9B89396-A938-4515-8EBC-04023E1AF586}" srcOrd="1" destOrd="0" presId="urn:microsoft.com/office/officeart/2005/8/layout/orgChart1"/>
-    <dgm:cxn modelId="{CD4D2269-FC17-4716-9CD9-77B58A570676}" type="presParOf" srcId="{D9B89396-A938-4515-8EBC-04023E1AF586}" destId="{369EE3D7-9074-4AA3-A2B7-99C738887417}" srcOrd="0" destOrd="0" presId="urn:microsoft.com/office/officeart/2005/8/layout/orgChart1"/>
-    <dgm:cxn modelId="{8C197CA1-E980-42E3-8E0B-1B534E02D07B}" type="presParOf" srcId="{D9B89396-A938-4515-8EBC-04023E1AF586}" destId="{2972752B-4B0C-4675-8B2F-2448618124BC}" srcOrd="1" destOrd="0" presId="urn:microsoft.com/office/officeart/2005/8/layout/orgChart1"/>
-    <dgm:cxn modelId="{A030F654-59B7-4CFA-AA8B-2C8E1450803B}" type="presParOf" srcId="{2972752B-4B0C-4675-8B2F-2448618124BC}" destId="{E3DE5D8E-987A-426B-8D14-9C18F5B4B51B}" srcOrd="0" destOrd="0" presId="urn:microsoft.com/office/officeart/2005/8/layout/orgChart1"/>
-    <dgm:cxn modelId="{88C0809E-6BBE-4B50-9B4D-82CF058FA999}" type="presParOf" srcId="{E3DE5D8E-987A-426B-8D14-9C18F5B4B51B}" destId="{CD85F165-19C6-42AA-B8C4-4A8A0F3BD57A}" srcOrd="0" destOrd="0" presId="urn:microsoft.com/office/officeart/2005/8/layout/orgChart1"/>
-    <dgm:cxn modelId="{0B181C48-9A59-4B93-81E0-D9EA5E41CD10}" type="presParOf" srcId="{E3DE5D8E-987A-426B-8D14-9C18F5B4B51B}" destId="{202DF89F-7828-47C1-A7FB-2425B9BFA994}" srcOrd="1" destOrd="0" presId="urn:microsoft.com/office/officeart/2005/8/layout/orgChart1"/>
-    <dgm:cxn modelId="{2BE4397B-3519-40D2-A204-2FDFEA043180}" type="presParOf" srcId="{2972752B-4B0C-4675-8B2F-2448618124BC}" destId="{A09A2C34-E97D-453B-9A07-D07B595B7354}" srcOrd="1" destOrd="0" presId="urn:microsoft.com/office/officeart/2005/8/layout/orgChart1"/>
-    <dgm:cxn modelId="{CF874232-45C8-4B5E-B59A-EF096C1DEEE3}" type="presParOf" srcId="{2972752B-4B0C-4675-8B2F-2448618124BC}" destId="{16021EBF-1902-4A83-B9DE-FED6C84E0ABD}" srcOrd="2" destOrd="0" presId="urn:microsoft.com/office/officeart/2005/8/layout/orgChart1"/>
-    <dgm:cxn modelId="{E9D4C91B-0B97-465E-BF99-36D8B44762CF}" type="presParOf" srcId="{D9B89396-A938-4515-8EBC-04023E1AF586}" destId="{4F133DBF-B8C8-414C-B8D8-E5CC6D47CDDB}" srcOrd="2" destOrd="0" presId="urn:microsoft.com/office/officeart/2005/8/layout/orgChart1"/>
-    <dgm:cxn modelId="{895B1E9C-F437-4B0C-9D3D-D96BC5AF4E14}" type="presParOf" srcId="{D9B89396-A938-4515-8EBC-04023E1AF586}" destId="{77BD91D3-C1D2-47B7-A13C-A2726D792CA1}" srcOrd="3" destOrd="0" presId="urn:microsoft.com/office/officeart/2005/8/layout/orgChart1"/>
-    <dgm:cxn modelId="{94E0413D-E75D-4930-A166-2BFA78CBA06C}" type="presParOf" srcId="{77BD91D3-C1D2-47B7-A13C-A2726D792CA1}" destId="{39B48029-9735-4522-9F50-FD8B2C85E2DF}" srcOrd="0" destOrd="0" presId="urn:microsoft.com/office/officeart/2005/8/layout/orgChart1"/>
-    <dgm:cxn modelId="{BF888D79-1799-4F64-BD7F-B096B4095ECF}" type="presParOf" srcId="{39B48029-9735-4522-9F50-FD8B2C85E2DF}" destId="{1AFFD95E-5A05-412F-BDAC-116037076AD3}" srcOrd="0" destOrd="0" presId="urn:microsoft.com/office/officeart/2005/8/layout/orgChart1"/>
-    <dgm:cxn modelId="{79ADF532-417E-43A3-9389-1AFEAB0D96CF}" type="presParOf" srcId="{39B48029-9735-4522-9F50-FD8B2C85E2DF}" destId="{C2E297D7-6C98-4E5A-8ED6-1F55E3BBBABB}" srcOrd="1" destOrd="0" presId="urn:microsoft.com/office/officeart/2005/8/layout/orgChart1"/>
-    <dgm:cxn modelId="{C6548C8E-2BAA-4CEE-94D5-B90728A505F3}" type="presParOf" srcId="{77BD91D3-C1D2-47B7-A13C-A2726D792CA1}" destId="{90FB0E10-416E-40F2-A084-83E3FAE96965}" srcOrd="1" destOrd="0" presId="urn:microsoft.com/office/officeart/2005/8/layout/orgChart1"/>
-    <dgm:cxn modelId="{37383F63-210A-4DE9-8013-7BA44450D526}" type="presParOf" srcId="{77BD91D3-C1D2-47B7-A13C-A2726D792CA1}" destId="{A600E305-D5D1-4E69-BB8E-5496B27175C3}" srcOrd="2" destOrd="0" presId="urn:microsoft.com/office/officeart/2005/8/layout/orgChart1"/>
-    <dgm:cxn modelId="{FDAA36D6-B477-4F95-9E7B-A1F3DA5477C1}" type="presParOf" srcId="{F1F2E2FC-E776-465B-A38D-138D3F07549C}" destId="{0565AFB9-218F-484F-9BE7-13EE7E645484}" srcOrd="2" destOrd="0" presId="urn:microsoft.com/office/officeart/2005/8/layout/orgChart1"/>
+    <dgm:cxn modelId="{9AE4C365-3549-454B-8082-31CF55941BF8}" type="presParOf" srcId="{F71291DF-967A-43A2-B7FB-9D3EF8D80FED}" destId="{C05AB4CA-F2E4-4789-96E5-F61D53BF4809}" srcOrd="0" destOrd="0" presId="urn:microsoft.com/office/officeart/2005/8/layout/orgChart1"/>
+    <dgm:cxn modelId="{56EC48D0-60DB-4365-BD3F-B07BCD835F04}" type="presParOf" srcId="{F71291DF-967A-43A2-B7FB-9D3EF8D80FED}" destId="{1EB9F392-8CB0-4B9A-B49D-0DFFCA5FA5B1}" srcOrd="1" destOrd="0" presId="urn:microsoft.com/office/officeart/2005/8/layout/orgChart1"/>
+    <dgm:cxn modelId="{2E4104F3-F37F-47BC-BE6C-49AF6D41FF1D}" type="presParOf" srcId="{1EB9F392-8CB0-4B9A-B49D-0DFFCA5FA5B1}" destId="{F15911F3-2F42-4424-9E44-016F67F95FF6}" srcOrd="0" destOrd="0" presId="urn:microsoft.com/office/officeart/2005/8/layout/orgChart1"/>
+    <dgm:cxn modelId="{80F00F15-28EC-496A-8DB9-91DE626F7A3D}" type="presParOf" srcId="{F15911F3-2F42-4424-9E44-016F67F95FF6}" destId="{4BC5195C-979B-481B-AB97-7D858EADBA85}" srcOrd="0" destOrd="0" presId="urn:microsoft.com/office/officeart/2005/8/layout/orgChart1"/>
+    <dgm:cxn modelId="{5E5C902B-AF97-450E-A74F-D32918A2D13A}" type="presParOf" srcId="{F15911F3-2F42-4424-9E44-016F67F95FF6}" destId="{2C5DAE78-FD60-444F-BF88-A87CCE9EAF07}" srcOrd="1" destOrd="0" presId="urn:microsoft.com/office/officeart/2005/8/layout/orgChart1"/>
+    <dgm:cxn modelId="{6A44D83D-F251-48AF-A8E0-F496B099375B}" type="presParOf" srcId="{1EB9F392-8CB0-4B9A-B49D-0DFFCA5FA5B1}" destId="{A2C31856-7C0F-4B14-9372-0AC0A5CA77B0}" srcOrd="1" destOrd="0" presId="urn:microsoft.com/office/officeart/2005/8/layout/orgChart1"/>
+    <dgm:cxn modelId="{2FA5D61B-95AD-4244-8802-98FCE028B1E5}" type="presParOf" srcId="{1EB9F392-8CB0-4B9A-B49D-0DFFCA5FA5B1}" destId="{BF4DD9BB-4DBD-448F-9122-4F244FCF8932}" srcOrd="2" destOrd="0" presId="urn:microsoft.com/office/officeart/2005/8/layout/orgChart1"/>
+    <dgm:cxn modelId="{0E9C36CA-9312-4CE8-A7C5-E79AE122783A}" type="presParOf" srcId="{F71291DF-967A-43A2-B7FB-9D3EF8D80FED}" destId="{4757C9F0-ADED-4545-BE13-507D791B2851}" srcOrd="2" destOrd="0" presId="urn:microsoft.com/office/officeart/2005/8/layout/orgChart1"/>
+    <dgm:cxn modelId="{62A32088-DE98-419C-A83C-F8271A6C7CA8}" type="presParOf" srcId="{F71291DF-967A-43A2-B7FB-9D3EF8D80FED}" destId="{D8556E7D-4CB1-400B-81DD-D05A4F8BBA3E}" srcOrd="3" destOrd="0" presId="urn:microsoft.com/office/officeart/2005/8/layout/orgChart1"/>
+    <dgm:cxn modelId="{0F8E747B-1D98-4A60-A2CD-FFC9019C840C}" type="presParOf" srcId="{D8556E7D-4CB1-400B-81DD-D05A4F8BBA3E}" destId="{70FECE5E-99AE-430C-99F1-3BBA8424D735}" srcOrd="0" destOrd="0" presId="urn:microsoft.com/office/officeart/2005/8/layout/orgChart1"/>
+    <dgm:cxn modelId="{B48063D8-EF18-47F1-A295-B5561C6A03F9}" type="presParOf" srcId="{70FECE5E-99AE-430C-99F1-3BBA8424D735}" destId="{BB36BA23-1CC4-422E-9832-E46739477823}" srcOrd="0" destOrd="0" presId="urn:microsoft.com/office/officeart/2005/8/layout/orgChart1"/>
+    <dgm:cxn modelId="{954BBE1E-8824-415D-94E3-35B9A2CF2C1B}" type="presParOf" srcId="{70FECE5E-99AE-430C-99F1-3BBA8424D735}" destId="{6FDEBB40-B66F-4873-B5E1-6A2056A66F75}" srcOrd="1" destOrd="0" presId="urn:microsoft.com/office/officeart/2005/8/layout/orgChart1"/>
+    <dgm:cxn modelId="{5109F925-0C17-4884-B015-856BF167F59F}" type="presParOf" srcId="{D8556E7D-4CB1-400B-81DD-D05A4F8BBA3E}" destId="{09F5BCEB-F822-468A-9186-D18D023B1349}" srcOrd="1" destOrd="0" presId="urn:microsoft.com/office/officeart/2005/8/layout/orgChart1"/>
+    <dgm:cxn modelId="{D456193B-0CD5-4E8D-9A66-33648F44C831}" type="presParOf" srcId="{D8556E7D-4CB1-400B-81DD-D05A4F8BBA3E}" destId="{A07C9AD1-B8EF-4F54-A363-7A2E9820873D}" srcOrd="2" destOrd="0" presId="urn:microsoft.com/office/officeart/2005/8/layout/orgChart1"/>
+    <dgm:cxn modelId="{F71B3780-8CD3-49C9-B7BE-E58EFFF534F4}" type="presParOf" srcId="{F71291DF-967A-43A2-B7FB-9D3EF8D80FED}" destId="{4E87919C-7674-4507-8919-9FBC45110084}" srcOrd="4" destOrd="0" presId="urn:microsoft.com/office/officeart/2005/8/layout/orgChart1"/>
+    <dgm:cxn modelId="{5F3F8482-10EC-495A-A497-2558C6FADE97}" type="presParOf" srcId="{F71291DF-967A-43A2-B7FB-9D3EF8D80FED}" destId="{F1F2E2FC-E776-465B-A38D-138D3F07549C}" srcOrd="5" destOrd="0" presId="urn:microsoft.com/office/officeart/2005/8/layout/orgChart1"/>
+    <dgm:cxn modelId="{144DE1B0-0590-4BB0-955C-7DA8C20A4DB5}" type="presParOf" srcId="{F1F2E2FC-E776-465B-A38D-138D3F07549C}" destId="{B37F639D-841F-4407-BB6D-F942C94C62E1}" srcOrd="0" destOrd="0" presId="urn:microsoft.com/office/officeart/2005/8/layout/orgChart1"/>
+    <dgm:cxn modelId="{790F10D0-58D6-40DA-847E-79441D7F2916}" type="presParOf" srcId="{B37F639D-841F-4407-BB6D-F942C94C62E1}" destId="{0E552A6F-B68C-4E74-BE5D-70249725636B}" srcOrd="0" destOrd="0" presId="urn:microsoft.com/office/officeart/2005/8/layout/orgChart1"/>
+    <dgm:cxn modelId="{BD1C63FE-810B-40CC-B818-6E8A15A3513E}" type="presParOf" srcId="{B37F639D-841F-4407-BB6D-F942C94C62E1}" destId="{3689119B-FFB9-41EA-A4DB-B162EFBA94CA}" srcOrd="1" destOrd="0" presId="urn:microsoft.com/office/officeart/2005/8/layout/orgChart1"/>
+    <dgm:cxn modelId="{64CF5047-14ED-404C-BDDC-89FB471B5EC5}" type="presParOf" srcId="{F1F2E2FC-E776-465B-A38D-138D3F07549C}" destId="{D9B89396-A938-4515-8EBC-04023E1AF586}" srcOrd="1" destOrd="0" presId="urn:microsoft.com/office/officeart/2005/8/layout/orgChart1"/>
+    <dgm:cxn modelId="{8F28B1AA-BA30-4819-894D-3E43AE086B70}" type="presParOf" srcId="{D9B89396-A938-4515-8EBC-04023E1AF586}" destId="{369EE3D7-9074-4AA3-A2B7-99C738887417}" srcOrd="0" destOrd="0" presId="urn:microsoft.com/office/officeart/2005/8/layout/orgChart1"/>
+    <dgm:cxn modelId="{5BE8C6C4-375C-4D24-B1BC-1F2E08631DF5}" type="presParOf" srcId="{D9B89396-A938-4515-8EBC-04023E1AF586}" destId="{2972752B-4B0C-4675-8B2F-2448618124BC}" srcOrd="1" destOrd="0" presId="urn:microsoft.com/office/officeart/2005/8/layout/orgChart1"/>
+    <dgm:cxn modelId="{E53958A6-31AE-4DA0-BE1F-2DFDF03BCE24}" type="presParOf" srcId="{2972752B-4B0C-4675-8B2F-2448618124BC}" destId="{E3DE5D8E-987A-426B-8D14-9C18F5B4B51B}" srcOrd="0" destOrd="0" presId="urn:microsoft.com/office/officeart/2005/8/layout/orgChart1"/>
+    <dgm:cxn modelId="{53DED3EA-BCB1-433D-A8B4-F32296E9189F}" type="presParOf" srcId="{E3DE5D8E-987A-426B-8D14-9C18F5B4B51B}" destId="{CD85F165-19C6-42AA-B8C4-4A8A0F3BD57A}" srcOrd="0" destOrd="0" presId="urn:microsoft.com/office/officeart/2005/8/layout/orgChart1"/>
+    <dgm:cxn modelId="{53CC758B-19D4-46A4-A636-FCF5BA526F2D}" type="presParOf" srcId="{E3DE5D8E-987A-426B-8D14-9C18F5B4B51B}" destId="{202DF89F-7828-47C1-A7FB-2425B9BFA994}" srcOrd="1" destOrd="0" presId="urn:microsoft.com/office/officeart/2005/8/layout/orgChart1"/>
+    <dgm:cxn modelId="{9111509C-9276-4B6E-B18C-94DE3C3B1193}" type="presParOf" srcId="{2972752B-4B0C-4675-8B2F-2448618124BC}" destId="{A09A2C34-E97D-453B-9A07-D07B595B7354}" srcOrd="1" destOrd="0" presId="urn:microsoft.com/office/officeart/2005/8/layout/orgChart1"/>
+    <dgm:cxn modelId="{AB9A6240-2F2D-4A63-96AE-0CE32BB3E88F}" type="presParOf" srcId="{2972752B-4B0C-4675-8B2F-2448618124BC}" destId="{16021EBF-1902-4A83-B9DE-FED6C84E0ABD}" srcOrd="2" destOrd="0" presId="urn:microsoft.com/office/officeart/2005/8/layout/orgChart1"/>
+    <dgm:cxn modelId="{D64C3A1B-4F85-4FD1-9B48-A932383EB366}" type="presParOf" srcId="{D9B89396-A938-4515-8EBC-04023E1AF586}" destId="{4F133DBF-B8C8-414C-B8D8-E5CC6D47CDDB}" srcOrd="2" destOrd="0" presId="urn:microsoft.com/office/officeart/2005/8/layout/orgChart1"/>
+    <dgm:cxn modelId="{FBD4798D-05B4-4D10-A14A-29DA6DB6F1C0}" type="presParOf" srcId="{D9B89396-A938-4515-8EBC-04023E1AF586}" destId="{77BD91D3-C1D2-47B7-A13C-A2726D792CA1}" srcOrd="3" destOrd="0" presId="urn:microsoft.com/office/officeart/2005/8/layout/orgChart1"/>
+    <dgm:cxn modelId="{D5AE7C7C-E455-4E49-8D8D-80B0FD11E181}" type="presParOf" srcId="{77BD91D3-C1D2-47B7-A13C-A2726D792CA1}" destId="{39B48029-9735-4522-9F50-FD8B2C85E2DF}" srcOrd="0" destOrd="0" presId="urn:microsoft.com/office/officeart/2005/8/layout/orgChart1"/>
+    <dgm:cxn modelId="{B0E440D4-AD0C-4EA6-B73E-F33424B68660}" type="presParOf" srcId="{39B48029-9735-4522-9F50-FD8B2C85E2DF}" destId="{1AFFD95E-5A05-412F-BDAC-116037076AD3}" srcOrd="0" destOrd="0" presId="urn:microsoft.com/office/officeart/2005/8/layout/orgChart1"/>
+    <dgm:cxn modelId="{6DE6717B-7AFE-4F1E-9A0F-643D89C627BE}" type="presParOf" srcId="{39B48029-9735-4522-9F50-FD8B2C85E2DF}" destId="{C2E297D7-6C98-4E5A-8ED6-1F55E3BBBABB}" srcOrd="1" destOrd="0" presId="urn:microsoft.com/office/officeart/2005/8/layout/orgChart1"/>
+    <dgm:cxn modelId="{16600F25-C390-45A0-AC0C-5A664C6EFD19}" type="presParOf" srcId="{77BD91D3-C1D2-47B7-A13C-A2726D792CA1}" destId="{90FB0E10-416E-40F2-A084-83E3FAE96965}" srcOrd="1" destOrd="0" presId="urn:microsoft.com/office/officeart/2005/8/layout/orgChart1"/>
+    <dgm:cxn modelId="{B6B2CA85-5297-4F4B-A721-A326A3B2E00F}" type="presParOf" srcId="{77BD91D3-C1D2-47B7-A13C-A2726D792CA1}" destId="{A600E305-D5D1-4E69-BB8E-5496B27175C3}" srcOrd="2" destOrd="0" presId="urn:microsoft.com/office/officeart/2005/8/layout/orgChart1"/>
+    <dgm:cxn modelId="{F427EE5E-6EDC-41C6-A06A-8EC1F2784431}" type="presParOf" srcId="{F1F2E2FC-E776-465B-A38D-138D3F07549C}" destId="{0565AFB9-218F-484F-9BE7-13EE7E645484}" srcOrd="2" destOrd="0" presId="urn:microsoft.com/office/officeart/2005/8/layout/orgChart1"/>
     <dgm:cxn modelId="{AFFC5F01-F44F-4888-A29A-067EA008B1DC}" type="presParOf" srcId="{F9879274-9671-4D3C-97E9-E445A8AFD2D0}" destId="{95BD86D8-4EE1-434B-8987-1F564DDD15E1}" srcOrd="2" destOrd="0" presId="urn:microsoft.com/office/officeart/2005/8/layout/orgChart1"/>
-    <dgm:cxn modelId="{06E00958-49E5-4C71-BD79-A4372BD0B95D}" type="presParOf" srcId="{A3F18C42-7DD4-4C86-8E7D-64A101685AAA}" destId="{F5F16A33-5074-4422-9522-4AF9DC2C0200}" srcOrd="4" destOrd="0" presId="urn:microsoft.com/office/officeart/2005/8/layout/orgChart1"/>
-    <dgm:cxn modelId="{17DBC9EB-1B76-4D32-BD55-21FDD34C282F}" type="presParOf" srcId="{A3F18C42-7DD4-4C86-8E7D-64A101685AAA}" destId="{6EBC0642-31E0-4F0F-ABD3-AA47BA7E7327}" srcOrd="5" destOrd="0" presId="urn:microsoft.com/office/officeart/2005/8/layout/orgChart1"/>
+    <dgm:cxn modelId="{06E00958-49E5-4C71-BD79-A4372BD0B95D}" type="presParOf" srcId="{A3F18C42-7DD4-4C86-8E7D-64A101685AAA}" destId="{F5F16A33-5074-4422-9522-4AF9DC2C0200}" srcOrd="6" destOrd="0" presId="urn:microsoft.com/office/officeart/2005/8/layout/orgChart1"/>
+    <dgm:cxn modelId="{17DBC9EB-1B76-4D32-BD55-21FDD34C282F}" type="presParOf" srcId="{A3F18C42-7DD4-4C86-8E7D-64A101685AAA}" destId="{6EBC0642-31E0-4F0F-ABD3-AA47BA7E7327}" srcOrd="7" destOrd="0" presId="urn:microsoft.com/office/officeart/2005/8/layout/orgChart1"/>
     <dgm:cxn modelId="{0EB4B87D-854E-4CAB-A165-D45425AE55AC}" type="presParOf" srcId="{6EBC0642-31E0-4F0F-ABD3-AA47BA7E7327}" destId="{8E58E636-4D15-45DD-812D-5F44CEF7EE26}" srcOrd="0" destOrd="0" presId="urn:microsoft.com/office/officeart/2005/8/layout/orgChart1"/>
     <dgm:cxn modelId="{1CC9C09A-7A71-48AD-A831-F7766EEC73D7}" type="presParOf" srcId="{8E58E636-4D15-45DD-812D-5F44CEF7EE26}" destId="{26D9CF35-9A67-4ADF-BB7F-61BBA7B904FF}" srcOrd="0" destOrd="0" presId="urn:microsoft.com/office/officeart/2005/8/layout/orgChart1"/>
     <dgm:cxn modelId="{376A0F96-D64A-482C-AEE7-4200BE48E9BB}" type="presParOf" srcId="{8E58E636-4D15-45DD-812D-5F44CEF7EE26}" destId="{BEA1F055-D75F-4777-A38F-1F6E9E5D73E0}" srcOrd="1" destOrd="0" presId="urn:microsoft.com/office/officeart/2005/8/layout/orgChart1"/>
     <dgm:cxn modelId="{87D53A11-4BEE-4916-A1B8-B94EF7626DFF}" type="presParOf" srcId="{6EBC0642-31E0-4F0F-ABD3-AA47BA7E7327}" destId="{7AFFEB89-F003-46D2-A54E-27A510C35EEC}" srcOrd="1" destOrd="0" presId="urn:microsoft.com/office/officeart/2005/8/layout/orgChart1"/>
     <dgm:cxn modelId="{B427C3B5-D29B-4D12-B5F1-F94E7199A5C3}" type="presParOf" srcId="{6EBC0642-31E0-4F0F-ABD3-AA47BA7E7327}" destId="{36CBC5CD-A9C2-4503-B768-84FDFDEFC985}" srcOrd="2" destOrd="0" presId="urn:microsoft.com/office/officeart/2005/8/layout/orgChart1"/>
-    <dgm:cxn modelId="{54E611D0-85C0-45B6-957F-0916DD513060}" type="presParOf" srcId="{A3F18C42-7DD4-4C86-8E7D-64A101685AAA}" destId="{3BA964FF-5030-4219-8DA2-BF0FC8AD8694}" srcOrd="6" destOrd="0" presId="urn:microsoft.com/office/officeart/2005/8/layout/orgChart1"/>
-    <dgm:cxn modelId="{F89D7C50-2293-4DC3-B992-158A7A09226B}" type="presParOf" srcId="{A3F18C42-7DD4-4C86-8E7D-64A101685AAA}" destId="{B5798A9F-BE8C-4889-AD00-99EFAAE5ADF7}" srcOrd="7" destOrd="0" presId="urn:microsoft.com/office/officeart/2005/8/layout/orgChart1"/>
+    <dgm:cxn modelId="{54E611D0-85C0-45B6-957F-0916DD513060}" type="presParOf" srcId="{A3F18C42-7DD4-4C86-8E7D-64A101685AAA}" destId="{3BA964FF-5030-4219-8DA2-BF0FC8AD8694}" srcOrd="8" destOrd="0" presId="urn:microsoft.com/office/officeart/2005/8/layout/orgChart1"/>
+    <dgm:cxn modelId="{F89D7C50-2293-4DC3-B992-158A7A09226B}" type="presParOf" srcId="{A3F18C42-7DD4-4C86-8E7D-64A101685AAA}" destId="{B5798A9F-BE8C-4889-AD00-99EFAAE5ADF7}" srcOrd="9" destOrd="0" presId="urn:microsoft.com/office/officeart/2005/8/layout/orgChart1"/>
     <dgm:cxn modelId="{B6441267-A2CC-4431-9993-7387F650894A}" type="presParOf" srcId="{B5798A9F-BE8C-4889-AD00-99EFAAE5ADF7}" destId="{48E8A104-E341-4F19-804A-2D2361272B7C}" srcOrd="0" destOrd="0" presId="urn:microsoft.com/office/officeart/2005/8/layout/orgChart1"/>
     <dgm:cxn modelId="{0382D031-0222-4493-89C4-BDFA2EFFB2AB}" type="presParOf" srcId="{48E8A104-E341-4F19-804A-2D2361272B7C}" destId="{DF535DEB-C5B4-4D62-B2CE-4FC786F1A0EB}" srcOrd="0" destOrd="0" presId="urn:microsoft.com/office/officeart/2005/8/layout/orgChart1"/>
     <dgm:cxn modelId="{0B0DA53C-4961-4E85-95CB-02955755738A}" type="presParOf" srcId="{48E8A104-E341-4F19-804A-2D2361272B7C}" destId="{2ECAEA8B-D919-44E5-BAEA-1BCC751E732E}" srcOrd="1" destOrd="0" presId="urn:microsoft.com/office/officeart/2005/8/layout/orgChart1"/>
@@ -2058,8 +2473,8 @@
     <dgm:cxn modelId="{9CF60009-6E0D-4706-B703-611CD269718F}" type="presParOf" srcId="{4191F261-6BD3-4EC9-B818-1995B8749F11}" destId="{D54E9CDD-DAE3-4371-8ED5-3AC4C4C688F2}" srcOrd="1" destOrd="0" presId="urn:microsoft.com/office/officeart/2005/8/layout/orgChart1"/>
     <dgm:cxn modelId="{7BA4F306-8110-477B-BFC8-BB619339412E}" type="presParOf" srcId="{4191F261-6BD3-4EC9-B818-1995B8749F11}" destId="{8906C0CB-4DB8-4EF1-97CE-01691D808207}" srcOrd="2" destOrd="0" presId="urn:microsoft.com/office/officeart/2005/8/layout/orgChart1"/>
     <dgm:cxn modelId="{2B944841-7C8B-4243-98D1-4F0CFBDC0E9C}" type="presParOf" srcId="{B5798A9F-BE8C-4889-AD00-99EFAAE5ADF7}" destId="{A1495BF7-8085-412C-B9C1-D1558E37A9FF}" srcOrd="2" destOrd="0" presId="urn:microsoft.com/office/officeart/2005/8/layout/orgChart1"/>
-    <dgm:cxn modelId="{F2BB6BE3-7214-41B8-83EC-7BAC3873E5E4}" type="presParOf" srcId="{A3F18C42-7DD4-4C86-8E7D-64A101685AAA}" destId="{C4C89C0D-EA98-4712-A36F-31A109499727}" srcOrd="8" destOrd="0" presId="urn:microsoft.com/office/officeart/2005/8/layout/orgChart1"/>
-    <dgm:cxn modelId="{B12B942F-9227-4AC4-90D5-E65CE1E51DF9}" type="presParOf" srcId="{A3F18C42-7DD4-4C86-8E7D-64A101685AAA}" destId="{50EDAA74-6B12-41FE-897A-7331971D79C8}" srcOrd="9" destOrd="0" presId="urn:microsoft.com/office/officeart/2005/8/layout/orgChart1"/>
+    <dgm:cxn modelId="{F2BB6BE3-7214-41B8-83EC-7BAC3873E5E4}" type="presParOf" srcId="{A3F18C42-7DD4-4C86-8E7D-64A101685AAA}" destId="{C4C89C0D-EA98-4712-A36F-31A109499727}" srcOrd="10" destOrd="0" presId="urn:microsoft.com/office/officeart/2005/8/layout/orgChart1"/>
+    <dgm:cxn modelId="{B12B942F-9227-4AC4-90D5-E65CE1E51DF9}" type="presParOf" srcId="{A3F18C42-7DD4-4C86-8E7D-64A101685AAA}" destId="{50EDAA74-6B12-41FE-897A-7331971D79C8}" srcOrd="11" destOrd="0" presId="urn:microsoft.com/office/officeart/2005/8/layout/orgChart1"/>
     <dgm:cxn modelId="{33D79BD8-BA40-4F29-AFF6-1860433338DA}" type="presParOf" srcId="{50EDAA74-6B12-41FE-897A-7331971D79C8}" destId="{D07689FE-7A2F-42D4-8A62-84925C240635}" srcOrd="0" destOrd="0" presId="urn:microsoft.com/office/officeart/2005/8/layout/orgChart1"/>
     <dgm:cxn modelId="{AF48D2BD-9157-4565-9B03-CEF3859B3BF7}" type="presParOf" srcId="{D07689FE-7A2F-42D4-8A62-84925C240635}" destId="{AD8E829E-9358-44BB-A50A-EE858B3F26B7}" srcOrd="0" destOrd="0" presId="urn:microsoft.com/office/officeart/2005/8/layout/orgChart1"/>
     <dgm:cxn modelId="{90BE613A-239C-4866-806E-B29B6438251D}" type="presParOf" srcId="{D07689FE-7A2F-42D4-8A62-84925C240635}" destId="{FAD2EDA1-8226-4B68-B76D-A7175F0676AC}" srcOrd="1" destOrd="0" presId="urn:microsoft.com/office/officeart/2005/8/layout/orgChart1"/>
@@ -2071,7 +2486,7 @@
   <dgm:whole/>
   <dgm:extLst>
     <a:ext uri="http://schemas.microsoft.com/office/drawing/2008/diagram">
-      <dsp:dataModelExt xmlns:dsp="http://schemas.microsoft.com/office/drawing/2008/diagram" relId="rId6" minVer="http://schemas.openxmlformats.org/drawingml/2006/diagram"/>
+      <dsp:dataModelExt xmlns:dsp="http://schemas.microsoft.com/office/drawing/2008/diagram" relId="rId7" minVer="http://schemas.openxmlformats.org/drawingml/2006/diagram"/>
     </a:ext>
   </dgm:extLst>
 </dgm:dataModel>
@@ -2092,8 +2507,8 @@
       </dsp:nvSpPr>
       <dsp:spPr>
         <a:xfrm>
-          <a:off x="4001728" y="1081031"/>
-          <a:ext cx="3315934" cy="287746"/>
+          <a:off x="5801032" y="736823"/>
+          <a:ext cx="4639692" cy="309312"/>
         </a:xfrm>
         <a:custGeom>
           <a:avLst/>
@@ -2107,13 +2522,13 @@
                 <a:pt x="0" y="0"/>
               </a:moveTo>
               <a:lnTo>
-                <a:pt x="0" y="143873"/>
+                <a:pt x="0" y="154656"/>
               </a:lnTo>
               <a:lnTo>
-                <a:pt x="3315934" y="143873"/>
+                <a:pt x="4639692" y="154656"/>
               </a:lnTo>
               <a:lnTo>
-                <a:pt x="3315934" y="287746"/>
+                <a:pt x="4639692" y="309312"/>
               </a:lnTo>
             </a:path>
           </a:pathLst>
@@ -2153,8 +2568,8 @@
       </dsp:nvSpPr>
       <dsp:spPr>
         <a:xfrm>
-          <a:off x="5111607" y="2053887"/>
-          <a:ext cx="205533" cy="1603158"/>
+          <a:off x="8069326" y="1782595"/>
+          <a:ext cx="220937" cy="1723314"/>
         </a:xfrm>
         <a:custGeom>
           <a:avLst/>
@@ -2168,10 +2583,10 @@
                 <a:pt x="0" y="0"/>
               </a:moveTo>
               <a:lnTo>
-                <a:pt x="0" y="1603158"/>
+                <a:pt x="0" y="1723314"/>
               </a:lnTo>
               <a:lnTo>
-                <a:pt x="205533" y="1603158"/>
+                <a:pt x="220937" y="1723314"/>
               </a:lnTo>
             </a:path>
           </a:pathLst>
@@ -2211,8 +2626,8 @@
       </dsp:nvSpPr>
       <dsp:spPr>
         <a:xfrm>
-          <a:off x="5111607" y="2053887"/>
-          <a:ext cx="205533" cy="630301"/>
+          <a:off x="8069326" y="1782595"/>
+          <a:ext cx="220937" cy="677542"/>
         </a:xfrm>
         <a:custGeom>
           <a:avLst/>
@@ -2226,10 +2641,10 @@
                 <a:pt x="0" y="0"/>
               </a:moveTo>
               <a:lnTo>
-                <a:pt x="0" y="630301"/>
+                <a:pt x="0" y="677542"/>
               </a:lnTo>
               <a:lnTo>
-                <a:pt x="205533" y="630301"/>
+                <a:pt x="220937" y="677542"/>
               </a:lnTo>
             </a:path>
           </a:pathLst>
@@ -2269,8 +2684,8 @@
       </dsp:nvSpPr>
       <dsp:spPr>
         <a:xfrm>
-          <a:off x="4001728" y="1081031"/>
-          <a:ext cx="1657967" cy="287746"/>
+          <a:off x="5801032" y="736823"/>
+          <a:ext cx="2857461" cy="309312"/>
         </a:xfrm>
         <a:custGeom>
           <a:avLst/>
@@ -2284,13 +2699,13 @@
                 <a:pt x="0" y="0"/>
               </a:moveTo>
               <a:lnTo>
-                <a:pt x="0" y="143873"/>
+                <a:pt x="0" y="154656"/>
               </a:lnTo>
               <a:lnTo>
-                <a:pt x="1657967" y="143873"/>
+                <a:pt x="2857461" y="154656"/>
               </a:lnTo>
               <a:lnTo>
-                <a:pt x="1657967" y="287746"/>
+                <a:pt x="2857461" y="309312"/>
               </a:lnTo>
             </a:path>
           </a:pathLst>
@@ -2330,8 +2745,8 @@
       </dsp:nvSpPr>
       <dsp:spPr>
         <a:xfrm>
-          <a:off x="3956008" y="1081031"/>
-          <a:ext cx="91440" cy="287746"/>
+          <a:off x="5801032" y="736823"/>
+          <a:ext cx="1075230" cy="309312"/>
         </a:xfrm>
         <a:custGeom>
           <a:avLst/>
@@ -2342,10 +2757,16 @@
           <a:pathLst>
             <a:path>
               <a:moveTo>
-                <a:pt x="45720" y="0"/>
+                <a:pt x="0" y="0"/>
               </a:moveTo>
               <a:lnTo>
-                <a:pt x="45720" y="287746"/>
+                <a:pt x="0" y="154656"/>
+              </a:lnTo>
+              <a:lnTo>
+                <a:pt x="1075230" y="154656"/>
+              </a:lnTo>
+              <a:lnTo>
+                <a:pt x="1075230" y="309312"/>
               </a:lnTo>
             </a:path>
           </a:pathLst>
@@ -2385,8 +2806,8 @@
       </dsp:nvSpPr>
       <dsp:spPr>
         <a:xfrm>
-          <a:off x="2624656" y="3026744"/>
-          <a:ext cx="205533" cy="1603158"/>
+          <a:off x="6287095" y="2828367"/>
+          <a:ext cx="220937" cy="1723314"/>
         </a:xfrm>
         <a:custGeom>
           <a:avLst/>
@@ -2400,10 +2821,10 @@
                 <a:pt x="0" y="0"/>
               </a:moveTo>
               <a:lnTo>
-                <a:pt x="0" y="1603158"/>
+                <a:pt x="0" y="1723314"/>
               </a:lnTo>
               <a:lnTo>
-                <a:pt x="205533" y="1603158"/>
+                <a:pt x="220937" y="1723314"/>
               </a:lnTo>
             </a:path>
           </a:pathLst>
@@ -2443,8 +2864,8 @@
       </dsp:nvSpPr>
       <dsp:spPr>
         <a:xfrm>
-          <a:off x="2624656" y="3026744"/>
-          <a:ext cx="205533" cy="630301"/>
+          <a:off x="6287095" y="2828367"/>
+          <a:ext cx="220937" cy="677542"/>
         </a:xfrm>
         <a:custGeom>
           <a:avLst/>
@@ -2458,10 +2879,10 @@
                 <a:pt x="0" y="0"/>
               </a:moveTo>
               <a:lnTo>
-                <a:pt x="0" y="630301"/>
+                <a:pt x="0" y="677542"/>
               </a:lnTo>
               <a:lnTo>
-                <a:pt x="205533" y="630301"/>
+                <a:pt x="220937" y="677542"/>
               </a:lnTo>
             </a:path>
           </a:pathLst>
@@ -2501,8 +2922,8 @@
       </dsp:nvSpPr>
       <dsp:spPr>
         <a:xfrm>
-          <a:off x="2343761" y="2053887"/>
-          <a:ext cx="828983" cy="287746"/>
+          <a:off x="5094031" y="1782595"/>
+          <a:ext cx="1782231" cy="309312"/>
         </a:xfrm>
         <a:custGeom>
           <a:avLst/>
@@ -2516,13 +2937,13 @@
                 <a:pt x="0" y="0"/>
               </a:moveTo>
               <a:lnTo>
-                <a:pt x="0" y="143873"/>
+                <a:pt x="0" y="154656"/>
               </a:lnTo>
               <a:lnTo>
-                <a:pt x="828983" y="143873"/>
+                <a:pt x="1782231" y="154656"/>
               </a:lnTo>
               <a:lnTo>
-                <a:pt x="828983" y="287746"/>
+                <a:pt x="1782231" y="309312"/>
               </a:lnTo>
             </a:path>
           </a:pathLst>
@@ -2562,8 +2983,8 @@
       </dsp:nvSpPr>
       <dsp:spPr>
         <a:xfrm>
-          <a:off x="1514777" y="2053887"/>
-          <a:ext cx="828983" cy="287746"/>
+          <a:off x="5048311" y="1782595"/>
+          <a:ext cx="91440" cy="309312"/>
         </a:xfrm>
         <a:custGeom>
           <a:avLst/>
@@ -2574,16 +2995,71 @@
           <a:pathLst>
             <a:path>
               <a:moveTo>
-                <a:pt x="828983" y="0"/>
+                <a:pt x="45720" y="0"/>
               </a:moveTo>
               <a:lnTo>
-                <a:pt x="828983" y="143873"/>
+                <a:pt x="45720" y="309312"/>
+              </a:lnTo>
+            </a:path>
+          </a:pathLst>
+        </a:custGeom>
+        <a:noFill/>
+        <a:ln w="12700" cap="flat" cmpd="sng" algn="ctr">
+          <a:solidFill>
+            <a:schemeClr val="accent3">
+              <a:hueOff val="0"/>
+              <a:satOff val="0"/>
+              <a:lumOff val="0"/>
+              <a:alphaOff val="0"/>
+            </a:schemeClr>
+          </a:solidFill>
+          <a:prstDash val="solid"/>
+          <a:miter lim="800000"/>
+        </a:ln>
+        <a:effectLst/>
+      </dsp:spPr>
+      <dsp:style>
+        <a:lnRef idx="2">
+          <a:scrgbClr r="0" g="0" b="0"/>
+        </a:lnRef>
+        <a:fillRef idx="0">
+          <a:scrgbClr r="0" g="0" b="0"/>
+        </a:fillRef>
+        <a:effectRef idx="0">
+          <a:scrgbClr r="0" g="0" b="0"/>
+        </a:effectRef>
+        <a:fontRef idx="minor"/>
+      </dsp:style>
+    </dsp:sp>
+    <dsp:sp modelId="{C05AB4CA-F2E4-4789-96E5-F61D53BF4809}">
+      <dsp:nvSpPr>
+        <dsp:cNvPr id="0" name=""/>
+        <dsp:cNvSpPr/>
+      </dsp:nvSpPr>
+      <dsp:spPr>
+        <a:xfrm>
+          <a:off x="3311800" y="1782595"/>
+          <a:ext cx="1782231" cy="309312"/>
+        </a:xfrm>
+        <a:custGeom>
+          <a:avLst/>
+          <a:gdLst/>
+          <a:ahLst/>
+          <a:cxnLst/>
+          <a:rect l="0" t="0" r="0" b="0"/>
+          <a:pathLst>
+            <a:path>
+              <a:moveTo>
+                <a:pt x="1782231" y="0"/>
+              </a:moveTo>
+              <a:lnTo>
+                <a:pt x="1782231" y="154656"/>
               </a:lnTo>
               <a:lnTo>
-                <a:pt x="0" y="143873"/>
+                <a:pt x="0" y="154656"/>
               </a:lnTo>
               <a:lnTo>
-                <a:pt x="0" y="287746"/>
+                <a:pt x="0" y="309312"/>
               </a:lnTo>
             </a:path>
           </a:pathLst>
@@ -2623,8 +3099,8 @@
       </dsp:nvSpPr>
       <dsp:spPr>
         <a:xfrm>
-          <a:off x="2343761" y="1081031"/>
-          <a:ext cx="1657967" cy="287746"/>
+          <a:off x="5094031" y="736823"/>
+          <a:ext cx="707000" cy="309312"/>
         </a:xfrm>
         <a:custGeom>
           <a:avLst/>
@@ -2635,16 +3111,16 @@
           <a:pathLst>
             <a:path>
               <a:moveTo>
-                <a:pt x="1657967" y="0"/>
+                <a:pt x="707000" y="0"/>
               </a:moveTo>
               <a:lnTo>
-                <a:pt x="1657967" y="143873"/>
+                <a:pt x="707000" y="154656"/>
               </a:lnTo>
               <a:lnTo>
-                <a:pt x="0" y="143873"/>
+                <a:pt x="0" y="154656"/>
               </a:lnTo>
               <a:lnTo>
-                <a:pt x="0" y="287746"/>
+                <a:pt x="0" y="309312"/>
               </a:lnTo>
             </a:path>
           </a:pathLst>
@@ -2677,15 +3153,15 @@
         <a:fontRef idx="minor"/>
       </dsp:style>
     </dsp:sp>
-    <dsp:sp modelId="{76F9F24D-6911-4017-8C4E-E195E4FADACE}">
+    <dsp:sp modelId="{566E593A-F6BD-4575-A932-BEFEB99F9F7E}">
       <dsp:nvSpPr>
         <dsp:cNvPr id="0" name=""/>
         <dsp:cNvSpPr/>
       </dsp:nvSpPr>
       <dsp:spPr>
         <a:xfrm>
-          <a:off x="685794" y="1081031"/>
-          <a:ext cx="3315934" cy="287746"/>
+          <a:off x="2943570" y="736823"/>
+          <a:ext cx="2857461" cy="309312"/>
         </a:xfrm>
         <a:custGeom>
           <a:avLst/>
@@ -2696,16 +3172,251 @@
           <a:pathLst>
             <a:path>
               <a:moveTo>
-                <a:pt x="3315934" y="0"/>
+                <a:pt x="2857461" y="0"/>
               </a:moveTo>
               <a:lnTo>
-                <a:pt x="3315934" y="143873"/>
+                <a:pt x="2857461" y="154656"/>
               </a:lnTo>
               <a:lnTo>
-                <a:pt x="0" y="143873"/>
+                <a:pt x="0" y="154656"/>
               </a:lnTo>
               <a:lnTo>
-                <a:pt x="0" y="287746"/>
+                <a:pt x="0" y="309312"/>
+              </a:lnTo>
+            </a:path>
+          </a:pathLst>
+        </a:custGeom>
+        <a:noFill/>
+        <a:ln w="12700" cap="flat" cmpd="sng" algn="ctr">
+          <a:solidFill>
+            <a:schemeClr val="accent2">
+              <a:hueOff val="0"/>
+              <a:satOff val="0"/>
+              <a:lumOff val="0"/>
+              <a:alphaOff val="0"/>
+            </a:schemeClr>
+          </a:solidFill>
+          <a:prstDash val="solid"/>
+          <a:miter lim="800000"/>
+        </a:ln>
+        <a:effectLst/>
+      </dsp:spPr>
+      <dsp:style>
+        <a:lnRef idx="2">
+          <a:scrgbClr r="0" g="0" b="0"/>
+        </a:lnRef>
+        <a:fillRef idx="0">
+          <a:scrgbClr r="0" g="0" b="0"/>
+        </a:fillRef>
+        <a:effectRef idx="0">
+          <a:scrgbClr r="0" g="0" b="0"/>
+        </a:effectRef>
+        <a:fontRef idx="minor"/>
+      </dsp:style>
+    </dsp:sp>
+    <dsp:sp modelId="{50F05572-80A3-4D14-90CD-6658CC53A17E}">
+      <dsp:nvSpPr>
+        <dsp:cNvPr id="0" name=""/>
+        <dsp:cNvSpPr/>
+      </dsp:nvSpPr>
+      <dsp:spPr>
+        <a:xfrm>
+          <a:off x="572172" y="1782595"/>
+          <a:ext cx="220937" cy="2769086"/>
+        </a:xfrm>
+        <a:custGeom>
+          <a:avLst/>
+          <a:gdLst/>
+          <a:ahLst/>
+          <a:cxnLst/>
+          <a:rect l="0" t="0" r="0" b="0"/>
+          <a:pathLst>
+            <a:path>
+              <a:moveTo>
+                <a:pt x="0" y="0"/>
+              </a:moveTo>
+              <a:lnTo>
+                <a:pt x="0" y="2769086"/>
+              </a:lnTo>
+              <a:lnTo>
+                <a:pt x="220937" y="2769086"/>
+              </a:lnTo>
+            </a:path>
+          </a:pathLst>
+        </a:custGeom>
+        <a:noFill/>
+        <a:ln w="12700" cap="flat" cmpd="sng" algn="ctr">
+          <a:solidFill>
+            <a:schemeClr val="accent3">
+              <a:hueOff val="0"/>
+              <a:satOff val="0"/>
+              <a:lumOff val="0"/>
+              <a:alphaOff val="0"/>
+            </a:schemeClr>
+          </a:solidFill>
+          <a:prstDash val="solid"/>
+          <a:miter lim="800000"/>
+        </a:ln>
+        <a:effectLst/>
+      </dsp:spPr>
+      <dsp:style>
+        <a:lnRef idx="2">
+          <a:scrgbClr r="0" g="0" b="0"/>
+        </a:lnRef>
+        <a:fillRef idx="0">
+          <a:scrgbClr r="0" g="0" b="0"/>
+        </a:fillRef>
+        <a:effectRef idx="0">
+          <a:scrgbClr r="0" g="0" b="0"/>
+        </a:effectRef>
+        <a:fontRef idx="minor"/>
+      </dsp:style>
+    </dsp:sp>
+    <dsp:sp modelId="{898AAF22-0FBF-4A6E-BD0A-F5C2D8E0EEDC}">
+      <dsp:nvSpPr>
+        <dsp:cNvPr id="0" name=""/>
+        <dsp:cNvSpPr/>
+      </dsp:nvSpPr>
+      <dsp:spPr>
+        <a:xfrm>
+          <a:off x="572172" y="1782595"/>
+          <a:ext cx="220937" cy="1723314"/>
+        </a:xfrm>
+        <a:custGeom>
+          <a:avLst/>
+          <a:gdLst/>
+          <a:ahLst/>
+          <a:cxnLst/>
+          <a:rect l="0" t="0" r="0" b="0"/>
+          <a:pathLst>
+            <a:path>
+              <a:moveTo>
+                <a:pt x="0" y="0"/>
+              </a:moveTo>
+              <a:lnTo>
+                <a:pt x="0" y="1723314"/>
+              </a:lnTo>
+              <a:lnTo>
+                <a:pt x="220937" y="1723314"/>
+              </a:lnTo>
+            </a:path>
+          </a:pathLst>
+        </a:custGeom>
+        <a:noFill/>
+        <a:ln w="12700" cap="flat" cmpd="sng" algn="ctr">
+          <a:solidFill>
+            <a:schemeClr val="accent3">
+              <a:hueOff val="0"/>
+              <a:satOff val="0"/>
+              <a:lumOff val="0"/>
+              <a:alphaOff val="0"/>
+            </a:schemeClr>
+          </a:solidFill>
+          <a:prstDash val="solid"/>
+          <a:miter lim="800000"/>
+        </a:ln>
+        <a:effectLst/>
+      </dsp:spPr>
+      <dsp:style>
+        <a:lnRef idx="2">
+          <a:scrgbClr r="0" g="0" b="0"/>
+        </a:lnRef>
+        <a:fillRef idx="0">
+          <a:scrgbClr r="0" g="0" b="0"/>
+        </a:fillRef>
+        <a:effectRef idx="0">
+          <a:scrgbClr r="0" g="0" b="0"/>
+        </a:effectRef>
+        <a:fontRef idx="minor"/>
+      </dsp:style>
+    </dsp:sp>
+    <dsp:sp modelId="{C6947D4A-0A4B-4D31-B3C8-2FA7CA0F80BF}">
+      <dsp:nvSpPr>
+        <dsp:cNvPr id="0" name=""/>
+        <dsp:cNvSpPr/>
+      </dsp:nvSpPr>
+      <dsp:spPr>
+        <a:xfrm>
+          <a:off x="572172" y="1782595"/>
+          <a:ext cx="220937" cy="677542"/>
+        </a:xfrm>
+        <a:custGeom>
+          <a:avLst/>
+          <a:gdLst/>
+          <a:ahLst/>
+          <a:cxnLst/>
+          <a:rect l="0" t="0" r="0" b="0"/>
+          <a:pathLst>
+            <a:path>
+              <a:moveTo>
+                <a:pt x="0" y="0"/>
+              </a:moveTo>
+              <a:lnTo>
+                <a:pt x="0" y="677542"/>
+              </a:lnTo>
+              <a:lnTo>
+                <a:pt x="220937" y="677542"/>
+              </a:lnTo>
+            </a:path>
+          </a:pathLst>
+        </a:custGeom>
+        <a:noFill/>
+        <a:ln w="12700" cap="flat" cmpd="sng" algn="ctr">
+          <a:solidFill>
+            <a:schemeClr val="accent3">
+              <a:hueOff val="0"/>
+              <a:satOff val="0"/>
+              <a:lumOff val="0"/>
+              <a:alphaOff val="0"/>
+            </a:schemeClr>
+          </a:solidFill>
+          <a:prstDash val="solid"/>
+          <a:miter lim="800000"/>
+        </a:ln>
+        <a:effectLst/>
+      </dsp:spPr>
+      <dsp:style>
+        <a:lnRef idx="2">
+          <a:scrgbClr r="0" g="0" b="0"/>
+        </a:lnRef>
+        <a:fillRef idx="0">
+          <a:scrgbClr r="0" g="0" b="0"/>
+        </a:fillRef>
+        <a:effectRef idx="0">
+          <a:scrgbClr r="0" g="0" b="0"/>
+        </a:effectRef>
+        <a:fontRef idx="minor"/>
+      </dsp:style>
+    </dsp:sp>
+    <dsp:sp modelId="{76F9F24D-6911-4017-8C4E-E195E4FADACE}">
+      <dsp:nvSpPr>
+        <dsp:cNvPr id="0" name=""/>
+        <dsp:cNvSpPr/>
+      </dsp:nvSpPr>
+      <dsp:spPr>
+        <a:xfrm>
+          <a:off x="1161339" y="736823"/>
+          <a:ext cx="4639692" cy="309312"/>
+        </a:xfrm>
+        <a:custGeom>
+          <a:avLst/>
+          <a:gdLst/>
+          <a:ahLst/>
+          <a:cxnLst/>
+          <a:rect l="0" t="0" r="0" b="0"/>
+          <a:pathLst>
+            <a:path>
+              <a:moveTo>
+                <a:pt x="4639692" y="0"/>
+              </a:moveTo>
+              <a:lnTo>
+                <a:pt x="4639692" y="154656"/>
+              </a:lnTo>
+              <a:lnTo>
+                <a:pt x="0" y="154656"/>
+              </a:lnTo>
+              <a:lnTo>
+                <a:pt x="0" y="309312"/>
               </a:lnTo>
             </a:path>
           </a:pathLst>
@@ -2745,8 +3456,8 @@
       </dsp:nvSpPr>
       <dsp:spPr>
         <a:xfrm>
-          <a:off x="3316618" y="395920"/>
-          <a:ext cx="1370220" cy="685110"/>
+          <a:off x="5064573" y="364"/>
+          <a:ext cx="1472918" cy="736459"/>
         </a:xfrm>
         <a:prstGeom prst="rect">
           <a:avLst/>
@@ -2788,12 +3499,12 @@
         </a:fontRef>
       </dsp:style>
       <dsp:txBody>
-        <a:bodyPr spcFirstLastPara="0" vert="horz" wrap="square" lIns="10160" tIns="10160" rIns="10160" bIns="10160" numCol="1" spcCol="1270" anchor="ctr" anchorCtr="0">
+        <a:bodyPr spcFirstLastPara="0" vert="horz" wrap="square" lIns="10795" tIns="10795" rIns="10795" bIns="10795" numCol="1" spcCol="1270" anchor="ctr" anchorCtr="0">
           <a:noAutofit/>
         </a:bodyPr>
         <a:lstStyle/>
         <a:p>
-          <a:pPr marL="0" lvl="0" indent="0" algn="ctr" defTabSz="711200">
+          <a:pPr marL="0" lvl="0" indent="0" algn="ctr" defTabSz="755650">
             <a:lnSpc>
               <a:spcPct val="90000"/>
             </a:lnSpc>
@@ -2806,14 +3517,14 @@
             <a:buNone/>
           </a:pPr>
           <a:r>
-            <a:rPr lang="en-US" sz="1600" kern="1200" dirty="0"/>
+            <a:rPr lang="en-US" sz="1700" b="1" kern="1200" dirty="0"/>
             <a:t>Survey</a:t>
           </a:r>
         </a:p>
       </dsp:txBody>
       <dsp:txXfrm>
-        <a:off x="3316618" y="395920"/>
-        <a:ext cx="1370220" cy="685110"/>
+        <a:off x="5064573" y="364"/>
+        <a:ext cx="1472918" cy="736459"/>
       </dsp:txXfrm>
     </dsp:sp>
     <dsp:sp modelId="{174F7E23-EC2F-4F89-AAE4-A09221A94CC1}">
@@ -2823,8 +3534,8 @@
       </dsp:nvSpPr>
       <dsp:spPr>
         <a:xfrm>
-          <a:off x="683" y="1368777"/>
-          <a:ext cx="1370220" cy="685110"/>
+          <a:off x="424880" y="1046136"/>
+          <a:ext cx="1472918" cy="736459"/>
         </a:xfrm>
         <a:prstGeom prst="rect">
           <a:avLst/>
@@ -2866,12 +3577,12 @@
         </a:fontRef>
       </dsp:style>
       <dsp:txBody>
-        <a:bodyPr spcFirstLastPara="0" vert="horz" wrap="square" lIns="10160" tIns="10160" rIns="10160" bIns="10160" numCol="1" spcCol="1270" anchor="ctr" anchorCtr="0">
+        <a:bodyPr spcFirstLastPara="0" vert="horz" wrap="square" lIns="10795" tIns="10795" rIns="10795" bIns="10795" numCol="1" spcCol="1270" anchor="ctr" anchorCtr="0">
           <a:noAutofit/>
         </a:bodyPr>
         <a:lstStyle/>
         <a:p>
-          <a:pPr marL="0" lvl="0" indent="0" algn="ctr" defTabSz="711200">
+          <a:pPr marL="0" lvl="0" indent="0" algn="ctr" defTabSz="755650">
             <a:lnSpc>
               <a:spcPct val="90000"/>
             </a:lnSpc>
@@ -2884,25 +3595,259 @@
             <a:buNone/>
           </a:pPr>
           <a:r>
-            <a:rPr lang="en-US" sz="1600" kern="1200" dirty="0"/>
+            <a:rPr lang="en-US" sz="1700" b="1" kern="1200" dirty="0"/>
             <a:t>Background</a:t>
           </a:r>
         </a:p>
       </dsp:txBody>
       <dsp:txXfrm>
-        <a:off x="683" y="1368777"/>
-        <a:ext cx="1370220" cy="685110"/>
+        <a:off x="424880" y="1046136"/>
+        <a:ext cx="1472918" cy="736459"/>
       </dsp:txXfrm>
     </dsp:sp>
-    <dsp:sp modelId="{35E89742-BA88-4DF4-BB56-ABD629DBF74B}">
+    <dsp:sp modelId="{7D1CCAA8-A423-4676-9FCE-51595A9220D9}">
       <dsp:nvSpPr>
         <dsp:cNvPr id="0" name=""/>
         <dsp:cNvSpPr/>
       </dsp:nvSpPr>
       <dsp:spPr>
         <a:xfrm>
-          <a:off x="1658651" y="1368777"/>
-          <a:ext cx="1370220" cy="685110"/>
+          <a:off x="793109" y="2091908"/>
+          <a:ext cx="1472918" cy="736459"/>
+        </a:xfrm>
+        <a:prstGeom prst="rect">
+          <a:avLst/>
+        </a:prstGeom>
+        <a:solidFill>
+          <a:schemeClr val="accent3">
+            <a:hueOff val="0"/>
+            <a:satOff val="0"/>
+            <a:lumOff val="0"/>
+            <a:alphaOff val="0"/>
+          </a:schemeClr>
+        </a:solidFill>
+        <a:ln w="12700" cap="flat" cmpd="sng" algn="ctr">
+          <a:solidFill>
+            <a:schemeClr val="lt1">
+              <a:hueOff val="0"/>
+              <a:satOff val="0"/>
+              <a:lumOff val="0"/>
+              <a:alphaOff val="0"/>
+            </a:schemeClr>
+          </a:solidFill>
+          <a:prstDash val="solid"/>
+          <a:miter lim="800000"/>
+        </a:ln>
+        <a:effectLst/>
+      </dsp:spPr>
+      <dsp:style>
+        <a:lnRef idx="2">
+          <a:scrgbClr r="0" g="0" b="0"/>
+        </a:lnRef>
+        <a:fillRef idx="1">
+          <a:scrgbClr r="0" g="0" b="0"/>
+        </a:fillRef>
+        <a:effectRef idx="0">
+          <a:scrgbClr r="0" g="0" b="0"/>
+        </a:effectRef>
+        <a:fontRef idx="minor">
+          <a:schemeClr val="lt1"/>
+        </a:fontRef>
+      </dsp:style>
+      <dsp:txBody>
+        <a:bodyPr spcFirstLastPara="0" vert="horz" wrap="square" lIns="10795" tIns="10795" rIns="10795" bIns="10795" numCol="1" spcCol="1270" anchor="ctr" anchorCtr="0">
+          <a:noAutofit/>
+        </a:bodyPr>
+        <a:lstStyle/>
+        <a:p>
+          <a:pPr marL="0" lvl="0" indent="0" algn="ctr" defTabSz="755650">
+            <a:lnSpc>
+              <a:spcPct val="90000"/>
+            </a:lnSpc>
+            <a:spcBef>
+              <a:spcPct val="0"/>
+            </a:spcBef>
+            <a:spcAft>
+              <a:spcPct val="35000"/>
+            </a:spcAft>
+            <a:buNone/>
+          </a:pPr>
+          <a:r>
+            <a:rPr lang="en-US" sz="1700" b="0" kern="1200" dirty="0"/>
+            <a:t>Edge Devices</a:t>
+          </a:r>
+        </a:p>
+      </dsp:txBody>
+      <dsp:txXfrm>
+        <a:off x="793109" y="2091908"/>
+        <a:ext cx="1472918" cy="736459"/>
+      </dsp:txXfrm>
+    </dsp:sp>
+    <dsp:sp modelId="{BF21BA35-F24C-4674-957A-7CB6F6009CD8}">
+      <dsp:nvSpPr>
+        <dsp:cNvPr id="0" name=""/>
+        <dsp:cNvSpPr/>
+      </dsp:nvSpPr>
+      <dsp:spPr>
+        <a:xfrm>
+          <a:off x="793109" y="3137680"/>
+          <a:ext cx="1472918" cy="736459"/>
+        </a:xfrm>
+        <a:prstGeom prst="rect">
+          <a:avLst/>
+        </a:prstGeom>
+        <a:solidFill>
+          <a:schemeClr val="accent3">
+            <a:hueOff val="0"/>
+            <a:satOff val="0"/>
+            <a:lumOff val="0"/>
+            <a:alphaOff val="0"/>
+          </a:schemeClr>
+        </a:solidFill>
+        <a:ln w="12700" cap="flat" cmpd="sng" algn="ctr">
+          <a:solidFill>
+            <a:schemeClr val="lt1">
+              <a:hueOff val="0"/>
+              <a:satOff val="0"/>
+              <a:lumOff val="0"/>
+              <a:alphaOff val="0"/>
+            </a:schemeClr>
+          </a:solidFill>
+          <a:prstDash val="solid"/>
+          <a:miter lim="800000"/>
+        </a:ln>
+        <a:effectLst/>
+      </dsp:spPr>
+      <dsp:style>
+        <a:lnRef idx="2">
+          <a:scrgbClr r="0" g="0" b="0"/>
+        </a:lnRef>
+        <a:fillRef idx="1">
+          <a:scrgbClr r="0" g="0" b="0"/>
+        </a:fillRef>
+        <a:effectRef idx="0">
+          <a:scrgbClr r="0" g="0" b="0"/>
+        </a:effectRef>
+        <a:fontRef idx="minor">
+          <a:schemeClr val="lt1"/>
+        </a:fontRef>
+      </dsp:style>
+      <dsp:txBody>
+        <a:bodyPr spcFirstLastPara="0" vert="horz" wrap="square" lIns="10795" tIns="10795" rIns="10795" bIns="10795" numCol="1" spcCol="1270" anchor="ctr" anchorCtr="0">
+          <a:noAutofit/>
+        </a:bodyPr>
+        <a:lstStyle/>
+        <a:p>
+          <a:pPr marL="0" lvl="0" indent="0" algn="ctr" defTabSz="755650">
+            <a:lnSpc>
+              <a:spcPct val="90000"/>
+            </a:lnSpc>
+            <a:spcBef>
+              <a:spcPct val="0"/>
+            </a:spcBef>
+            <a:spcAft>
+              <a:spcPct val="35000"/>
+            </a:spcAft>
+            <a:buNone/>
+          </a:pPr>
+          <a:r>
+            <a:rPr lang="en-US" sz="1700" b="1" kern="1200" dirty="0"/>
+            <a:t>Cloud Computing Challenges</a:t>
+          </a:r>
+        </a:p>
+      </dsp:txBody>
+      <dsp:txXfrm>
+        <a:off x="793109" y="3137680"/>
+        <a:ext cx="1472918" cy="736459"/>
+      </dsp:txXfrm>
+    </dsp:sp>
+    <dsp:sp modelId="{B14D3147-3229-435A-AD75-31B43A278114}">
+      <dsp:nvSpPr>
+        <dsp:cNvPr id="0" name=""/>
+        <dsp:cNvSpPr/>
+      </dsp:nvSpPr>
+      <dsp:spPr>
+        <a:xfrm>
+          <a:off x="793109" y="4183452"/>
+          <a:ext cx="1472918" cy="736459"/>
+        </a:xfrm>
+        <a:prstGeom prst="rect">
+          <a:avLst/>
+        </a:prstGeom>
+        <a:solidFill>
+          <a:schemeClr val="accent3">
+            <a:hueOff val="0"/>
+            <a:satOff val="0"/>
+            <a:lumOff val="0"/>
+            <a:alphaOff val="0"/>
+          </a:schemeClr>
+        </a:solidFill>
+        <a:ln w="12700" cap="flat" cmpd="sng" algn="ctr">
+          <a:solidFill>
+            <a:schemeClr val="lt1">
+              <a:hueOff val="0"/>
+              <a:satOff val="0"/>
+              <a:lumOff val="0"/>
+              <a:alphaOff val="0"/>
+            </a:schemeClr>
+          </a:solidFill>
+          <a:prstDash val="solid"/>
+          <a:miter lim="800000"/>
+        </a:ln>
+        <a:effectLst/>
+      </dsp:spPr>
+      <dsp:style>
+        <a:lnRef idx="2">
+          <a:scrgbClr r="0" g="0" b="0"/>
+        </a:lnRef>
+        <a:fillRef idx="1">
+          <a:scrgbClr r="0" g="0" b="0"/>
+        </a:fillRef>
+        <a:effectRef idx="0">
+          <a:scrgbClr r="0" g="0" b="0"/>
+        </a:effectRef>
+        <a:fontRef idx="minor">
+          <a:schemeClr val="lt1"/>
+        </a:fontRef>
+      </dsp:style>
+      <dsp:txBody>
+        <a:bodyPr spcFirstLastPara="0" vert="horz" wrap="square" lIns="10795" tIns="10795" rIns="10795" bIns="10795" numCol="1" spcCol="1270" anchor="ctr" anchorCtr="0">
+          <a:noAutofit/>
+        </a:bodyPr>
+        <a:lstStyle/>
+        <a:p>
+          <a:pPr marL="0" lvl="0" indent="0" algn="ctr" defTabSz="755650">
+            <a:lnSpc>
+              <a:spcPct val="90000"/>
+            </a:lnSpc>
+            <a:spcBef>
+              <a:spcPct val="0"/>
+            </a:spcBef>
+            <a:spcAft>
+              <a:spcPct val="35000"/>
+            </a:spcAft>
+            <a:buNone/>
+          </a:pPr>
+          <a:r>
+            <a:rPr lang="en-US" sz="1700" b="1" kern="1200" dirty="0"/>
+            <a:t>On-device Models</a:t>
+          </a:r>
+        </a:p>
+      </dsp:txBody>
+      <dsp:txXfrm>
+        <a:off x="793109" y="4183452"/>
+        <a:ext cx="1472918" cy="736459"/>
+      </dsp:txXfrm>
+    </dsp:sp>
+    <dsp:sp modelId="{CBBAA318-DD59-4E4E-92E7-458A89BC454C}">
+      <dsp:nvSpPr>
+        <dsp:cNvPr id="0" name=""/>
+        <dsp:cNvSpPr/>
+      </dsp:nvSpPr>
+      <dsp:spPr>
+        <a:xfrm>
+          <a:off x="2207111" y="1046136"/>
+          <a:ext cx="1472918" cy="736459"/>
         </a:xfrm>
         <a:prstGeom prst="rect">
           <a:avLst/>
@@ -2944,12 +3889,12 @@
         </a:fontRef>
       </dsp:style>
       <dsp:txBody>
-        <a:bodyPr spcFirstLastPara="0" vert="horz" wrap="square" lIns="10160" tIns="10160" rIns="10160" bIns="10160" numCol="1" spcCol="1270" anchor="ctr" anchorCtr="0">
+        <a:bodyPr spcFirstLastPara="0" vert="horz" wrap="square" lIns="10795" tIns="10795" rIns="10795" bIns="10795" numCol="1" spcCol="1270" anchor="ctr" anchorCtr="0">
           <a:noAutofit/>
         </a:bodyPr>
         <a:lstStyle/>
         <a:p>
-          <a:pPr marL="0" lvl="0" indent="0" algn="ctr" defTabSz="711200">
+          <a:pPr marL="0" lvl="0" indent="0" algn="ctr" defTabSz="755650">
             <a:lnSpc>
               <a:spcPct val="90000"/>
             </a:lnSpc>
@@ -2962,25 +3907,103 @@
             <a:buNone/>
           </a:pPr>
           <a:r>
-            <a:rPr lang="en-US" sz="1600" kern="1200" dirty="0"/>
-            <a:t>Model Development</a:t>
+            <a:rPr lang="en-US" sz="1700" b="1" kern="1200" dirty="0"/>
+            <a:t>Edge Applications</a:t>
           </a:r>
         </a:p>
       </dsp:txBody>
       <dsp:txXfrm>
-        <a:off x="1658651" y="1368777"/>
-        <a:ext cx="1370220" cy="685110"/>
+        <a:off x="2207111" y="1046136"/>
+        <a:ext cx="1472918" cy="736459"/>
       </dsp:txXfrm>
     </dsp:sp>
-    <dsp:sp modelId="{BB36BA23-1CC4-422E-9832-E46739477823}">
+    <dsp:sp modelId="{35E89742-BA88-4DF4-BB56-ABD629DBF74B}">
       <dsp:nvSpPr>
         <dsp:cNvPr id="0" name=""/>
         <dsp:cNvSpPr/>
       </dsp:nvSpPr>
       <dsp:spPr>
         <a:xfrm>
-          <a:off x="829667" y="2341634"/>
-          <a:ext cx="1370220" cy="685110"/>
+          <a:off x="4357572" y="1046136"/>
+          <a:ext cx="1472918" cy="736459"/>
+        </a:xfrm>
+        <a:prstGeom prst="rect">
+          <a:avLst/>
+        </a:prstGeom>
+        <a:solidFill>
+          <a:schemeClr val="accent2">
+            <a:hueOff val="0"/>
+            <a:satOff val="0"/>
+            <a:lumOff val="0"/>
+            <a:alphaOff val="0"/>
+          </a:schemeClr>
+        </a:solidFill>
+        <a:ln w="12700" cap="flat" cmpd="sng" algn="ctr">
+          <a:solidFill>
+            <a:schemeClr val="lt1">
+              <a:hueOff val="0"/>
+              <a:satOff val="0"/>
+              <a:lumOff val="0"/>
+              <a:alphaOff val="0"/>
+            </a:schemeClr>
+          </a:solidFill>
+          <a:prstDash val="solid"/>
+          <a:miter lim="800000"/>
+        </a:ln>
+        <a:effectLst/>
+      </dsp:spPr>
+      <dsp:style>
+        <a:lnRef idx="2">
+          <a:scrgbClr r="0" g="0" b="0"/>
+        </a:lnRef>
+        <a:fillRef idx="1">
+          <a:scrgbClr r="0" g="0" b="0"/>
+        </a:fillRef>
+        <a:effectRef idx="0">
+          <a:scrgbClr r="0" g="0" b="0"/>
+        </a:effectRef>
+        <a:fontRef idx="minor">
+          <a:schemeClr val="lt1"/>
+        </a:fontRef>
+      </dsp:style>
+      <dsp:txBody>
+        <a:bodyPr spcFirstLastPara="0" vert="horz" wrap="square" lIns="10795" tIns="10795" rIns="10795" bIns="10795" numCol="1" spcCol="1270" anchor="ctr" anchorCtr="0">
+          <a:noAutofit/>
+        </a:bodyPr>
+        <a:lstStyle/>
+        <a:p>
+          <a:pPr marL="0" lvl="0" indent="0" algn="ctr" defTabSz="755650">
+            <a:lnSpc>
+              <a:spcPct val="90000"/>
+            </a:lnSpc>
+            <a:spcBef>
+              <a:spcPct val="0"/>
+            </a:spcBef>
+            <a:spcAft>
+              <a:spcPct val="35000"/>
+            </a:spcAft>
+            <a:buNone/>
+          </a:pPr>
+          <a:r>
+            <a:rPr lang="en-US" sz="1700" b="1" kern="1200" dirty="0"/>
+            <a:t>Model Development</a:t>
+          </a:r>
+        </a:p>
+      </dsp:txBody>
+      <dsp:txXfrm>
+        <a:off x="4357572" y="1046136"/>
+        <a:ext cx="1472918" cy="736459"/>
+      </dsp:txXfrm>
+    </dsp:sp>
+    <dsp:sp modelId="{4BC5195C-979B-481B-AB97-7D858EADBA85}">
+      <dsp:nvSpPr>
+        <dsp:cNvPr id="0" name=""/>
+        <dsp:cNvSpPr/>
+      </dsp:nvSpPr>
+      <dsp:spPr>
+        <a:xfrm>
+          <a:off x="2575341" y="2091908"/>
+          <a:ext cx="1472918" cy="736459"/>
         </a:xfrm>
         <a:prstGeom prst="rect">
           <a:avLst/>
@@ -3022,12 +4045,12 @@
         </a:fontRef>
       </dsp:style>
       <dsp:txBody>
-        <a:bodyPr spcFirstLastPara="0" vert="horz" wrap="square" lIns="10160" tIns="10160" rIns="10160" bIns="10160" numCol="1" spcCol="1270" anchor="ctr" anchorCtr="0">
+        <a:bodyPr spcFirstLastPara="0" vert="horz" wrap="square" lIns="10795" tIns="10795" rIns="10795" bIns="10795" numCol="1" spcCol="1270" anchor="ctr" anchorCtr="0">
           <a:noAutofit/>
         </a:bodyPr>
         <a:lstStyle/>
         <a:p>
-          <a:pPr marL="0" lvl="0" indent="0" algn="ctr" defTabSz="711200">
+          <a:pPr marL="0" lvl="0" indent="0" algn="ctr" defTabSz="755650">
             <a:lnSpc>
               <a:spcPct val="90000"/>
             </a:lnSpc>
@@ -3040,25 +4063,25 @@
             <a:buNone/>
           </a:pPr>
           <a:r>
-            <a:rPr lang="en-US" sz="1600" kern="1200" dirty="0"/>
-            <a:t>Frameworks</a:t>
+            <a:rPr lang="en-US" sz="1700" b="1" kern="1200" dirty="0"/>
+            <a:t>Data Gathering and Preprocessing</a:t>
           </a:r>
         </a:p>
       </dsp:txBody>
       <dsp:txXfrm>
-        <a:off x="829667" y="2341634"/>
-        <a:ext cx="1370220" cy="685110"/>
+        <a:off x="2575341" y="2091908"/>
+        <a:ext cx="1472918" cy="736459"/>
       </dsp:txXfrm>
     </dsp:sp>
-    <dsp:sp modelId="{0E552A6F-B68C-4E74-BE5D-70249725636B}">
+    <dsp:sp modelId="{BB36BA23-1CC4-422E-9832-E46739477823}">
       <dsp:nvSpPr>
         <dsp:cNvPr id="0" name=""/>
         <dsp:cNvSpPr/>
       </dsp:nvSpPr>
       <dsp:spPr>
         <a:xfrm>
-          <a:off x="2487634" y="2341634"/>
-          <a:ext cx="1370220" cy="685110"/>
+          <a:off x="4357572" y="2091908"/>
+          <a:ext cx="1472918" cy="736459"/>
         </a:xfrm>
         <a:prstGeom prst="rect">
           <a:avLst/>
@@ -3100,12 +4123,12 @@
         </a:fontRef>
       </dsp:style>
       <dsp:txBody>
-        <a:bodyPr spcFirstLastPara="0" vert="horz" wrap="square" lIns="10160" tIns="10160" rIns="10160" bIns="10160" numCol="1" spcCol="1270" anchor="ctr" anchorCtr="0">
+        <a:bodyPr spcFirstLastPara="0" vert="horz" wrap="square" lIns="10795" tIns="10795" rIns="10795" bIns="10795" numCol="1" spcCol="1270" anchor="ctr" anchorCtr="0">
           <a:noAutofit/>
         </a:bodyPr>
         <a:lstStyle/>
         <a:p>
-          <a:pPr marL="0" lvl="0" indent="0" algn="ctr" defTabSz="711200">
+          <a:pPr marL="0" lvl="0" indent="0" algn="ctr" defTabSz="755650">
             <a:lnSpc>
               <a:spcPct val="90000"/>
             </a:lnSpc>
@@ -3118,14 +4141,92 @@
             <a:buNone/>
           </a:pPr>
           <a:r>
-            <a:rPr lang="en-US" sz="1600" kern="1200" dirty="0"/>
+            <a:rPr lang="en-US" sz="1700" b="1" kern="1200" dirty="0"/>
+            <a:t>Frameworks</a:t>
+          </a:r>
+        </a:p>
+      </dsp:txBody>
+      <dsp:txXfrm>
+        <a:off x="4357572" y="2091908"/>
+        <a:ext cx="1472918" cy="736459"/>
+      </dsp:txXfrm>
+    </dsp:sp>
+    <dsp:sp modelId="{0E552A6F-B68C-4E74-BE5D-70249725636B}">
+      <dsp:nvSpPr>
+        <dsp:cNvPr id="0" name=""/>
+        <dsp:cNvSpPr/>
+      </dsp:nvSpPr>
+      <dsp:spPr>
+        <a:xfrm>
+          <a:off x="6139803" y="2091908"/>
+          <a:ext cx="1472918" cy="736459"/>
+        </a:xfrm>
+        <a:prstGeom prst="rect">
+          <a:avLst/>
+        </a:prstGeom>
+        <a:solidFill>
+          <a:schemeClr val="accent3">
+            <a:hueOff val="0"/>
+            <a:satOff val="0"/>
+            <a:lumOff val="0"/>
+            <a:alphaOff val="0"/>
+          </a:schemeClr>
+        </a:solidFill>
+        <a:ln w="12700" cap="flat" cmpd="sng" algn="ctr">
+          <a:solidFill>
+            <a:schemeClr val="lt1">
+              <a:hueOff val="0"/>
+              <a:satOff val="0"/>
+              <a:lumOff val="0"/>
+              <a:alphaOff val="0"/>
+            </a:schemeClr>
+          </a:solidFill>
+          <a:prstDash val="solid"/>
+          <a:miter lim="800000"/>
+        </a:ln>
+        <a:effectLst/>
+      </dsp:spPr>
+      <dsp:style>
+        <a:lnRef idx="2">
+          <a:scrgbClr r="0" g="0" b="0"/>
+        </a:lnRef>
+        <a:fillRef idx="1">
+          <a:scrgbClr r="0" g="0" b="0"/>
+        </a:fillRef>
+        <a:effectRef idx="0">
+          <a:scrgbClr r="0" g="0" b="0"/>
+        </a:effectRef>
+        <a:fontRef idx="minor">
+          <a:schemeClr val="lt1"/>
+        </a:fontRef>
+      </dsp:style>
+      <dsp:txBody>
+        <a:bodyPr spcFirstLastPara="0" vert="horz" wrap="square" lIns="10795" tIns="10795" rIns="10795" bIns="10795" numCol="1" spcCol="1270" anchor="ctr" anchorCtr="0">
+          <a:noAutofit/>
+        </a:bodyPr>
+        <a:lstStyle/>
+        <a:p>
+          <a:pPr marL="0" lvl="0" indent="0" algn="ctr" defTabSz="755650">
+            <a:lnSpc>
+              <a:spcPct val="90000"/>
+            </a:lnSpc>
+            <a:spcBef>
+              <a:spcPct val="0"/>
+            </a:spcBef>
+            <a:spcAft>
+              <a:spcPct val="35000"/>
+            </a:spcAft>
+            <a:buNone/>
+          </a:pPr>
+          <a:r>
+            <a:rPr lang="en-US" sz="1700" b="1" kern="1200" dirty="0"/>
             <a:t>Compression Methods</a:t>
           </a:r>
         </a:p>
       </dsp:txBody>
       <dsp:txXfrm>
-        <a:off x="2487634" y="2341634"/>
-        <a:ext cx="1370220" cy="685110"/>
+        <a:off x="6139803" y="2091908"/>
+        <a:ext cx="1472918" cy="736459"/>
       </dsp:txXfrm>
     </dsp:sp>
     <dsp:sp modelId="{CD85F165-19C6-42AA-B8C4-4A8A0F3BD57A}">
@@ -3135,8 +4236,8 @@
       </dsp:nvSpPr>
       <dsp:spPr>
         <a:xfrm>
-          <a:off x="2830189" y="3314491"/>
-          <a:ext cx="1370220" cy="685110"/>
+          <a:off x="6508033" y="3137680"/>
+          <a:ext cx="1472918" cy="736459"/>
         </a:xfrm>
         <a:prstGeom prst="rect">
           <a:avLst/>
@@ -3178,12 +4279,12 @@
         </a:fontRef>
       </dsp:style>
       <dsp:txBody>
-        <a:bodyPr spcFirstLastPara="0" vert="horz" wrap="square" lIns="10160" tIns="10160" rIns="10160" bIns="10160" numCol="1" spcCol="1270" anchor="ctr" anchorCtr="0">
+        <a:bodyPr spcFirstLastPara="0" vert="horz" wrap="square" lIns="10795" tIns="10795" rIns="10795" bIns="10795" numCol="1" spcCol="1270" anchor="ctr" anchorCtr="0">
           <a:noAutofit/>
         </a:bodyPr>
         <a:lstStyle/>
         <a:p>
-          <a:pPr marL="0" lvl="0" indent="0" algn="ctr" defTabSz="711200">
+          <a:pPr marL="0" lvl="0" indent="0" algn="ctr" defTabSz="755650">
             <a:lnSpc>
               <a:spcPct val="90000"/>
             </a:lnSpc>
@@ -3196,14 +4297,14 @@
             <a:buNone/>
           </a:pPr>
           <a:r>
-            <a:rPr lang="en-US" sz="1600" kern="1200" dirty="0"/>
+            <a:rPr lang="en-US" sz="1700" b="1" kern="1200" dirty="0"/>
             <a:t>Pre-Runtime</a:t>
           </a:r>
         </a:p>
       </dsp:txBody>
       <dsp:txXfrm>
-        <a:off x="2830189" y="3314491"/>
-        <a:ext cx="1370220" cy="685110"/>
+        <a:off x="6508033" y="3137680"/>
+        <a:ext cx="1472918" cy="736459"/>
       </dsp:txXfrm>
     </dsp:sp>
     <dsp:sp modelId="{1AFFD95E-5A05-412F-BDAC-116037076AD3}">
@@ -3213,8 +4314,8 @@
       </dsp:nvSpPr>
       <dsp:spPr>
         <a:xfrm>
-          <a:off x="2830189" y="4287347"/>
-          <a:ext cx="1370220" cy="685110"/>
+          <a:off x="6508033" y="4183452"/>
+          <a:ext cx="1472918" cy="736459"/>
         </a:xfrm>
         <a:prstGeom prst="rect">
           <a:avLst/>
@@ -3256,12 +4357,12 @@
         </a:fontRef>
       </dsp:style>
       <dsp:txBody>
-        <a:bodyPr spcFirstLastPara="0" vert="horz" wrap="square" lIns="10160" tIns="10160" rIns="10160" bIns="10160" numCol="1" spcCol="1270" anchor="ctr" anchorCtr="0">
+        <a:bodyPr spcFirstLastPara="0" vert="horz" wrap="square" lIns="10795" tIns="10795" rIns="10795" bIns="10795" numCol="1" spcCol="1270" anchor="ctr" anchorCtr="0">
           <a:noAutofit/>
         </a:bodyPr>
         <a:lstStyle/>
         <a:p>
-          <a:pPr marL="0" lvl="0" indent="0" algn="ctr" defTabSz="711200">
+          <a:pPr marL="0" lvl="0" indent="0" algn="ctr" defTabSz="755650">
             <a:lnSpc>
               <a:spcPct val="90000"/>
             </a:lnSpc>
@@ -3274,14 +4375,14 @@
             <a:buNone/>
           </a:pPr>
           <a:r>
-            <a:rPr lang="en-US" sz="1600" kern="1200" dirty="0"/>
+            <a:rPr lang="en-US" sz="1700" b="1" kern="1200" dirty="0"/>
             <a:t>Runtime</a:t>
           </a:r>
         </a:p>
       </dsp:txBody>
       <dsp:txXfrm>
-        <a:off x="2830189" y="4287347"/>
-        <a:ext cx="1370220" cy="685110"/>
+        <a:off x="6508033" y="4183452"/>
+        <a:ext cx="1472918" cy="736459"/>
       </dsp:txXfrm>
     </dsp:sp>
     <dsp:sp modelId="{26D9CF35-9A67-4ADF-BB7F-61BBA7B904FF}">
@@ -3291,8 +4392,8 @@
       </dsp:nvSpPr>
       <dsp:spPr>
         <a:xfrm>
-          <a:off x="3316618" y="1368777"/>
-          <a:ext cx="1370220" cy="685110"/>
+          <a:off x="6139803" y="1046136"/>
+          <a:ext cx="1472918" cy="736459"/>
         </a:xfrm>
         <a:prstGeom prst="rect">
           <a:avLst/>
@@ -3334,12 +4435,12 @@
         </a:fontRef>
       </dsp:style>
       <dsp:txBody>
-        <a:bodyPr spcFirstLastPara="0" vert="horz" wrap="square" lIns="10160" tIns="10160" rIns="10160" bIns="10160" numCol="1" spcCol="1270" anchor="ctr" anchorCtr="0">
+        <a:bodyPr spcFirstLastPara="0" vert="horz" wrap="square" lIns="10795" tIns="10795" rIns="10795" bIns="10795" numCol="1" spcCol="1270" anchor="ctr" anchorCtr="0">
           <a:noAutofit/>
         </a:bodyPr>
         <a:lstStyle/>
         <a:p>
-          <a:pPr marL="0" lvl="0" indent="0" algn="ctr" defTabSz="711200">
+          <a:pPr marL="0" lvl="0" indent="0" algn="ctr" defTabSz="755650">
             <a:lnSpc>
               <a:spcPct val="90000"/>
             </a:lnSpc>
@@ -3352,14 +4453,14 @@
             <a:buNone/>
           </a:pPr>
           <a:r>
-            <a:rPr lang="en-US" sz="1600" kern="1200" dirty="0"/>
+            <a:rPr lang="en-US" sz="1700" b="1" kern="1200" dirty="0"/>
             <a:t>Hardware</a:t>
           </a:r>
         </a:p>
       </dsp:txBody>
       <dsp:txXfrm>
-        <a:off x="3316618" y="1368777"/>
-        <a:ext cx="1370220" cy="685110"/>
+        <a:off x="6139803" y="1046136"/>
+        <a:ext cx="1472918" cy="736459"/>
       </dsp:txXfrm>
     </dsp:sp>
     <dsp:sp modelId="{DF535DEB-C5B4-4D62-B2CE-4FC786F1A0EB}">
@@ -3369,8 +4470,8 @@
       </dsp:nvSpPr>
       <dsp:spPr>
         <a:xfrm>
-          <a:off x="4974585" y="1368777"/>
-          <a:ext cx="1370220" cy="685110"/>
+          <a:off x="7922035" y="1046136"/>
+          <a:ext cx="1472918" cy="736459"/>
         </a:xfrm>
         <a:prstGeom prst="rect">
           <a:avLst/>
@@ -3412,12 +4513,12 @@
         </a:fontRef>
       </dsp:style>
       <dsp:txBody>
-        <a:bodyPr spcFirstLastPara="0" vert="horz" wrap="square" lIns="10160" tIns="10160" rIns="10160" bIns="10160" numCol="1" spcCol="1270" anchor="ctr" anchorCtr="0">
+        <a:bodyPr spcFirstLastPara="0" vert="horz" wrap="square" lIns="10795" tIns="10795" rIns="10795" bIns="10795" numCol="1" spcCol="1270" anchor="ctr" anchorCtr="0">
           <a:noAutofit/>
         </a:bodyPr>
         <a:lstStyle/>
         <a:p>
-          <a:pPr marL="0" lvl="0" indent="0" algn="ctr" defTabSz="711200">
+          <a:pPr marL="0" lvl="0" indent="0" algn="ctr" defTabSz="755650">
             <a:lnSpc>
               <a:spcPct val="90000"/>
             </a:lnSpc>
@@ -3430,14 +4531,14 @@
             <a:buNone/>
           </a:pPr>
           <a:r>
-            <a:rPr lang="en-US" sz="1600" kern="1200" dirty="0"/>
+            <a:rPr lang="en-US" sz="1700" b="1" kern="1200" dirty="0"/>
             <a:t>Resource Management</a:t>
           </a:r>
         </a:p>
       </dsp:txBody>
       <dsp:txXfrm>
-        <a:off x="4974585" y="1368777"/>
-        <a:ext cx="1370220" cy="685110"/>
+        <a:off x="7922035" y="1046136"/>
+        <a:ext cx="1472918" cy="736459"/>
       </dsp:txXfrm>
     </dsp:sp>
     <dsp:sp modelId="{1C57AF26-25E2-4566-9FA6-DE9C3099A366}">
@@ -3447,8 +4548,8 @@
       </dsp:nvSpPr>
       <dsp:spPr>
         <a:xfrm>
-          <a:off x="5317140" y="2341634"/>
-          <a:ext cx="1370220" cy="685110"/>
+          <a:off x="8290264" y="2091908"/>
+          <a:ext cx="1472918" cy="736459"/>
         </a:xfrm>
         <a:prstGeom prst="rect">
           <a:avLst/>
@@ -3490,12 +4591,12 @@
         </a:fontRef>
       </dsp:style>
       <dsp:txBody>
-        <a:bodyPr spcFirstLastPara="0" vert="horz" wrap="square" lIns="10160" tIns="10160" rIns="10160" bIns="10160" numCol="1" spcCol="1270" anchor="ctr" anchorCtr="0">
+        <a:bodyPr spcFirstLastPara="0" vert="horz" wrap="square" lIns="10795" tIns="10795" rIns="10795" bIns="10795" numCol="1" spcCol="1270" anchor="ctr" anchorCtr="0">
           <a:noAutofit/>
         </a:bodyPr>
         <a:lstStyle/>
         <a:p>
-          <a:pPr marL="0" lvl="0" indent="0" algn="ctr" defTabSz="711200">
+          <a:pPr marL="0" lvl="0" indent="0" algn="ctr" defTabSz="755650">
             <a:lnSpc>
               <a:spcPct val="90000"/>
             </a:lnSpc>
@@ -3508,14 +4609,14 @@
             <a:buNone/>
           </a:pPr>
           <a:r>
-            <a:rPr lang="en-US" sz="1600" kern="1200" dirty="0"/>
+            <a:rPr lang="en-US" sz="1700" b="1" kern="1200" dirty="0"/>
             <a:t>Inference</a:t>
           </a:r>
         </a:p>
       </dsp:txBody>
       <dsp:txXfrm>
-        <a:off x="5317140" y="2341634"/>
-        <a:ext cx="1370220" cy="685110"/>
+        <a:off x="8290264" y="2091908"/>
+        <a:ext cx="1472918" cy="736459"/>
       </dsp:txXfrm>
     </dsp:sp>
     <dsp:sp modelId="{D7E37C67-2F8D-4AF8-97D1-E60E782E5660}">
@@ -3525,8 +4626,8 @@
       </dsp:nvSpPr>
       <dsp:spPr>
         <a:xfrm>
-          <a:off x="5317140" y="3314491"/>
-          <a:ext cx="1370220" cy="685110"/>
+          <a:off x="8290264" y="3137680"/>
+          <a:ext cx="1472918" cy="736459"/>
         </a:xfrm>
         <a:prstGeom prst="rect">
           <a:avLst/>
@@ -3568,12 +4669,12 @@
         </a:fontRef>
       </dsp:style>
       <dsp:txBody>
-        <a:bodyPr spcFirstLastPara="0" vert="horz" wrap="square" lIns="10160" tIns="10160" rIns="10160" bIns="10160" numCol="1" spcCol="1270" anchor="ctr" anchorCtr="0">
+        <a:bodyPr spcFirstLastPara="0" vert="horz" wrap="square" lIns="10795" tIns="10795" rIns="10795" bIns="10795" numCol="1" spcCol="1270" anchor="ctr" anchorCtr="0">
           <a:noAutofit/>
         </a:bodyPr>
         <a:lstStyle/>
         <a:p>
-          <a:pPr marL="0" lvl="0" indent="0" algn="ctr" defTabSz="711200">
+          <a:pPr marL="0" lvl="0" indent="0" algn="ctr" defTabSz="755650">
             <a:lnSpc>
               <a:spcPct val="90000"/>
             </a:lnSpc>
@@ -3586,14 +4687,14 @@
             <a:buNone/>
           </a:pPr>
           <a:r>
-            <a:rPr lang="en-US" sz="1600" kern="1200" dirty="0"/>
+            <a:rPr lang="en-US" sz="1700" b="1" kern="1200" dirty="0"/>
             <a:t>Training</a:t>
           </a:r>
         </a:p>
       </dsp:txBody>
       <dsp:txXfrm>
-        <a:off x="5317140" y="3314491"/>
-        <a:ext cx="1370220" cy="685110"/>
+        <a:off x="8290264" y="3137680"/>
+        <a:ext cx="1472918" cy="736459"/>
       </dsp:txXfrm>
     </dsp:sp>
     <dsp:sp modelId="{AD8E829E-9358-44BB-A50A-EE858B3F26B7}">
@@ -3603,8 +4704,8 @@
       </dsp:nvSpPr>
       <dsp:spPr>
         <a:xfrm>
-          <a:off x="6632552" y="1368777"/>
-          <a:ext cx="1370220" cy="685110"/>
+          <a:off x="9704266" y="1046136"/>
+          <a:ext cx="1472918" cy="736459"/>
         </a:xfrm>
         <a:prstGeom prst="rect">
           <a:avLst/>
@@ -3646,12 +4747,12 @@
         </a:fontRef>
       </dsp:style>
       <dsp:txBody>
-        <a:bodyPr spcFirstLastPara="0" vert="horz" wrap="square" lIns="10160" tIns="10160" rIns="10160" bIns="10160" numCol="1" spcCol="1270" anchor="ctr" anchorCtr="0">
+        <a:bodyPr spcFirstLastPara="0" vert="horz" wrap="square" lIns="10795" tIns="10795" rIns="10795" bIns="10795" numCol="1" spcCol="1270" anchor="ctr" anchorCtr="0">
           <a:noAutofit/>
         </a:bodyPr>
         <a:lstStyle/>
         <a:p>
-          <a:pPr marL="0" lvl="0" indent="0" algn="ctr" defTabSz="711200">
+          <a:pPr marL="0" lvl="0" indent="0" algn="ctr" defTabSz="755650">
             <a:lnSpc>
               <a:spcPct val="90000"/>
             </a:lnSpc>
@@ -3664,14 +4765,14 @@
             <a:buNone/>
           </a:pPr>
           <a:r>
-            <a:rPr lang="en-US" sz="1600" kern="1200" dirty="0"/>
+            <a:rPr lang="en-US" sz="1700" b="1" kern="1200" dirty="0"/>
             <a:t>Empirical Energy Analysis</a:t>
           </a:r>
         </a:p>
       </dsp:txBody>
       <dsp:txXfrm>
-        <a:off x="6632552" y="1368777"/>
-        <a:ext cx="1370220" cy="685110"/>
+        <a:off x="9704266" y="1046136"/>
+        <a:ext cx="1472918" cy="736459"/>
       </dsp:txXfrm>
     </dsp:sp>
   </dsp:spTree>
@@ -5940,7 +7041,7 @@
           <a:p>
             <a:fld id="{C66147E6-BE64-4722-8F40-48B1F493A086}" type="datetimeFigureOut">
               <a:rPr lang="en-US" smtClean="0"/>
-              <a:t>5/6/2025</a:t>
+              <a:t>5/7/2025</a:t>
             </a:fld>
             <a:endParaRPr lang="en-US"/>
           </a:p>
@@ -6335,7 +7436,36 @@
           <a:bodyPr/>
           <a:lstStyle/>
           <a:p>
-            <a:endParaRPr lang="en-US"/>
+            <a:r>
+              <a:rPr lang="en-US" dirty="0"/>
+              <a:t>Scope is fairly large</a:t>
+            </a:r>
+          </a:p>
+          <a:p>
+            <a:r>
+              <a:rPr lang="en-US" dirty="0"/>
+              <a:t>For time I will cover the circled items in this presentation</a:t>
+            </a:r>
+          </a:p>
+          <a:p>
+            <a:r>
+              <a:rPr lang="en-US" dirty="0"/>
+              <a:t>Worth mentioning: </a:t>
+            </a:r>
+            <a:r>
+              <a:rPr lang="en-US" dirty="0" err="1"/>
+              <a:t>MicroTVM</a:t>
+            </a:r>
+            <a:r>
+              <a:rPr lang="en-US" dirty="0"/>
+              <a:t> in frameworks, various resource management algorithms</a:t>
+            </a:r>
+          </a:p>
+          <a:p>
+            <a:r>
+              <a:rPr lang="en-US" dirty="0"/>
+              <a:t>Did not cover edge applications in great detail</a:t>
+            </a:r>
           </a:p>
         </p:txBody>
       </p:sp>
@@ -6356,7 +7486,7 @@
           <a:p>
             <a:fld id="{B9CDB906-FD11-4B96-981C-0D159639AE7F}" type="slidenum">
               <a:rPr lang="en-US" smtClean="0"/>
-              <a:t>3</a:t>
+              <a:t>2</a:t>
             </a:fld>
             <a:endParaRPr lang="en-US"/>
           </a:p>
@@ -6365,7 +7495,7 @@
     </p:spTree>
     <p:extLst>
       <p:ext uri="{BB962C8B-B14F-4D97-AF65-F5344CB8AC3E}">
-        <p14:creationId xmlns:p14="http://schemas.microsoft.com/office/powerpoint/2010/main" val="3454767535"/>
+        <p14:creationId xmlns:p14="http://schemas.microsoft.com/office/powerpoint/2010/main" val="4209311911"/>
       </p:ext>
     </p:extLst>
   </p:cSld>
@@ -6440,7 +7570,7 @@
           <a:p>
             <a:fld id="{B9CDB906-FD11-4B96-981C-0D159639AE7F}" type="slidenum">
               <a:rPr lang="en-US" smtClean="0"/>
-              <a:t>4</a:t>
+              <a:t>3</a:t>
             </a:fld>
             <a:endParaRPr lang="en-US"/>
           </a:p>
@@ -6449,7 +7579,7 @@
     </p:spTree>
     <p:extLst>
       <p:ext uri="{BB962C8B-B14F-4D97-AF65-F5344CB8AC3E}">
-        <p14:creationId xmlns:p14="http://schemas.microsoft.com/office/powerpoint/2010/main" val="1782255998"/>
+        <p14:creationId xmlns:p14="http://schemas.microsoft.com/office/powerpoint/2010/main" val="3454767535"/>
       </p:ext>
     </p:extLst>
   </p:cSld>
@@ -6524,6 +7654,90 @@
           <a:p>
             <a:fld id="{B9CDB906-FD11-4B96-981C-0D159639AE7F}" type="slidenum">
               <a:rPr lang="en-US" smtClean="0"/>
+              <a:t>4</a:t>
+            </a:fld>
+            <a:endParaRPr lang="en-US"/>
+          </a:p>
+        </p:txBody>
+      </p:sp>
+    </p:spTree>
+    <p:extLst>
+      <p:ext uri="{BB962C8B-B14F-4D97-AF65-F5344CB8AC3E}">
+        <p14:creationId xmlns:p14="http://schemas.microsoft.com/office/powerpoint/2010/main" val="1782255998"/>
+      </p:ext>
+    </p:extLst>
+  </p:cSld>
+  <p:clrMapOvr>
+    <a:masterClrMapping/>
+  </p:clrMapOvr>
+</p:notes>
+</file>
+
+<file path=ppt/notesSlides/notesSlide5.xml><?xml version="1.0" encoding="utf-8"?>
+<p:notes xmlns:a="http://schemas.openxmlformats.org/drawingml/2006/main" xmlns:r="http://schemas.openxmlformats.org/officeDocument/2006/relationships" xmlns:p="http://schemas.openxmlformats.org/presentationml/2006/main">
+  <p:cSld>
+    <p:spTree>
+      <p:nvGrpSpPr>
+        <p:cNvPr id="1" name=""/>
+        <p:cNvGrpSpPr/>
+        <p:nvPr/>
+      </p:nvGrpSpPr>
+      <p:grpSpPr>
+        <a:xfrm>
+          <a:off x="0" y="0"/>
+          <a:ext cx="0" cy="0"/>
+          <a:chOff x="0" y="0"/>
+          <a:chExt cx="0" cy="0"/>
+        </a:xfrm>
+      </p:grpSpPr>
+      <p:sp>
+        <p:nvSpPr>
+          <p:cNvPr id="2" name="Slide Image Placeholder 1"/>
+          <p:cNvSpPr>
+            <a:spLocks noGrp="1" noRot="1" noChangeAspect="1"/>
+          </p:cNvSpPr>
+          <p:nvPr>
+            <p:ph type="sldImg"/>
+          </p:nvPr>
+        </p:nvSpPr>
+        <p:spPr/>
+      </p:sp>
+      <p:sp>
+        <p:nvSpPr>
+          <p:cNvPr id="3" name="Notes Placeholder 2"/>
+          <p:cNvSpPr>
+            <a:spLocks noGrp="1"/>
+          </p:cNvSpPr>
+          <p:nvPr>
+            <p:ph type="body" idx="1"/>
+          </p:nvPr>
+        </p:nvSpPr>
+        <p:spPr/>
+        <p:txBody>
+          <a:bodyPr/>
+          <a:lstStyle/>
+          <a:p>
+            <a:endParaRPr lang="en-US"/>
+          </a:p>
+        </p:txBody>
+      </p:sp>
+      <p:sp>
+        <p:nvSpPr>
+          <p:cNvPr id="4" name="Slide Number Placeholder 3"/>
+          <p:cNvSpPr>
+            <a:spLocks noGrp="1"/>
+          </p:cNvSpPr>
+          <p:nvPr>
+            <p:ph type="sldNum" sz="quarter" idx="5"/>
+          </p:nvPr>
+        </p:nvSpPr>
+        <p:spPr/>
+        <p:txBody>
+          <a:bodyPr/>
+          <a:lstStyle/>
+          <a:p>
+            <a:fld id="{B9CDB906-FD11-4B96-981C-0D159639AE7F}" type="slidenum">
+              <a:rPr lang="en-US" smtClean="0"/>
               <a:t>5</a:t>
             </a:fld>
             <a:endParaRPr lang="en-US"/>
@@ -6543,7 +7757,7 @@
 </p:notes>
 </file>
 
-<file path=ppt/notesSlides/notesSlide5.xml><?xml version="1.0" encoding="utf-8"?>
+<file path=ppt/notesSlides/notesSlide6.xml><?xml version="1.0" encoding="utf-8"?>
 <p:notes xmlns:a="http://schemas.openxmlformats.org/drawingml/2006/main" xmlns:r="http://schemas.openxmlformats.org/officeDocument/2006/relationships" xmlns:p="http://schemas.openxmlformats.org/presentationml/2006/main">
   <p:cSld>
     <p:spTree>
@@ -6783,7 +7997,7 @@
           <a:p>
             <a:fld id="{6444479B-705B-4489-957E-7E8A228BDFA0}" type="datetime1">
               <a:rPr lang="en-US" smtClean="0"/>
-              <a:t>5/6/2025</a:t>
+              <a:t>5/7/2025</a:t>
             </a:fld>
             <a:endParaRPr lang="en-US"/>
           </a:p>
@@ -6983,7 +8197,7 @@
           <a:p>
             <a:fld id="{C07B66AD-7C08-490A-ADA4-B47E10FB2407}" type="datetime1">
               <a:rPr lang="en-US" smtClean="0"/>
-              <a:t>5/6/2025</a:t>
+              <a:t>5/7/2025</a:t>
             </a:fld>
             <a:endParaRPr lang="en-US"/>
           </a:p>
@@ -7242,7 +8456,7 @@
           <a:p>
             <a:fld id="{05B95027-4255-49E7-9841-CD21BCC99996}" type="datetime1">
               <a:rPr lang="en-US" smtClean="0"/>
-              <a:t>5/6/2025</a:t>
+              <a:t>5/7/2025</a:t>
             </a:fld>
             <a:endParaRPr lang="en-US"/>
           </a:p>
@@ -7483,7 +8697,7 @@
           <a:p>
             <a:fld id="{9F89F774-3FA6-43B8-9241-99959C8FD463}" type="datetime1">
               <a:rPr lang="en-US" smtClean="0"/>
-              <a:t>5/6/2025</a:t>
+              <a:t>5/7/2025</a:t>
             </a:fld>
             <a:endParaRPr lang="en-US"/>
           </a:p>
@@ -7810,7 +9024,7 @@
           <a:p>
             <a:fld id="{F9504452-5DCC-4FE2-A5C9-8A5EF6714D65}" type="datetime1">
               <a:rPr lang="en-US" smtClean="0"/>
-              <a:t>5/6/2025</a:t>
+              <a:t>5/7/2025</a:t>
             </a:fld>
             <a:endParaRPr lang="en-US"/>
           </a:p>
@@ -8120,7 +9334,7 @@
           <a:p>
             <a:fld id="{E579ABC2-0180-4F3A-A895-A85BC724D472}" type="datetime1">
               <a:rPr lang="en-US" smtClean="0"/>
-              <a:t>5/6/2025</a:t>
+              <a:t>5/7/2025</a:t>
             </a:fld>
             <a:endParaRPr lang="en-US"/>
           </a:p>
@@ -8538,7 +9752,7 @@
           <a:p>
             <a:fld id="{6AEEA9BA-4E8F-439E-BEA4-91FBA01E3F5F}" type="datetime1">
               <a:rPr lang="en-US" smtClean="0"/>
-              <a:t>5/6/2025</a:t>
+              <a:t>5/7/2025</a:t>
             </a:fld>
             <a:endParaRPr lang="en-US"/>
           </a:p>
@@ -8680,7 +9894,7 @@
           <a:p>
             <a:fld id="{BE15BF18-0007-481C-AA29-413124BC3EE7}" type="datetime1">
               <a:rPr lang="en-US" smtClean="0"/>
-              <a:t>5/6/2025</a:t>
+              <a:t>5/7/2025</a:t>
             </a:fld>
             <a:endParaRPr lang="en-US"/>
           </a:p>
@@ -8842,7 +10056,7 @@
           <a:p>
             <a:fld id="{09BE9870-3748-43AD-B547-02A075CB4A1D}" type="datetime1">
               <a:rPr lang="en-US" smtClean="0"/>
-              <a:t>5/6/2025</a:t>
+              <a:t>5/7/2025</a:t>
             </a:fld>
             <a:endParaRPr lang="en-US"/>
           </a:p>
@@ -9159,7 +10373,7 @@
           <a:p>
             <a:fld id="{558E7897-33C5-4F1A-9307-D068E37F3DC7}" type="datetime1">
               <a:rPr lang="en-US" smtClean="0"/>
-              <a:t>5/6/2025</a:t>
+              <a:t>5/7/2025</a:t>
             </a:fld>
             <a:endParaRPr lang="en-US"/>
           </a:p>
@@ -9454,7 +10668,7 @@
           <a:p>
             <a:fld id="{82E171BA-CC09-47C8-A6DF-F5C5CB59CEEC}" type="datetime1">
               <a:rPr lang="en-US" smtClean="0"/>
-              <a:t>5/6/2025</a:t>
+              <a:t>5/7/2025</a:t>
             </a:fld>
             <a:endParaRPr lang="en-US"/>
           </a:p>
@@ -9695,7 +10909,7 @@
           <a:p>
             <a:fld id="{7DA38F49-B3E2-4BF0-BEC7-C30D34ABBB8D}" type="datetime1">
               <a:rPr lang="en-US" smtClean="0"/>
-              <a:t>5/6/2025</a:t>
+              <a:t>5/7/2025</a:t>
             </a:fld>
             <a:endParaRPr lang="en-US"/>
           </a:p>
@@ -10264,13 +11478,13 @@
         </p:spPr>
         <p:txBody>
           <a:bodyPr>
-            <a:normAutofit/>
+            <a:normAutofit fontScale="90000"/>
           </a:bodyPr>
           <a:lstStyle/>
           <a:p>
             <a:r>
-              <a:rPr lang="en-US"/>
-              <a:t>Machine Learning on Edge Devices</a:t>
+              <a:rPr lang="en-US" dirty="0"/>
+              <a:t>AI and Machine Learning for Edge Devices</a:t>
             </a:r>
           </a:p>
         </p:txBody>
@@ -11294,8 +12508,8 @@
         </p:nvSpPr>
         <p:spPr>
           <a:xfrm>
-            <a:off x="3942587" y="412824"/>
-            <a:ext cx="4306824" cy="796412"/>
+            <a:off x="3738678" y="167280"/>
+            <a:ext cx="4537660" cy="1041956"/>
           </a:xfrm>
         </p:spPr>
         <p:txBody>
@@ -11305,8 +12519,8 @@
           <a:lstStyle/>
           <a:p>
             <a:r>
-              <a:rPr lang="en-US" dirty="0"/>
-              <a:t>Survey Hierarchy</a:t>
+              <a:rPr lang="en-US" sz="5400" dirty="0"/>
+              <a:t>Survey Scope</a:t>
             </a:r>
           </a:p>
         </p:txBody>
@@ -11375,18 +12589,18 @@
             <p:ph idx="1"/>
             <p:extLst>
               <p:ext uri="{D42A27DB-BD31-4B8C-83A1-F6EECF244321}">
-                <p14:modId xmlns:p14="http://schemas.microsoft.com/office/powerpoint/2010/main" val="2693415842"/>
+                <p14:modId xmlns:p14="http://schemas.microsoft.com/office/powerpoint/2010/main" val="3573290792"/>
               </p:ext>
             </p:extLst>
           </p:nvPr>
         </p:nvGraphicFramePr>
         <p:xfrm>
-          <a:off x="2094271" y="839922"/>
-          <a:ext cx="8003457" cy="5368379"/>
+          <a:off x="206476" y="1209236"/>
+          <a:ext cx="11602065" cy="4920276"/>
         </p:xfrm>
         <a:graphic>
           <a:graphicData uri="http://schemas.openxmlformats.org/drawingml/2006/diagram">
-            <dgm:relIds xmlns:dgm="http://schemas.openxmlformats.org/drawingml/2006/diagram" xmlns:r="http://schemas.openxmlformats.org/officeDocument/2006/relationships" r:dm="rId2" r:lo="rId3" r:qs="rId4" r:cs="rId5"/>
+            <dgm:relIds xmlns:dgm="http://schemas.openxmlformats.org/drawingml/2006/diagram" xmlns:r="http://schemas.openxmlformats.org/officeDocument/2006/relationships" r:dm="rId3" r:lo="rId4" r:qs="rId5" r:cs="rId6"/>
           </a:graphicData>
         </a:graphic>
       </p:graphicFrame>
@@ -11404,7 +12618,7 @@
         </p:nvSpPr>
         <p:spPr>
           <a:xfrm>
-            <a:off x="2094270" y="2098450"/>
+            <a:off x="648929" y="2162371"/>
             <a:ext cx="1386349" cy="934057"/>
           </a:xfrm>
           <a:prstGeom prst="ellipse">
@@ -11458,7 +12672,7 @@
         </p:nvSpPr>
         <p:spPr>
           <a:xfrm>
-            <a:off x="8711379" y="2098449"/>
+            <a:off x="9974825" y="2152538"/>
             <a:ext cx="1386349" cy="934057"/>
           </a:xfrm>
           <a:prstGeom prst="ellipse">
@@ -11512,7 +12726,7 @@
         </p:nvSpPr>
         <p:spPr>
           <a:xfrm>
-            <a:off x="4930877" y="4994050"/>
+            <a:off x="6789174" y="5312241"/>
             <a:ext cx="1386349" cy="934057"/>
           </a:xfrm>
           <a:prstGeom prst="ellipse">

--- a/Machine Learning on Edge Devices.pptx
+++ b/Machine Learning on Edge Devices.pptx
@@ -5,19 +5,22 @@
     <p:sldMasterId id="2147483687" r:id="rId1"/>
   </p:sldMasterIdLst>
   <p:notesMasterIdLst>
-    <p:notesMasterId r:id="rId12"/>
+    <p:notesMasterId r:id="rId15"/>
   </p:notesMasterIdLst>
   <p:sldIdLst>
     <p:sldId id="256" r:id="rId2"/>
     <p:sldId id="261" r:id="rId3"/>
-    <p:sldId id="257" r:id="rId4"/>
-    <p:sldId id="258" r:id="rId5"/>
-    <p:sldId id="259" r:id="rId6"/>
-    <p:sldId id="262" r:id="rId7"/>
-    <p:sldId id="263" r:id="rId8"/>
-    <p:sldId id="264" r:id="rId9"/>
-    <p:sldId id="265" r:id="rId10"/>
-    <p:sldId id="260" r:id="rId11"/>
+    <p:sldId id="268" r:id="rId4"/>
+    <p:sldId id="257" r:id="rId5"/>
+    <p:sldId id="258" r:id="rId6"/>
+    <p:sldId id="259" r:id="rId7"/>
+    <p:sldId id="266" r:id="rId8"/>
+    <p:sldId id="262" r:id="rId9"/>
+    <p:sldId id="263" r:id="rId10"/>
+    <p:sldId id="267" r:id="rId11"/>
+    <p:sldId id="264" r:id="rId12"/>
+    <p:sldId id="265" r:id="rId13"/>
+    <p:sldId id="260" r:id="rId14"/>
   </p:sldIdLst>
   <p:sldSz cx="12192000" cy="6858000"/>
   <p:notesSz cx="6858000" cy="9144000"/>
@@ -1013,6 +1016,753 @@
     <dgm:fillClrLst meth="repeat">
       <a:schemeClr val="accent2">
         <a:tint val="40000"/>
+      </a:schemeClr>
+    </dgm:fillClrLst>
+    <dgm:linClrLst meth="repeat">
+      <a:schemeClr val="lt1"/>
+    </dgm:linClrLst>
+    <dgm:effectClrLst/>
+    <dgm:txLinClrLst/>
+    <dgm:txFillClrLst meth="repeat">
+      <a:schemeClr val="dk1"/>
+    </dgm:txFillClrLst>
+    <dgm:txEffectClrLst/>
+  </dgm:styleLbl>
+  <dgm:styleLbl name="revTx">
+    <dgm:fillClrLst meth="repeat">
+      <a:schemeClr val="lt1">
+        <a:alpha val="0"/>
+      </a:schemeClr>
+    </dgm:fillClrLst>
+    <dgm:linClrLst meth="repeat">
+      <a:schemeClr val="dk1">
+        <a:alpha val="0"/>
+      </a:schemeClr>
+    </dgm:linClrLst>
+    <dgm:effectClrLst/>
+    <dgm:txLinClrLst/>
+    <dgm:txFillClrLst meth="repeat">
+      <a:schemeClr val="tx1"/>
+    </dgm:txFillClrLst>
+    <dgm:txEffectClrLst/>
+  </dgm:styleLbl>
+</dgm:colorsDef>
+</file>
+
+<file path=ppt/diagrams/colors2.xml><?xml version="1.0" encoding="utf-8"?>
+<dgm:colorsDef xmlns:dgm="http://schemas.openxmlformats.org/drawingml/2006/diagram" xmlns:a="http://schemas.openxmlformats.org/drawingml/2006/main" uniqueId="urn:microsoft.com/office/officeart/2005/8/colors/accent1_2">
+  <dgm:title val=""/>
+  <dgm:desc val=""/>
+  <dgm:catLst>
+    <dgm:cat type="accent1" pri="11200"/>
+  </dgm:catLst>
+  <dgm:styleLbl name="node0">
+    <dgm:fillClrLst meth="repeat">
+      <a:schemeClr val="accent1"/>
+    </dgm:fillClrLst>
+    <dgm:linClrLst meth="repeat">
+      <a:schemeClr val="lt1"/>
+    </dgm:linClrLst>
+    <dgm:effectClrLst/>
+    <dgm:txLinClrLst/>
+    <dgm:txFillClrLst/>
+    <dgm:txEffectClrLst/>
+  </dgm:styleLbl>
+  <dgm:styleLbl name="alignNode1">
+    <dgm:fillClrLst meth="repeat">
+      <a:schemeClr val="accent1"/>
+    </dgm:fillClrLst>
+    <dgm:linClrLst meth="repeat">
+      <a:schemeClr val="accent1"/>
+    </dgm:linClrLst>
+    <dgm:effectClrLst/>
+    <dgm:txLinClrLst/>
+    <dgm:txFillClrLst/>
+    <dgm:txEffectClrLst/>
+  </dgm:styleLbl>
+  <dgm:styleLbl name="node1">
+    <dgm:fillClrLst meth="repeat">
+      <a:schemeClr val="accent1"/>
+    </dgm:fillClrLst>
+    <dgm:linClrLst meth="repeat">
+      <a:schemeClr val="lt1"/>
+    </dgm:linClrLst>
+    <dgm:effectClrLst/>
+    <dgm:txLinClrLst/>
+    <dgm:txFillClrLst/>
+    <dgm:txEffectClrLst/>
+  </dgm:styleLbl>
+  <dgm:styleLbl name="lnNode1">
+    <dgm:fillClrLst meth="repeat">
+      <a:schemeClr val="accent1"/>
+    </dgm:fillClrLst>
+    <dgm:linClrLst meth="repeat">
+      <a:schemeClr val="lt1"/>
+    </dgm:linClrLst>
+    <dgm:effectClrLst/>
+    <dgm:txLinClrLst/>
+    <dgm:txFillClrLst/>
+    <dgm:txEffectClrLst/>
+  </dgm:styleLbl>
+  <dgm:styleLbl name="vennNode1">
+    <dgm:fillClrLst meth="repeat">
+      <a:schemeClr val="accent1">
+        <a:alpha val="50000"/>
+      </a:schemeClr>
+    </dgm:fillClrLst>
+    <dgm:linClrLst meth="repeat">
+      <a:schemeClr val="lt1"/>
+    </dgm:linClrLst>
+    <dgm:effectClrLst/>
+    <dgm:txLinClrLst/>
+    <dgm:txFillClrLst/>
+    <dgm:txEffectClrLst/>
+  </dgm:styleLbl>
+  <dgm:styleLbl name="node2">
+    <dgm:fillClrLst meth="repeat">
+      <a:schemeClr val="accent1"/>
+    </dgm:fillClrLst>
+    <dgm:linClrLst meth="repeat">
+      <a:schemeClr val="lt1"/>
+    </dgm:linClrLst>
+    <dgm:effectClrLst/>
+    <dgm:txLinClrLst/>
+    <dgm:txFillClrLst/>
+    <dgm:txEffectClrLst/>
+  </dgm:styleLbl>
+  <dgm:styleLbl name="node3">
+    <dgm:fillClrLst meth="repeat">
+      <a:schemeClr val="accent1"/>
+    </dgm:fillClrLst>
+    <dgm:linClrLst meth="repeat">
+      <a:schemeClr val="lt1"/>
+    </dgm:linClrLst>
+    <dgm:effectClrLst/>
+    <dgm:txLinClrLst/>
+    <dgm:txFillClrLst/>
+    <dgm:txEffectClrLst/>
+  </dgm:styleLbl>
+  <dgm:styleLbl name="node4">
+    <dgm:fillClrLst meth="repeat">
+      <a:schemeClr val="accent1"/>
+    </dgm:fillClrLst>
+    <dgm:linClrLst meth="repeat">
+      <a:schemeClr val="lt1"/>
+    </dgm:linClrLst>
+    <dgm:effectClrLst/>
+    <dgm:txLinClrLst/>
+    <dgm:txFillClrLst/>
+    <dgm:txEffectClrLst/>
+  </dgm:styleLbl>
+  <dgm:styleLbl name="fgImgPlace1">
+    <dgm:fillClrLst meth="repeat">
+      <a:schemeClr val="accent1">
+        <a:tint val="50000"/>
+      </a:schemeClr>
+    </dgm:fillClrLst>
+    <dgm:linClrLst meth="repeat">
+      <a:schemeClr val="lt1"/>
+    </dgm:linClrLst>
+    <dgm:effectClrLst/>
+    <dgm:txLinClrLst/>
+    <dgm:txFillClrLst meth="repeat">
+      <a:schemeClr val="lt1"/>
+    </dgm:txFillClrLst>
+    <dgm:txEffectClrLst/>
+  </dgm:styleLbl>
+  <dgm:styleLbl name="alignImgPlace1">
+    <dgm:fillClrLst meth="repeat">
+      <a:schemeClr val="accent1">
+        <a:tint val="50000"/>
+      </a:schemeClr>
+    </dgm:fillClrLst>
+    <dgm:linClrLst meth="repeat">
+      <a:schemeClr val="lt1"/>
+    </dgm:linClrLst>
+    <dgm:effectClrLst/>
+    <dgm:txLinClrLst/>
+    <dgm:txFillClrLst meth="repeat">
+      <a:schemeClr val="lt1"/>
+    </dgm:txFillClrLst>
+    <dgm:txEffectClrLst/>
+  </dgm:styleLbl>
+  <dgm:styleLbl name="bgImgPlace1">
+    <dgm:fillClrLst meth="repeat">
+      <a:schemeClr val="accent1">
+        <a:tint val="50000"/>
+      </a:schemeClr>
+    </dgm:fillClrLst>
+    <dgm:linClrLst meth="repeat">
+      <a:schemeClr val="lt1"/>
+    </dgm:linClrLst>
+    <dgm:effectClrLst/>
+    <dgm:txLinClrLst/>
+    <dgm:txFillClrLst meth="repeat">
+      <a:schemeClr val="lt1"/>
+    </dgm:txFillClrLst>
+    <dgm:txEffectClrLst/>
+  </dgm:styleLbl>
+  <dgm:styleLbl name="sibTrans2D1">
+    <dgm:fillClrLst meth="repeat">
+      <a:schemeClr val="accent1">
+        <a:tint val="60000"/>
+      </a:schemeClr>
+    </dgm:fillClrLst>
+    <dgm:linClrLst meth="repeat">
+      <a:schemeClr val="accent1">
+        <a:tint val="60000"/>
+      </a:schemeClr>
+    </dgm:linClrLst>
+    <dgm:effectClrLst/>
+    <dgm:txLinClrLst/>
+    <dgm:txFillClrLst/>
+    <dgm:txEffectClrLst/>
+  </dgm:styleLbl>
+  <dgm:styleLbl name="fgSibTrans2D1">
+    <dgm:fillClrLst meth="repeat">
+      <a:schemeClr val="accent1">
+        <a:tint val="60000"/>
+      </a:schemeClr>
+    </dgm:fillClrLst>
+    <dgm:linClrLst meth="repeat">
+      <a:schemeClr val="accent1">
+        <a:tint val="60000"/>
+      </a:schemeClr>
+    </dgm:linClrLst>
+    <dgm:effectClrLst/>
+    <dgm:txLinClrLst/>
+    <dgm:txFillClrLst/>
+    <dgm:txEffectClrLst/>
+  </dgm:styleLbl>
+  <dgm:styleLbl name="bgSibTrans2D1">
+    <dgm:fillClrLst meth="repeat">
+      <a:schemeClr val="accent1">
+        <a:tint val="60000"/>
+      </a:schemeClr>
+    </dgm:fillClrLst>
+    <dgm:linClrLst meth="repeat">
+      <a:schemeClr val="accent1">
+        <a:tint val="60000"/>
+      </a:schemeClr>
+    </dgm:linClrLst>
+    <dgm:effectClrLst/>
+    <dgm:txLinClrLst/>
+    <dgm:txFillClrLst/>
+    <dgm:txEffectClrLst/>
+  </dgm:styleLbl>
+  <dgm:styleLbl name="sibTrans1D1">
+    <dgm:fillClrLst meth="repeat">
+      <a:schemeClr val="accent1"/>
+    </dgm:fillClrLst>
+    <dgm:linClrLst meth="repeat">
+      <a:schemeClr val="accent1"/>
+    </dgm:linClrLst>
+    <dgm:effectClrLst/>
+    <dgm:txLinClrLst/>
+    <dgm:txFillClrLst meth="repeat">
+      <a:schemeClr val="tx1"/>
+    </dgm:txFillClrLst>
+    <dgm:txEffectClrLst/>
+  </dgm:styleLbl>
+  <dgm:styleLbl name="callout">
+    <dgm:fillClrLst meth="repeat">
+      <a:schemeClr val="accent1"/>
+    </dgm:fillClrLst>
+    <dgm:linClrLst meth="repeat">
+      <a:schemeClr val="accent1">
+        <a:tint val="50000"/>
+      </a:schemeClr>
+    </dgm:linClrLst>
+    <dgm:effectClrLst/>
+    <dgm:txLinClrLst/>
+    <dgm:txFillClrLst meth="repeat">
+      <a:schemeClr val="tx1"/>
+    </dgm:txFillClrLst>
+    <dgm:txEffectClrLst/>
+  </dgm:styleLbl>
+  <dgm:styleLbl name="asst0">
+    <dgm:fillClrLst meth="repeat">
+      <a:schemeClr val="accent1"/>
+    </dgm:fillClrLst>
+    <dgm:linClrLst meth="repeat">
+      <a:schemeClr val="lt1"/>
+    </dgm:linClrLst>
+    <dgm:effectClrLst/>
+    <dgm:txLinClrLst/>
+    <dgm:txFillClrLst/>
+    <dgm:txEffectClrLst/>
+  </dgm:styleLbl>
+  <dgm:styleLbl name="asst1">
+    <dgm:fillClrLst meth="repeat">
+      <a:schemeClr val="accent1"/>
+    </dgm:fillClrLst>
+    <dgm:linClrLst meth="repeat">
+      <a:schemeClr val="lt1"/>
+    </dgm:linClrLst>
+    <dgm:effectClrLst/>
+    <dgm:txLinClrLst/>
+    <dgm:txFillClrLst/>
+    <dgm:txEffectClrLst/>
+  </dgm:styleLbl>
+  <dgm:styleLbl name="asst2">
+    <dgm:fillClrLst meth="repeat">
+      <a:schemeClr val="accent1"/>
+    </dgm:fillClrLst>
+    <dgm:linClrLst meth="repeat">
+      <a:schemeClr val="lt1"/>
+    </dgm:linClrLst>
+    <dgm:effectClrLst/>
+    <dgm:txLinClrLst/>
+    <dgm:txFillClrLst/>
+    <dgm:txEffectClrLst/>
+  </dgm:styleLbl>
+  <dgm:styleLbl name="asst3">
+    <dgm:fillClrLst meth="repeat">
+      <a:schemeClr val="accent1"/>
+    </dgm:fillClrLst>
+    <dgm:linClrLst meth="repeat">
+      <a:schemeClr val="lt1"/>
+    </dgm:linClrLst>
+    <dgm:effectClrLst/>
+    <dgm:txLinClrLst/>
+    <dgm:txFillClrLst/>
+    <dgm:txEffectClrLst/>
+  </dgm:styleLbl>
+  <dgm:styleLbl name="asst4">
+    <dgm:fillClrLst meth="repeat">
+      <a:schemeClr val="accent1"/>
+    </dgm:fillClrLst>
+    <dgm:linClrLst meth="repeat">
+      <a:schemeClr val="lt1"/>
+    </dgm:linClrLst>
+    <dgm:effectClrLst/>
+    <dgm:txLinClrLst/>
+    <dgm:txFillClrLst/>
+    <dgm:txEffectClrLst/>
+  </dgm:styleLbl>
+  <dgm:styleLbl name="parChTrans2D1">
+    <dgm:fillClrLst meth="repeat">
+      <a:schemeClr val="accent1">
+        <a:tint val="60000"/>
+      </a:schemeClr>
+    </dgm:fillClrLst>
+    <dgm:linClrLst meth="repeat">
+      <a:schemeClr val="accent1">
+        <a:tint val="60000"/>
+      </a:schemeClr>
+    </dgm:linClrLst>
+    <dgm:effectClrLst/>
+    <dgm:txLinClrLst/>
+    <dgm:txFillClrLst meth="repeat">
+      <a:schemeClr val="lt1"/>
+    </dgm:txFillClrLst>
+    <dgm:txEffectClrLst/>
+  </dgm:styleLbl>
+  <dgm:styleLbl name="parChTrans2D2">
+    <dgm:fillClrLst meth="repeat">
+      <a:schemeClr val="accent1"/>
+    </dgm:fillClrLst>
+    <dgm:linClrLst meth="repeat">
+      <a:schemeClr val="accent1"/>
+    </dgm:linClrLst>
+    <dgm:effectClrLst/>
+    <dgm:txLinClrLst/>
+    <dgm:txFillClrLst meth="repeat">
+      <a:schemeClr val="lt1"/>
+    </dgm:txFillClrLst>
+    <dgm:txEffectClrLst/>
+  </dgm:styleLbl>
+  <dgm:styleLbl name="parChTrans2D3">
+    <dgm:fillClrLst meth="repeat">
+      <a:schemeClr val="accent1"/>
+    </dgm:fillClrLst>
+    <dgm:linClrLst meth="repeat">
+      <a:schemeClr val="accent1"/>
+    </dgm:linClrLst>
+    <dgm:effectClrLst/>
+    <dgm:txLinClrLst/>
+    <dgm:txFillClrLst meth="repeat">
+      <a:schemeClr val="lt1"/>
+    </dgm:txFillClrLst>
+    <dgm:txEffectClrLst/>
+  </dgm:styleLbl>
+  <dgm:styleLbl name="parChTrans2D4">
+    <dgm:fillClrLst meth="repeat">
+      <a:schemeClr val="accent1"/>
+    </dgm:fillClrLst>
+    <dgm:linClrLst meth="repeat">
+      <a:schemeClr val="accent1"/>
+    </dgm:linClrLst>
+    <dgm:effectClrLst/>
+    <dgm:txLinClrLst/>
+    <dgm:txFillClrLst meth="repeat">
+      <a:schemeClr val="lt1"/>
+    </dgm:txFillClrLst>
+    <dgm:txEffectClrLst/>
+  </dgm:styleLbl>
+  <dgm:styleLbl name="parChTrans1D1">
+    <dgm:fillClrLst meth="repeat">
+      <a:schemeClr val="accent1"/>
+    </dgm:fillClrLst>
+    <dgm:linClrLst meth="repeat">
+      <a:schemeClr val="accent1">
+        <a:shade val="60000"/>
+      </a:schemeClr>
+    </dgm:linClrLst>
+    <dgm:effectClrLst/>
+    <dgm:txLinClrLst/>
+    <dgm:txFillClrLst meth="repeat">
+      <a:schemeClr val="tx1"/>
+    </dgm:txFillClrLst>
+    <dgm:txEffectClrLst/>
+  </dgm:styleLbl>
+  <dgm:styleLbl name="parChTrans1D2">
+    <dgm:fillClrLst meth="repeat">
+      <a:schemeClr val="accent1"/>
+    </dgm:fillClrLst>
+    <dgm:linClrLst meth="repeat">
+      <a:schemeClr val="accent1">
+        <a:shade val="60000"/>
+      </a:schemeClr>
+    </dgm:linClrLst>
+    <dgm:effectClrLst/>
+    <dgm:txLinClrLst/>
+    <dgm:txFillClrLst meth="repeat">
+      <a:schemeClr val="tx1"/>
+    </dgm:txFillClrLst>
+    <dgm:txEffectClrLst/>
+  </dgm:styleLbl>
+  <dgm:styleLbl name="parChTrans1D3">
+    <dgm:fillClrLst meth="repeat">
+      <a:schemeClr val="accent1"/>
+    </dgm:fillClrLst>
+    <dgm:linClrLst meth="repeat">
+      <a:schemeClr val="accent1">
+        <a:shade val="80000"/>
+      </a:schemeClr>
+    </dgm:linClrLst>
+    <dgm:effectClrLst/>
+    <dgm:txLinClrLst/>
+    <dgm:txFillClrLst meth="repeat">
+      <a:schemeClr val="tx1"/>
+    </dgm:txFillClrLst>
+    <dgm:txEffectClrLst/>
+  </dgm:styleLbl>
+  <dgm:styleLbl name="parChTrans1D4">
+    <dgm:fillClrLst meth="repeat">
+      <a:schemeClr val="accent1"/>
+    </dgm:fillClrLst>
+    <dgm:linClrLst meth="repeat">
+      <a:schemeClr val="accent1">
+        <a:shade val="80000"/>
+      </a:schemeClr>
+    </dgm:linClrLst>
+    <dgm:effectClrLst/>
+    <dgm:txLinClrLst/>
+    <dgm:txFillClrLst meth="repeat">
+      <a:schemeClr val="tx1"/>
+    </dgm:txFillClrLst>
+    <dgm:txEffectClrLst/>
+  </dgm:styleLbl>
+  <dgm:styleLbl name="fgAcc1">
+    <dgm:fillClrLst meth="repeat">
+      <a:schemeClr val="lt1">
+        <a:alpha val="90000"/>
+      </a:schemeClr>
+    </dgm:fillClrLst>
+    <dgm:linClrLst meth="repeat">
+      <a:schemeClr val="accent1"/>
+    </dgm:linClrLst>
+    <dgm:effectClrLst/>
+    <dgm:txLinClrLst/>
+    <dgm:txFillClrLst meth="repeat">
+      <a:schemeClr val="dk1"/>
+    </dgm:txFillClrLst>
+    <dgm:txEffectClrLst/>
+  </dgm:styleLbl>
+  <dgm:styleLbl name="conFgAcc1">
+    <dgm:fillClrLst meth="repeat">
+      <a:schemeClr val="lt1">
+        <a:alpha val="90000"/>
+      </a:schemeClr>
+    </dgm:fillClrLst>
+    <dgm:linClrLst meth="repeat">
+      <a:schemeClr val="accent1"/>
+    </dgm:linClrLst>
+    <dgm:effectClrLst/>
+    <dgm:txLinClrLst/>
+    <dgm:txFillClrLst meth="repeat">
+      <a:schemeClr val="dk1"/>
+    </dgm:txFillClrLst>
+    <dgm:txEffectClrLst/>
+  </dgm:styleLbl>
+  <dgm:styleLbl name="alignAcc1">
+    <dgm:fillClrLst meth="repeat">
+      <a:schemeClr val="lt1">
+        <a:alpha val="90000"/>
+      </a:schemeClr>
+    </dgm:fillClrLst>
+    <dgm:linClrLst meth="repeat">
+      <a:schemeClr val="accent1"/>
+    </dgm:linClrLst>
+    <dgm:effectClrLst/>
+    <dgm:txLinClrLst/>
+    <dgm:txFillClrLst meth="repeat">
+      <a:schemeClr val="dk1"/>
+    </dgm:txFillClrLst>
+    <dgm:txEffectClrLst/>
+  </dgm:styleLbl>
+  <dgm:styleLbl name="trAlignAcc1">
+    <dgm:fillClrLst meth="repeat">
+      <a:schemeClr val="lt1">
+        <a:alpha val="40000"/>
+      </a:schemeClr>
+    </dgm:fillClrLst>
+    <dgm:linClrLst meth="repeat">
+      <a:schemeClr val="accent1"/>
+    </dgm:linClrLst>
+    <dgm:effectClrLst/>
+    <dgm:txLinClrLst/>
+    <dgm:txFillClrLst meth="repeat">
+      <a:schemeClr val="dk1"/>
+    </dgm:txFillClrLst>
+    <dgm:txEffectClrLst/>
+  </dgm:styleLbl>
+  <dgm:styleLbl name="bgAcc1">
+    <dgm:fillClrLst meth="repeat">
+      <a:schemeClr val="lt1">
+        <a:alpha val="90000"/>
+      </a:schemeClr>
+    </dgm:fillClrLst>
+    <dgm:linClrLst meth="repeat">
+      <a:schemeClr val="accent1"/>
+    </dgm:linClrLst>
+    <dgm:effectClrLst/>
+    <dgm:txLinClrLst/>
+    <dgm:txFillClrLst meth="repeat">
+      <a:schemeClr val="dk1"/>
+    </dgm:txFillClrLst>
+    <dgm:txEffectClrLst/>
+  </dgm:styleLbl>
+  <dgm:styleLbl name="solidFgAcc1">
+    <dgm:fillClrLst meth="repeat">
+      <a:schemeClr val="lt1"/>
+    </dgm:fillClrLst>
+    <dgm:linClrLst meth="repeat">
+      <a:schemeClr val="accent1"/>
+    </dgm:linClrLst>
+    <dgm:effectClrLst/>
+    <dgm:txLinClrLst/>
+    <dgm:txFillClrLst meth="repeat">
+      <a:schemeClr val="dk1"/>
+    </dgm:txFillClrLst>
+    <dgm:txEffectClrLst/>
+  </dgm:styleLbl>
+  <dgm:styleLbl name="solidAlignAcc1">
+    <dgm:fillClrLst meth="repeat">
+      <a:schemeClr val="lt1"/>
+    </dgm:fillClrLst>
+    <dgm:linClrLst meth="repeat">
+      <a:schemeClr val="accent1"/>
+    </dgm:linClrLst>
+    <dgm:effectClrLst/>
+    <dgm:txLinClrLst/>
+    <dgm:txFillClrLst meth="repeat">
+      <a:schemeClr val="dk1"/>
+    </dgm:txFillClrLst>
+    <dgm:txEffectClrLst/>
+  </dgm:styleLbl>
+  <dgm:styleLbl name="solidBgAcc1">
+    <dgm:fillClrLst meth="repeat">
+      <a:schemeClr val="lt1"/>
+    </dgm:fillClrLst>
+    <dgm:linClrLst meth="repeat">
+      <a:schemeClr val="accent1"/>
+    </dgm:linClrLst>
+    <dgm:effectClrLst/>
+    <dgm:txLinClrLst/>
+    <dgm:txFillClrLst meth="repeat">
+      <a:schemeClr val="dk1"/>
+    </dgm:txFillClrLst>
+    <dgm:txEffectClrLst/>
+  </dgm:styleLbl>
+  <dgm:styleLbl name="fgAccFollowNode1">
+    <dgm:fillClrLst meth="repeat">
+      <a:schemeClr val="accent1">
+        <a:alpha val="90000"/>
+        <a:tint val="40000"/>
+      </a:schemeClr>
+    </dgm:fillClrLst>
+    <dgm:linClrLst meth="repeat">
+      <a:schemeClr val="accent1">
+        <a:alpha val="90000"/>
+        <a:tint val="40000"/>
+      </a:schemeClr>
+    </dgm:linClrLst>
+    <dgm:effectClrLst/>
+    <dgm:txLinClrLst/>
+    <dgm:txFillClrLst meth="repeat">
+      <a:schemeClr val="dk1"/>
+    </dgm:txFillClrLst>
+    <dgm:txEffectClrLst/>
+  </dgm:styleLbl>
+  <dgm:styleLbl name="alignAccFollowNode1">
+    <dgm:fillClrLst meth="repeat">
+      <a:schemeClr val="accent1">
+        <a:alpha val="90000"/>
+        <a:tint val="40000"/>
+      </a:schemeClr>
+    </dgm:fillClrLst>
+    <dgm:linClrLst meth="repeat">
+      <a:schemeClr val="accent1">
+        <a:alpha val="90000"/>
+        <a:tint val="40000"/>
+      </a:schemeClr>
+    </dgm:linClrLst>
+    <dgm:effectClrLst/>
+    <dgm:txLinClrLst/>
+    <dgm:txFillClrLst meth="repeat">
+      <a:schemeClr val="dk1"/>
+    </dgm:txFillClrLst>
+    <dgm:txEffectClrLst/>
+  </dgm:styleLbl>
+  <dgm:styleLbl name="bgAccFollowNode1">
+    <dgm:fillClrLst meth="repeat">
+      <a:schemeClr val="accent1">
+        <a:alpha val="90000"/>
+        <a:tint val="40000"/>
+      </a:schemeClr>
+    </dgm:fillClrLst>
+    <dgm:linClrLst meth="repeat">
+      <a:schemeClr val="accent1">
+        <a:alpha val="90000"/>
+        <a:tint val="40000"/>
+      </a:schemeClr>
+    </dgm:linClrLst>
+    <dgm:effectClrLst/>
+    <dgm:txLinClrLst/>
+    <dgm:txFillClrLst meth="repeat">
+      <a:schemeClr val="dk1"/>
+    </dgm:txFillClrLst>
+    <dgm:txEffectClrLst/>
+  </dgm:styleLbl>
+  <dgm:styleLbl name="fgAcc0">
+    <dgm:fillClrLst meth="repeat">
+      <a:schemeClr val="lt1">
+        <a:alpha val="90000"/>
+      </a:schemeClr>
+    </dgm:fillClrLst>
+    <dgm:linClrLst meth="repeat">
+      <a:schemeClr val="accent1"/>
+    </dgm:linClrLst>
+    <dgm:effectClrLst/>
+    <dgm:txLinClrLst/>
+    <dgm:txFillClrLst meth="repeat">
+      <a:schemeClr val="dk1"/>
+    </dgm:txFillClrLst>
+    <dgm:txEffectClrLst/>
+  </dgm:styleLbl>
+  <dgm:styleLbl name="fgAcc2">
+    <dgm:fillClrLst meth="repeat">
+      <a:schemeClr val="lt1">
+        <a:alpha val="90000"/>
+      </a:schemeClr>
+    </dgm:fillClrLst>
+    <dgm:linClrLst meth="repeat">
+      <a:schemeClr val="accent1"/>
+    </dgm:linClrLst>
+    <dgm:effectClrLst/>
+    <dgm:txLinClrLst/>
+    <dgm:txFillClrLst meth="repeat">
+      <a:schemeClr val="dk1"/>
+    </dgm:txFillClrLst>
+    <dgm:txEffectClrLst/>
+  </dgm:styleLbl>
+  <dgm:styleLbl name="fgAcc3">
+    <dgm:fillClrLst meth="repeat">
+      <a:schemeClr val="lt1">
+        <a:alpha val="90000"/>
+      </a:schemeClr>
+    </dgm:fillClrLst>
+    <dgm:linClrLst meth="repeat">
+      <a:schemeClr val="accent1"/>
+    </dgm:linClrLst>
+    <dgm:effectClrLst/>
+    <dgm:txLinClrLst/>
+    <dgm:txFillClrLst meth="repeat">
+      <a:schemeClr val="dk1"/>
+    </dgm:txFillClrLst>
+    <dgm:txEffectClrLst/>
+  </dgm:styleLbl>
+  <dgm:styleLbl name="fgAcc4">
+    <dgm:fillClrLst meth="repeat">
+      <a:schemeClr val="lt1">
+        <a:alpha val="90000"/>
+      </a:schemeClr>
+    </dgm:fillClrLst>
+    <dgm:linClrLst meth="repeat">
+      <a:schemeClr val="accent1"/>
+    </dgm:linClrLst>
+    <dgm:effectClrLst/>
+    <dgm:txLinClrLst/>
+    <dgm:txFillClrLst meth="repeat">
+      <a:schemeClr val="dk1"/>
+    </dgm:txFillClrLst>
+    <dgm:txEffectClrLst/>
+  </dgm:styleLbl>
+  <dgm:styleLbl name="bgShp">
+    <dgm:fillClrLst meth="repeat">
+      <a:schemeClr val="accent1">
+        <a:tint val="40000"/>
+      </a:schemeClr>
+    </dgm:fillClrLst>
+    <dgm:linClrLst meth="repeat">
+      <a:schemeClr val="accent1"/>
+    </dgm:linClrLst>
+    <dgm:effectClrLst/>
+    <dgm:txLinClrLst/>
+    <dgm:txFillClrLst meth="repeat">
+      <a:schemeClr val="dk1"/>
+    </dgm:txFillClrLst>
+    <dgm:txEffectClrLst/>
+  </dgm:styleLbl>
+  <dgm:styleLbl name="dkBgShp">
+    <dgm:fillClrLst meth="repeat">
+      <a:schemeClr val="accent1">
+        <a:shade val="80000"/>
+      </a:schemeClr>
+    </dgm:fillClrLst>
+    <dgm:linClrLst meth="repeat">
+      <a:schemeClr val="accent1"/>
+    </dgm:linClrLst>
+    <dgm:effectClrLst/>
+    <dgm:txLinClrLst/>
+    <dgm:txFillClrLst meth="repeat">
+      <a:schemeClr val="lt1"/>
+    </dgm:txFillClrLst>
+    <dgm:txEffectClrLst/>
+  </dgm:styleLbl>
+  <dgm:styleLbl name="trBgShp">
+    <dgm:fillClrLst meth="repeat">
+      <a:schemeClr val="accent1">
+        <a:tint val="50000"/>
+        <a:alpha val="40000"/>
+      </a:schemeClr>
+    </dgm:fillClrLst>
+    <dgm:linClrLst meth="repeat">
+      <a:schemeClr val="accent1"/>
+    </dgm:linClrLst>
+    <dgm:effectClrLst/>
+    <dgm:txLinClrLst/>
+    <dgm:txFillClrLst meth="repeat">
+      <a:schemeClr val="lt1"/>
+    </dgm:txFillClrLst>
+    <dgm:txEffectClrLst/>
+  </dgm:styleLbl>
+  <dgm:styleLbl name="fgShp">
+    <dgm:fillClrLst meth="repeat">
+      <a:schemeClr val="accent1">
+        <a:tint val="60000"/>
       </a:schemeClr>
     </dgm:fillClrLst>
     <dgm:linClrLst meth="repeat">
@@ -2487,6 +3237,197 @@
   <dgm:extLst>
     <a:ext uri="http://schemas.microsoft.com/office/drawing/2008/diagram">
       <dsp:dataModelExt xmlns:dsp="http://schemas.microsoft.com/office/drawing/2008/diagram" relId="rId7" minVer="http://schemas.openxmlformats.org/drawingml/2006/diagram"/>
+    </a:ext>
+  </dgm:extLst>
+</dgm:dataModel>
+</file>
+
+<file path=ppt/diagrams/data2.xml><?xml version="1.0" encoding="utf-8"?>
+<dgm:dataModel xmlns:dgm="http://schemas.openxmlformats.org/drawingml/2006/diagram" xmlns:a="http://schemas.openxmlformats.org/drawingml/2006/main">
+  <dgm:ptLst>
+    <dgm:pt modelId="{02D2441D-667D-425D-8E12-B649C6C2CB6C}" type="doc">
+      <dgm:prSet loTypeId="urn:microsoft.com/office/officeart/2005/8/layout/vList2" loCatId="list" qsTypeId="urn:microsoft.com/office/officeart/2005/8/quickstyle/simple1" qsCatId="simple" csTypeId="urn:microsoft.com/office/officeart/2005/8/colors/accent1_2" csCatId="accent1"/>
+      <dgm:spPr/>
+      <dgm:t>
+        <a:bodyPr/>
+        <a:lstStyle/>
+        <a:p>
+          <a:endParaRPr lang="en-US"/>
+        </a:p>
+      </dgm:t>
+    </dgm:pt>
+    <dgm:pt modelId="{90EF9659-31C4-44E5-94A5-C095040BBB78}">
+      <dgm:prSet/>
+      <dgm:spPr/>
+      <dgm:t>
+        <a:bodyPr/>
+        <a:lstStyle/>
+        <a:p>
+          <a:r>
+            <a:rPr lang="en-US"/>
+            <a:t>A broad category of computing devices located at the periphery of a network</a:t>
+          </a:r>
+        </a:p>
+      </dgm:t>
+    </dgm:pt>
+    <dgm:pt modelId="{BC7C5CB8-80AC-4F33-AB89-5C4E21209024}" type="parTrans" cxnId="{72C81D18-BBCE-4779-B470-EE188702EEE6}">
+      <dgm:prSet/>
+      <dgm:spPr/>
+      <dgm:t>
+        <a:bodyPr/>
+        <a:lstStyle/>
+        <a:p>
+          <a:endParaRPr lang="en-US"/>
+        </a:p>
+      </dgm:t>
+    </dgm:pt>
+    <dgm:pt modelId="{7EEBCA72-9A62-41EA-80F8-9726A84A69F5}" type="sibTrans" cxnId="{72C81D18-BBCE-4779-B470-EE188702EEE6}">
+      <dgm:prSet/>
+      <dgm:spPr/>
+      <dgm:t>
+        <a:bodyPr/>
+        <a:lstStyle/>
+        <a:p>
+          <a:endParaRPr lang="en-US"/>
+        </a:p>
+      </dgm:t>
+    </dgm:pt>
+    <dgm:pt modelId="{C78A5E90-57C2-4CDF-BEF0-0AF056957858}">
+      <dgm:prSet/>
+      <dgm:spPr/>
+      <dgm:t>
+        <a:bodyPr/>
+        <a:lstStyle/>
+        <a:p>
+          <a:r>
+            <a:rPr lang="en-US"/>
+            <a:t>Generally closest to data collection/generation points</a:t>
+          </a:r>
+        </a:p>
+      </dgm:t>
+    </dgm:pt>
+    <dgm:pt modelId="{5254C531-9A00-4A38-A8DA-142B6E13CA24}" type="parTrans" cxnId="{B22D8AFB-08D4-4D5C-8EE7-97E847C43E35}">
+      <dgm:prSet/>
+      <dgm:spPr/>
+      <dgm:t>
+        <a:bodyPr/>
+        <a:lstStyle/>
+        <a:p>
+          <a:endParaRPr lang="en-US"/>
+        </a:p>
+      </dgm:t>
+    </dgm:pt>
+    <dgm:pt modelId="{2D654CFA-9B8D-4BA8-B773-949C43C7C96C}" type="sibTrans" cxnId="{B22D8AFB-08D4-4D5C-8EE7-97E847C43E35}">
+      <dgm:prSet/>
+      <dgm:spPr/>
+      <dgm:t>
+        <a:bodyPr/>
+        <a:lstStyle/>
+        <a:p>
+          <a:endParaRPr lang="en-US"/>
+        </a:p>
+      </dgm:t>
+    </dgm:pt>
+    <dgm:pt modelId="{94477934-CFB4-4564-A4F7-F1A620FE7537}">
+      <dgm:prSet/>
+      <dgm:spPr/>
+      <dgm:t>
+        <a:bodyPr/>
+        <a:lstStyle/>
+        <a:p>
+          <a:r>
+            <a:rPr lang="en-US"/>
+            <a:t>e.g. edge servers, personal computers, IoT devices, mobile devices</a:t>
+          </a:r>
+        </a:p>
+      </dgm:t>
+    </dgm:pt>
+    <dgm:pt modelId="{84B6881C-9D4A-45C2-879F-EE196D044270}" type="parTrans" cxnId="{B8839BF1-A35D-4E38-A0E9-4D212C0157C6}">
+      <dgm:prSet/>
+      <dgm:spPr/>
+      <dgm:t>
+        <a:bodyPr/>
+        <a:lstStyle/>
+        <a:p>
+          <a:endParaRPr lang="en-US"/>
+        </a:p>
+      </dgm:t>
+    </dgm:pt>
+    <dgm:pt modelId="{56904362-E181-4056-BA3A-E9B8F6C7CED7}" type="sibTrans" cxnId="{B8839BF1-A35D-4E38-A0E9-4D212C0157C6}">
+      <dgm:prSet/>
+      <dgm:spPr/>
+      <dgm:t>
+        <a:bodyPr/>
+        <a:lstStyle/>
+        <a:p>
+          <a:endParaRPr lang="en-US"/>
+        </a:p>
+      </dgm:t>
+    </dgm:pt>
+    <dgm:pt modelId="{BD98A870-488D-4A7C-B6F4-EB5F59267C48}" type="pres">
+      <dgm:prSet presAssocID="{02D2441D-667D-425D-8E12-B649C6C2CB6C}" presName="linear" presStyleCnt="0">
+        <dgm:presLayoutVars>
+          <dgm:animLvl val="lvl"/>
+          <dgm:resizeHandles val="exact"/>
+        </dgm:presLayoutVars>
+      </dgm:prSet>
+      <dgm:spPr/>
+    </dgm:pt>
+    <dgm:pt modelId="{20894E1F-9A46-465E-B199-A0875F347505}" type="pres">
+      <dgm:prSet presAssocID="{90EF9659-31C4-44E5-94A5-C095040BBB78}" presName="parentText" presStyleLbl="node1" presStyleIdx="0" presStyleCnt="3">
+        <dgm:presLayoutVars>
+          <dgm:chMax val="0"/>
+          <dgm:bulletEnabled val="1"/>
+        </dgm:presLayoutVars>
+      </dgm:prSet>
+      <dgm:spPr/>
+    </dgm:pt>
+    <dgm:pt modelId="{00D1FB07-1943-4CB1-BDAC-F348D3F436A5}" type="pres">
+      <dgm:prSet presAssocID="{7EEBCA72-9A62-41EA-80F8-9726A84A69F5}" presName="spacer" presStyleCnt="0"/>
+      <dgm:spPr/>
+    </dgm:pt>
+    <dgm:pt modelId="{FB0CC16A-E557-48B8-87A7-4471450EE504}" type="pres">
+      <dgm:prSet presAssocID="{C78A5E90-57C2-4CDF-BEF0-0AF056957858}" presName="parentText" presStyleLbl="node1" presStyleIdx="1" presStyleCnt="3">
+        <dgm:presLayoutVars>
+          <dgm:chMax val="0"/>
+          <dgm:bulletEnabled val="1"/>
+        </dgm:presLayoutVars>
+      </dgm:prSet>
+      <dgm:spPr/>
+    </dgm:pt>
+    <dgm:pt modelId="{D106DA31-EC66-488D-A511-AB6FA5CB8449}" type="pres">
+      <dgm:prSet presAssocID="{2D654CFA-9B8D-4BA8-B773-949C43C7C96C}" presName="spacer" presStyleCnt="0"/>
+      <dgm:spPr/>
+    </dgm:pt>
+    <dgm:pt modelId="{4EE8E839-A7C1-4D47-B302-B204DB8FDFE0}" type="pres">
+      <dgm:prSet presAssocID="{94477934-CFB4-4564-A4F7-F1A620FE7537}" presName="parentText" presStyleLbl="node1" presStyleIdx="2" presStyleCnt="3">
+        <dgm:presLayoutVars>
+          <dgm:chMax val="0"/>
+          <dgm:bulletEnabled val="1"/>
+        </dgm:presLayoutVars>
+      </dgm:prSet>
+      <dgm:spPr/>
+    </dgm:pt>
+  </dgm:ptLst>
+  <dgm:cxnLst>
+    <dgm:cxn modelId="{72C81D18-BBCE-4779-B470-EE188702EEE6}" srcId="{02D2441D-667D-425D-8E12-B649C6C2CB6C}" destId="{90EF9659-31C4-44E5-94A5-C095040BBB78}" srcOrd="0" destOrd="0" parTransId="{BC7C5CB8-80AC-4F33-AB89-5C4E21209024}" sibTransId="{7EEBCA72-9A62-41EA-80F8-9726A84A69F5}"/>
+    <dgm:cxn modelId="{D10C5A2C-91C6-43C8-93A5-DF0A6E81C4DF}" type="presOf" srcId="{02D2441D-667D-425D-8E12-B649C6C2CB6C}" destId="{BD98A870-488D-4A7C-B6F4-EB5F59267C48}" srcOrd="0" destOrd="0" presId="urn:microsoft.com/office/officeart/2005/8/layout/vList2"/>
+    <dgm:cxn modelId="{9FFC9855-DFCA-4C4A-A8B2-51F504E6D6D4}" type="presOf" srcId="{C78A5E90-57C2-4CDF-BEF0-0AF056957858}" destId="{FB0CC16A-E557-48B8-87A7-4471450EE504}" srcOrd="0" destOrd="0" presId="urn:microsoft.com/office/officeart/2005/8/layout/vList2"/>
+    <dgm:cxn modelId="{82ED448E-5514-45C7-A536-4B951964CA9C}" type="presOf" srcId="{94477934-CFB4-4564-A4F7-F1A620FE7537}" destId="{4EE8E839-A7C1-4D47-B302-B204DB8FDFE0}" srcOrd="0" destOrd="0" presId="urn:microsoft.com/office/officeart/2005/8/layout/vList2"/>
+    <dgm:cxn modelId="{8107DCAA-608D-41BA-BF89-F11A7226AF10}" type="presOf" srcId="{90EF9659-31C4-44E5-94A5-C095040BBB78}" destId="{20894E1F-9A46-465E-B199-A0875F347505}" srcOrd="0" destOrd="0" presId="urn:microsoft.com/office/officeart/2005/8/layout/vList2"/>
+    <dgm:cxn modelId="{B8839BF1-A35D-4E38-A0E9-4D212C0157C6}" srcId="{02D2441D-667D-425D-8E12-B649C6C2CB6C}" destId="{94477934-CFB4-4564-A4F7-F1A620FE7537}" srcOrd="2" destOrd="0" parTransId="{84B6881C-9D4A-45C2-879F-EE196D044270}" sibTransId="{56904362-E181-4056-BA3A-E9B8F6C7CED7}"/>
+    <dgm:cxn modelId="{B22D8AFB-08D4-4D5C-8EE7-97E847C43E35}" srcId="{02D2441D-667D-425D-8E12-B649C6C2CB6C}" destId="{C78A5E90-57C2-4CDF-BEF0-0AF056957858}" srcOrd="1" destOrd="0" parTransId="{5254C531-9A00-4A38-A8DA-142B6E13CA24}" sibTransId="{2D654CFA-9B8D-4BA8-B773-949C43C7C96C}"/>
+    <dgm:cxn modelId="{6761A6D4-878B-413E-902D-999544D3947F}" type="presParOf" srcId="{BD98A870-488D-4A7C-B6F4-EB5F59267C48}" destId="{20894E1F-9A46-465E-B199-A0875F347505}" srcOrd="0" destOrd="0" presId="urn:microsoft.com/office/officeart/2005/8/layout/vList2"/>
+    <dgm:cxn modelId="{67FAC103-44BC-443C-92A4-FBE1C030CD86}" type="presParOf" srcId="{BD98A870-488D-4A7C-B6F4-EB5F59267C48}" destId="{00D1FB07-1943-4CB1-BDAC-F348D3F436A5}" srcOrd="1" destOrd="0" presId="urn:microsoft.com/office/officeart/2005/8/layout/vList2"/>
+    <dgm:cxn modelId="{4D40C5BF-3341-4DE2-89F7-0317178CD56B}" type="presParOf" srcId="{BD98A870-488D-4A7C-B6F4-EB5F59267C48}" destId="{FB0CC16A-E557-48B8-87A7-4471450EE504}" srcOrd="2" destOrd="0" presId="urn:microsoft.com/office/officeart/2005/8/layout/vList2"/>
+    <dgm:cxn modelId="{E4466FFD-A881-42BE-8ED8-37BB0A90B20B}" type="presParOf" srcId="{BD98A870-488D-4A7C-B6F4-EB5F59267C48}" destId="{D106DA31-EC66-488D-A511-AB6FA5CB8449}" srcOrd="3" destOrd="0" presId="urn:microsoft.com/office/officeart/2005/8/layout/vList2"/>
+    <dgm:cxn modelId="{B9E2D46D-9658-4B84-BFA8-6DEDCB2A2A81}" type="presParOf" srcId="{BD98A870-488D-4A7C-B6F4-EB5F59267C48}" destId="{4EE8E839-A7C1-4D47-B302-B204DB8FDFE0}" srcOrd="4" destOrd="0" presId="urn:microsoft.com/office/officeart/2005/8/layout/vList2"/>
+  </dgm:cxnLst>
+  <dgm:bg/>
+  <dgm:whole/>
+  <dgm:extLst>
+    <a:ext uri="http://schemas.microsoft.com/office/drawing/2008/diagram">
+      <dsp:dataModelExt xmlns:dsp="http://schemas.microsoft.com/office/drawing/2008/diagram" relId="rId8" minVer="http://schemas.openxmlformats.org/drawingml/2006/diagram"/>
     </a:ext>
   </dgm:extLst>
 </dgm:dataModel>
@@ -4779,6 +5720,252 @@
 </dsp:drawing>
 </file>
 
+<file path=ppt/diagrams/drawing2.xml><?xml version="1.0" encoding="utf-8"?>
+<dsp:drawing xmlns:dgm="http://schemas.openxmlformats.org/drawingml/2006/diagram" xmlns:dsp="http://schemas.microsoft.com/office/drawing/2008/diagram" xmlns:a="http://schemas.openxmlformats.org/drawingml/2006/main">
+  <dsp:spTree>
+    <dsp:nvGrpSpPr>
+      <dsp:cNvPr id="0" name=""/>
+      <dsp:cNvGrpSpPr/>
+    </dsp:nvGrpSpPr>
+    <dsp:grpSpPr/>
+    <dsp:sp modelId="{20894E1F-9A46-465E-B199-A0875F347505}">
+      <dsp:nvSpPr>
+        <dsp:cNvPr id="0" name=""/>
+        <dsp:cNvSpPr/>
+      </dsp:nvSpPr>
+      <dsp:spPr>
+        <a:xfrm>
+          <a:off x="0" y="469530"/>
+          <a:ext cx="4905314" cy="835379"/>
+        </a:xfrm>
+        <a:prstGeom prst="roundRect">
+          <a:avLst/>
+        </a:prstGeom>
+        <a:solidFill>
+          <a:schemeClr val="accent1">
+            <a:hueOff val="0"/>
+            <a:satOff val="0"/>
+            <a:lumOff val="0"/>
+            <a:alphaOff val="0"/>
+          </a:schemeClr>
+        </a:solidFill>
+        <a:ln w="12700" cap="flat" cmpd="sng" algn="ctr">
+          <a:solidFill>
+            <a:schemeClr val="lt1">
+              <a:hueOff val="0"/>
+              <a:satOff val="0"/>
+              <a:lumOff val="0"/>
+              <a:alphaOff val="0"/>
+            </a:schemeClr>
+          </a:solidFill>
+          <a:prstDash val="solid"/>
+          <a:miter lim="800000"/>
+        </a:ln>
+        <a:effectLst/>
+      </dsp:spPr>
+      <dsp:style>
+        <a:lnRef idx="2">
+          <a:scrgbClr r="0" g="0" b="0"/>
+        </a:lnRef>
+        <a:fillRef idx="1">
+          <a:scrgbClr r="0" g="0" b="0"/>
+        </a:fillRef>
+        <a:effectRef idx="0">
+          <a:scrgbClr r="0" g="0" b="0"/>
+        </a:effectRef>
+        <a:fontRef idx="minor">
+          <a:schemeClr val="lt1"/>
+        </a:fontRef>
+      </dsp:style>
+      <dsp:txBody>
+        <a:bodyPr spcFirstLastPara="0" vert="horz" wrap="square" lIns="80010" tIns="80010" rIns="80010" bIns="80010" numCol="1" spcCol="1270" anchor="ctr" anchorCtr="0">
+          <a:noAutofit/>
+        </a:bodyPr>
+        <a:lstStyle/>
+        <a:p>
+          <a:pPr marL="0" lvl="0" indent="0" algn="l" defTabSz="933450">
+            <a:lnSpc>
+              <a:spcPct val="90000"/>
+            </a:lnSpc>
+            <a:spcBef>
+              <a:spcPct val="0"/>
+            </a:spcBef>
+            <a:spcAft>
+              <a:spcPct val="35000"/>
+            </a:spcAft>
+            <a:buNone/>
+          </a:pPr>
+          <a:r>
+            <a:rPr lang="en-US" sz="2100" kern="1200"/>
+            <a:t>A broad category of computing devices located at the periphery of a network</a:t>
+          </a:r>
+        </a:p>
+      </dsp:txBody>
+      <dsp:txXfrm>
+        <a:off x="40780" y="510310"/>
+        <a:ext cx="4823754" cy="753819"/>
+      </dsp:txXfrm>
+    </dsp:sp>
+    <dsp:sp modelId="{FB0CC16A-E557-48B8-87A7-4471450EE504}">
+      <dsp:nvSpPr>
+        <dsp:cNvPr id="0" name=""/>
+        <dsp:cNvSpPr/>
+      </dsp:nvSpPr>
+      <dsp:spPr>
+        <a:xfrm>
+          <a:off x="0" y="1365390"/>
+          <a:ext cx="4905314" cy="835379"/>
+        </a:xfrm>
+        <a:prstGeom prst="roundRect">
+          <a:avLst/>
+        </a:prstGeom>
+        <a:solidFill>
+          <a:schemeClr val="accent1">
+            <a:hueOff val="0"/>
+            <a:satOff val="0"/>
+            <a:lumOff val="0"/>
+            <a:alphaOff val="0"/>
+          </a:schemeClr>
+        </a:solidFill>
+        <a:ln w="12700" cap="flat" cmpd="sng" algn="ctr">
+          <a:solidFill>
+            <a:schemeClr val="lt1">
+              <a:hueOff val="0"/>
+              <a:satOff val="0"/>
+              <a:lumOff val="0"/>
+              <a:alphaOff val="0"/>
+            </a:schemeClr>
+          </a:solidFill>
+          <a:prstDash val="solid"/>
+          <a:miter lim="800000"/>
+        </a:ln>
+        <a:effectLst/>
+      </dsp:spPr>
+      <dsp:style>
+        <a:lnRef idx="2">
+          <a:scrgbClr r="0" g="0" b="0"/>
+        </a:lnRef>
+        <a:fillRef idx="1">
+          <a:scrgbClr r="0" g="0" b="0"/>
+        </a:fillRef>
+        <a:effectRef idx="0">
+          <a:scrgbClr r="0" g="0" b="0"/>
+        </a:effectRef>
+        <a:fontRef idx="minor">
+          <a:schemeClr val="lt1"/>
+        </a:fontRef>
+      </dsp:style>
+      <dsp:txBody>
+        <a:bodyPr spcFirstLastPara="0" vert="horz" wrap="square" lIns="80010" tIns="80010" rIns="80010" bIns="80010" numCol="1" spcCol="1270" anchor="ctr" anchorCtr="0">
+          <a:noAutofit/>
+        </a:bodyPr>
+        <a:lstStyle/>
+        <a:p>
+          <a:pPr marL="0" lvl="0" indent="0" algn="l" defTabSz="933450">
+            <a:lnSpc>
+              <a:spcPct val="90000"/>
+            </a:lnSpc>
+            <a:spcBef>
+              <a:spcPct val="0"/>
+            </a:spcBef>
+            <a:spcAft>
+              <a:spcPct val="35000"/>
+            </a:spcAft>
+            <a:buNone/>
+          </a:pPr>
+          <a:r>
+            <a:rPr lang="en-US" sz="2100" kern="1200"/>
+            <a:t>Generally closest to data collection/generation points</a:t>
+          </a:r>
+        </a:p>
+      </dsp:txBody>
+      <dsp:txXfrm>
+        <a:off x="40780" y="1406170"/>
+        <a:ext cx="4823754" cy="753819"/>
+      </dsp:txXfrm>
+    </dsp:sp>
+    <dsp:sp modelId="{4EE8E839-A7C1-4D47-B302-B204DB8FDFE0}">
+      <dsp:nvSpPr>
+        <dsp:cNvPr id="0" name=""/>
+        <dsp:cNvSpPr/>
+      </dsp:nvSpPr>
+      <dsp:spPr>
+        <a:xfrm>
+          <a:off x="0" y="2261250"/>
+          <a:ext cx="4905314" cy="835379"/>
+        </a:xfrm>
+        <a:prstGeom prst="roundRect">
+          <a:avLst/>
+        </a:prstGeom>
+        <a:solidFill>
+          <a:schemeClr val="accent1">
+            <a:hueOff val="0"/>
+            <a:satOff val="0"/>
+            <a:lumOff val="0"/>
+            <a:alphaOff val="0"/>
+          </a:schemeClr>
+        </a:solidFill>
+        <a:ln w="12700" cap="flat" cmpd="sng" algn="ctr">
+          <a:solidFill>
+            <a:schemeClr val="lt1">
+              <a:hueOff val="0"/>
+              <a:satOff val="0"/>
+              <a:lumOff val="0"/>
+              <a:alphaOff val="0"/>
+            </a:schemeClr>
+          </a:solidFill>
+          <a:prstDash val="solid"/>
+          <a:miter lim="800000"/>
+        </a:ln>
+        <a:effectLst/>
+      </dsp:spPr>
+      <dsp:style>
+        <a:lnRef idx="2">
+          <a:scrgbClr r="0" g="0" b="0"/>
+        </a:lnRef>
+        <a:fillRef idx="1">
+          <a:scrgbClr r="0" g="0" b="0"/>
+        </a:fillRef>
+        <a:effectRef idx="0">
+          <a:scrgbClr r="0" g="0" b="0"/>
+        </a:effectRef>
+        <a:fontRef idx="minor">
+          <a:schemeClr val="lt1"/>
+        </a:fontRef>
+      </dsp:style>
+      <dsp:txBody>
+        <a:bodyPr spcFirstLastPara="0" vert="horz" wrap="square" lIns="80010" tIns="80010" rIns="80010" bIns="80010" numCol="1" spcCol="1270" anchor="ctr" anchorCtr="0">
+          <a:noAutofit/>
+        </a:bodyPr>
+        <a:lstStyle/>
+        <a:p>
+          <a:pPr marL="0" lvl="0" indent="0" algn="l" defTabSz="933450">
+            <a:lnSpc>
+              <a:spcPct val="90000"/>
+            </a:lnSpc>
+            <a:spcBef>
+              <a:spcPct val="0"/>
+            </a:spcBef>
+            <a:spcAft>
+              <a:spcPct val="35000"/>
+            </a:spcAft>
+            <a:buNone/>
+          </a:pPr>
+          <a:r>
+            <a:rPr lang="en-US" sz="2100" kern="1200"/>
+            <a:t>e.g. edge servers, personal computers, IoT devices, mobile devices</a:t>
+          </a:r>
+        </a:p>
+      </dsp:txBody>
+      <dsp:txXfrm>
+        <a:off x="40780" y="2302030"/>
+        <a:ext cx="4823754" cy="753819"/>
+      </dsp:txXfrm>
+    </dsp:sp>
+  </dsp:spTree>
+</dsp:drawing>
+</file>
+
 <file path=ppt/diagrams/layout1.xml><?xml version="1.0" encoding="utf-8"?>
 <dgm:layoutDef xmlns:dgm="http://schemas.openxmlformats.org/drawingml/2006/diagram" xmlns:a="http://schemas.openxmlformats.org/drawingml/2006/main" uniqueId="urn:microsoft.com/office/officeart/2005/8/layout/orgChart1">
   <dgm:title val=""/>
@@ -5925,7 +7112,1208 @@
 </dgm:layoutDef>
 </file>
 
+<file path=ppt/diagrams/layout2.xml><?xml version="1.0" encoding="utf-8"?>
+<dgm:layoutDef xmlns:dgm="http://schemas.openxmlformats.org/drawingml/2006/diagram" xmlns:a="http://schemas.openxmlformats.org/drawingml/2006/main" uniqueId="urn:microsoft.com/office/officeart/2005/8/layout/vList2">
+  <dgm:title val=""/>
+  <dgm:desc val=""/>
+  <dgm:catLst>
+    <dgm:cat type="list" pri="3000"/>
+    <dgm:cat type="convert" pri="1000"/>
+  </dgm:catLst>
+  <dgm:sampData>
+    <dgm:dataModel>
+      <dgm:ptLst>
+        <dgm:pt modelId="0" type="doc"/>
+        <dgm:pt modelId="1">
+          <dgm:prSet phldr="1"/>
+        </dgm:pt>
+        <dgm:pt modelId="11">
+          <dgm:prSet phldr="1"/>
+        </dgm:pt>
+        <dgm:pt modelId="2">
+          <dgm:prSet phldr="1"/>
+        </dgm:pt>
+        <dgm:pt modelId="21">
+          <dgm:prSet phldr="1"/>
+        </dgm:pt>
+      </dgm:ptLst>
+      <dgm:cxnLst>
+        <dgm:cxn modelId="4" srcId="0" destId="1" srcOrd="0" destOrd="0"/>
+        <dgm:cxn modelId="5" srcId="0" destId="2" srcOrd="1" destOrd="0"/>
+        <dgm:cxn modelId="12" srcId="1" destId="11" srcOrd="0" destOrd="0"/>
+        <dgm:cxn modelId="23" srcId="2" destId="21" srcOrd="0" destOrd="0"/>
+      </dgm:cxnLst>
+      <dgm:bg/>
+      <dgm:whole/>
+    </dgm:dataModel>
+  </dgm:sampData>
+  <dgm:styleData>
+    <dgm:dataModel>
+      <dgm:ptLst>
+        <dgm:pt modelId="0" type="doc"/>
+        <dgm:pt modelId="1"/>
+        <dgm:pt modelId="2"/>
+      </dgm:ptLst>
+      <dgm:cxnLst>
+        <dgm:cxn modelId="3" srcId="0" destId="1" srcOrd="0" destOrd="0"/>
+        <dgm:cxn modelId="4" srcId="0" destId="2" srcOrd="1" destOrd="0"/>
+      </dgm:cxnLst>
+      <dgm:bg/>
+      <dgm:whole/>
+    </dgm:dataModel>
+  </dgm:styleData>
+  <dgm:clrData>
+    <dgm:dataModel>
+      <dgm:ptLst>
+        <dgm:pt modelId="0" type="doc"/>
+        <dgm:pt modelId="1"/>
+        <dgm:pt modelId="2"/>
+        <dgm:pt modelId="3"/>
+        <dgm:pt modelId="4"/>
+      </dgm:ptLst>
+      <dgm:cxnLst>
+        <dgm:cxn modelId="5" srcId="0" destId="1" srcOrd="0" destOrd="0"/>
+        <dgm:cxn modelId="6" srcId="0" destId="2" srcOrd="1" destOrd="0"/>
+        <dgm:cxn modelId="7" srcId="0" destId="3" srcOrd="2" destOrd="0"/>
+        <dgm:cxn modelId="8" srcId="0" destId="4" srcOrd="3" destOrd="0"/>
+      </dgm:cxnLst>
+      <dgm:bg/>
+      <dgm:whole/>
+    </dgm:dataModel>
+  </dgm:clrData>
+  <dgm:layoutNode name="linear">
+    <dgm:varLst>
+      <dgm:animLvl val="lvl"/>
+      <dgm:resizeHandles val="exact"/>
+    </dgm:varLst>
+    <dgm:alg type="lin">
+      <dgm:param type="linDir" val="fromT"/>
+      <dgm:param type="vertAlign" val="mid"/>
+    </dgm:alg>
+    <dgm:shape xmlns:r="http://schemas.openxmlformats.org/officeDocument/2006/relationships" r:blip="">
+      <dgm:adjLst/>
+    </dgm:shape>
+    <dgm:presOf/>
+    <dgm:constrLst>
+      <dgm:constr type="w" for="ch" forName="parentText" refType="w"/>
+      <dgm:constr type="h" for="ch" forName="parentText" refType="primFontSz" refFor="ch" refForName="parentText" fact="0.52"/>
+      <dgm:constr type="w" for="ch" forName="childText" refType="w"/>
+      <dgm:constr type="h" for="ch" forName="childText" refType="primFontSz" refFor="ch" refForName="parentText" fact="0.46"/>
+      <dgm:constr type="h" for="ch" forName="parentText" op="equ"/>
+      <dgm:constr type="primFontSz" for="ch" forName="parentText" op="equ" val="65"/>
+      <dgm:constr type="primFontSz" for="ch" forName="childText" refType="primFontSz" refFor="ch" refForName="parentText" op="equ"/>
+      <dgm:constr type="h" for="ch" forName="spacer" refType="primFontSz" refFor="ch" refForName="parentText" fact="0.08"/>
+    </dgm:constrLst>
+    <dgm:ruleLst>
+      <dgm:rule type="primFontSz" for="ch" forName="parentText" val="5" fact="NaN" max="NaN"/>
+    </dgm:ruleLst>
+    <dgm:forEach name="Name0" axis="ch" ptType="node">
+      <dgm:layoutNode name="parentText" styleLbl="node1">
+        <dgm:varLst>
+          <dgm:chMax val="0"/>
+          <dgm:bulletEnabled val="1"/>
+        </dgm:varLst>
+        <dgm:alg type="tx">
+          <dgm:param type="parTxLTRAlign" val="l"/>
+          <dgm:param type="parTxRTLAlign" val="r"/>
+        </dgm:alg>
+        <dgm:shape xmlns:r="http://schemas.openxmlformats.org/officeDocument/2006/relationships" type="roundRect" r:blip="">
+          <dgm:adjLst/>
+        </dgm:shape>
+        <dgm:presOf axis="self"/>
+        <dgm:constrLst>
+          <dgm:constr type="tMarg" refType="primFontSz" fact="0.3"/>
+          <dgm:constr type="bMarg" refType="primFontSz" fact="0.3"/>
+          <dgm:constr type="lMarg" refType="primFontSz" fact="0.3"/>
+          <dgm:constr type="rMarg" refType="primFontSz" fact="0.3"/>
+        </dgm:constrLst>
+        <dgm:ruleLst>
+          <dgm:rule type="h" val="INF" fact="NaN" max="NaN"/>
+        </dgm:ruleLst>
+      </dgm:layoutNode>
+      <dgm:choose name="Name1">
+        <dgm:if name="Name2" axis="ch" ptType="node" func="cnt" op="gte" val="1">
+          <dgm:layoutNode name="childText" styleLbl="revTx">
+            <dgm:varLst>
+              <dgm:bulletEnabled val="1"/>
+            </dgm:varLst>
+            <dgm:alg type="tx">
+              <dgm:param type="stBulletLvl" val="1"/>
+              <dgm:param type="lnSpAfChP" val="20"/>
+            </dgm:alg>
+            <dgm:shape xmlns:r="http://schemas.openxmlformats.org/officeDocument/2006/relationships" type="rect" r:blip="">
+              <dgm:adjLst/>
+            </dgm:shape>
+            <dgm:presOf axis="des" ptType="node"/>
+            <dgm:constrLst>
+              <dgm:constr type="tMarg" refType="primFontSz" fact="0.1"/>
+              <dgm:constr type="bMarg" refType="primFontSz" fact="0.1"/>
+              <dgm:constr type="lMarg" refType="w" fact="0.09"/>
+            </dgm:constrLst>
+            <dgm:ruleLst>
+              <dgm:rule type="h" val="INF" fact="NaN" max="NaN"/>
+            </dgm:ruleLst>
+          </dgm:layoutNode>
+        </dgm:if>
+        <dgm:else name="Name3">
+          <dgm:choose name="Name4">
+            <dgm:if name="Name5" axis="par ch" ptType="doc node" func="cnt" op="gte" val="2">
+              <dgm:forEach name="Name6" axis="followSib" ptType="sibTrans" cnt="1">
+                <dgm:layoutNode name="spacer">
+                  <dgm:alg type="sp"/>
+                  <dgm:shape xmlns:r="http://schemas.openxmlformats.org/officeDocument/2006/relationships" r:blip="">
+                    <dgm:adjLst/>
+                  </dgm:shape>
+                  <dgm:presOf/>
+                  <dgm:constrLst/>
+                  <dgm:ruleLst/>
+                </dgm:layoutNode>
+              </dgm:forEach>
+            </dgm:if>
+            <dgm:else name="Name7"/>
+          </dgm:choose>
+        </dgm:else>
+      </dgm:choose>
+    </dgm:forEach>
+  </dgm:layoutNode>
+</dgm:layoutDef>
+</file>
+
 <file path=ppt/diagrams/quickStyle1.xml><?xml version="1.0" encoding="utf-8"?>
+<dgm:styleDef xmlns:dgm="http://schemas.openxmlformats.org/drawingml/2006/diagram" xmlns:a="http://schemas.openxmlformats.org/drawingml/2006/main" uniqueId="urn:microsoft.com/office/officeart/2005/8/quickstyle/simple1">
+  <dgm:title val=""/>
+  <dgm:desc val=""/>
+  <dgm:catLst>
+    <dgm:cat type="simple" pri="10100"/>
+  </dgm:catLst>
+  <dgm:scene3d>
+    <a:camera prst="orthographicFront"/>
+    <a:lightRig rig="threePt" dir="t"/>
+  </dgm:scene3d>
+  <dgm:styleLbl name="node0">
+    <dgm:scene3d>
+      <a:camera prst="orthographicFront"/>
+      <a:lightRig rig="threePt" dir="t"/>
+    </dgm:scene3d>
+    <dgm:sp3d/>
+    <dgm:txPr/>
+    <dgm:style>
+      <a:lnRef idx="2">
+        <a:scrgbClr r="0" g="0" b="0"/>
+      </a:lnRef>
+      <a:fillRef idx="1">
+        <a:scrgbClr r="0" g="0" b="0"/>
+      </a:fillRef>
+      <a:effectRef idx="0">
+        <a:scrgbClr r="0" g="0" b="0"/>
+      </a:effectRef>
+      <a:fontRef idx="minor">
+        <a:schemeClr val="lt1"/>
+      </a:fontRef>
+    </dgm:style>
+  </dgm:styleLbl>
+  <dgm:styleLbl name="lnNode1">
+    <dgm:scene3d>
+      <a:camera prst="orthographicFront"/>
+      <a:lightRig rig="threePt" dir="t"/>
+    </dgm:scene3d>
+    <dgm:sp3d/>
+    <dgm:txPr/>
+    <dgm:style>
+      <a:lnRef idx="2">
+        <a:scrgbClr r="0" g="0" b="0"/>
+      </a:lnRef>
+      <a:fillRef idx="1">
+        <a:scrgbClr r="0" g="0" b="0"/>
+      </a:fillRef>
+      <a:effectRef idx="0">
+        <a:scrgbClr r="0" g="0" b="0"/>
+      </a:effectRef>
+      <a:fontRef idx="minor">
+        <a:schemeClr val="lt1"/>
+      </a:fontRef>
+    </dgm:style>
+  </dgm:styleLbl>
+  <dgm:styleLbl name="vennNode1">
+    <dgm:scene3d>
+      <a:camera prst="orthographicFront"/>
+      <a:lightRig rig="threePt" dir="t"/>
+    </dgm:scene3d>
+    <dgm:sp3d/>
+    <dgm:txPr/>
+    <dgm:style>
+      <a:lnRef idx="2">
+        <a:scrgbClr r="0" g="0" b="0"/>
+      </a:lnRef>
+      <a:fillRef idx="1">
+        <a:scrgbClr r="0" g="0" b="0"/>
+      </a:fillRef>
+      <a:effectRef idx="0">
+        <a:scrgbClr r="0" g="0" b="0"/>
+      </a:effectRef>
+      <a:fontRef idx="minor">
+        <a:schemeClr val="tx1"/>
+      </a:fontRef>
+    </dgm:style>
+  </dgm:styleLbl>
+  <dgm:styleLbl name="alignNode1">
+    <dgm:scene3d>
+      <a:camera prst="orthographicFront"/>
+      <a:lightRig rig="threePt" dir="t"/>
+    </dgm:scene3d>
+    <dgm:sp3d/>
+    <dgm:txPr/>
+    <dgm:style>
+      <a:lnRef idx="2">
+        <a:scrgbClr r="0" g="0" b="0"/>
+      </a:lnRef>
+      <a:fillRef idx="1">
+        <a:scrgbClr r="0" g="0" b="0"/>
+      </a:fillRef>
+      <a:effectRef idx="0">
+        <a:scrgbClr r="0" g="0" b="0"/>
+      </a:effectRef>
+      <a:fontRef idx="minor">
+        <a:schemeClr val="lt1"/>
+      </a:fontRef>
+    </dgm:style>
+  </dgm:styleLbl>
+  <dgm:styleLbl name="node1">
+    <dgm:scene3d>
+      <a:camera prst="orthographicFront"/>
+      <a:lightRig rig="threePt" dir="t"/>
+    </dgm:scene3d>
+    <dgm:sp3d/>
+    <dgm:txPr/>
+    <dgm:style>
+      <a:lnRef idx="2">
+        <a:scrgbClr r="0" g="0" b="0"/>
+      </a:lnRef>
+      <a:fillRef idx="1">
+        <a:scrgbClr r="0" g="0" b="0"/>
+      </a:fillRef>
+      <a:effectRef idx="0">
+        <a:scrgbClr r="0" g="0" b="0"/>
+      </a:effectRef>
+      <a:fontRef idx="minor">
+        <a:schemeClr val="lt1"/>
+      </a:fontRef>
+    </dgm:style>
+  </dgm:styleLbl>
+  <dgm:styleLbl name="node2">
+    <dgm:scene3d>
+      <a:camera prst="orthographicFront"/>
+      <a:lightRig rig="threePt" dir="t"/>
+    </dgm:scene3d>
+    <dgm:sp3d/>
+    <dgm:txPr/>
+    <dgm:style>
+      <a:lnRef idx="2">
+        <a:scrgbClr r="0" g="0" b="0"/>
+      </a:lnRef>
+      <a:fillRef idx="1">
+        <a:scrgbClr r="0" g="0" b="0"/>
+      </a:fillRef>
+      <a:effectRef idx="0">
+        <a:scrgbClr r="0" g="0" b="0"/>
+      </a:effectRef>
+      <a:fontRef idx="minor">
+        <a:schemeClr val="lt1"/>
+      </a:fontRef>
+    </dgm:style>
+  </dgm:styleLbl>
+  <dgm:styleLbl name="node3">
+    <dgm:scene3d>
+      <a:camera prst="orthographicFront"/>
+      <a:lightRig rig="threePt" dir="t"/>
+    </dgm:scene3d>
+    <dgm:sp3d/>
+    <dgm:txPr/>
+    <dgm:style>
+      <a:lnRef idx="2">
+        <a:scrgbClr r="0" g="0" b="0"/>
+      </a:lnRef>
+      <a:fillRef idx="1">
+        <a:scrgbClr r="0" g="0" b="0"/>
+      </a:fillRef>
+      <a:effectRef idx="0">
+        <a:scrgbClr r="0" g="0" b="0"/>
+      </a:effectRef>
+      <a:fontRef idx="minor">
+        <a:schemeClr val="lt1"/>
+      </a:fontRef>
+    </dgm:style>
+  </dgm:styleLbl>
+  <dgm:styleLbl name="node4">
+    <dgm:scene3d>
+      <a:camera prst="orthographicFront"/>
+      <a:lightRig rig="threePt" dir="t"/>
+    </dgm:scene3d>
+    <dgm:sp3d/>
+    <dgm:txPr/>
+    <dgm:style>
+      <a:lnRef idx="2">
+        <a:scrgbClr r="0" g="0" b="0"/>
+      </a:lnRef>
+      <a:fillRef idx="1">
+        <a:scrgbClr r="0" g="0" b="0"/>
+      </a:fillRef>
+      <a:effectRef idx="0">
+        <a:scrgbClr r="0" g="0" b="0"/>
+      </a:effectRef>
+      <a:fontRef idx="minor">
+        <a:schemeClr val="lt1"/>
+      </a:fontRef>
+    </dgm:style>
+  </dgm:styleLbl>
+  <dgm:styleLbl name="fgImgPlace1">
+    <dgm:scene3d>
+      <a:camera prst="orthographicFront"/>
+      <a:lightRig rig="threePt" dir="t"/>
+    </dgm:scene3d>
+    <dgm:sp3d/>
+    <dgm:txPr/>
+    <dgm:style>
+      <a:lnRef idx="2">
+        <a:scrgbClr r="0" g="0" b="0"/>
+      </a:lnRef>
+      <a:fillRef idx="1">
+        <a:scrgbClr r="0" g="0" b="0"/>
+      </a:fillRef>
+      <a:effectRef idx="0">
+        <a:scrgbClr r="0" g="0" b="0"/>
+      </a:effectRef>
+      <a:fontRef idx="minor"/>
+    </dgm:style>
+  </dgm:styleLbl>
+  <dgm:styleLbl name="alignImgPlace1">
+    <dgm:scene3d>
+      <a:camera prst="orthographicFront"/>
+      <a:lightRig rig="threePt" dir="t"/>
+    </dgm:scene3d>
+    <dgm:sp3d/>
+    <dgm:txPr/>
+    <dgm:style>
+      <a:lnRef idx="2">
+        <a:scrgbClr r="0" g="0" b="0"/>
+      </a:lnRef>
+      <a:fillRef idx="1">
+        <a:scrgbClr r="0" g="0" b="0"/>
+      </a:fillRef>
+      <a:effectRef idx="0">
+        <a:scrgbClr r="0" g="0" b="0"/>
+      </a:effectRef>
+      <a:fontRef idx="minor"/>
+    </dgm:style>
+  </dgm:styleLbl>
+  <dgm:styleLbl name="bgImgPlace1">
+    <dgm:scene3d>
+      <a:camera prst="orthographicFront"/>
+      <a:lightRig rig="threePt" dir="t"/>
+    </dgm:scene3d>
+    <dgm:sp3d/>
+    <dgm:txPr/>
+    <dgm:style>
+      <a:lnRef idx="2">
+        <a:scrgbClr r="0" g="0" b="0"/>
+      </a:lnRef>
+      <a:fillRef idx="1">
+        <a:scrgbClr r="0" g="0" b="0"/>
+      </a:fillRef>
+      <a:effectRef idx="0">
+        <a:scrgbClr r="0" g="0" b="0"/>
+      </a:effectRef>
+      <a:fontRef idx="minor"/>
+    </dgm:style>
+  </dgm:styleLbl>
+  <dgm:styleLbl name="sibTrans2D1">
+    <dgm:scene3d>
+      <a:camera prst="orthographicFront"/>
+      <a:lightRig rig="threePt" dir="t"/>
+    </dgm:scene3d>
+    <dgm:sp3d/>
+    <dgm:txPr/>
+    <dgm:style>
+      <a:lnRef idx="0">
+        <a:scrgbClr r="0" g="0" b="0"/>
+      </a:lnRef>
+      <a:fillRef idx="1">
+        <a:scrgbClr r="0" g="0" b="0"/>
+      </a:fillRef>
+      <a:effectRef idx="0">
+        <a:scrgbClr r="0" g="0" b="0"/>
+      </a:effectRef>
+      <a:fontRef idx="minor">
+        <a:schemeClr val="lt1"/>
+      </a:fontRef>
+    </dgm:style>
+  </dgm:styleLbl>
+  <dgm:styleLbl name="fgSibTrans2D1">
+    <dgm:scene3d>
+      <a:camera prst="orthographicFront"/>
+      <a:lightRig rig="threePt" dir="t"/>
+    </dgm:scene3d>
+    <dgm:sp3d/>
+    <dgm:txPr/>
+    <dgm:style>
+      <a:lnRef idx="0">
+        <a:scrgbClr r="0" g="0" b="0"/>
+      </a:lnRef>
+      <a:fillRef idx="1">
+        <a:scrgbClr r="0" g="0" b="0"/>
+      </a:fillRef>
+      <a:effectRef idx="0">
+        <a:scrgbClr r="0" g="0" b="0"/>
+      </a:effectRef>
+      <a:fontRef idx="minor">
+        <a:schemeClr val="lt1"/>
+      </a:fontRef>
+    </dgm:style>
+  </dgm:styleLbl>
+  <dgm:styleLbl name="bgSibTrans2D1">
+    <dgm:scene3d>
+      <a:camera prst="orthographicFront"/>
+      <a:lightRig rig="threePt" dir="t"/>
+    </dgm:scene3d>
+    <dgm:sp3d/>
+    <dgm:txPr/>
+    <dgm:style>
+      <a:lnRef idx="0">
+        <a:scrgbClr r="0" g="0" b="0"/>
+      </a:lnRef>
+      <a:fillRef idx="1">
+        <a:scrgbClr r="0" g="0" b="0"/>
+      </a:fillRef>
+      <a:effectRef idx="0">
+        <a:scrgbClr r="0" g="0" b="0"/>
+      </a:effectRef>
+      <a:fontRef idx="minor">
+        <a:schemeClr val="lt1"/>
+      </a:fontRef>
+    </dgm:style>
+  </dgm:styleLbl>
+  <dgm:styleLbl name="sibTrans1D1">
+    <dgm:scene3d>
+      <a:camera prst="orthographicFront"/>
+      <a:lightRig rig="threePt" dir="t"/>
+    </dgm:scene3d>
+    <dgm:sp3d/>
+    <dgm:txPr/>
+    <dgm:style>
+      <a:lnRef idx="1">
+        <a:scrgbClr r="0" g="0" b="0"/>
+      </a:lnRef>
+      <a:fillRef idx="0">
+        <a:scrgbClr r="0" g="0" b="0"/>
+      </a:fillRef>
+      <a:effectRef idx="0">
+        <a:scrgbClr r="0" g="0" b="0"/>
+      </a:effectRef>
+      <a:fontRef idx="minor"/>
+    </dgm:style>
+  </dgm:styleLbl>
+  <dgm:styleLbl name="callout">
+    <dgm:scene3d>
+      <a:camera prst="orthographicFront"/>
+      <a:lightRig rig="threePt" dir="t"/>
+    </dgm:scene3d>
+    <dgm:sp3d/>
+    <dgm:txPr/>
+    <dgm:style>
+      <a:lnRef idx="2">
+        <a:scrgbClr r="0" g="0" b="0"/>
+      </a:lnRef>
+      <a:fillRef idx="1">
+        <a:scrgbClr r="0" g="0" b="0"/>
+      </a:fillRef>
+      <a:effectRef idx="0">
+        <a:scrgbClr r="0" g="0" b="0"/>
+      </a:effectRef>
+      <a:fontRef idx="minor"/>
+    </dgm:style>
+  </dgm:styleLbl>
+  <dgm:styleLbl name="asst0">
+    <dgm:scene3d>
+      <a:camera prst="orthographicFront"/>
+      <a:lightRig rig="threePt" dir="t"/>
+    </dgm:scene3d>
+    <dgm:sp3d/>
+    <dgm:txPr/>
+    <dgm:style>
+      <a:lnRef idx="2">
+        <a:scrgbClr r="0" g="0" b="0"/>
+      </a:lnRef>
+      <a:fillRef idx="1">
+        <a:scrgbClr r="0" g="0" b="0"/>
+      </a:fillRef>
+      <a:effectRef idx="0">
+        <a:scrgbClr r="0" g="0" b="0"/>
+      </a:effectRef>
+      <a:fontRef idx="minor">
+        <a:schemeClr val="lt1"/>
+      </a:fontRef>
+    </dgm:style>
+  </dgm:styleLbl>
+  <dgm:styleLbl name="asst1">
+    <dgm:scene3d>
+      <a:camera prst="orthographicFront"/>
+      <a:lightRig rig="threePt" dir="t"/>
+    </dgm:scene3d>
+    <dgm:sp3d/>
+    <dgm:txPr/>
+    <dgm:style>
+      <a:lnRef idx="2">
+        <a:scrgbClr r="0" g="0" b="0"/>
+      </a:lnRef>
+      <a:fillRef idx="1">
+        <a:scrgbClr r="0" g="0" b="0"/>
+      </a:fillRef>
+      <a:effectRef idx="0">
+        <a:scrgbClr r="0" g="0" b="0"/>
+      </a:effectRef>
+      <a:fontRef idx="minor">
+        <a:schemeClr val="lt1"/>
+      </a:fontRef>
+    </dgm:style>
+  </dgm:styleLbl>
+  <dgm:styleLbl name="asst2">
+    <dgm:scene3d>
+      <a:camera prst="orthographicFront"/>
+      <a:lightRig rig="threePt" dir="t"/>
+    </dgm:scene3d>
+    <dgm:sp3d/>
+    <dgm:txPr/>
+    <dgm:style>
+      <a:lnRef idx="2">
+        <a:scrgbClr r="0" g="0" b="0"/>
+      </a:lnRef>
+      <a:fillRef idx="1">
+        <a:scrgbClr r="0" g="0" b="0"/>
+      </a:fillRef>
+      <a:effectRef idx="0">
+        <a:scrgbClr r="0" g="0" b="0"/>
+      </a:effectRef>
+      <a:fontRef idx="minor">
+        <a:schemeClr val="lt1"/>
+      </a:fontRef>
+    </dgm:style>
+  </dgm:styleLbl>
+  <dgm:styleLbl name="asst3">
+    <dgm:scene3d>
+      <a:camera prst="orthographicFront"/>
+      <a:lightRig rig="threePt" dir="t"/>
+    </dgm:scene3d>
+    <dgm:sp3d/>
+    <dgm:txPr/>
+    <dgm:style>
+      <a:lnRef idx="2">
+        <a:scrgbClr r="0" g="0" b="0"/>
+      </a:lnRef>
+      <a:fillRef idx="1">
+        <a:scrgbClr r="0" g="0" b="0"/>
+      </a:fillRef>
+      <a:effectRef idx="0">
+        <a:scrgbClr r="0" g="0" b="0"/>
+      </a:effectRef>
+      <a:fontRef idx="minor">
+        <a:schemeClr val="lt1"/>
+      </a:fontRef>
+    </dgm:style>
+  </dgm:styleLbl>
+  <dgm:styleLbl name="asst4">
+    <dgm:scene3d>
+      <a:camera prst="orthographicFront"/>
+      <a:lightRig rig="threePt" dir="t"/>
+    </dgm:scene3d>
+    <dgm:sp3d/>
+    <dgm:txPr/>
+    <dgm:style>
+      <a:lnRef idx="2">
+        <a:scrgbClr r="0" g="0" b="0"/>
+      </a:lnRef>
+      <a:fillRef idx="1">
+        <a:scrgbClr r="0" g="0" b="0"/>
+      </a:fillRef>
+      <a:effectRef idx="0">
+        <a:scrgbClr r="0" g="0" b="0"/>
+      </a:effectRef>
+      <a:fontRef idx="minor">
+        <a:schemeClr val="lt1"/>
+      </a:fontRef>
+    </dgm:style>
+  </dgm:styleLbl>
+  <dgm:styleLbl name="parChTrans2D1">
+    <dgm:scene3d>
+      <a:camera prst="orthographicFront"/>
+      <a:lightRig rig="threePt" dir="t"/>
+    </dgm:scene3d>
+    <dgm:sp3d/>
+    <dgm:txPr/>
+    <dgm:style>
+      <a:lnRef idx="2">
+        <a:scrgbClr r="0" g="0" b="0"/>
+      </a:lnRef>
+      <a:fillRef idx="1">
+        <a:scrgbClr r="0" g="0" b="0"/>
+      </a:fillRef>
+      <a:effectRef idx="0">
+        <a:scrgbClr r="0" g="0" b="0"/>
+      </a:effectRef>
+      <a:fontRef idx="minor">
+        <a:schemeClr val="lt1"/>
+      </a:fontRef>
+    </dgm:style>
+  </dgm:styleLbl>
+  <dgm:styleLbl name="parChTrans2D2">
+    <dgm:scene3d>
+      <a:camera prst="orthographicFront"/>
+      <a:lightRig rig="threePt" dir="t"/>
+    </dgm:scene3d>
+    <dgm:sp3d/>
+    <dgm:txPr/>
+    <dgm:style>
+      <a:lnRef idx="2">
+        <a:scrgbClr r="0" g="0" b="0"/>
+      </a:lnRef>
+      <a:fillRef idx="1">
+        <a:scrgbClr r="0" g="0" b="0"/>
+      </a:fillRef>
+      <a:effectRef idx="0">
+        <a:scrgbClr r="0" g="0" b="0"/>
+      </a:effectRef>
+      <a:fontRef idx="minor">
+        <a:schemeClr val="lt1"/>
+      </a:fontRef>
+    </dgm:style>
+  </dgm:styleLbl>
+  <dgm:styleLbl name="parChTrans2D3">
+    <dgm:scene3d>
+      <a:camera prst="orthographicFront"/>
+      <a:lightRig rig="threePt" dir="t"/>
+    </dgm:scene3d>
+    <dgm:sp3d/>
+    <dgm:txPr/>
+    <dgm:style>
+      <a:lnRef idx="2">
+        <a:scrgbClr r="0" g="0" b="0"/>
+      </a:lnRef>
+      <a:fillRef idx="1">
+        <a:scrgbClr r="0" g="0" b="0"/>
+      </a:fillRef>
+      <a:effectRef idx="0">
+        <a:scrgbClr r="0" g="0" b="0"/>
+      </a:effectRef>
+      <a:fontRef idx="minor">
+        <a:schemeClr val="lt1"/>
+      </a:fontRef>
+    </dgm:style>
+  </dgm:styleLbl>
+  <dgm:styleLbl name="parChTrans2D4">
+    <dgm:scene3d>
+      <a:camera prst="orthographicFront"/>
+      <a:lightRig rig="threePt" dir="t"/>
+    </dgm:scene3d>
+    <dgm:sp3d/>
+    <dgm:txPr/>
+    <dgm:style>
+      <a:lnRef idx="2">
+        <a:scrgbClr r="0" g="0" b="0"/>
+      </a:lnRef>
+      <a:fillRef idx="1">
+        <a:scrgbClr r="0" g="0" b="0"/>
+      </a:fillRef>
+      <a:effectRef idx="0">
+        <a:scrgbClr r="0" g="0" b="0"/>
+      </a:effectRef>
+      <a:fontRef idx="minor">
+        <a:schemeClr val="lt1"/>
+      </a:fontRef>
+    </dgm:style>
+  </dgm:styleLbl>
+  <dgm:styleLbl name="parChTrans1D1">
+    <dgm:scene3d>
+      <a:camera prst="orthographicFront"/>
+      <a:lightRig rig="threePt" dir="t"/>
+    </dgm:scene3d>
+    <dgm:sp3d/>
+    <dgm:txPr/>
+    <dgm:style>
+      <a:lnRef idx="2">
+        <a:scrgbClr r="0" g="0" b="0"/>
+      </a:lnRef>
+      <a:fillRef idx="0">
+        <a:scrgbClr r="0" g="0" b="0"/>
+      </a:fillRef>
+      <a:effectRef idx="0">
+        <a:scrgbClr r="0" g="0" b="0"/>
+      </a:effectRef>
+      <a:fontRef idx="minor"/>
+    </dgm:style>
+  </dgm:styleLbl>
+  <dgm:styleLbl name="parChTrans1D2">
+    <dgm:scene3d>
+      <a:camera prst="orthographicFront"/>
+      <a:lightRig rig="threePt" dir="t"/>
+    </dgm:scene3d>
+    <dgm:sp3d/>
+    <dgm:txPr/>
+    <dgm:style>
+      <a:lnRef idx="2">
+        <a:scrgbClr r="0" g="0" b="0"/>
+      </a:lnRef>
+      <a:fillRef idx="0">
+        <a:scrgbClr r="0" g="0" b="0"/>
+      </a:fillRef>
+      <a:effectRef idx="0">
+        <a:scrgbClr r="0" g="0" b="0"/>
+      </a:effectRef>
+      <a:fontRef idx="minor"/>
+    </dgm:style>
+  </dgm:styleLbl>
+  <dgm:styleLbl name="parChTrans1D3">
+    <dgm:scene3d>
+      <a:camera prst="orthographicFront"/>
+      <a:lightRig rig="threePt" dir="t"/>
+    </dgm:scene3d>
+    <dgm:sp3d/>
+    <dgm:txPr/>
+    <dgm:style>
+      <a:lnRef idx="2">
+        <a:scrgbClr r="0" g="0" b="0"/>
+      </a:lnRef>
+      <a:fillRef idx="0">
+        <a:scrgbClr r="0" g="0" b="0"/>
+      </a:fillRef>
+      <a:effectRef idx="0">
+        <a:scrgbClr r="0" g="0" b="0"/>
+      </a:effectRef>
+      <a:fontRef idx="minor"/>
+    </dgm:style>
+  </dgm:styleLbl>
+  <dgm:styleLbl name="parChTrans1D4">
+    <dgm:scene3d>
+      <a:camera prst="orthographicFront"/>
+      <a:lightRig rig="threePt" dir="t"/>
+    </dgm:scene3d>
+    <dgm:sp3d/>
+    <dgm:txPr/>
+    <dgm:style>
+      <a:lnRef idx="2">
+        <a:scrgbClr r="0" g="0" b="0"/>
+      </a:lnRef>
+      <a:fillRef idx="0">
+        <a:scrgbClr r="0" g="0" b="0"/>
+      </a:fillRef>
+      <a:effectRef idx="0">
+        <a:scrgbClr r="0" g="0" b="0"/>
+      </a:effectRef>
+      <a:fontRef idx="minor"/>
+    </dgm:style>
+  </dgm:styleLbl>
+  <dgm:styleLbl name="fgAcc1">
+    <dgm:scene3d>
+      <a:camera prst="orthographicFront"/>
+      <a:lightRig rig="threePt" dir="t"/>
+    </dgm:scene3d>
+    <dgm:sp3d/>
+    <dgm:txPr/>
+    <dgm:style>
+      <a:lnRef idx="2">
+        <a:scrgbClr r="0" g="0" b="0"/>
+      </a:lnRef>
+      <a:fillRef idx="1">
+        <a:scrgbClr r="0" g="0" b="0"/>
+      </a:fillRef>
+      <a:effectRef idx="0">
+        <a:scrgbClr r="0" g="0" b="0"/>
+      </a:effectRef>
+      <a:fontRef idx="minor"/>
+    </dgm:style>
+  </dgm:styleLbl>
+  <dgm:styleLbl name="conFgAcc1">
+    <dgm:scene3d>
+      <a:camera prst="orthographicFront"/>
+      <a:lightRig rig="threePt" dir="t"/>
+    </dgm:scene3d>
+    <dgm:sp3d/>
+    <dgm:txPr/>
+    <dgm:style>
+      <a:lnRef idx="2">
+        <a:scrgbClr r="0" g="0" b="0"/>
+      </a:lnRef>
+      <a:fillRef idx="1">
+        <a:scrgbClr r="0" g="0" b="0"/>
+      </a:fillRef>
+      <a:effectRef idx="0">
+        <a:scrgbClr r="0" g="0" b="0"/>
+      </a:effectRef>
+      <a:fontRef idx="minor"/>
+    </dgm:style>
+  </dgm:styleLbl>
+  <dgm:styleLbl name="alignAcc1">
+    <dgm:scene3d>
+      <a:camera prst="orthographicFront"/>
+      <a:lightRig rig="threePt" dir="t"/>
+    </dgm:scene3d>
+    <dgm:sp3d/>
+    <dgm:txPr/>
+    <dgm:style>
+      <a:lnRef idx="2">
+        <a:scrgbClr r="0" g="0" b="0"/>
+      </a:lnRef>
+      <a:fillRef idx="1">
+        <a:scrgbClr r="0" g="0" b="0"/>
+      </a:fillRef>
+      <a:effectRef idx="0">
+        <a:scrgbClr r="0" g="0" b="0"/>
+      </a:effectRef>
+      <a:fontRef idx="minor"/>
+    </dgm:style>
+  </dgm:styleLbl>
+  <dgm:styleLbl name="trAlignAcc1">
+    <dgm:scene3d>
+      <a:camera prst="orthographicFront"/>
+      <a:lightRig rig="threePt" dir="t"/>
+    </dgm:scene3d>
+    <dgm:sp3d/>
+    <dgm:txPr/>
+    <dgm:style>
+      <a:lnRef idx="1">
+        <a:scrgbClr r="0" g="0" b="0"/>
+      </a:lnRef>
+      <a:fillRef idx="1">
+        <a:scrgbClr r="0" g="0" b="0"/>
+      </a:fillRef>
+      <a:effectRef idx="0">
+        <a:scrgbClr r="0" g="0" b="0"/>
+      </a:effectRef>
+      <a:fontRef idx="minor"/>
+    </dgm:style>
+  </dgm:styleLbl>
+  <dgm:styleLbl name="bgAcc1">
+    <dgm:scene3d>
+      <a:camera prst="orthographicFront"/>
+      <a:lightRig rig="threePt" dir="t"/>
+    </dgm:scene3d>
+    <dgm:sp3d/>
+    <dgm:txPr/>
+    <dgm:style>
+      <a:lnRef idx="2">
+        <a:scrgbClr r="0" g="0" b="0"/>
+      </a:lnRef>
+      <a:fillRef idx="1">
+        <a:scrgbClr r="0" g="0" b="0"/>
+      </a:fillRef>
+      <a:effectRef idx="0">
+        <a:scrgbClr r="0" g="0" b="0"/>
+      </a:effectRef>
+      <a:fontRef idx="minor"/>
+    </dgm:style>
+  </dgm:styleLbl>
+  <dgm:styleLbl name="solidFgAcc1">
+    <dgm:scene3d>
+      <a:camera prst="orthographicFront"/>
+      <a:lightRig rig="threePt" dir="t"/>
+    </dgm:scene3d>
+    <dgm:sp3d/>
+    <dgm:txPr/>
+    <dgm:style>
+      <a:lnRef idx="2">
+        <a:scrgbClr r="0" g="0" b="0"/>
+      </a:lnRef>
+      <a:fillRef idx="1">
+        <a:scrgbClr r="0" g="0" b="0"/>
+      </a:fillRef>
+      <a:effectRef idx="0">
+        <a:scrgbClr r="0" g="0" b="0"/>
+      </a:effectRef>
+      <a:fontRef idx="minor"/>
+    </dgm:style>
+  </dgm:styleLbl>
+  <dgm:styleLbl name="solidAlignAcc1">
+    <dgm:scene3d>
+      <a:camera prst="orthographicFront"/>
+      <a:lightRig rig="threePt" dir="t"/>
+    </dgm:scene3d>
+    <dgm:sp3d/>
+    <dgm:txPr/>
+    <dgm:style>
+      <a:lnRef idx="2">
+        <a:scrgbClr r="0" g="0" b="0"/>
+      </a:lnRef>
+      <a:fillRef idx="1">
+        <a:scrgbClr r="0" g="0" b="0"/>
+      </a:fillRef>
+      <a:effectRef idx="0">
+        <a:scrgbClr r="0" g="0" b="0"/>
+      </a:effectRef>
+      <a:fontRef idx="minor"/>
+    </dgm:style>
+  </dgm:styleLbl>
+  <dgm:styleLbl name="solidBgAcc1">
+    <dgm:scene3d>
+      <a:camera prst="orthographicFront"/>
+      <a:lightRig rig="threePt" dir="t"/>
+    </dgm:scene3d>
+    <dgm:sp3d/>
+    <dgm:txPr/>
+    <dgm:style>
+      <a:lnRef idx="2">
+        <a:scrgbClr r="0" g="0" b="0"/>
+      </a:lnRef>
+      <a:fillRef idx="1">
+        <a:scrgbClr r="0" g="0" b="0"/>
+      </a:fillRef>
+      <a:effectRef idx="0">
+        <a:scrgbClr r="0" g="0" b="0"/>
+      </a:effectRef>
+      <a:fontRef idx="minor"/>
+    </dgm:style>
+  </dgm:styleLbl>
+  <dgm:styleLbl name="fgAccFollowNode1">
+    <dgm:scene3d>
+      <a:camera prst="orthographicFront"/>
+      <a:lightRig rig="threePt" dir="t"/>
+    </dgm:scene3d>
+    <dgm:sp3d/>
+    <dgm:txPr/>
+    <dgm:style>
+      <a:lnRef idx="2">
+        <a:scrgbClr r="0" g="0" b="0"/>
+      </a:lnRef>
+      <a:fillRef idx="1">
+        <a:scrgbClr r="0" g="0" b="0"/>
+      </a:fillRef>
+      <a:effectRef idx="0">
+        <a:scrgbClr r="0" g="0" b="0"/>
+      </a:effectRef>
+      <a:fontRef idx="minor"/>
+    </dgm:style>
+  </dgm:styleLbl>
+  <dgm:styleLbl name="alignAccFollowNode1">
+    <dgm:scene3d>
+      <a:camera prst="orthographicFront"/>
+      <a:lightRig rig="threePt" dir="t"/>
+    </dgm:scene3d>
+    <dgm:sp3d/>
+    <dgm:txPr/>
+    <dgm:style>
+      <a:lnRef idx="2">
+        <a:scrgbClr r="0" g="0" b="0"/>
+      </a:lnRef>
+      <a:fillRef idx="1">
+        <a:scrgbClr r="0" g="0" b="0"/>
+      </a:fillRef>
+      <a:effectRef idx="0">
+        <a:scrgbClr r="0" g="0" b="0"/>
+      </a:effectRef>
+      <a:fontRef idx="minor"/>
+    </dgm:style>
+  </dgm:styleLbl>
+  <dgm:styleLbl name="bgAccFollowNode1">
+    <dgm:scene3d>
+      <a:camera prst="orthographicFront"/>
+      <a:lightRig rig="threePt" dir="t"/>
+    </dgm:scene3d>
+    <dgm:sp3d/>
+    <dgm:txPr/>
+    <dgm:style>
+      <a:lnRef idx="2">
+        <a:scrgbClr r="0" g="0" b="0"/>
+      </a:lnRef>
+      <a:fillRef idx="1">
+        <a:scrgbClr r="0" g="0" b="0"/>
+      </a:fillRef>
+      <a:effectRef idx="0">
+        <a:scrgbClr r="0" g="0" b="0"/>
+      </a:effectRef>
+      <a:fontRef idx="minor"/>
+    </dgm:style>
+  </dgm:styleLbl>
+  <dgm:styleLbl name="fgAcc0">
+    <dgm:scene3d>
+      <a:camera prst="orthographicFront"/>
+      <a:lightRig rig="threePt" dir="t"/>
+    </dgm:scene3d>
+    <dgm:sp3d/>
+    <dgm:txPr/>
+    <dgm:style>
+      <a:lnRef idx="2">
+        <a:scrgbClr r="0" g="0" b="0"/>
+      </a:lnRef>
+      <a:fillRef idx="1">
+        <a:scrgbClr r="0" g="0" b="0"/>
+      </a:fillRef>
+      <a:effectRef idx="0">
+        <a:scrgbClr r="0" g="0" b="0"/>
+      </a:effectRef>
+      <a:fontRef idx="minor"/>
+    </dgm:style>
+  </dgm:styleLbl>
+  <dgm:styleLbl name="fgAcc2">
+    <dgm:scene3d>
+      <a:camera prst="orthographicFront"/>
+      <a:lightRig rig="threePt" dir="t"/>
+    </dgm:scene3d>
+    <dgm:sp3d/>
+    <dgm:txPr/>
+    <dgm:style>
+      <a:lnRef idx="2">
+        <a:scrgbClr r="0" g="0" b="0"/>
+      </a:lnRef>
+      <a:fillRef idx="1">
+        <a:scrgbClr r="0" g="0" b="0"/>
+      </a:fillRef>
+      <a:effectRef idx="0">
+        <a:scrgbClr r="0" g="0" b="0"/>
+      </a:effectRef>
+      <a:fontRef idx="minor"/>
+    </dgm:style>
+  </dgm:styleLbl>
+  <dgm:styleLbl name="fgAcc3">
+    <dgm:scene3d>
+      <a:camera prst="orthographicFront"/>
+      <a:lightRig rig="threePt" dir="t"/>
+    </dgm:scene3d>
+    <dgm:sp3d/>
+    <dgm:txPr/>
+    <dgm:style>
+      <a:lnRef idx="2">
+        <a:scrgbClr r="0" g="0" b="0"/>
+      </a:lnRef>
+      <a:fillRef idx="1">
+        <a:scrgbClr r="0" g="0" b="0"/>
+      </a:fillRef>
+      <a:effectRef idx="0">
+        <a:scrgbClr r="0" g="0" b="0"/>
+      </a:effectRef>
+      <a:fontRef idx="minor"/>
+    </dgm:style>
+  </dgm:styleLbl>
+  <dgm:styleLbl name="fgAcc4">
+    <dgm:scene3d>
+      <a:camera prst="orthographicFront"/>
+      <a:lightRig rig="threePt" dir="t"/>
+    </dgm:scene3d>
+    <dgm:sp3d/>
+    <dgm:txPr/>
+    <dgm:style>
+      <a:lnRef idx="2">
+        <a:scrgbClr r="0" g="0" b="0"/>
+      </a:lnRef>
+      <a:fillRef idx="1">
+        <a:scrgbClr r="0" g="0" b="0"/>
+      </a:fillRef>
+      <a:effectRef idx="0">
+        <a:scrgbClr r="0" g="0" b="0"/>
+      </a:effectRef>
+      <a:fontRef idx="minor"/>
+    </dgm:style>
+  </dgm:styleLbl>
+  <dgm:styleLbl name="bgShp">
+    <dgm:scene3d>
+      <a:camera prst="orthographicFront"/>
+      <a:lightRig rig="threePt" dir="t"/>
+    </dgm:scene3d>
+    <dgm:sp3d/>
+    <dgm:txPr/>
+    <dgm:style>
+      <a:lnRef idx="0">
+        <a:scrgbClr r="0" g="0" b="0"/>
+      </a:lnRef>
+      <a:fillRef idx="1">
+        <a:scrgbClr r="0" g="0" b="0"/>
+      </a:fillRef>
+      <a:effectRef idx="0">
+        <a:scrgbClr r="0" g="0" b="0"/>
+      </a:effectRef>
+      <a:fontRef idx="minor"/>
+    </dgm:style>
+  </dgm:styleLbl>
+  <dgm:styleLbl name="dkBgShp">
+    <dgm:scene3d>
+      <a:camera prst="orthographicFront"/>
+      <a:lightRig rig="threePt" dir="t"/>
+    </dgm:scene3d>
+    <dgm:sp3d/>
+    <dgm:txPr/>
+    <dgm:style>
+      <a:lnRef idx="0">
+        <a:scrgbClr r="0" g="0" b="0"/>
+      </a:lnRef>
+      <a:fillRef idx="1">
+        <a:scrgbClr r="0" g="0" b="0"/>
+      </a:fillRef>
+      <a:effectRef idx="0">
+        <a:scrgbClr r="0" g="0" b="0"/>
+      </a:effectRef>
+      <a:fontRef idx="minor"/>
+    </dgm:style>
+  </dgm:styleLbl>
+  <dgm:styleLbl name="trBgShp">
+    <dgm:scene3d>
+      <a:camera prst="orthographicFront"/>
+      <a:lightRig rig="threePt" dir="t"/>
+    </dgm:scene3d>
+    <dgm:sp3d/>
+    <dgm:txPr/>
+    <dgm:style>
+      <a:lnRef idx="0">
+        <a:scrgbClr r="0" g="0" b="0"/>
+      </a:lnRef>
+      <a:fillRef idx="1">
+        <a:scrgbClr r="0" g="0" b="0"/>
+      </a:fillRef>
+      <a:effectRef idx="0">
+        <a:scrgbClr r="0" g="0" b="0"/>
+      </a:effectRef>
+      <a:fontRef idx="minor"/>
+    </dgm:style>
+  </dgm:styleLbl>
+  <dgm:styleLbl name="fgShp">
+    <dgm:scene3d>
+      <a:camera prst="orthographicFront"/>
+      <a:lightRig rig="threePt" dir="t"/>
+    </dgm:scene3d>
+    <dgm:sp3d/>
+    <dgm:txPr/>
+    <dgm:style>
+      <a:lnRef idx="2">
+        <a:scrgbClr r="0" g="0" b="0"/>
+      </a:lnRef>
+      <a:fillRef idx="1">
+        <a:scrgbClr r="0" g="0" b="0"/>
+      </a:fillRef>
+      <a:effectRef idx="0">
+        <a:scrgbClr r="0" g="0" b="0"/>
+      </a:effectRef>
+      <a:fontRef idx="minor"/>
+    </dgm:style>
+  </dgm:styleLbl>
+  <dgm:styleLbl name="revTx">
+    <dgm:scene3d>
+      <a:camera prst="orthographicFront"/>
+      <a:lightRig rig="threePt" dir="t"/>
+    </dgm:scene3d>
+    <dgm:sp3d/>
+    <dgm:txPr/>
+    <dgm:style>
+      <a:lnRef idx="0">
+        <a:scrgbClr r="0" g="0" b="0"/>
+      </a:lnRef>
+      <a:fillRef idx="0">
+        <a:scrgbClr r="0" g="0" b="0"/>
+      </a:fillRef>
+      <a:effectRef idx="0">
+        <a:scrgbClr r="0" g="0" b="0"/>
+      </a:effectRef>
+      <a:fontRef idx="minor"/>
+    </dgm:style>
+  </dgm:styleLbl>
+</dgm:styleDef>
+</file>
+
+<file path=ppt/diagrams/quickStyle2.xml><?xml version="1.0" encoding="utf-8"?>
 <dgm:styleDef xmlns:dgm="http://schemas.openxmlformats.org/drawingml/2006/diagram" xmlns:a="http://schemas.openxmlformats.org/drawingml/2006/main" uniqueId="urn:microsoft.com/office/officeart/2005/8/quickstyle/simple1">
   <dgm:title val=""/>
   <dgm:desc val=""/>
@@ -7570,7 +9958,7 @@
           <a:p>
             <a:fld id="{B9CDB906-FD11-4B96-981C-0D159639AE7F}" type="slidenum">
               <a:rPr lang="en-US" smtClean="0"/>
-              <a:t>3</a:t>
+              <a:t>4</a:t>
             </a:fld>
             <a:endParaRPr lang="en-US"/>
           </a:p>
@@ -7654,7 +10042,7 @@
           <a:p>
             <a:fld id="{B9CDB906-FD11-4B96-981C-0D159639AE7F}" type="slidenum">
               <a:rPr lang="en-US" smtClean="0"/>
-              <a:t>4</a:t>
+              <a:t>5</a:t>
             </a:fld>
             <a:endParaRPr lang="en-US"/>
           </a:p>
@@ -7738,7 +10126,7 @@
           <a:p>
             <a:fld id="{B9CDB906-FD11-4B96-981C-0D159639AE7F}" type="slidenum">
               <a:rPr lang="en-US" smtClean="0"/>
-              <a:t>5</a:t>
+              <a:t>6</a:t>
             </a:fld>
             <a:endParaRPr lang="en-US"/>
           </a:p>
@@ -7822,7 +10210,7 @@
           <a:p>
             <a:fld id="{B9CDB906-FD11-4B96-981C-0D159639AE7F}" type="slidenum">
               <a:rPr lang="en-US" smtClean="0"/>
-              <a:t>10</a:t>
+              <a:t>13</a:t>
             </a:fld>
             <a:endParaRPr lang="en-US"/>
           </a:p>
@@ -11784,6 +14172,988 @@
           <a:chExt cx="0" cy="0"/>
         </a:xfrm>
       </p:grpSpPr>
+      <p:cxnSp>
+        <p:nvCxnSpPr>
+          <p:cNvPr id="10" name="Straight Connector 9">
+            <a:extLst>
+              <a:ext uri="{FF2B5EF4-FFF2-40B4-BE49-F238E27FC236}">
+                <a16:creationId xmlns:a16="http://schemas.microsoft.com/office/drawing/2014/main" id="{118E06E4-607B-144B-382B-AD3D06B1EE8C}"/>
+              </a:ext>
+              <a:ext uri="{C183D7F6-B498-43B3-948B-1728B52AA6E4}">
+                <adec:decorative xmlns:adec="http://schemas.microsoft.com/office/drawing/2017/decorative" val="1"/>
+              </a:ext>
+            </a:extLst>
+          </p:cNvPr>
+          <p:cNvCxnSpPr>
+            <a:cxnSpLocks noGrp="1" noRot="1" noChangeAspect="1" noMove="1" noResize="1" noEditPoints="1" noAdjustHandles="1" noChangeArrowheads="1" noChangeShapeType="1"/>
+          </p:cNvCxnSpPr>
+          <p:nvPr>
+            <p:extLst>
+              <p:ext uri="{386F3935-93C4-4BCD-93E2-E3B085C9AB24}">
+                <p16:designElem xmlns:p16="http://schemas.microsoft.com/office/powerpoint/2015/main" val="1"/>
+              </p:ext>
+            </p:extLst>
+          </p:nvPr>
+        </p:nvCxnSpPr>
+        <p:spPr>
+          <a:xfrm>
+            <a:off x="713232" y="1031001"/>
+            <a:ext cx="978862" cy="0"/>
+          </a:xfrm>
+          <a:prstGeom prst="line">
+            <a:avLst/>
+          </a:prstGeom>
+          <a:ln w="76200"/>
+        </p:spPr>
+        <p:style>
+          <a:lnRef idx="1">
+            <a:schemeClr val="accent1"/>
+          </a:lnRef>
+          <a:fillRef idx="0">
+            <a:schemeClr val="accent1"/>
+          </a:fillRef>
+          <a:effectRef idx="0">
+            <a:schemeClr val="accent1"/>
+          </a:effectRef>
+          <a:fontRef idx="minor">
+            <a:schemeClr val="tx1"/>
+          </a:fontRef>
+        </p:style>
+      </p:cxnSp>
+      <p:sp useBgFill="1">
+        <p:nvSpPr>
+          <p:cNvPr id="12" name="Rectangle 11">
+            <a:extLst>
+              <a:ext uri="{FF2B5EF4-FFF2-40B4-BE49-F238E27FC236}">
+                <a16:creationId xmlns:a16="http://schemas.microsoft.com/office/drawing/2014/main" id="{19F9BF86-FE94-4517-B97D-026C7515E589}"/>
+              </a:ext>
+              <a:ext uri="{C183D7F6-B498-43B3-948B-1728B52AA6E4}">
+                <adec:decorative xmlns:adec="http://schemas.microsoft.com/office/drawing/2017/decorative" val="1"/>
+              </a:ext>
+            </a:extLst>
+          </p:cNvPr>
+          <p:cNvSpPr>
+            <a:spLocks noGrp="1" noRot="1" noChangeAspect="1" noMove="1" noResize="1" noEditPoints="1" noAdjustHandles="1" noChangeArrowheads="1" noChangeShapeType="1" noTextEdit="1"/>
+          </p:cNvSpPr>
+          <p:nvPr>
+            <p:extLst>
+              <p:ext uri="{386F3935-93C4-4BCD-93E2-E3B085C9AB24}">
+                <p16:designElem xmlns:p16="http://schemas.microsoft.com/office/powerpoint/2015/main" val="1"/>
+              </p:ext>
+            </p:extLst>
+          </p:nvPr>
+        </p:nvSpPr>
+        <p:spPr>
+          <a:xfrm>
+            <a:off x="0" y="0"/>
+            <a:ext cx="12192000" cy="6858000"/>
+          </a:xfrm>
+          <a:prstGeom prst="rect">
+            <a:avLst/>
+          </a:prstGeom>
+          <a:ln w="12700" cap="flat" cmpd="sng" algn="ctr">
+            <a:noFill/>
+            <a:prstDash val="solid"/>
+            <a:miter lim="800000"/>
+          </a:ln>
+          <a:effectLst/>
+          <a:extLst>
+            <a:ext uri="{91240B29-F687-4F45-9708-019B960494DF}">
+              <a14:hiddenLine xmlns:a14="http://schemas.microsoft.com/office/drawing/2010/main" w="12700" cap="flat" cmpd="sng" algn="ctr">
+                <a:solidFill>
+                  <a:schemeClr val="accent1">
+                    <a:shade val="50000"/>
+                  </a:schemeClr>
+                </a:solidFill>
+                <a:prstDash val="solid"/>
+                <a:miter lim="800000"/>
+              </a14:hiddenLine>
+            </a:ext>
+          </a:extLst>
+        </p:spPr>
+        <p:style>
+          <a:lnRef idx="2">
+            <a:schemeClr val="accent1">
+              <a:shade val="50000"/>
+            </a:schemeClr>
+          </a:lnRef>
+          <a:fillRef idx="1">
+            <a:schemeClr val="accent1"/>
+          </a:fillRef>
+          <a:effectRef idx="0">
+            <a:schemeClr val="accent1"/>
+          </a:effectRef>
+          <a:fontRef idx="minor">
+            <a:schemeClr val="lt1"/>
+          </a:fontRef>
+        </p:style>
+        <p:txBody>
+          <a:bodyPr rtlCol="0" anchor="ctr"/>
+          <a:lstStyle/>
+          <a:p>
+            <a:pPr algn="ctr"/>
+            <a:endParaRPr lang="en-US"/>
+          </a:p>
+        </p:txBody>
+      </p:sp>
+      <p:sp>
+        <p:nvSpPr>
+          <p:cNvPr id="2" name="Title 1">
+            <a:extLst>
+              <a:ext uri="{FF2B5EF4-FFF2-40B4-BE49-F238E27FC236}">
+                <a16:creationId xmlns:a16="http://schemas.microsoft.com/office/drawing/2014/main" id="{3D6637FF-DEB2-DBCE-441F-CBFC9D964D03}"/>
+              </a:ext>
+            </a:extLst>
+          </p:cNvPr>
+          <p:cNvSpPr>
+            <a:spLocks noGrp="1"/>
+          </p:cNvSpPr>
+          <p:nvPr>
+            <p:ph type="title"/>
+          </p:nvPr>
+        </p:nvSpPr>
+        <p:spPr>
+          <a:xfrm>
+            <a:off x="640080" y="1302091"/>
+            <a:ext cx="3291840" cy="2770216"/>
+          </a:xfrm>
+        </p:spPr>
+        <p:txBody>
+          <a:bodyPr vert="horz" lIns="91440" tIns="45720" rIns="91440" bIns="45720" rtlCol="0" anchor="t">
+            <a:normAutofit/>
+          </a:bodyPr>
+          <a:lstStyle/>
+          <a:p>
+            <a:pPr>
+              <a:lnSpc>
+                <a:spcPct val="90000"/>
+              </a:lnSpc>
+            </a:pPr>
+            <a:r>
+              <a:rPr lang="en-US" sz="4100" dirty="0"/>
+              <a:t>Studies on Power Consumption</a:t>
+            </a:r>
+          </a:p>
+        </p:txBody>
+      </p:sp>
+      <p:cxnSp>
+        <p:nvCxnSpPr>
+          <p:cNvPr id="14" name="Straight Connector 13">
+            <a:extLst>
+              <a:ext uri="{FF2B5EF4-FFF2-40B4-BE49-F238E27FC236}">
+                <a16:creationId xmlns:a16="http://schemas.microsoft.com/office/drawing/2014/main" id="{59D7B6BE-A4E0-4483-BEC5-493AC3E5D2AD}"/>
+              </a:ext>
+              <a:ext uri="{C183D7F6-B498-43B3-948B-1728B52AA6E4}">
+                <adec:decorative xmlns:adec="http://schemas.microsoft.com/office/drawing/2017/decorative" val="1"/>
+              </a:ext>
+            </a:extLst>
+          </p:cNvPr>
+          <p:cNvCxnSpPr>
+            <a:cxnSpLocks noGrp="1" noRot="1" noChangeAspect="1" noMove="1" noResize="1" noEditPoints="1" noAdjustHandles="1" noChangeArrowheads="1" noChangeShapeType="1"/>
+          </p:cNvCxnSpPr>
+          <p:nvPr>
+            <p:extLst>
+              <p:ext uri="{386F3935-93C4-4BCD-93E2-E3B085C9AB24}">
+                <p16:designElem xmlns:p16="http://schemas.microsoft.com/office/powerpoint/2015/main" val="1"/>
+              </p:ext>
+            </p:extLst>
+          </p:nvPr>
+        </p:nvCxnSpPr>
+        <p:spPr>
+          <a:xfrm>
+            <a:off x="713232" y="4459606"/>
+            <a:ext cx="978862" cy="0"/>
+          </a:xfrm>
+          <a:prstGeom prst="line">
+            <a:avLst/>
+          </a:prstGeom>
+          <a:ln w="76200">
+            <a:solidFill>
+              <a:schemeClr val="accent1"/>
+            </a:solidFill>
+          </a:ln>
+        </p:spPr>
+        <p:style>
+          <a:lnRef idx="1">
+            <a:schemeClr val="accent1"/>
+          </a:lnRef>
+          <a:fillRef idx="0">
+            <a:schemeClr val="accent1"/>
+          </a:fillRef>
+          <a:effectRef idx="0">
+            <a:schemeClr val="accent1"/>
+          </a:effectRef>
+          <a:fontRef idx="minor">
+            <a:schemeClr val="tx1"/>
+          </a:fontRef>
+        </p:style>
+      </p:cxnSp>
+      <p:pic>
+        <p:nvPicPr>
+          <p:cNvPr id="7" name="Graphic 6" descr="Lightbulb">
+            <a:extLst>
+              <a:ext uri="{FF2B5EF4-FFF2-40B4-BE49-F238E27FC236}">
+                <a16:creationId xmlns:a16="http://schemas.microsoft.com/office/drawing/2014/main" id="{9779CA05-0D50-2BA2-A7D1-3B7034DF00B5}"/>
+              </a:ext>
+            </a:extLst>
+          </p:cNvPr>
+          <p:cNvPicPr>
+            <a:picLocks noChangeAspect="1"/>
+          </p:cNvPicPr>
+          <p:nvPr/>
+        </p:nvPicPr>
+        <p:blipFill>
+          <a:blip r:embed="rId2">
+            <a:extLst>
+              <a:ext uri="{28A0092B-C50C-407E-A947-70E740481C1C}">
+                <a14:useLocalDpi xmlns:a14="http://schemas.microsoft.com/office/drawing/2010/main" val="0"/>
+              </a:ext>
+              <a:ext uri="{96DAC541-7B7A-43D3-8B79-37D633B846F1}">
+                <asvg:svgBlip xmlns:asvg="http://schemas.microsoft.com/office/drawing/2016/SVG/main" r:embed="rId3"/>
+              </a:ext>
+            </a:extLst>
+          </a:blip>
+          <a:stretch>
+            <a:fillRect/>
+          </a:stretch>
+        </p:blipFill>
+        <p:spPr>
+          <a:xfrm>
+            <a:off x="5550408" y="966978"/>
+            <a:ext cx="4873752" cy="4873752"/>
+          </a:xfrm>
+          <a:prstGeom prst="rect">
+            <a:avLst/>
+          </a:prstGeom>
+        </p:spPr>
+      </p:pic>
+    </p:spTree>
+    <p:extLst>
+      <p:ext uri="{BB962C8B-B14F-4D97-AF65-F5344CB8AC3E}">
+        <p14:creationId xmlns:p14="http://schemas.microsoft.com/office/powerpoint/2010/main" val="689954741"/>
+      </p:ext>
+    </p:extLst>
+  </p:cSld>
+  <p:clrMapOvr>
+    <a:masterClrMapping/>
+  </p:clrMapOvr>
+</p:sld>
+</file>
+
+<file path=ppt/slides/slide11.xml><?xml version="1.0" encoding="utf-8"?>
+<p:sld xmlns:a="http://schemas.openxmlformats.org/drawingml/2006/main" xmlns:r="http://schemas.openxmlformats.org/officeDocument/2006/relationships" xmlns:p="http://schemas.openxmlformats.org/presentationml/2006/main">
+  <p:cSld>
+    <p:bg>
+      <p:bgPr>
+        <a:solidFill>
+          <a:schemeClr val="bg1"/>
+        </a:solidFill>
+        <a:effectLst/>
+      </p:bgPr>
+    </p:bg>
+    <p:spTree>
+      <p:nvGrpSpPr>
+        <p:cNvPr id="1" name=""/>
+        <p:cNvGrpSpPr/>
+        <p:nvPr/>
+      </p:nvGrpSpPr>
+      <p:grpSpPr>
+        <a:xfrm>
+          <a:off x="0" y="0"/>
+          <a:ext cx="0" cy="0"/>
+          <a:chOff x="0" y="0"/>
+          <a:chExt cx="0" cy="0"/>
+        </a:xfrm>
+      </p:grpSpPr>
+      <p:sp useBgFill="1">
+        <p:nvSpPr>
+          <p:cNvPr id="10" name="Rectangle 9">
+            <a:extLst>
+              <a:ext uri="{FF2B5EF4-FFF2-40B4-BE49-F238E27FC236}">
+                <a16:creationId xmlns:a16="http://schemas.microsoft.com/office/drawing/2014/main" id="{DBDA151C-5770-45E4-AAFF-59E7F403866D}"/>
+              </a:ext>
+              <a:ext uri="{C183D7F6-B498-43B3-948B-1728B52AA6E4}">
+                <adec:decorative xmlns:adec="http://schemas.microsoft.com/office/drawing/2017/decorative" val="1"/>
+              </a:ext>
+            </a:extLst>
+          </p:cNvPr>
+          <p:cNvSpPr>
+            <a:spLocks noGrp="1" noRot="1" noChangeAspect="1" noMove="1" noResize="1" noEditPoints="1" noAdjustHandles="1" noChangeArrowheads="1" noChangeShapeType="1" noTextEdit="1"/>
+          </p:cNvSpPr>
+          <p:nvPr>
+            <p:extLst>
+              <p:ext uri="{386F3935-93C4-4BCD-93E2-E3B085C9AB24}">
+                <p16:designElem xmlns:p16="http://schemas.microsoft.com/office/powerpoint/2015/main" val="1"/>
+              </p:ext>
+            </p:extLst>
+          </p:nvPr>
+        </p:nvSpPr>
+        <p:spPr>
+          <a:xfrm>
+            <a:off x="0" y="0"/>
+            <a:ext cx="12192000" cy="6858000"/>
+          </a:xfrm>
+          <a:prstGeom prst="rect">
+            <a:avLst/>
+          </a:prstGeom>
+          <a:ln w="12700" cap="flat" cmpd="sng" algn="ctr">
+            <a:noFill/>
+            <a:prstDash val="solid"/>
+            <a:miter lim="800000"/>
+          </a:ln>
+          <a:effectLst/>
+          <a:extLst>
+            <a:ext uri="{91240B29-F687-4F45-9708-019B960494DF}">
+              <a14:hiddenLine xmlns:a14="http://schemas.microsoft.com/office/drawing/2010/main" w="12700" cap="flat" cmpd="sng" algn="ctr">
+                <a:solidFill>
+                  <a:schemeClr val="accent1">
+                    <a:shade val="50000"/>
+                  </a:schemeClr>
+                </a:solidFill>
+                <a:prstDash val="solid"/>
+                <a:miter lim="800000"/>
+              </a14:hiddenLine>
+            </a:ext>
+          </a:extLst>
+        </p:spPr>
+        <p:style>
+          <a:lnRef idx="2">
+            <a:schemeClr val="accent1">
+              <a:shade val="50000"/>
+            </a:schemeClr>
+          </a:lnRef>
+          <a:fillRef idx="1">
+            <a:schemeClr val="accent1"/>
+          </a:fillRef>
+          <a:effectRef idx="0">
+            <a:schemeClr val="accent1"/>
+          </a:effectRef>
+          <a:fontRef idx="minor">
+            <a:schemeClr val="lt1"/>
+          </a:fontRef>
+        </p:style>
+        <p:txBody>
+          <a:bodyPr rtlCol="0" anchor="ctr"/>
+          <a:lstStyle/>
+          <a:p>
+            <a:pPr algn="ctr"/>
+            <a:endParaRPr lang="en-US" dirty="0"/>
+          </a:p>
+        </p:txBody>
+      </p:sp>
+      <p:sp>
+        <p:nvSpPr>
+          <p:cNvPr id="2" name="Title 1">
+            <a:extLst>
+              <a:ext uri="{FF2B5EF4-FFF2-40B4-BE49-F238E27FC236}">
+                <a16:creationId xmlns:a16="http://schemas.microsoft.com/office/drawing/2014/main" id="{6AD82CC8-5B49-06A6-ACED-AF7E88807625}"/>
+              </a:ext>
+            </a:extLst>
+          </p:cNvPr>
+          <p:cNvSpPr>
+            <a:spLocks noGrp="1"/>
+          </p:cNvSpPr>
+          <p:nvPr>
+            <p:ph type="title"/>
+          </p:nvPr>
+        </p:nvSpPr>
+        <p:spPr>
+          <a:xfrm>
+            <a:off x="672253" y="368108"/>
+            <a:ext cx="10847494" cy="1171069"/>
+          </a:xfrm>
+        </p:spPr>
+        <p:txBody>
+          <a:bodyPr anchor="t">
+            <a:normAutofit fontScale="90000"/>
+          </a:bodyPr>
+          <a:lstStyle/>
+          <a:p>
+            <a:r>
+              <a:rPr lang="en-US" dirty="0"/>
+              <a:t>Energy-Efficient Machine Learning on the Edges by Kumar et al.</a:t>
+            </a:r>
+          </a:p>
+        </p:txBody>
+      </p:sp>
+      <p:pic>
+        <p:nvPicPr>
+          <p:cNvPr id="5" name="Picture 4">
+            <a:extLst>
+              <a:ext uri="{FF2B5EF4-FFF2-40B4-BE49-F238E27FC236}">
+                <a16:creationId xmlns:a16="http://schemas.microsoft.com/office/drawing/2014/main" id="{0458B205-53B7-3DCA-B9B2-C98F99B06FB3}"/>
+              </a:ext>
+            </a:extLst>
+          </p:cNvPr>
+          <p:cNvPicPr>
+            <a:picLocks noChangeAspect="1"/>
+          </p:cNvPicPr>
+          <p:nvPr/>
+        </p:nvPicPr>
+        <p:blipFill>
+          <a:blip r:embed="rId2"/>
+          <a:stretch>
+            <a:fillRect/>
+          </a:stretch>
+        </p:blipFill>
+        <p:spPr>
+          <a:xfrm>
+            <a:off x="1175069" y="3429000"/>
+            <a:ext cx="9841861" cy="2534278"/>
+          </a:xfrm>
+          <a:prstGeom prst="rect">
+            <a:avLst/>
+          </a:prstGeom>
+        </p:spPr>
+      </p:pic>
+      <p:sp>
+        <p:nvSpPr>
+          <p:cNvPr id="3" name="Content Placeholder 2">
+            <a:extLst>
+              <a:ext uri="{FF2B5EF4-FFF2-40B4-BE49-F238E27FC236}">
+                <a16:creationId xmlns:a16="http://schemas.microsoft.com/office/drawing/2014/main" id="{94B7F342-B74E-2EB1-174D-7643254530DD}"/>
+              </a:ext>
+            </a:extLst>
+          </p:cNvPr>
+          <p:cNvSpPr>
+            <a:spLocks noGrp="1"/>
+          </p:cNvSpPr>
+          <p:nvPr>
+            <p:ph idx="1"/>
+          </p:nvPr>
+        </p:nvSpPr>
+        <p:spPr>
+          <a:xfrm>
+            <a:off x="560439" y="1792986"/>
+            <a:ext cx="5663380" cy="1639063"/>
+          </a:xfrm>
+        </p:spPr>
+        <p:txBody>
+          <a:bodyPr anchor="t">
+            <a:normAutofit fontScale="92500" lnSpcReduction="20000"/>
+          </a:bodyPr>
+          <a:lstStyle/>
+          <a:p>
+            <a:r>
+              <a:rPr lang="en-US" dirty="0"/>
+              <a:t>JEPO – a Java code analyzer for energy efficiency</a:t>
+            </a:r>
+          </a:p>
+          <a:p>
+            <a:r>
+              <a:rPr lang="en-US" dirty="0"/>
+              <a:t>int is most energy efficient primitive</a:t>
+            </a:r>
+          </a:p>
+          <a:p>
+            <a:r>
+              <a:rPr lang="en-US" dirty="0"/>
+              <a:t>if-then-else better than ternary operator</a:t>
+            </a:r>
+          </a:p>
+          <a:p>
+            <a:r>
+              <a:rPr lang="en-US" dirty="0"/>
+              <a:t>modulus most expensive arithmetic operator</a:t>
+            </a:r>
+          </a:p>
+        </p:txBody>
+      </p:sp>
+      <p:cxnSp>
+        <p:nvCxnSpPr>
+          <p:cNvPr id="12" name="Straight Connector 11">
+            <a:extLst>
+              <a:ext uri="{FF2B5EF4-FFF2-40B4-BE49-F238E27FC236}">
+                <a16:creationId xmlns:a16="http://schemas.microsoft.com/office/drawing/2014/main" id="{2EA0F4A6-3CC9-C9E2-BA02-58FA29F7DD8E}"/>
+              </a:ext>
+              <a:ext uri="{C183D7F6-B498-43B3-948B-1728B52AA6E4}">
+                <adec:decorative xmlns:adec="http://schemas.microsoft.com/office/drawing/2017/decorative" val="1"/>
+              </a:ext>
+            </a:extLst>
+          </p:cNvPr>
+          <p:cNvCxnSpPr>
+            <a:cxnSpLocks noGrp="1" noRot="1" noChangeAspect="1" noMove="1" noResize="1" noEditPoints="1" noAdjustHandles="1" noChangeArrowheads="1" noChangeShapeType="1"/>
+          </p:cNvCxnSpPr>
+          <p:nvPr>
+            <p:extLst>
+              <p:ext uri="{386F3935-93C4-4BCD-93E2-E3B085C9AB24}">
+                <p16:designElem xmlns:p16="http://schemas.microsoft.com/office/powerpoint/2015/main" val="1"/>
+              </p:ext>
+            </p:extLst>
+          </p:nvPr>
+        </p:nvCxnSpPr>
+        <p:spPr>
+          <a:xfrm>
+            <a:off x="672253" y="6272784"/>
+            <a:ext cx="10847495" cy="0"/>
+          </a:xfrm>
+          <a:prstGeom prst="line">
+            <a:avLst/>
+          </a:prstGeom>
+          <a:ln w="76200"/>
+        </p:spPr>
+        <p:style>
+          <a:lnRef idx="1">
+            <a:schemeClr val="accent1"/>
+          </a:lnRef>
+          <a:fillRef idx="0">
+            <a:schemeClr val="accent1"/>
+          </a:fillRef>
+          <a:effectRef idx="0">
+            <a:schemeClr val="accent1"/>
+          </a:effectRef>
+          <a:fontRef idx="minor">
+            <a:schemeClr val="tx1"/>
+          </a:fontRef>
+        </p:style>
+      </p:cxnSp>
+      <p:sp>
+        <p:nvSpPr>
+          <p:cNvPr id="6" name="TextBox 5">
+            <a:extLst>
+              <a:ext uri="{FF2B5EF4-FFF2-40B4-BE49-F238E27FC236}">
+                <a16:creationId xmlns:a16="http://schemas.microsoft.com/office/drawing/2014/main" id="{0EEB6107-9CFF-D586-1956-06226B2A4130}"/>
+              </a:ext>
+            </a:extLst>
+          </p:cNvPr>
+          <p:cNvSpPr txBox="1"/>
+          <p:nvPr/>
+        </p:nvSpPr>
+        <p:spPr>
+          <a:xfrm>
+            <a:off x="4778592" y="5860025"/>
+            <a:ext cx="2624180" cy="369332"/>
+          </a:xfrm>
+          <a:prstGeom prst="rect">
+            <a:avLst/>
+          </a:prstGeom>
+          <a:noFill/>
+        </p:spPr>
+        <p:txBody>
+          <a:bodyPr wrap="none" rtlCol="0">
+            <a:spAutoFit/>
+          </a:bodyPr>
+          <a:lstStyle/>
+          <a:p>
+            <a:r>
+              <a:rPr lang="en-US" dirty="0"/>
+              <a:t>Kumar, Mohit et al. 2020</a:t>
+            </a:r>
+          </a:p>
+        </p:txBody>
+      </p:sp>
+    </p:spTree>
+    <p:extLst>
+      <p:ext uri="{BB962C8B-B14F-4D97-AF65-F5344CB8AC3E}">
+        <p14:creationId xmlns:p14="http://schemas.microsoft.com/office/powerpoint/2010/main" val="651535636"/>
+      </p:ext>
+    </p:extLst>
+  </p:cSld>
+  <p:clrMapOvr>
+    <a:masterClrMapping/>
+  </p:clrMapOvr>
+</p:sld>
+</file>
+
+<file path=ppt/slides/slide12.xml><?xml version="1.0" encoding="utf-8"?>
+<p:sld xmlns:a="http://schemas.openxmlformats.org/drawingml/2006/main" xmlns:r="http://schemas.openxmlformats.org/officeDocument/2006/relationships" xmlns:p="http://schemas.openxmlformats.org/presentationml/2006/main">
+  <p:cSld>
+    <p:bg>
+      <p:bgPr>
+        <a:solidFill>
+          <a:schemeClr val="bg1"/>
+        </a:solidFill>
+        <a:effectLst/>
+      </p:bgPr>
+    </p:bg>
+    <p:spTree>
+      <p:nvGrpSpPr>
+        <p:cNvPr id="1" name=""/>
+        <p:cNvGrpSpPr/>
+        <p:nvPr/>
+      </p:nvGrpSpPr>
+      <p:grpSpPr>
+        <a:xfrm>
+          <a:off x="0" y="0"/>
+          <a:ext cx="0" cy="0"/>
+          <a:chOff x="0" y="0"/>
+          <a:chExt cx="0" cy="0"/>
+        </a:xfrm>
+      </p:grpSpPr>
+      <p:sp useBgFill="1">
+        <p:nvSpPr>
+          <p:cNvPr id="12" name="Rectangle 11">
+            <a:extLst>
+              <a:ext uri="{FF2B5EF4-FFF2-40B4-BE49-F238E27FC236}">
+                <a16:creationId xmlns:a16="http://schemas.microsoft.com/office/drawing/2014/main" id="{744CAA32-F237-419C-A2DD-43C28D920D3C}"/>
+              </a:ext>
+              <a:ext uri="{C183D7F6-B498-43B3-948B-1728B52AA6E4}">
+                <adec:decorative xmlns:adec="http://schemas.microsoft.com/office/drawing/2017/decorative" val="1"/>
+              </a:ext>
+            </a:extLst>
+          </p:cNvPr>
+          <p:cNvSpPr>
+            <a:spLocks noGrp="1" noRot="1" noChangeAspect="1" noMove="1" noResize="1" noEditPoints="1" noAdjustHandles="1" noChangeArrowheads="1" noChangeShapeType="1" noTextEdit="1"/>
+          </p:cNvSpPr>
+          <p:nvPr>
+            <p:extLst>
+              <p:ext uri="{386F3935-93C4-4BCD-93E2-E3B085C9AB24}">
+                <p16:designElem xmlns:p16="http://schemas.microsoft.com/office/powerpoint/2015/main" val="1"/>
+              </p:ext>
+            </p:extLst>
+          </p:nvPr>
+        </p:nvSpPr>
+        <p:spPr>
+          <a:xfrm>
+            <a:off x="0" y="0"/>
+            <a:ext cx="12192000" cy="6858000"/>
+          </a:xfrm>
+          <a:prstGeom prst="rect">
+            <a:avLst/>
+          </a:prstGeom>
+          <a:ln w="12700" cap="flat" cmpd="sng" algn="ctr">
+            <a:noFill/>
+            <a:prstDash val="solid"/>
+            <a:miter lim="800000"/>
+          </a:ln>
+          <a:effectLst/>
+          <a:extLst>
+            <a:ext uri="{91240B29-F687-4F45-9708-019B960494DF}">
+              <a14:hiddenLine xmlns:a14="http://schemas.microsoft.com/office/drawing/2010/main" w="12700" cap="flat" cmpd="sng" algn="ctr">
+                <a:solidFill>
+                  <a:schemeClr val="accent1">
+                    <a:shade val="50000"/>
+                  </a:schemeClr>
+                </a:solidFill>
+                <a:prstDash val="solid"/>
+                <a:miter lim="800000"/>
+              </a14:hiddenLine>
+            </a:ext>
+          </a:extLst>
+        </p:spPr>
+        <p:style>
+          <a:lnRef idx="2">
+            <a:schemeClr val="accent1">
+              <a:shade val="50000"/>
+            </a:schemeClr>
+          </a:lnRef>
+          <a:fillRef idx="1">
+            <a:schemeClr val="accent1"/>
+          </a:fillRef>
+          <a:effectRef idx="0">
+            <a:schemeClr val="accent1"/>
+          </a:effectRef>
+          <a:fontRef idx="minor">
+            <a:schemeClr val="lt1"/>
+          </a:fontRef>
+        </p:style>
+        <p:txBody>
+          <a:bodyPr rtlCol="0" anchor="ctr"/>
+          <a:lstStyle/>
+          <a:p>
+            <a:pPr algn="ctr"/>
+            <a:endParaRPr lang="en-US"/>
+          </a:p>
+        </p:txBody>
+      </p:sp>
+      <p:pic>
+        <p:nvPicPr>
+          <p:cNvPr id="5" name="Picture 4">
+            <a:extLst>
+              <a:ext uri="{FF2B5EF4-FFF2-40B4-BE49-F238E27FC236}">
+                <a16:creationId xmlns:a16="http://schemas.microsoft.com/office/drawing/2014/main" id="{56F83D08-CEA3-8AAF-F819-C3F6761E2652}"/>
+              </a:ext>
+            </a:extLst>
+          </p:cNvPr>
+          <p:cNvPicPr>
+            <a:picLocks noChangeAspect="1"/>
+          </p:cNvPicPr>
+          <p:nvPr/>
+        </p:nvPicPr>
+        <p:blipFill>
+          <a:blip r:embed="rId2"/>
+          <a:stretch>
+            <a:fillRect/>
+          </a:stretch>
+        </p:blipFill>
+        <p:spPr>
+          <a:xfrm>
+            <a:off x="6753326" y="1399025"/>
+            <a:ext cx="4766422" cy="2264050"/>
+          </a:xfrm>
+          <a:prstGeom prst="rect">
+            <a:avLst/>
+          </a:prstGeom>
+        </p:spPr>
+      </p:pic>
+      <p:sp>
+        <p:nvSpPr>
+          <p:cNvPr id="2" name="Title 1">
+            <a:extLst>
+              <a:ext uri="{FF2B5EF4-FFF2-40B4-BE49-F238E27FC236}">
+                <a16:creationId xmlns:a16="http://schemas.microsoft.com/office/drawing/2014/main" id="{6E053162-226F-3309-5ACF-4B015FCB4A3E}"/>
+              </a:ext>
+            </a:extLst>
+          </p:cNvPr>
+          <p:cNvSpPr>
+            <a:spLocks noGrp="1"/>
+          </p:cNvSpPr>
+          <p:nvPr>
+            <p:ph type="title"/>
+          </p:nvPr>
+        </p:nvSpPr>
+        <p:spPr>
+          <a:xfrm>
+            <a:off x="640080" y="992696"/>
+            <a:ext cx="7048746" cy="1097280"/>
+          </a:xfrm>
+        </p:spPr>
+        <p:txBody>
+          <a:bodyPr anchor="b">
+            <a:noAutofit/>
+          </a:bodyPr>
+          <a:lstStyle/>
+          <a:p>
+            <a:pPr>
+              <a:lnSpc>
+                <a:spcPct val="90000"/>
+              </a:lnSpc>
+            </a:pPr>
+            <a:r>
+              <a:rPr lang="en-US" sz="2800" b="1" dirty="0"/>
+              <a:t>Unveiling Energy Efficiency in Deep Learning: Measurement, Prediction, and Scoring across Edge Devices by Tu et al.</a:t>
+            </a:r>
+            <a:br>
+              <a:rPr lang="en-US" sz="2800" b="1" dirty="0"/>
+            </a:br>
+            <a:endParaRPr lang="en-US" sz="2800" dirty="0"/>
+          </a:p>
+        </p:txBody>
+      </p:sp>
+      <p:sp>
+        <p:nvSpPr>
+          <p:cNvPr id="3" name="Content Placeholder 2">
+            <a:extLst>
+              <a:ext uri="{FF2B5EF4-FFF2-40B4-BE49-F238E27FC236}">
+                <a16:creationId xmlns:a16="http://schemas.microsoft.com/office/drawing/2014/main" id="{0E6934B4-376C-91D2-FF60-5A4C6F82230C}"/>
+              </a:ext>
+            </a:extLst>
+          </p:cNvPr>
+          <p:cNvSpPr>
+            <a:spLocks noGrp="1"/>
+          </p:cNvSpPr>
+          <p:nvPr>
+            <p:ph idx="1"/>
+          </p:nvPr>
+        </p:nvSpPr>
+        <p:spPr>
+          <a:xfrm>
+            <a:off x="640080" y="2182273"/>
+            <a:ext cx="6127542" cy="3892479"/>
+          </a:xfrm>
+        </p:spPr>
+        <p:txBody>
+          <a:bodyPr>
+            <a:normAutofit/>
+          </a:bodyPr>
+          <a:lstStyle/>
+          <a:p>
+            <a:r>
+              <a:rPr lang="en-US" dirty="0"/>
+              <a:t>Accurately measure kernel level operations for energy prediction model</a:t>
+            </a:r>
+          </a:p>
+          <a:p>
+            <a:r>
+              <a:rPr lang="en-US" dirty="0"/>
+              <a:t>Outperformed FLOPs-based and BIC-based predictors</a:t>
+            </a:r>
+            <a:endParaRPr lang="en-US" dirty="0">
+              <a:sym typeface="Symbol" panose="05050102010706020507" pitchFamily="18" charset="2"/>
+            </a:endParaRPr>
+          </a:p>
+          <a:p>
+            <a:r>
+              <a:rPr lang="en-US" dirty="0">
+                <a:sym typeface="Symbol" panose="05050102010706020507" pitchFamily="18" charset="2"/>
+              </a:rPr>
+              <a:t>Novel scoring metrics:</a:t>
+            </a:r>
+          </a:p>
+          <a:p>
+            <a:pPr lvl="1"/>
+            <a:r>
+              <a:rPr lang="en-US" dirty="0">
+                <a:sym typeface="Symbol" panose="05050102010706020507" pitchFamily="18" charset="2"/>
+              </a:rPr>
+              <a:t>Power consumption score (PCS)</a:t>
+            </a:r>
+          </a:p>
+          <a:p>
+            <a:pPr lvl="1"/>
+            <a:r>
+              <a:rPr lang="en-US" dirty="0">
+                <a:sym typeface="Symbol" panose="05050102010706020507" pitchFamily="18" charset="2"/>
+              </a:rPr>
+              <a:t>Inference energy consumption score (IECS)</a:t>
+            </a:r>
+          </a:p>
+          <a:p>
+            <a:endParaRPr lang="en-US" dirty="0"/>
+          </a:p>
+        </p:txBody>
+      </p:sp>
+      <p:pic>
+        <p:nvPicPr>
+          <p:cNvPr id="7" name="Picture 6">
+            <a:extLst>
+              <a:ext uri="{FF2B5EF4-FFF2-40B4-BE49-F238E27FC236}">
+                <a16:creationId xmlns:a16="http://schemas.microsoft.com/office/drawing/2014/main" id="{CDA3CE52-4020-2100-E34F-A2FA5D64A6C3}"/>
+              </a:ext>
+            </a:extLst>
+          </p:cNvPr>
+          <p:cNvPicPr>
+            <a:picLocks noChangeAspect="1"/>
+          </p:cNvPicPr>
+          <p:nvPr/>
+        </p:nvPicPr>
+        <p:blipFill>
+          <a:blip r:embed="rId3"/>
+          <a:stretch>
+            <a:fillRect/>
+          </a:stretch>
+        </p:blipFill>
+        <p:spPr>
+          <a:xfrm>
+            <a:off x="6957820" y="3730048"/>
+            <a:ext cx="4357434" cy="2058886"/>
+          </a:xfrm>
+          <a:prstGeom prst="rect">
+            <a:avLst/>
+          </a:prstGeom>
+        </p:spPr>
+      </p:pic>
+      <p:cxnSp>
+        <p:nvCxnSpPr>
+          <p:cNvPr id="14" name="Straight Connector 13">
+            <a:extLst>
+              <a:ext uri="{FF2B5EF4-FFF2-40B4-BE49-F238E27FC236}">
+                <a16:creationId xmlns:a16="http://schemas.microsoft.com/office/drawing/2014/main" id="{0D7F0166-5104-70BA-EFEB-5271B630FDE0}"/>
+              </a:ext>
+              <a:ext uri="{C183D7F6-B498-43B3-948B-1728B52AA6E4}">
+                <adec:decorative xmlns:adec="http://schemas.microsoft.com/office/drawing/2017/decorative" val="1"/>
+              </a:ext>
+            </a:extLst>
+          </p:cNvPr>
+          <p:cNvCxnSpPr>
+            <a:cxnSpLocks noGrp="1" noRot="1" noChangeAspect="1" noMove="1" noResize="1" noEditPoints="1" noAdjustHandles="1" noChangeArrowheads="1" noChangeShapeType="1"/>
+          </p:cNvCxnSpPr>
+          <p:nvPr>
+            <p:extLst>
+              <p:ext uri="{386F3935-93C4-4BCD-93E2-E3B085C9AB24}">
+                <p16:designElem xmlns:p16="http://schemas.microsoft.com/office/powerpoint/2015/main" val="1"/>
+              </p:ext>
+            </p:extLst>
+          </p:nvPr>
+        </p:nvCxnSpPr>
+        <p:spPr>
+          <a:xfrm>
+            <a:off x="672253" y="6272784"/>
+            <a:ext cx="10847495" cy="0"/>
+          </a:xfrm>
+          <a:prstGeom prst="line">
+            <a:avLst/>
+          </a:prstGeom>
+          <a:ln w="76200"/>
+        </p:spPr>
+        <p:style>
+          <a:lnRef idx="1">
+            <a:schemeClr val="accent1"/>
+          </a:lnRef>
+          <a:fillRef idx="0">
+            <a:schemeClr val="accent1"/>
+          </a:fillRef>
+          <a:effectRef idx="0">
+            <a:schemeClr val="accent1"/>
+          </a:effectRef>
+          <a:fontRef idx="minor">
+            <a:schemeClr val="tx1"/>
+          </a:fontRef>
+        </p:style>
+      </p:cxnSp>
+      <p:sp>
+        <p:nvSpPr>
+          <p:cNvPr id="8" name="TextBox 7">
+            <a:extLst>
+              <a:ext uri="{FF2B5EF4-FFF2-40B4-BE49-F238E27FC236}">
+                <a16:creationId xmlns:a16="http://schemas.microsoft.com/office/drawing/2014/main" id="{2C2133FC-63AC-7296-F0CE-94C1B6C603A2}"/>
+              </a:ext>
+            </a:extLst>
+          </p:cNvPr>
+          <p:cNvSpPr txBox="1"/>
+          <p:nvPr/>
+        </p:nvSpPr>
+        <p:spPr>
+          <a:xfrm>
+            <a:off x="7920433" y="5855907"/>
+            <a:ext cx="2446504" cy="369332"/>
+          </a:xfrm>
+          <a:prstGeom prst="rect">
+            <a:avLst/>
+          </a:prstGeom>
+          <a:noFill/>
+        </p:spPr>
+        <p:txBody>
+          <a:bodyPr wrap="none" rtlCol="0">
+            <a:spAutoFit/>
+          </a:bodyPr>
+          <a:lstStyle/>
+          <a:p>
+            <a:r>
+              <a:rPr lang="en-US" dirty="0"/>
+              <a:t>Tu, Xiaolong et al 2023</a:t>
+            </a:r>
+          </a:p>
+        </p:txBody>
+      </p:sp>
+    </p:spTree>
+    <p:extLst>
+      <p:ext uri="{BB962C8B-B14F-4D97-AF65-F5344CB8AC3E}">
+        <p14:creationId xmlns:p14="http://schemas.microsoft.com/office/powerpoint/2010/main" val="1236458011"/>
+      </p:ext>
+    </p:extLst>
+  </p:cSld>
+  <p:clrMapOvr>
+    <a:masterClrMapping/>
+  </p:clrMapOvr>
+</p:sld>
+</file>
+
+<file path=ppt/slides/slide13.xml><?xml version="1.0" encoding="utf-8"?>
+<p:sld xmlns:a="http://schemas.openxmlformats.org/drawingml/2006/main" xmlns:r="http://schemas.openxmlformats.org/officeDocument/2006/relationships" xmlns:p="http://schemas.openxmlformats.org/presentationml/2006/main">
+  <p:cSld>
+    <p:bg>
+      <p:bgPr>
+        <a:solidFill>
+          <a:schemeClr val="bg1"/>
+        </a:solidFill>
+        <a:effectLst/>
+      </p:bgPr>
+    </p:bg>
+    <p:spTree>
+      <p:nvGrpSpPr>
+        <p:cNvPr id="1" name=""/>
+        <p:cNvGrpSpPr/>
+        <p:nvPr/>
+      </p:nvGrpSpPr>
+      <p:grpSpPr>
+        <a:xfrm>
+          <a:off x="0" y="0"/>
+          <a:ext cx="0" cy="0"/>
+          <a:chOff x="0" y="0"/>
+          <a:chExt cx="0" cy="0"/>
+        </a:xfrm>
+      </p:grpSpPr>
       <p:sp useBgFill="1">
         <p:nvSpPr>
           <p:cNvPr id="8" name="Rectangle 7">
@@ -12782,6 +16152,294 @@
 <file path=ppt/slides/slide3.xml><?xml version="1.0" encoding="utf-8"?>
 <p:sld xmlns:a="http://schemas.openxmlformats.org/drawingml/2006/main" xmlns:r="http://schemas.openxmlformats.org/officeDocument/2006/relationships" xmlns:p="http://schemas.openxmlformats.org/presentationml/2006/main">
   <p:cSld>
+    <p:bg>
+      <p:bgPr>
+        <a:solidFill>
+          <a:schemeClr val="bg1"/>
+        </a:solidFill>
+        <a:effectLst/>
+      </p:bgPr>
+    </p:bg>
+    <p:spTree>
+      <p:nvGrpSpPr>
+        <p:cNvPr id="1" name=""/>
+        <p:cNvGrpSpPr/>
+        <p:nvPr/>
+      </p:nvGrpSpPr>
+      <p:grpSpPr>
+        <a:xfrm>
+          <a:off x="0" y="0"/>
+          <a:ext cx="0" cy="0"/>
+          <a:chOff x="0" y="0"/>
+          <a:chExt cx="0" cy="0"/>
+        </a:xfrm>
+      </p:grpSpPr>
+      <p:cxnSp>
+        <p:nvCxnSpPr>
+          <p:cNvPr id="10" name="Straight Connector 9">
+            <a:extLst>
+              <a:ext uri="{FF2B5EF4-FFF2-40B4-BE49-F238E27FC236}">
+                <a16:creationId xmlns:a16="http://schemas.microsoft.com/office/drawing/2014/main" id="{118E06E4-607B-144B-382B-AD3D06B1EE8C}"/>
+              </a:ext>
+              <a:ext uri="{C183D7F6-B498-43B3-948B-1728B52AA6E4}">
+                <adec:decorative xmlns:adec="http://schemas.microsoft.com/office/drawing/2017/decorative" val="1"/>
+              </a:ext>
+            </a:extLst>
+          </p:cNvPr>
+          <p:cNvCxnSpPr>
+            <a:cxnSpLocks noGrp="1" noRot="1" noChangeAspect="1" noMove="1" noResize="1" noEditPoints="1" noAdjustHandles="1" noChangeArrowheads="1" noChangeShapeType="1"/>
+          </p:cNvCxnSpPr>
+          <p:nvPr>
+            <p:extLst>
+              <p:ext uri="{386F3935-93C4-4BCD-93E2-E3B085C9AB24}">
+                <p16:designElem xmlns:p16="http://schemas.microsoft.com/office/powerpoint/2015/main" val="1"/>
+              </p:ext>
+            </p:extLst>
+          </p:nvPr>
+        </p:nvCxnSpPr>
+        <p:spPr>
+          <a:xfrm>
+            <a:off x="713232" y="1031001"/>
+            <a:ext cx="978862" cy="0"/>
+          </a:xfrm>
+          <a:prstGeom prst="line">
+            <a:avLst/>
+          </a:prstGeom>
+          <a:ln w="76200"/>
+        </p:spPr>
+        <p:style>
+          <a:lnRef idx="1">
+            <a:schemeClr val="accent1"/>
+          </a:lnRef>
+          <a:fillRef idx="0">
+            <a:schemeClr val="accent1"/>
+          </a:fillRef>
+          <a:effectRef idx="0">
+            <a:schemeClr val="accent1"/>
+          </a:effectRef>
+          <a:fontRef idx="minor">
+            <a:schemeClr val="tx1"/>
+          </a:fontRef>
+        </p:style>
+      </p:cxnSp>
+      <p:sp useBgFill="1">
+        <p:nvSpPr>
+          <p:cNvPr id="12" name="Rectangle 11">
+            <a:extLst>
+              <a:ext uri="{FF2B5EF4-FFF2-40B4-BE49-F238E27FC236}">
+                <a16:creationId xmlns:a16="http://schemas.microsoft.com/office/drawing/2014/main" id="{19F9BF86-FE94-4517-B97D-026C7515E589}"/>
+              </a:ext>
+              <a:ext uri="{C183D7F6-B498-43B3-948B-1728B52AA6E4}">
+                <adec:decorative xmlns:adec="http://schemas.microsoft.com/office/drawing/2017/decorative" val="1"/>
+              </a:ext>
+            </a:extLst>
+          </p:cNvPr>
+          <p:cNvSpPr>
+            <a:spLocks noGrp="1" noRot="1" noChangeAspect="1" noMove="1" noResize="1" noEditPoints="1" noAdjustHandles="1" noChangeArrowheads="1" noChangeShapeType="1" noTextEdit="1"/>
+          </p:cNvSpPr>
+          <p:nvPr>
+            <p:extLst>
+              <p:ext uri="{386F3935-93C4-4BCD-93E2-E3B085C9AB24}">
+                <p16:designElem xmlns:p16="http://schemas.microsoft.com/office/powerpoint/2015/main" val="1"/>
+              </p:ext>
+            </p:extLst>
+          </p:nvPr>
+        </p:nvSpPr>
+        <p:spPr>
+          <a:xfrm>
+            <a:off x="0" y="0"/>
+            <a:ext cx="12192000" cy="6858000"/>
+          </a:xfrm>
+          <a:prstGeom prst="rect">
+            <a:avLst/>
+          </a:prstGeom>
+          <a:ln w="12700" cap="flat" cmpd="sng" algn="ctr">
+            <a:noFill/>
+            <a:prstDash val="solid"/>
+            <a:miter lim="800000"/>
+          </a:ln>
+          <a:effectLst/>
+          <a:extLst>
+            <a:ext uri="{91240B29-F687-4F45-9708-019B960494DF}">
+              <a14:hiddenLine xmlns:a14="http://schemas.microsoft.com/office/drawing/2010/main" w="12700" cap="flat" cmpd="sng" algn="ctr">
+                <a:solidFill>
+                  <a:schemeClr val="accent1">
+                    <a:shade val="50000"/>
+                  </a:schemeClr>
+                </a:solidFill>
+                <a:prstDash val="solid"/>
+                <a:miter lim="800000"/>
+              </a14:hiddenLine>
+            </a:ext>
+          </a:extLst>
+        </p:spPr>
+        <p:style>
+          <a:lnRef idx="2">
+            <a:schemeClr val="accent1">
+              <a:shade val="50000"/>
+            </a:schemeClr>
+          </a:lnRef>
+          <a:fillRef idx="1">
+            <a:schemeClr val="accent1"/>
+          </a:fillRef>
+          <a:effectRef idx="0">
+            <a:schemeClr val="accent1"/>
+          </a:effectRef>
+          <a:fontRef idx="minor">
+            <a:schemeClr val="lt1"/>
+          </a:fontRef>
+        </p:style>
+        <p:txBody>
+          <a:bodyPr rtlCol="0" anchor="ctr"/>
+          <a:lstStyle/>
+          <a:p>
+            <a:pPr algn="ctr"/>
+            <a:endParaRPr lang="en-US"/>
+          </a:p>
+        </p:txBody>
+      </p:sp>
+      <p:sp>
+        <p:nvSpPr>
+          <p:cNvPr id="2" name="Title 1">
+            <a:extLst>
+              <a:ext uri="{FF2B5EF4-FFF2-40B4-BE49-F238E27FC236}">
+                <a16:creationId xmlns:a16="http://schemas.microsoft.com/office/drawing/2014/main" id="{A5050D94-F4FD-8F94-BF1E-1799576AB1A3}"/>
+              </a:ext>
+            </a:extLst>
+          </p:cNvPr>
+          <p:cNvSpPr>
+            <a:spLocks noGrp="1"/>
+          </p:cNvSpPr>
+          <p:nvPr>
+            <p:ph type="title"/>
+          </p:nvPr>
+        </p:nvSpPr>
+        <p:spPr>
+          <a:xfrm>
+            <a:off x="640080" y="1302091"/>
+            <a:ext cx="3291840" cy="2770216"/>
+          </a:xfrm>
+        </p:spPr>
+        <p:txBody>
+          <a:bodyPr vert="horz" lIns="91440" tIns="45720" rIns="91440" bIns="45720" rtlCol="0" anchor="t">
+            <a:normAutofit/>
+          </a:bodyPr>
+          <a:lstStyle/>
+          <a:p>
+            <a:r>
+              <a:rPr lang="en-US" sz="4400"/>
+              <a:t>Background on Edge Computing</a:t>
+            </a:r>
+          </a:p>
+        </p:txBody>
+      </p:sp>
+      <p:cxnSp>
+        <p:nvCxnSpPr>
+          <p:cNvPr id="14" name="Straight Connector 13">
+            <a:extLst>
+              <a:ext uri="{FF2B5EF4-FFF2-40B4-BE49-F238E27FC236}">
+                <a16:creationId xmlns:a16="http://schemas.microsoft.com/office/drawing/2014/main" id="{59D7B6BE-A4E0-4483-BEC5-493AC3E5D2AD}"/>
+              </a:ext>
+              <a:ext uri="{C183D7F6-B498-43B3-948B-1728B52AA6E4}">
+                <adec:decorative xmlns:adec="http://schemas.microsoft.com/office/drawing/2017/decorative" val="1"/>
+              </a:ext>
+            </a:extLst>
+          </p:cNvPr>
+          <p:cNvCxnSpPr>
+            <a:cxnSpLocks noGrp="1" noRot="1" noChangeAspect="1" noMove="1" noResize="1" noEditPoints="1" noAdjustHandles="1" noChangeArrowheads="1" noChangeShapeType="1"/>
+          </p:cNvCxnSpPr>
+          <p:nvPr>
+            <p:extLst>
+              <p:ext uri="{386F3935-93C4-4BCD-93E2-E3B085C9AB24}">
+                <p16:designElem xmlns:p16="http://schemas.microsoft.com/office/powerpoint/2015/main" val="1"/>
+              </p:ext>
+            </p:extLst>
+          </p:nvPr>
+        </p:nvCxnSpPr>
+        <p:spPr>
+          <a:xfrm>
+            <a:off x="713232" y="4459606"/>
+            <a:ext cx="978862" cy="0"/>
+          </a:xfrm>
+          <a:prstGeom prst="line">
+            <a:avLst/>
+          </a:prstGeom>
+          <a:ln w="76200">
+            <a:solidFill>
+              <a:schemeClr val="accent1"/>
+            </a:solidFill>
+          </a:ln>
+        </p:spPr>
+        <p:style>
+          <a:lnRef idx="1">
+            <a:schemeClr val="accent1"/>
+          </a:lnRef>
+          <a:fillRef idx="0">
+            <a:schemeClr val="accent1"/>
+          </a:fillRef>
+          <a:effectRef idx="0">
+            <a:schemeClr val="accent1"/>
+          </a:effectRef>
+          <a:fontRef idx="minor">
+            <a:schemeClr val="tx1"/>
+          </a:fontRef>
+        </p:style>
+      </p:cxnSp>
+      <p:pic>
+        <p:nvPicPr>
+          <p:cNvPr id="7" name="Graphic 6" descr="Wireless router">
+            <a:extLst>
+              <a:ext uri="{FF2B5EF4-FFF2-40B4-BE49-F238E27FC236}">
+                <a16:creationId xmlns:a16="http://schemas.microsoft.com/office/drawing/2014/main" id="{EA2E2113-DFDB-BAD1-4EB0-D386F9B12A3F}"/>
+              </a:ext>
+            </a:extLst>
+          </p:cNvPr>
+          <p:cNvPicPr>
+            <a:picLocks noChangeAspect="1"/>
+          </p:cNvPicPr>
+          <p:nvPr/>
+        </p:nvPicPr>
+        <p:blipFill>
+          <a:blip r:embed="rId2">
+            <a:extLst>
+              <a:ext uri="{28A0092B-C50C-407E-A947-70E740481C1C}">
+                <a14:useLocalDpi xmlns:a14="http://schemas.microsoft.com/office/drawing/2010/main" val="0"/>
+              </a:ext>
+              <a:ext uri="{96DAC541-7B7A-43D3-8B79-37D633B846F1}">
+                <asvg:svgBlip xmlns:asvg="http://schemas.microsoft.com/office/drawing/2016/SVG/main" r:embed="rId3"/>
+              </a:ext>
+            </a:extLst>
+          </a:blip>
+          <a:stretch>
+            <a:fillRect/>
+          </a:stretch>
+        </p:blipFill>
+        <p:spPr>
+          <a:xfrm>
+            <a:off x="5550408" y="966978"/>
+            <a:ext cx="4873752" cy="4873752"/>
+          </a:xfrm>
+          <a:prstGeom prst="rect">
+            <a:avLst/>
+          </a:prstGeom>
+        </p:spPr>
+      </p:pic>
+    </p:spTree>
+    <p:extLst>
+      <p:ext uri="{BB962C8B-B14F-4D97-AF65-F5344CB8AC3E}">
+        <p14:creationId xmlns:p14="http://schemas.microsoft.com/office/powerpoint/2010/main" val="1222190779"/>
+      </p:ext>
+    </p:extLst>
+  </p:cSld>
+  <p:clrMapOvr>
+    <a:masterClrMapping/>
+  </p:clrMapOvr>
+</p:sld>
+</file>
+
+<file path=ppt/slides/slide4.xml><?xml version="1.0" encoding="utf-8"?>
+<p:sld xmlns:a="http://schemas.openxmlformats.org/drawingml/2006/main" xmlns:r="http://schemas.openxmlformats.org/officeDocument/2006/relationships" xmlns:p="http://schemas.openxmlformats.org/presentationml/2006/main">
+  <p:cSld>
     <p:spTree>
       <p:nvGrpSpPr>
         <p:cNvPr id="1" name=""/>
@@ -12861,222 +16519,6 @@
       </p:pic>
       <p:sp>
         <p:nvSpPr>
-          <p:cNvPr id="4" name="Content Placeholder 2">
-            <a:extLst>
-              <a:ext uri="{FF2B5EF4-FFF2-40B4-BE49-F238E27FC236}">
-                <a16:creationId xmlns:a16="http://schemas.microsoft.com/office/drawing/2014/main" id="{8C55208F-C9D3-B8C3-BFF5-E1C23C62CD37}"/>
-              </a:ext>
-            </a:extLst>
-          </p:cNvPr>
-          <p:cNvSpPr txBox="1">
-            <a:spLocks/>
-          </p:cNvSpPr>
-          <p:nvPr/>
-        </p:nvSpPr>
-        <p:spPr>
-          <a:xfrm>
-            <a:off x="792480" y="2785872"/>
-            <a:ext cx="4905314" cy="3566160"/>
-          </a:xfrm>
-          <a:prstGeom prst="rect">
-            <a:avLst/>
-          </a:prstGeom>
-        </p:spPr>
-        <p:txBody>
-          <a:bodyPr vert="horz" lIns="91440" tIns="45720" rIns="91440" bIns="45720" rtlCol="0">
-            <a:normAutofit/>
-          </a:bodyPr>
-          <a:lstStyle>
-            <a:lvl1pPr marL="228600" indent="-228600" algn="l" defTabSz="914400" rtl="0" eaLnBrk="1" latinLnBrk="0" hangingPunct="1">
-              <a:lnSpc>
-                <a:spcPct val="120000"/>
-              </a:lnSpc>
-              <a:spcBef>
-                <a:spcPts val="1000"/>
-              </a:spcBef>
-              <a:buSzPct val="87000"/>
-              <a:buFont typeface="Arial" panose="020B0604020202020204" pitchFamily="34" charset="0"/>
-              <a:buChar char="•"/>
-              <a:defRPr sz="2000" kern="1200">
-                <a:solidFill>
-                  <a:schemeClr val="tx1"/>
-                </a:solidFill>
-                <a:latin typeface="+mn-lt"/>
-                <a:ea typeface="+mn-ea"/>
-                <a:cs typeface="+mn-cs"/>
-              </a:defRPr>
-            </a:lvl1pPr>
-            <a:lvl2pPr marL="493776" indent="-228600" algn="l" defTabSz="914400" rtl="0" eaLnBrk="1" latinLnBrk="0" hangingPunct="1">
-              <a:lnSpc>
-                <a:spcPct val="120000"/>
-              </a:lnSpc>
-              <a:spcBef>
-                <a:spcPts val="500"/>
-              </a:spcBef>
-              <a:buSzPct val="87000"/>
-              <a:buFont typeface="Arial" panose="020B0604020202020204" pitchFamily="34" charset="0"/>
-              <a:buChar char="•"/>
-              <a:defRPr sz="1800" kern="1200">
-                <a:solidFill>
-                  <a:schemeClr val="tx1"/>
-                </a:solidFill>
-                <a:latin typeface="+mn-lt"/>
-                <a:ea typeface="+mn-ea"/>
-                <a:cs typeface="+mn-cs"/>
-              </a:defRPr>
-            </a:lvl2pPr>
-            <a:lvl3pPr marL="731520" indent="-228600" algn="l" defTabSz="914400" rtl="0" eaLnBrk="1" latinLnBrk="0" hangingPunct="1">
-              <a:lnSpc>
-                <a:spcPct val="120000"/>
-              </a:lnSpc>
-              <a:spcBef>
-                <a:spcPts val="500"/>
-              </a:spcBef>
-              <a:buSzPct val="87000"/>
-              <a:buFont typeface="Arial" panose="020B0604020202020204" pitchFamily="34" charset="0"/>
-              <a:buChar char="•"/>
-              <a:defRPr sz="1600" kern="1200">
-                <a:solidFill>
-                  <a:schemeClr val="tx1"/>
-                </a:solidFill>
-                <a:latin typeface="+mn-lt"/>
-                <a:ea typeface="+mn-ea"/>
-                <a:cs typeface="+mn-cs"/>
-              </a:defRPr>
-            </a:lvl3pPr>
-            <a:lvl4pPr marL="1051560" indent="-285750" algn="l" defTabSz="914400" rtl="0" eaLnBrk="1" latinLnBrk="0" hangingPunct="1">
-              <a:lnSpc>
-                <a:spcPct val="120000"/>
-              </a:lnSpc>
-              <a:spcBef>
-                <a:spcPts val="500"/>
-              </a:spcBef>
-              <a:buSzPct val="87000"/>
-              <a:buFont typeface="Arial" panose="020B0604020202020204" pitchFamily="34" charset="0"/>
-              <a:buChar char="•"/>
-              <a:defRPr sz="1400" kern="1200">
-                <a:solidFill>
-                  <a:schemeClr val="tx1"/>
-                </a:solidFill>
-                <a:latin typeface="+mn-lt"/>
-                <a:ea typeface="+mn-ea"/>
-                <a:cs typeface="+mn-cs"/>
-              </a:defRPr>
-            </a:lvl4pPr>
-            <a:lvl5pPr marL="1298448" indent="-228600" algn="l" defTabSz="914400" rtl="0" eaLnBrk="1" latinLnBrk="0" hangingPunct="1">
-              <a:lnSpc>
-                <a:spcPct val="120000"/>
-              </a:lnSpc>
-              <a:spcBef>
-                <a:spcPts val="500"/>
-              </a:spcBef>
-              <a:buSzPct val="87000"/>
-              <a:buFont typeface="Arial" panose="020B0604020202020204" pitchFamily="34" charset="0"/>
-              <a:buChar char="•"/>
-              <a:defRPr sz="1400" kern="1200">
-                <a:solidFill>
-                  <a:schemeClr val="tx1"/>
-                </a:solidFill>
-                <a:latin typeface="+mn-lt"/>
-                <a:ea typeface="+mn-ea"/>
-                <a:cs typeface="+mn-cs"/>
-              </a:defRPr>
-            </a:lvl5pPr>
-            <a:lvl6pPr marL="2514600" indent="-228600" algn="l" defTabSz="914400" rtl="0" eaLnBrk="1" latinLnBrk="0" hangingPunct="1">
-              <a:lnSpc>
-                <a:spcPct val="90000"/>
-              </a:lnSpc>
-              <a:spcBef>
-                <a:spcPts val="500"/>
-              </a:spcBef>
-              <a:buFont typeface="Arial" panose="020B0604020202020204" pitchFamily="34" charset="0"/>
-              <a:buChar char="•"/>
-              <a:defRPr sz="1800" kern="1200">
-                <a:solidFill>
-                  <a:schemeClr val="tx1"/>
-                </a:solidFill>
-                <a:latin typeface="+mn-lt"/>
-                <a:ea typeface="+mn-ea"/>
-                <a:cs typeface="+mn-cs"/>
-              </a:defRPr>
-            </a:lvl6pPr>
-            <a:lvl7pPr marL="2971800" indent="-228600" algn="l" defTabSz="914400" rtl="0" eaLnBrk="1" latinLnBrk="0" hangingPunct="1">
-              <a:lnSpc>
-                <a:spcPct val="90000"/>
-              </a:lnSpc>
-              <a:spcBef>
-                <a:spcPts val="500"/>
-              </a:spcBef>
-              <a:buFont typeface="Arial" panose="020B0604020202020204" pitchFamily="34" charset="0"/>
-              <a:buChar char="•"/>
-              <a:defRPr sz="1800" kern="1200">
-                <a:solidFill>
-                  <a:schemeClr val="tx1"/>
-                </a:solidFill>
-                <a:latin typeface="+mn-lt"/>
-                <a:ea typeface="+mn-ea"/>
-                <a:cs typeface="+mn-cs"/>
-              </a:defRPr>
-            </a:lvl7pPr>
-            <a:lvl8pPr marL="3429000" indent="-228600" algn="l" defTabSz="914400" rtl="0" eaLnBrk="1" latinLnBrk="0" hangingPunct="1">
-              <a:lnSpc>
-                <a:spcPct val="90000"/>
-              </a:lnSpc>
-              <a:spcBef>
-                <a:spcPts val="500"/>
-              </a:spcBef>
-              <a:buFont typeface="Arial" panose="020B0604020202020204" pitchFamily="34" charset="0"/>
-              <a:buChar char="•"/>
-              <a:defRPr sz="1800" kern="1200">
-                <a:solidFill>
-                  <a:schemeClr val="tx1"/>
-                </a:solidFill>
-                <a:latin typeface="+mn-lt"/>
-                <a:ea typeface="+mn-ea"/>
-                <a:cs typeface="+mn-cs"/>
-              </a:defRPr>
-            </a:lvl8pPr>
-            <a:lvl9pPr marL="3886200" indent="-228600" algn="l" defTabSz="914400" rtl="0" eaLnBrk="1" latinLnBrk="0" hangingPunct="1">
-              <a:lnSpc>
-                <a:spcPct val="90000"/>
-              </a:lnSpc>
-              <a:spcBef>
-                <a:spcPts val="500"/>
-              </a:spcBef>
-              <a:buFont typeface="Arial" panose="020B0604020202020204" pitchFamily="34" charset="0"/>
-              <a:buChar char="•"/>
-              <a:defRPr sz="1800" kern="1200">
-                <a:solidFill>
-                  <a:schemeClr val="tx1"/>
-                </a:solidFill>
-                <a:latin typeface="+mn-lt"/>
-                <a:ea typeface="+mn-ea"/>
-                <a:cs typeface="+mn-cs"/>
-              </a:defRPr>
-            </a:lvl9pPr>
-          </a:lstStyle>
-          <a:p>
-            <a:r>
-              <a:rPr lang="en-US" dirty="0"/>
-              <a:t>A broad category of computing devices located at the periphery of a network</a:t>
-            </a:r>
-          </a:p>
-          <a:p>
-            <a:r>
-              <a:rPr lang="en-US" dirty="0"/>
-              <a:t>Generally closest to data collection/generation points</a:t>
-            </a:r>
-          </a:p>
-          <a:p>
-            <a:r>
-              <a:rPr lang="en-US" dirty="0"/>
-              <a:t>e.g. edge servers, personal computers, IoT devices, mobile devices</a:t>
-            </a:r>
-          </a:p>
-        </p:txBody>
-      </p:sp>
-      <p:sp>
-        <p:nvSpPr>
           <p:cNvPr id="7" name="TextBox 6">
             <a:extLst>
               <a:ext uri="{FF2B5EF4-FFF2-40B4-BE49-F238E27FC236}">
@@ -13110,6 +16552,28 @@
           </a:p>
         </p:txBody>
       </p:sp>
+      <p:graphicFrame>
+        <p:nvGraphicFramePr>
+          <p:cNvPr id="11" name="Content Placeholder 2">
+            <a:extLst>
+              <a:ext uri="{FF2B5EF4-FFF2-40B4-BE49-F238E27FC236}">
+                <a16:creationId xmlns:a16="http://schemas.microsoft.com/office/drawing/2014/main" id="{17464304-7B94-90FA-8928-D8A246DA92AA}"/>
+              </a:ext>
+            </a:extLst>
+          </p:cNvPr>
+          <p:cNvGraphicFramePr/>
+          <p:nvPr/>
+        </p:nvGraphicFramePr>
+        <p:xfrm>
+          <a:off x="792480" y="2785872"/>
+          <a:ext cx="4905314" cy="3566160"/>
+        </p:xfrm>
+        <a:graphic>
+          <a:graphicData uri="http://schemas.openxmlformats.org/drawingml/2006/diagram">
+            <dgm:relIds xmlns:dgm="http://schemas.openxmlformats.org/drawingml/2006/diagram" xmlns:r="http://schemas.openxmlformats.org/officeDocument/2006/relationships" r:dm="rId4" r:lo="rId5" r:qs="rId6" r:cs="rId7"/>
+          </a:graphicData>
+        </a:graphic>
+      </p:graphicFrame>
     </p:spTree>
     <p:extLst>
       <p:ext uri="{BB962C8B-B14F-4D97-AF65-F5344CB8AC3E}">
@@ -13123,7 +16587,7 @@
 </p:sld>
 </file>
 
-<file path=ppt/slides/slide4.xml><?xml version="1.0" encoding="utf-8"?>
+<file path=ppt/slides/slide5.xml><?xml version="1.0" encoding="utf-8"?>
 <p:sld xmlns:a="http://schemas.openxmlformats.org/drawingml/2006/main" xmlns:r="http://schemas.openxmlformats.org/officeDocument/2006/relationships" xmlns:p="http://schemas.openxmlformats.org/presentationml/2006/main">
   <p:cSld>
     <p:spTree>
@@ -13546,7 +17010,7 @@
 </p:sld>
 </file>
 
-<file path=ppt/slides/slide5.xml><?xml version="1.0" encoding="utf-8"?>
+<file path=ppt/slides/slide6.xml><?xml version="1.0" encoding="utf-8"?>
 <p:sld xmlns:a="http://schemas.openxmlformats.org/drawingml/2006/main" xmlns:r="http://schemas.openxmlformats.org/officeDocument/2006/relationships" xmlns:p="http://schemas.openxmlformats.org/presentationml/2006/main">
   <p:cSld>
     <p:bg>
@@ -13942,7 +17406,295 @@
 </p:sld>
 </file>
 
-<file path=ppt/slides/slide6.xml><?xml version="1.0" encoding="utf-8"?>
+<file path=ppt/slides/slide7.xml><?xml version="1.0" encoding="utf-8"?>
+<p:sld xmlns:a="http://schemas.openxmlformats.org/drawingml/2006/main" xmlns:r="http://schemas.openxmlformats.org/officeDocument/2006/relationships" xmlns:p="http://schemas.openxmlformats.org/presentationml/2006/main">
+  <p:cSld>
+    <p:bg>
+      <p:bgPr>
+        <a:solidFill>
+          <a:schemeClr val="bg1"/>
+        </a:solidFill>
+        <a:effectLst/>
+      </p:bgPr>
+    </p:bg>
+    <p:spTree>
+      <p:nvGrpSpPr>
+        <p:cNvPr id="1" name=""/>
+        <p:cNvGrpSpPr/>
+        <p:nvPr/>
+      </p:nvGrpSpPr>
+      <p:grpSpPr>
+        <a:xfrm>
+          <a:off x="0" y="0"/>
+          <a:ext cx="0" cy="0"/>
+          <a:chOff x="0" y="0"/>
+          <a:chExt cx="0" cy="0"/>
+        </a:xfrm>
+      </p:grpSpPr>
+      <p:cxnSp>
+        <p:nvCxnSpPr>
+          <p:cNvPr id="10" name="Straight Connector 9">
+            <a:extLst>
+              <a:ext uri="{FF2B5EF4-FFF2-40B4-BE49-F238E27FC236}">
+                <a16:creationId xmlns:a16="http://schemas.microsoft.com/office/drawing/2014/main" id="{118E06E4-607B-144B-382B-AD3D06B1EE8C}"/>
+              </a:ext>
+              <a:ext uri="{C183D7F6-B498-43B3-948B-1728B52AA6E4}">
+                <adec:decorative xmlns:adec="http://schemas.microsoft.com/office/drawing/2017/decorative" val="1"/>
+              </a:ext>
+            </a:extLst>
+          </p:cNvPr>
+          <p:cNvCxnSpPr>
+            <a:cxnSpLocks noGrp="1" noRot="1" noChangeAspect="1" noMove="1" noResize="1" noEditPoints="1" noAdjustHandles="1" noChangeArrowheads="1" noChangeShapeType="1"/>
+          </p:cNvCxnSpPr>
+          <p:nvPr>
+            <p:extLst>
+              <p:ext uri="{386F3935-93C4-4BCD-93E2-E3B085C9AB24}">
+                <p16:designElem xmlns:p16="http://schemas.microsoft.com/office/powerpoint/2015/main" val="1"/>
+              </p:ext>
+            </p:extLst>
+          </p:nvPr>
+        </p:nvCxnSpPr>
+        <p:spPr>
+          <a:xfrm>
+            <a:off x="713232" y="1031001"/>
+            <a:ext cx="978862" cy="0"/>
+          </a:xfrm>
+          <a:prstGeom prst="line">
+            <a:avLst/>
+          </a:prstGeom>
+          <a:ln w="76200"/>
+        </p:spPr>
+        <p:style>
+          <a:lnRef idx="1">
+            <a:schemeClr val="accent1"/>
+          </a:lnRef>
+          <a:fillRef idx="0">
+            <a:schemeClr val="accent1"/>
+          </a:fillRef>
+          <a:effectRef idx="0">
+            <a:schemeClr val="accent1"/>
+          </a:effectRef>
+          <a:fontRef idx="minor">
+            <a:schemeClr val="tx1"/>
+          </a:fontRef>
+        </p:style>
+      </p:cxnSp>
+      <p:sp useBgFill="1">
+        <p:nvSpPr>
+          <p:cNvPr id="12" name="Rectangle 11">
+            <a:extLst>
+              <a:ext uri="{FF2B5EF4-FFF2-40B4-BE49-F238E27FC236}">
+                <a16:creationId xmlns:a16="http://schemas.microsoft.com/office/drawing/2014/main" id="{19F9BF86-FE94-4517-B97D-026C7515E589}"/>
+              </a:ext>
+              <a:ext uri="{C183D7F6-B498-43B3-948B-1728B52AA6E4}">
+                <adec:decorative xmlns:adec="http://schemas.microsoft.com/office/drawing/2017/decorative" val="1"/>
+              </a:ext>
+            </a:extLst>
+          </p:cNvPr>
+          <p:cNvSpPr>
+            <a:spLocks noGrp="1" noRot="1" noChangeAspect="1" noMove="1" noResize="1" noEditPoints="1" noAdjustHandles="1" noChangeArrowheads="1" noChangeShapeType="1" noTextEdit="1"/>
+          </p:cNvSpPr>
+          <p:nvPr>
+            <p:extLst>
+              <p:ext uri="{386F3935-93C4-4BCD-93E2-E3B085C9AB24}">
+                <p16:designElem xmlns:p16="http://schemas.microsoft.com/office/powerpoint/2015/main" val="1"/>
+              </p:ext>
+            </p:extLst>
+          </p:nvPr>
+        </p:nvSpPr>
+        <p:spPr>
+          <a:xfrm>
+            <a:off x="0" y="0"/>
+            <a:ext cx="12192000" cy="6858000"/>
+          </a:xfrm>
+          <a:prstGeom prst="rect">
+            <a:avLst/>
+          </a:prstGeom>
+          <a:ln w="12700" cap="flat" cmpd="sng" algn="ctr">
+            <a:noFill/>
+            <a:prstDash val="solid"/>
+            <a:miter lim="800000"/>
+          </a:ln>
+          <a:effectLst/>
+          <a:extLst>
+            <a:ext uri="{91240B29-F687-4F45-9708-019B960494DF}">
+              <a14:hiddenLine xmlns:a14="http://schemas.microsoft.com/office/drawing/2010/main" w="12700" cap="flat" cmpd="sng" algn="ctr">
+                <a:solidFill>
+                  <a:schemeClr val="accent1">
+                    <a:shade val="50000"/>
+                  </a:schemeClr>
+                </a:solidFill>
+                <a:prstDash val="solid"/>
+                <a:miter lim="800000"/>
+              </a14:hiddenLine>
+            </a:ext>
+          </a:extLst>
+        </p:spPr>
+        <p:style>
+          <a:lnRef idx="2">
+            <a:schemeClr val="accent1">
+              <a:shade val="50000"/>
+            </a:schemeClr>
+          </a:lnRef>
+          <a:fillRef idx="1">
+            <a:schemeClr val="accent1"/>
+          </a:fillRef>
+          <a:effectRef idx="0">
+            <a:schemeClr val="accent1"/>
+          </a:effectRef>
+          <a:fontRef idx="minor">
+            <a:schemeClr val="lt1"/>
+          </a:fontRef>
+        </p:style>
+        <p:txBody>
+          <a:bodyPr rtlCol="0" anchor="ctr"/>
+          <a:lstStyle/>
+          <a:p>
+            <a:pPr algn="ctr"/>
+            <a:endParaRPr lang="en-US"/>
+          </a:p>
+        </p:txBody>
+      </p:sp>
+      <p:sp>
+        <p:nvSpPr>
+          <p:cNvPr id="2" name="Title 1">
+            <a:extLst>
+              <a:ext uri="{FF2B5EF4-FFF2-40B4-BE49-F238E27FC236}">
+                <a16:creationId xmlns:a16="http://schemas.microsoft.com/office/drawing/2014/main" id="{6FE6B480-288A-822A-A80C-5ECA6FC63A8A}"/>
+              </a:ext>
+            </a:extLst>
+          </p:cNvPr>
+          <p:cNvSpPr>
+            <a:spLocks noGrp="1"/>
+          </p:cNvSpPr>
+          <p:nvPr>
+            <p:ph type="title"/>
+          </p:nvPr>
+        </p:nvSpPr>
+        <p:spPr>
+          <a:xfrm>
+            <a:off x="640080" y="1302091"/>
+            <a:ext cx="3291840" cy="2770216"/>
+          </a:xfrm>
+        </p:spPr>
+        <p:txBody>
+          <a:bodyPr vert="horz" lIns="91440" tIns="45720" rIns="91440" bIns="45720" rtlCol="0" anchor="t">
+            <a:normAutofit/>
+          </a:bodyPr>
+          <a:lstStyle/>
+          <a:p>
+            <a:r>
+              <a:rPr lang="en-US" sz="4400" dirty="0"/>
+              <a:t>Runtime Optimization</a:t>
+            </a:r>
+          </a:p>
+        </p:txBody>
+      </p:sp>
+      <p:cxnSp>
+        <p:nvCxnSpPr>
+          <p:cNvPr id="14" name="Straight Connector 13">
+            <a:extLst>
+              <a:ext uri="{FF2B5EF4-FFF2-40B4-BE49-F238E27FC236}">
+                <a16:creationId xmlns:a16="http://schemas.microsoft.com/office/drawing/2014/main" id="{59D7B6BE-A4E0-4483-BEC5-493AC3E5D2AD}"/>
+              </a:ext>
+              <a:ext uri="{C183D7F6-B498-43B3-948B-1728B52AA6E4}">
+                <adec:decorative xmlns:adec="http://schemas.microsoft.com/office/drawing/2017/decorative" val="1"/>
+              </a:ext>
+            </a:extLst>
+          </p:cNvPr>
+          <p:cNvCxnSpPr>
+            <a:cxnSpLocks noGrp="1" noRot="1" noChangeAspect="1" noMove="1" noResize="1" noEditPoints="1" noAdjustHandles="1" noChangeArrowheads="1" noChangeShapeType="1"/>
+          </p:cNvCxnSpPr>
+          <p:nvPr>
+            <p:extLst>
+              <p:ext uri="{386F3935-93C4-4BCD-93E2-E3B085C9AB24}">
+                <p16:designElem xmlns:p16="http://schemas.microsoft.com/office/powerpoint/2015/main" val="1"/>
+              </p:ext>
+            </p:extLst>
+          </p:nvPr>
+        </p:nvCxnSpPr>
+        <p:spPr>
+          <a:xfrm>
+            <a:off x="713232" y="4459606"/>
+            <a:ext cx="978862" cy="0"/>
+          </a:xfrm>
+          <a:prstGeom prst="line">
+            <a:avLst/>
+          </a:prstGeom>
+          <a:ln w="76200">
+            <a:solidFill>
+              <a:schemeClr val="accent1"/>
+            </a:solidFill>
+          </a:ln>
+        </p:spPr>
+        <p:style>
+          <a:lnRef idx="1">
+            <a:schemeClr val="accent1"/>
+          </a:lnRef>
+          <a:fillRef idx="0">
+            <a:schemeClr val="accent1"/>
+          </a:fillRef>
+          <a:effectRef idx="0">
+            <a:schemeClr val="accent1"/>
+          </a:effectRef>
+          <a:fontRef idx="minor">
+            <a:schemeClr val="tx1"/>
+          </a:fontRef>
+        </p:style>
+      </p:cxnSp>
+      <p:pic>
+        <p:nvPicPr>
+          <p:cNvPr id="7" name="Graphic 6" descr="Gears">
+            <a:extLst>
+              <a:ext uri="{FF2B5EF4-FFF2-40B4-BE49-F238E27FC236}">
+                <a16:creationId xmlns:a16="http://schemas.microsoft.com/office/drawing/2014/main" id="{5A4C9C89-6AB8-F39B-C2B3-A3216474ACA7}"/>
+              </a:ext>
+            </a:extLst>
+          </p:cNvPr>
+          <p:cNvPicPr>
+            <a:picLocks noChangeAspect="1"/>
+          </p:cNvPicPr>
+          <p:nvPr/>
+        </p:nvPicPr>
+        <p:blipFill>
+          <a:blip r:embed="rId2">
+            <a:extLst>
+              <a:ext uri="{28A0092B-C50C-407E-A947-70E740481C1C}">
+                <a14:useLocalDpi xmlns:a14="http://schemas.microsoft.com/office/drawing/2010/main" val="0"/>
+              </a:ext>
+              <a:ext uri="{96DAC541-7B7A-43D3-8B79-37D633B846F1}">
+                <asvg:svgBlip xmlns:asvg="http://schemas.microsoft.com/office/drawing/2016/SVG/main" r:embed="rId3"/>
+              </a:ext>
+            </a:extLst>
+          </a:blip>
+          <a:stretch>
+            <a:fillRect/>
+          </a:stretch>
+        </p:blipFill>
+        <p:spPr>
+          <a:xfrm>
+            <a:off x="5550408" y="966978"/>
+            <a:ext cx="4873752" cy="4873752"/>
+          </a:xfrm>
+          <a:prstGeom prst="rect">
+            <a:avLst/>
+          </a:prstGeom>
+        </p:spPr>
+      </p:pic>
+    </p:spTree>
+    <p:extLst>
+      <p:ext uri="{BB962C8B-B14F-4D97-AF65-F5344CB8AC3E}">
+        <p14:creationId xmlns:p14="http://schemas.microsoft.com/office/powerpoint/2010/main" val="3455210459"/>
+      </p:ext>
+    </p:extLst>
+  </p:cSld>
+  <p:clrMapOvr>
+    <a:masterClrMapping/>
+  </p:clrMapOvr>
+</p:sld>
+</file>
+
+<file path=ppt/slides/slide8.xml><?xml version="1.0" encoding="utf-8"?>
 <p:sld xmlns:a="http://schemas.openxmlformats.org/drawingml/2006/main" xmlns:r="http://schemas.openxmlformats.org/officeDocument/2006/relationships" xmlns:p="http://schemas.openxmlformats.org/presentationml/2006/main">
   <p:cSld>
     <p:bg>
@@ -14350,7 +18102,7 @@
 </p:sld>
 </file>
 
-<file path=ppt/slides/slide7.xml><?xml version="1.0" encoding="utf-8"?>
+<file path=ppt/slides/slide9.xml><?xml version="1.0" encoding="utf-8"?>
 <p:sld xmlns:a="http://schemas.openxmlformats.org/drawingml/2006/main" xmlns:r="http://schemas.openxmlformats.org/officeDocument/2006/relationships" xmlns:p="http://schemas.openxmlformats.org/presentationml/2006/main">
   <p:cSld>
     <p:bg>
@@ -14699,695 +18451,6 @@
     <p:extLst>
       <p:ext uri="{BB962C8B-B14F-4D97-AF65-F5344CB8AC3E}">
         <p14:creationId xmlns:p14="http://schemas.microsoft.com/office/powerpoint/2010/main" val="3778381238"/>
-      </p:ext>
-    </p:extLst>
-  </p:cSld>
-  <p:clrMapOvr>
-    <a:masterClrMapping/>
-  </p:clrMapOvr>
-</p:sld>
-</file>
-
-<file path=ppt/slides/slide8.xml><?xml version="1.0" encoding="utf-8"?>
-<p:sld xmlns:a="http://schemas.openxmlformats.org/drawingml/2006/main" xmlns:r="http://schemas.openxmlformats.org/officeDocument/2006/relationships" xmlns:p="http://schemas.openxmlformats.org/presentationml/2006/main">
-  <p:cSld>
-    <p:bg>
-      <p:bgPr>
-        <a:solidFill>
-          <a:schemeClr val="bg1"/>
-        </a:solidFill>
-        <a:effectLst/>
-      </p:bgPr>
-    </p:bg>
-    <p:spTree>
-      <p:nvGrpSpPr>
-        <p:cNvPr id="1" name=""/>
-        <p:cNvGrpSpPr/>
-        <p:nvPr/>
-      </p:nvGrpSpPr>
-      <p:grpSpPr>
-        <a:xfrm>
-          <a:off x="0" y="0"/>
-          <a:ext cx="0" cy="0"/>
-          <a:chOff x="0" y="0"/>
-          <a:chExt cx="0" cy="0"/>
-        </a:xfrm>
-      </p:grpSpPr>
-      <p:sp useBgFill="1">
-        <p:nvSpPr>
-          <p:cNvPr id="10" name="Rectangle 9">
-            <a:extLst>
-              <a:ext uri="{FF2B5EF4-FFF2-40B4-BE49-F238E27FC236}">
-                <a16:creationId xmlns:a16="http://schemas.microsoft.com/office/drawing/2014/main" id="{DBDA151C-5770-45E4-AAFF-59E7F403866D}"/>
-              </a:ext>
-              <a:ext uri="{C183D7F6-B498-43B3-948B-1728B52AA6E4}">
-                <adec:decorative xmlns:adec="http://schemas.microsoft.com/office/drawing/2017/decorative" val="1"/>
-              </a:ext>
-            </a:extLst>
-          </p:cNvPr>
-          <p:cNvSpPr>
-            <a:spLocks noGrp="1" noRot="1" noChangeAspect="1" noMove="1" noResize="1" noEditPoints="1" noAdjustHandles="1" noChangeArrowheads="1" noChangeShapeType="1" noTextEdit="1"/>
-          </p:cNvSpPr>
-          <p:nvPr>
-            <p:extLst>
-              <p:ext uri="{386F3935-93C4-4BCD-93E2-E3B085C9AB24}">
-                <p16:designElem xmlns:p16="http://schemas.microsoft.com/office/powerpoint/2015/main" val="1"/>
-              </p:ext>
-            </p:extLst>
-          </p:nvPr>
-        </p:nvSpPr>
-        <p:spPr>
-          <a:xfrm>
-            <a:off x="0" y="0"/>
-            <a:ext cx="12192000" cy="6858000"/>
-          </a:xfrm>
-          <a:prstGeom prst="rect">
-            <a:avLst/>
-          </a:prstGeom>
-          <a:ln w="12700" cap="flat" cmpd="sng" algn="ctr">
-            <a:noFill/>
-            <a:prstDash val="solid"/>
-            <a:miter lim="800000"/>
-          </a:ln>
-          <a:effectLst/>
-          <a:extLst>
-            <a:ext uri="{91240B29-F687-4F45-9708-019B960494DF}">
-              <a14:hiddenLine xmlns:a14="http://schemas.microsoft.com/office/drawing/2010/main" w="12700" cap="flat" cmpd="sng" algn="ctr">
-                <a:solidFill>
-                  <a:schemeClr val="accent1">
-                    <a:shade val="50000"/>
-                  </a:schemeClr>
-                </a:solidFill>
-                <a:prstDash val="solid"/>
-                <a:miter lim="800000"/>
-              </a14:hiddenLine>
-            </a:ext>
-          </a:extLst>
-        </p:spPr>
-        <p:style>
-          <a:lnRef idx="2">
-            <a:schemeClr val="accent1">
-              <a:shade val="50000"/>
-            </a:schemeClr>
-          </a:lnRef>
-          <a:fillRef idx="1">
-            <a:schemeClr val="accent1"/>
-          </a:fillRef>
-          <a:effectRef idx="0">
-            <a:schemeClr val="accent1"/>
-          </a:effectRef>
-          <a:fontRef idx="minor">
-            <a:schemeClr val="lt1"/>
-          </a:fontRef>
-        </p:style>
-        <p:txBody>
-          <a:bodyPr rtlCol="0" anchor="ctr"/>
-          <a:lstStyle/>
-          <a:p>
-            <a:pPr algn="ctr"/>
-            <a:endParaRPr lang="en-US" dirty="0"/>
-          </a:p>
-        </p:txBody>
-      </p:sp>
-      <p:sp>
-        <p:nvSpPr>
-          <p:cNvPr id="2" name="Title 1">
-            <a:extLst>
-              <a:ext uri="{FF2B5EF4-FFF2-40B4-BE49-F238E27FC236}">
-                <a16:creationId xmlns:a16="http://schemas.microsoft.com/office/drawing/2014/main" id="{6AD82CC8-5B49-06A6-ACED-AF7E88807625}"/>
-              </a:ext>
-            </a:extLst>
-          </p:cNvPr>
-          <p:cNvSpPr>
-            <a:spLocks noGrp="1"/>
-          </p:cNvSpPr>
-          <p:nvPr>
-            <p:ph type="title"/>
-          </p:nvPr>
-        </p:nvSpPr>
-        <p:spPr>
-          <a:xfrm>
-            <a:off x="672253" y="368108"/>
-            <a:ext cx="10847494" cy="1171069"/>
-          </a:xfrm>
-        </p:spPr>
-        <p:txBody>
-          <a:bodyPr anchor="t">
-            <a:normAutofit fontScale="90000"/>
-          </a:bodyPr>
-          <a:lstStyle/>
-          <a:p>
-            <a:r>
-              <a:rPr lang="en-US" dirty="0"/>
-              <a:t>Energy-Efficient Machine Learning on the Edges by Kumar et al.</a:t>
-            </a:r>
-          </a:p>
-        </p:txBody>
-      </p:sp>
-      <p:pic>
-        <p:nvPicPr>
-          <p:cNvPr id="5" name="Picture 4">
-            <a:extLst>
-              <a:ext uri="{FF2B5EF4-FFF2-40B4-BE49-F238E27FC236}">
-                <a16:creationId xmlns:a16="http://schemas.microsoft.com/office/drawing/2014/main" id="{0458B205-53B7-3DCA-B9B2-C98F99B06FB3}"/>
-              </a:ext>
-            </a:extLst>
-          </p:cNvPr>
-          <p:cNvPicPr>
-            <a:picLocks noChangeAspect="1"/>
-          </p:cNvPicPr>
-          <p:nvPr/>
-        </p:nvPicPr>
-        <p:blipFill>
-          <a:blip r:embed="rId2"/>
-          <a:stretch>
-            <a:fillRect/>
-          </a:stretch>
-        </p:blipFill>
-        <p:spPr>
-          <a:xfrm>
-            <a:off x="1175069" y="3429000"/>
-            <a:ext cx="9841861" cy="2534278"/>
-          </a:xfrm>
-          <a:prstGeom prst="rect">
-            <a:avLst/>
-          </a:prstGeom>
-        </p:spPr>
-      </p:pic>
-      <p:sp>
-        <p:nvSpPr>
-          <p:cNvPr id="3" name="Content Placeholder 2">
-            <a:extLst>
-              <a:ext uri="{FF2B5EF4-FFF2-40B4-BE49-F238E27FC236}">
-                <a16:creationId xmlns:a16="http://schemas.microsoft.com/office/drawing/2014/main" id="{94B7F342-B74E-2EB1-174D-7643254530DD}"/>
-              </a:ext>
-            </a:extLst>
-          </p:cNvPr>
-          <p:cNvSpPr>
-            <a:spLocks noGrp="1"/>
-          </p:cNvSpPr>
-          <p:nvPr>
-            <p:ph idx="1"/>
-          </p:nvPr>
-        </p:nvSpPr>
-        <p:spPr>
-          <a:xfrm>
-            <a:off x="560439" y="1792986"/>
-            <a:ext cx="5663380" cy="1639063"/>
-          </a:xfrm>
-        </p:spPr>
-        <p:txBody>
-          <a:bodyPr anchor="t">
-            <a:normAutofit fontScale="92500" lnSpcReduction="20000"/>
-          </a:bodyPr>
-          <a:lstStyle/>
-          <a:p>
-            <a:r>
-              <a:rPr lang="en-US" dirty="0"/>
-              <a:t>JEPO – a Java code analyzer for energy efficiency</a:t>
-            </a:r>
-          </a:p>
-          <a:p>
-            <a:r>
-              <a:rPr lang="en-US" dirty="0"/>
-              <a:t>int is most energy efficient primitive</a:t>
-            </a:r>
-          </a:p>
-          <a:p>
-            <a:r>
-              <a:rPr lang="en-US" dirty="0"/>
-              <a:t>if-then-else better than ternary operator</a:t>
-            </a:r>
-          </a:p>
-          <a:p>
-            <a:r>
-              <a:rPr lang="en-US" dirty="0"/>
-              <a:t>modulus most expensive arithmetic operator</a:t>
-            </a:r>
-          </a:p>
-        </p:txBody>
-      </p:sp>
-      <p:cxnSp>
-        <p:nvCxnSpPr>
-          <p:cNvPr id="12" name="Straight Connector 11">
-            <a:extLst>
-              <a:ext uri="{FF2B5EF4-FFF2-40B4-BE49-F238E27FC236}">
-                <a16:creationId xmlns:a16="http://schemas.microsoft.com/office/drawing/2014/main" id="{2EA0F4A6-3CC9-C9E2-BA02-58FA29F7DD8E}"/>
-              </a:ext>
-              <a:ext uri="{C183D7F6-B498-43B3-948B-1728B52AA6E4}">
-                <adec:decorative xmlns:adec="http://schemas.microsoft.com/office/drawing/2017/decorative" val="1"/>
-              </a:ext>
-            </a:extLst>
-          </p:cNvPr>
-          <p:cNvCxnSpPr>
-            <a:cxnSpLocks noGrp="1" noRot="1" noChangeAspect="1" noMove="1" noResize="1" noEditPoints="1" noAdjustHandles="1" noChangeArrowheads="1" noChangeShapeType="1"/>
-          </p:cNvCxnSpPr>
-          <p:nvPr>
-            <p:extLst>
-              <p:ext uri="{386F3935-93C4-4BCD-93E2-E3B085C9AB24}">
-                <p16:designElem xmlns:p16="http://schemas.microsoft.com/office/powerpoint/2015/main" val="1"/>
-              </p:ext>
-            </p:extLst>
-          </p:nvPr>
-        </p:nvCxnSpPr>
-        <p:spPr>
-          <a:xfrm>
-            <a:off x="672253" y="6272784"/>
-            <a:ext cx="10847495" cy="0"/>
-          </a:xfrm>
-          <a:prstGeom prst="line">
-            <a:avLst/>
-          </a:prstGeom>
-          <a:ln w="76200"/>
-        </p:spPr>
-        <p:style>
-          <a:lnRef idx="1">
-            <a:schemeClr val="accent1"/>
-          </a:lnRef>
-          <a:fillRef idx="0">
-            <a:schemeClr val="accent1"/>
-          </a:fillRef>
-          <a:effectRef idx="0">
-            <a:schemeClr val="accent1"/>
-          </a:effectRef>
-          <a:fontRef idx="minor">
-            <a:schemeClr val="tx1"/>
-          </a:fontRef>
-        </p:style>
-      </p:cxnSp>
-      <p:sp>
-        <p:nvSpPr>
-          <p:cNvPr id="6" name="TextBox 5">
-            <a:extLst>
-              <a:ext uri="{FF2B5EF4-FFF2-40B4-BE49-F238E27FC236}">
-                <a16:creationId xmlns:a16="http://schemas.microsoft.com/office/drawing/2014/main" id="{0EEB6107-9CFF-D586-1956-06226B2A4130}"/>
-              </a:ext>
-            </a:extLst>
-          </p:cNvPr>
-          <p:cNvSpPr txBox="1"/>
-          <p:nvPr/>
-        </p:nvSpPr>
-        <p:spPr>
-          <a:xfrm>
-            <a:off x="4778592" y="5860025"/>
-            <a:ext cx="2624180" cy="369332"/>
-          </a:xfrm>
-          <a:prstGeom prst="rect">
-            <a:avLst/>
-          </a:prstGeom>
-          <a:noFill/>
-        </p:spPr>
-        <p:txBody>
-          <a:bodyPr wrap="none" rtlCol="0">
-            <a:spAutoFit/>
-          </a:bodyPr>
-          <a:lstStyle/>
-          <a:p>
-            <a:r>
-              <a:rPr lang="en-US" dirty="0"/>
-              <a:t>Kumar, Mohit et al. 2020</a:t>
-            </a:r>
-          </a:p>
-        </p:txBody>
-      </p:sp>
-    </p:spTree>
-    <p:extLst>
-      <p:ext uri="{BB962C8B-B14F-4D97-AF65-F5344CB8AC3E}">
-        <p14:creationId xmlns:p14="http://schemas.microsoft.com/office/powerpoint/2010/main" val="651535636"/>
-      </p:ext>
-    </p:extLst>
-  </p:cSld>
-  <p:clrMapOvr>
-    <a:masterClrMapping/>
-  </p:clrMapOvr>
-</p:sld>
-</file>
-
-<file path=ppt/slides/slide9.xml><?xml version="1.0" encoding="utf-8"?>
-<p:sld xmlns:a="http://schemas.openxmlformats.org/drawingml/2006/main" xmlns:r="http://schemas.openxmlformats.org/officeDocument/2006/relationships" xmlns:p="http://schemas.openxmlformats.org/presentationml/2006/main">
-  <p:cSld>
-    <p:bg>
-      <p:bgPr>
-        <a:solidFill>
-          <a:schemeClr val="bg1"/>
-        </a:solidFill>
-        <a:effectLst/>
-      </p:bgPr>
-    </p:bg>
-    <p:spTree>
-      <p:nvGrpSpPr>
-        <p:cNvPr id="1" name=""/>
-        <p:cNvGrpSpPr/>
-        <p:nvPr/>
-      </p:nvGrpSpPr>
-      <p:grpSpPr>
-        <a:xfrm>
-          <a:off x="0" y="0"/>
-          <a:ext cx="0" cy="0"/>
-          <a:chOff x="0" y="0"/>
-          <a:chExt cx="0" cy="0"/>
-        </a:xfrm>
-      </p:grpSpPr>
-      <p:sp useBgFill="1">
-        <p:nvSpPr>
-          <p:cNvPr id="12" name="Rectangle 11">
-            <a:extLst>
-              <a:ext uri="{FF2B5EF4-FFF2-40B4-BE49-F238E27FC236}">
-                <a16:creationId xmlns:a16="http://schemas.microsoft.com/office/drawing/2014/main" id="{744CAA32-F237-419C-A2DD-43C28D920D3C}"/>
-              </a:ext>
-              <a:ext uri="{C183D7F6-B498-43B3-948B-1728B52AA6E4}">
-                <adec:decorative xmlns:adec="http://schemas.microsoft.com/office/drawing/2017/decorative" val="1"/>
-              </a:ext>
-            </a:extLst>
-          </p:cNvPr>
-          <p:cNvSpPr>
-            <a:spLocks noGrp="1" noRot="1" noChangeAspect="1" noMove="1" noResize="1" noEditPoints="1" noAdjustHandles="1" noChangeArrowheads="1" noChangeShapeType="1" noTextEdit="1"/>
-          </p:cNvSpPr>
-          <p:nvPr>
-            <p:extLst>
-              <p:ext uri="{386F3935-93C4-4BCD-93E2-E3B085C9AB24}">
-                <p16:designElem xmlns:p16="http://schemas.microsoft.com/office/powerpoint/2015/main" val="1"/>
-              </p:ext>
-            </p:extLst>
-          </p:nvPr>
-        </p:nvSpPr>
-        <p:spPr>
-          <a:xfrm>
-            <a:off x="0" y="0"/>
-            <a:ext cx="12192000" cy="6858000"/>
-          </a:xfrm>
-          <a:prstGeom prst="rect">
-            <a:avLst/>
-          </a:prstGeom>
-          <a:ln w="12700" cap="flat" cmpd="sng" algn="ctr">
-            <a:noFill/>
-            <a:prstDash val="solid"/>
-            <a:miter lim="800000"/>
-          </a:ln>
-          <a:effectLst/>
-          <a:extLst>
-            <a:ext uri="{91240B29-F687-4F45-9708-019B960494DF}">
-              <a14:hiddenLine xmlns:a14="http://schemas.microsoft.com/office/drawing/2010/main" w="12700" cap="flat" cmpd="sng" algn="ctr">
-                <a:solidFill>
-                  <a:schemeClr val="accent1">
-                    <a:shade val="50000"/>
-                  </a:schemeClr>
-                </a:solidFill>
-                <a:prstDash val="solid"/>
-                <a:miter lim="800000"/>
-              </a14:hiddenLine>
-            </a:ext>
-          </a:extLst>
-        </p:spPr>
-        <p:style>
-          <a:lnRef idx="2">
-            <a:schemeClr val="accent1">
-              <a:shade val="50000"/>
-            </a:schemeClr>
-          </a:lnRef>
-          <a:fillRef idx="1">
-            <a:schemeClr val="accent1"/>
-          </a:fillRef>
-          <a:effectRef idx="0">
-            <a:schemeClr val="accent1"/>
-          </a:effectRef>
-          <a:fontRef idx="minor">
-            <a:schemeClr val="lt1"/>
-          </a:fontRef>
-        </p:style>
-        <p:txBody>
-          <a:bodyPr rtlCol="0" anchor="ctr"/>
-          <a:lstStyle/>
-          <a:p>
-            <a:pPr algn="ctr"/>
-            <a:endParaRPr lang="en-US"/>
-          </a:p>
-        </p:txBody>
-      </p:sp>
-      <p:pic>
-        <p:nvPicPr>
-          <p:cNvPr id="5" name="Picture 4">
-            <a:extLst>
-              <a:ext uri="{FF2B5EF4-FFF2-40B4-BE49-F238E27FC236}">
-                <a16:creationId xmlns:a16="http://schemas.microsoft.com/office/drawing/2014/main" id="{56F83D08-CEA3-8AAF-F819-C3F6761E2652}"/>
-              </a:ext>
-            </a:extLst>
-          </p:cNvPr>
-          <p:cNvPicPr>
-            <a:picLocks noChangeAspect="1"/>
-          </p:cNvPicPr>
-          <p:nvPr/>
-        </p:nvPicPr>
-        <p:blipFill>
-          <a:blip r:embed="rId2"/>
-          <a:stretch>
-            <a:fillRect/>
-          </a:stretch>
-        </p:blipFill>
-        <p:spPr>
-          <a:xfrm>
-            <a:off x="6753326" y="1399025"/>
-            <a:ext cx="4766422" cy="2264050"/>
-          </a:xfrm>
-          <a:prstGeom prst="rect">
-            <a:avLst/>
-          </a:prstGeom>
-        </p:spPr>
-      </p:pic>
-      <p:sp>
-        <p:nvSpPr>
-          <p:cNvPr id="2" name="Title 1">
-            <a:extLst>
-              <a:ext uri="{FF2B5EF4-FFF2-40B4-BE49-F238E27FC236}">
-                <a16:creationId xmlns:a16="http://schemas.microsoft.com/office/drawing/2014/main" id="{6E053162-226F-3309-5ACF-4B015FCB4A3E}"/>
-              </a:ext>
-            </a:extLst>
-          </p:cNvPr>
-          <p:cNvSpPr>
-            <a:spLocks noGrp="1"/>
-          </p:cNvSpPr>
-          <p:nvPr>
-            <p:ph type="title"/>
-          </p:nvPr>
-        </p:nvSpPr>
-        <p:spPr>
-          <a:xfrm>
-            <a:off x="640080" y="992696"/>
-            <a:ext cx="7048746" cy="1097280"/>
-          </a:xfrm>
-        </p:spPr>
-        <p:txBody>
-          <a:bodyPr anchor="b">
-            <a:noAutofit/>
-          </a:bodyPr>
-          <a:lstStyle/>
-          <a:p>
-            <a:pPr>
-              <a:lnSpc>
-                <a:spcPct val="90000"/>
-              </a:lnSpc>
-            </a:pPr>
-            <a:r>
-              <a:rPr lang="en-US" sz="2800" b="1" dirty="0"/>
-              <a:t>Unveiling Energy Efficiency in Deep Learning: Measurement, Prediction, and Scoring across Edge Devices by Tu et al.</a:t>
-            </a:r>
-            <a:br>
-              <a:rPr lang="en-US" sz="2800" b="1" dirty="0"/>
-            </a:br>
-            <a:endParaRPr lang="en-US" sz="2800" dirty="0"/>
-          </a:p>
-        </p:txBody>
-      </p:sp>
-      <p:sp>
-        <p:nvSpPr>
-          <p:cNvPr id="3" name="Content Placeholder 2">
-            <a:extLst>
-              <a:ext uri="{FF2B5EF4-FFF2-40B4-BE49-F238E27FC236}">
-                <a16:creationId xmlns:a16="http://schemas.microsoft.com/office/drawing/2014/main" id="{0E6934B4-376C-91D2-FF60-5A4C6F82230C}"/>
-              </a:ext>
-            </a:extLst>
-          </p:cNvPr>
-          <p:cNvSpPr>
-            <a:spLocks noGrp="1"/>
-          </p:cNvSpPr>
-          <p:nvPr>
-            <p:ph idx="1"/>
-          </p:nvPr>
-        </p:nvSpPr>
-        <p:spPr>
-          <a:xfrm>
-            <a:off x="640080" y="2182273"/>
-            <a:ext cx="6127542" cy="3892479"/>
-          </a:xfrm>
-        </p:spPr>
-        <p:txBody>
-          <a:bodyPr>
-            <a:normAutofit/>
-          </a:bodyPr>
-          <a:lstStyle/>
-          <a:p>
-            <a:r>
-              <a:rPr lang="en-US" dirty="0"/>
-              <a:t>Accurately measure kernel level operations for energy prediction model</a:t>
-            </a:r>
-          </a:p>
-          <a:p>
-            <a:r>
-              <a:rPr lang="en-US" dirty="0"/>
-              <a:t>Outperformed FLOPs-based and BIC-based predictors</a:t>
-            </a:r>
-            <a:endParaRPr lang="en-US" dirty="0">
-              <a:sym typeface="Symbol" panose="05050102010706020507" pitchFamily="18" charset="2"/>
-            </a:endParaRPr>
-          </a:p>
-          <a:p>
-            <a:r>
-              <a:rPr lang="en-US" dirty="0">
-                <a:sym typeface="Symbol" panose="05050102010706020507" pitchFamily="18" charset="2"/>
-              </a:rPr>
-              <a:t>Novel scoring metrics:</a:t>
-            </a:r>
-          </a:p>
-          <a:p>
-            <a:pPr lvl="1"/>
-            <a:r>
-              <a:rPr lang="en-US" dirty="0">
-                <a:sym typeface="Symbol" panose="05050102010706020507" pitchFamily="18" charset="2"/>
-              </a:rPr>
-              <a:t>Power consumption score (PCS)</a:t>
-            </a:r>
-          </a:p>
-          <a:p>
-            <a:pPr lvl="1"/>
-            <a:r>
-              <a:rPr lang="en-US" dirty="0">
-                <a:sym typeface="Symbol" panose="05050102010706020507" pitchFamily="18" charset="2"/>
-              </a:rPr>
-              <a:t>Inference energy consumption score (IECS)</a:t>
-            </a:r>
-          </a:p>
-          <a:p>
-            <a:endParaRPr lang="en-US" dirty="0"/>
-          </a:p>
-        </p:txBody>
-      </p:sp>
-      <p:pic>
-        <p:nvPicPr>
-          <p:cNvPr id="7" name="Picture 6">
-            <a:extLst>
-              <a:ext uri="{FF2B5EF4-FFF2-40B4-BE49-F238E27FC236}">
-                <a16:creationId xmlns:a16="http://schemas.microsoft.com/office/drawing/2014/main" id="{CDA3CE52-4020-2100-E34F-A2FA5D64A6C3}"/>
-              </a:ext>
-            </a:extLst>
-          </p:cNvPr>
-          <p:cNvPicPr>
-            <a:picLocks noChangeAspect="1"/>
-          </p:cNvPicPr>
-          <p:nvPr/>
-        </p:nvPicPr>
-        <p:blipFill>
-          <a:blip r:embed="rId3"/>
-          <a:stretch>
-            <a:fillRect/>
-          </a:stretch>
-        </p:blipFill>
-        <p:spPr>
-          <a:xfrm>
-            <a:off x="6957820" y="3730048"/>
-            <a:ext cx="4357434" cy="2058886"/>
-          </a:xfrm>
-          <a:prstGeom prst="rect">
-            <a:avLst/>
-          </a:prstGeom>
-        </p:spPr>
-      </p:pic>
-      <p:cxnSp>
-        <p:nvCxnSpPr>
-          <p:cNvPr id="14" name="Straight Connector 13">
-            <a:extLst>
-              <a:ext uri="{FF2B5EF4-FFF2-40B4-BE49-F238E27FC236}">
-                <a16:creationId xmlns:a16="http://schemas.microsoft.com/office/drawing/2014/main" id="{0D7F0166-5104-70BA-EFEB-5271B630FDE0}"/>
-              </a:ext>
-              <a:ext uri="{C183D7F6-B498-43B3-948B-1728B52AA6E4}">
-                <adec:decorative xmlns:adec="http://schemas.microsoft.com/office/drawing/2017/decorative" val="1"/>
-              </a:ext>
-            </a:extLst>
-          </p:cNvPr>
-          <p:cNvCxnSpPr>
-            <a:cxnSpLocks noGrp="1" noRot="1" noChangeAspect="1" noMove="1" noResize="1" noEditPoints="1" noAdjustHandles="1" noChangeArrowheads="1" noChangeShapeType="1"/>
-          </p:cNvCxnSpPr>
-          <p:nvPr>
-            <p:extLst>
-              <p:ext uri="{386F3935-93C4-4BCD-93E2-E3B085C9AB24}">
-                <p16:designElem xmlns:p16="http://schemas.microsoft.com/office/powerpoint/2015/main" val="1"/>
-              </p:ext>
-            </p:extLst>
-          </p:nvPr>
-        </p:nvCxnSpPr>
-        <p:spPr>
-          <a:xfrm>
-            <a:off x="672253" y="6272784"/>
-            <a:ext cx="10847495" cy="0"/>
-          </a:xfrm>
-          <a:prstGeom prst="line">
-            <a:avLst/>
-          </a:prstGeom>
-          <a:ln w="76200"/>
-        </p:spPr>
-        <p:style>
-          <a:lnRef idx="1">
-            <a:schemeClr val="accent1"/>
-          </a:lnRef>
-          <a:fillRef idx="0">
-            <a:schemeClr val="accent1"/>
-          </a:fillRef>
-          <a:effectRef idx="0">
-            <a:schemeClr val="accent1"/>
-          </a:effectRef>
-          <a:fontRef idx="minor">
-            <a:schemeClr val="tx1"/>
-          </a:fontRef>
-        </p:style>
-      </p:cxnSp>
-      <p:sp>
-        <p:nvSpPr>
-          <p:cNvPr id="8" name="TextBox 7">
-            <a:extLst>
-              <a:ext uri="{FF2B5EF4-FFF2-40B4-BE49-F238E27FC236}">
-                <a16:creationId xmlns:a16="http://schemas.microsoft.com/office/drawing/2014/main" id="{2C2133FC-63AC-7296-F0CE-94C1B6C603A2}"/>
-              </a:ext>
-            </a:extLst>
-          </p:cNvPr>
-          <p:cNvSpPr txBox="1"/>
-          <p:nvPr/>
-        </p:nvSpPr>
-        <p:spPr>
-          <a:xfrm>
-            <a:off x="7920433" y="5855907"/>
-            <a:ext cx="2446504" cy="369332"/>
-          </a:xfrm>
-          <a:prstGeom prst="rect">
-            <a:avLst/>
-          </a:prstGeom>
-          <a:noFill/>
-        </p:spPr>
-        <p:txBody>
-          <a:bodyPr wrap="none" rtlCol="0">
-            <a:spAutoFit/>
-          </a:bodyPr>
-          <a:lstStyle/>
-          <a:p>
-            <a:r>
-              <a:rPr lang="en-US" dirty="0"/>
-              <a:t>Tu, Xiaolong et al 2023</a:t>
-            </a:r>
-          </a:p>
-        </p:txBody>
-      </p:sp>
-    </p:spTree>
-    <p:extLst>
-      <p:ext uri="{BB962C8B-B14F-4D97-AF65-F5344CB8AC3E}">
-        <p14:creationId xmlns:p14="http://schemas.microsoft.com/office/powerpoint/2010/main" val="1236458011"/>
       </p:ext>
     </p:extLst>
   </p:cSld>
